--- a/Whiteboard design session/WDS trainer presentation - Microservices architecture.pptx
+++ b/Whiteboard design session/WDS trainer presentation - Microservices architecture.pptx
@@ -6,7 +6,7 @@
     <p:sldMasterId id="2147483665" r:id="rId2"/>
   </p:sldMasterIdLst>
   <p:notesMasterIdLst>
-    <p:notesMasterId r:id="rId32"/>
+    <p:notesMasterId r:id="rId28"/>
   </p:notesMasterIdLst>
   <p:sldIdLst>
     <p:sldId id="300" r:id="rId3"/>
@@ -19,25 +19,21 @@
     <p:sldId id="304" r:id="rId10"/>
     <p:sldId id="305" r:id="rId11"/>
     <p:sldId id="360" r:id="rId12"/>
-    <p:sldId id="361" r:id="rId13"/>
-    <p:sldId id="320" r:id="rId14"/>
-    <p:sldId id="322" r:id="rId15"/>
-    <p:sldId id="321" r:id="rId16"/>
-    <p:sldId id="317" r:id="rId17"/>
-    <p:sldId id="316" r:id="rId18"/>
-    <p:sldId id="362" r:id="rId19"/>
-    <p:sldId id="319" r:id="rId20"/>
-    <p:sldId id="331" r:id="rId21"/>
-    <p:sldId id="363" r:id="rId22"/>
-    <p:sldId id="333" r:id="rId23"/>
-    <p:sldId id="334" r:id="rId24"/>
-    <p:sldId id="364" r:id="rId25"/>
-    <p:sldId id="365" r:id="rId26"/>
-    <p:sldId id="366" r:id="rId27"/>
-    <p:sldId id="367" r:id="rId28"/>
-    <p:sldId id="368" r:id="rId29"/>
-    <p:sldId id="318" r:id="rId30"/>
-    <p:sldId id="315" r:id="rId31"/>
+    <p:sldId id="320" r:id="rId13"/>
+    <p:sldId id="322" r:id="rId14"/>
+    <p:sldId id="321" r:id="rId15"/>
+    <p:sldId id="317" r:id="rId16"/>
+    <p:sldId id="316" r:id="rId17"/>
+    <p:sldId id="362" r:id="rId18"/>
+    <p:sldId id="331" r:id="rId19"/>
+    <p:sldId id="363" r:id="rId20"/>
+    <p:sldId id="333" r:id="rId21"/>
+    <p:sldId id="334" r:id="rId22"/>
+    <p:sldId id="364" r:id="rId23"/>
+    <p:sldId id="365" r:id="rId24"/>
+    <p:sldId id="368" r:id="rId25"/>
+    <p:sldId id="318" r:id="rId26"/>
+    <p:sldId id="315" r:id="rId27"/>
   </p:sldIdLst>
   <p:sldSz cx="12192000" cy="6858000"/>
   <p:notesSz cx="6858000" cy="9144000"/>
@@ -229,7 +225,7 @@
           <a:p>
             <a:fld id="{52A13B17-C506-4D51-BB37-16B365906619}" type="datetimeFigureOut">
               <a:rPr lang="en-US" smtClean="0"/>
-              <a:t>9/26/2018</a:t>
+              <a:t>11-Jun-19</a:t>
             </a:fld>
             <a:endParaRPr lang="en-US" dirty="0"/>
           </a:p>
@@ -863,10 +859,7 @@
           <a:bodyPr/>
           <a:lstStyle/>
           <a:p>
-            <a:r>
-              <a:rPr lang="en-US" dirty="0"/>
-              <a:t>This diagram presents a comparison of State storage in monolithic versus microservices approaches, from which you can draw inspiration. You will find this diagram within the Whiteboard Design Session Student Guide.</a:t>
-            </a:r>
+            <a:endParaRPr lang="en-US" dirty="0"/>
           </a:p>
         </p:txBody>
       </p:sp>
@@ -896,7 +889,7 @@
     </p:spTree>
     <p:extLst>
       <p:ext uri="{BB962C8B-B14F-4D97-AF65-F5344CB8AC3E}">
-        <p14:creationId xmlns:p14="http://schemas.microsoft.com/office/powerpoint/2010/main" val="2620800989"/>
+        <p14:creationId xmlns:p14="http://schemas.microsoft.com/office/powerpoint/2010/main" val="3229744285"/>
       </p:ext>
     </p:extLst>
   </p:cSld>
@@ -980,7 +973,7 @@
     </p:spTree>
     <p:extLst>
       <p:ext uri="{BB962C8B-B14F-4D97-AF65-F5344CB8AC3E}">
-        <p14:creationId xmlns:p14="http://schemas.microsoft.com/office/powerpoint/2010/main" val="3229744285"/>
+        <p14:creationId xmlns:p14="http://schemas.microsoft.com/office/powerpoint/2010/main" val="251902611"/>
       </p:ext>
     </p:extLst>
   </p:cSld>
@@ -1064,7 +1057,7 @@
     </p:spTree>
     <p:extLst>
       <p:ext uri="{BB962C8B-B14F-4D97-AF65-F5344CB8AC3E}">
-        <p14:creationId xmlns:p14="http://schemas.microsoft.com/office/powerpoint/2010/main" val="251902611"/>
+        <p14:creationId xmlns:p14="http://schemas.microsoft.com/office/powerpoint/2010/main" val="1579283386"/>
       </p:ext>
     </p:extLst>
   </p:cSld>
@@ -1118,7 +1111,34 @@
           <a:bodyPr/>
           <a:lstStyle/>
           <a:p>
-            <a:endParaRPr lang="en-US" dirty="0"/>
+            <a:pPr marL="171450" indent="-171450">
+              <a:buFont typeface="Arial" panose="020B0604020202020204" pitchFamily="34" charset="0"/>
+              <a:buChar char="•"/>
+            </a:pPr>
+            <a:r>
+              <a:rPr lang="en-US" dirty="0"/>
+              <a:t>Steve Dormer, CIO at Contoso Events</a:t>
+            </a:r>
+          </a:p>
+          <a:p>
+            <a:pPr marL="171450" indent="-171450">
+              <a:buFont typeface="Arial" panose="020B0604020202020204" pitchFamily="34" charset="0"/>
+              <a:buChar char="•"/>
+            </a:pPr>
+            <a:r>
+              <a:rPr lang="en-US" dirty="0"/>
+              <a:t>The primary audience is the technical strategic decision-maker with influential solution architects, or lead technical personnel in development or operations. For this example this could include the CIO and his core team. </a:t>
+            </a:r>
+          </a:p>
+          <a:p>
+            <a:pPr marL="171450" indent="-171450">
+              <a:buFont typeface="Arial" panose="020B0604020202020204" pitchFamily="34" charset="0"/>
+              <a:buChar char="•"/>
+            </a:pPr>
+            <a:r>
+              <a:rPr lang="en-US" dirty="0"/>
+              <a:t>Usually we talk to the key architects, developers and infrastructure managers who report to the CIO, or to key solution sponsors or those that represent the business unit IT or developers that report to those sponsors.</a:t>
+            </a:r>
           </a:p>
         </p:txBody>
       </p:sp>
@@ -1148,7 +1168,7 @@
     </p:spTree>
     <p:extLst>
       <p:ext uri="{BB962C8B-B14F-4D97-AF65-F5344CB8AC3E}">
-        <p14:creationId xmlns:p14="http://schemas.microsoft.com/office/powerpoint/2010/main" val="1579283386"/>
+        <p14:creationId xmlns:p14="http://schemas.microsoft.com/office/powerpoint/2010/main" val="647674203"/>
       </p:ext>
     </p:extLst>
   </p:cSld>
@@ -1202,33 +1222,214 @@
           <a:bodyPr/>
           <a:lstStyle/>
           <a:p>
-            <a:pPr marL="171450" indent="-171450">
-              <a:buFont typeface="Arial" panose="020B0604020202020204" pitchFamily="34" charset="0"/>
-              <a:buChar char="•"/>
-            </a:pPr>
-            <a:r>
-              <a:rPr lang="en-US" dirty="0"/>
-              <a:t>Steve Dormer, CIO at Contoso Events</a:t>
-            </a:r>
-          </a:p>
-          <a:p>
-            <a:pPr marL="171450" indent="-171450">
-              <a:buFont typeface="Arial" panose="020B0604020202020204" pitchFamily="34" charset="0"/>
-              <a:buChar char="•"/>
-            </a:pPr>
-            <a:r>
-              <a:rPr lang="en-US" dirty="0"/>
-              <a:t>The primary audience is the technical strategic decision-maker with influential solution architects, or lead technical personnel in development or operations. For this example this could include the CIO and his core team. </a:t>
-            </a:r>
-          </a:p>
-          <a:p>
-            <a:pPr marL="171450" indent="-171450">
-              <a:buFont typeface="Arial" panose="020B0604020202020204" pitchFamily="34" charset="0"/>
-              <a:buChar char="•"/>
-            </a:pPr>
-            <a:r>
-              <a:rPr lang="en-US" dirty="0"/>
-              <a:t>Usually we talk to the key architects, developers and infrastructure managers who report to the CIO, or to key solution sponsors or those that represent the business unit IT or developers that report to those sponsors.</a:t>
+            <a:pPr rtl="0"/>
+            <a:r>
+              <a:rPr lang="en-US" sz="1200" b="0" i="0" u="none" strike="noStrike" kern="1200" baseline="0" dirty="0">
+                <a:solidFill>
+                  <a:schemeClr val="tx1"/>
+                </a:solidFill>
+                <a:latin typeface="+mn-lt"/>
+                <a:ea typeface="+mn-ea"/>
+                <a:cs typeface="+mn-cs"/>
+              </a:rPr>
+              <a:t>This preferred solution is just one of many viable options</a:t>
+            </a:r>
+          </a:p>
+          <a:p>
+            <a:pPr rtl="0"/>
+            <a:endParaRPr lang="en-US" sz="1200" b="0" i="0" u="none" strike="noStrike" kern="1200" baseline="0" dirty="0">
+              <a:solidFill>
+                <a:schemeClr val="tx1"/>
+              </a:solidFill>
+              <a:latin typeface="+mn-lt"/>
+              <a:ea typeface="+mn-ea"/>
+              <a:cs typeface="+mn-cs"/>
+            </a:endParaRPr>
+          </a:p>
+          <a:p>
+            <a:pPr rtl="0"/>
+            <a:r>
+              <a:rPr lang="en-US" sz="1200" b="0" i="0" u="none" strike="noStrike" kern="1200" baseline="0" dirty="0">
+                <a:solidFill>
+                  <a:schemeClr val="tx1"/>
+                </a:solidFill>
+                <a:latin typeface="+mn-lt"/>
+                <a:ea typeface="+mn-ea"/>
+                <a:cs typeface="+mn-cs"/>
+              </a:rPr>
+              <a:t>-   Contoso Events will have both web and mobile applications that consume the back-end APIs for the solution.</a:t>
+            </a:r>
+          </a:p>
+          <a:p>
+            <a:pPr rtl="0"/>
+            <a:endParaRPr lang="en-US" sz="1200" b="0" i="0" u="none" strike="noStrike" kern="1200" baseline="0" dirty="0">
+              <a:solidFill>
+                <a:schemeClr val="tx1"/>
+              </a:solidFill>
+              <a:latin typeface="+mn-lt"/>
+              <a:ea typeface="+mn-ea"/>
+              <a:cs typeface="+mn-cs"/>
+            </a:endParaRPr>
+          </a:p>
+          <a:p>
+            <a:pPr rtl="0"/>
+            <a:r>
+              <a:rPr lang="en-US" sz="1200" b="0" i="0" u="none" strike="noStrike" kern="1200" baseline="0" dirty="0">
+                <a:solidFill>
+                  <a:schemeClr val="tx1"/>
+                </a:solidFill>
+                <a:latin typeface="+mn-lt"/>
+                <a:ea typeface="+mn-ea"/>
+                <a:cs typeface="+mn-cs"/>
+              </a:rPr>
+              <a:t>    -   Users will authenticate to applications using tokens issued by Azure AD B2C.</a:t>
+            </a:r>
+          </a:p>
+          <a:p>
+            <a:pPr rtl="0"/>
+            <a:endParaRPr lang="en-US" sz="1200" b="0" i="0" u="none" strike="noStrike" kern="1200" baseline="0" dirty="0">
+              <a:solidFill>
+                <a:schemeClr val="tx1"/>
+              </a:solidFill>
+              <a:latin typeface="+mn-lt"/>
+              <a:ea typeface="+mn-ea"/>
+              <a:cs typeface="+mn-cs"/>
+            </a:endParaRPr>
+          </a:p>
+          <a:p>
+            <a:pPr rtl="0"/>
+            <a:r>
+              <a:rPr lang="en-US" sz="1200" b="0" i="0" u="none" strike="noStrike" kern="1200" baseline="0" dirty="0">
+                <a:solidFill>
+                  <a:schemeClr val="tx1"/>
+                </a:solidFill>
+                <a:latin typeface="+mn-lt"/>
+                <a:ea typeface="+mn-ea"/>
+                <a:cs typeface="+mn-cs"/>
+              </a:rPr>
+              <a:t>    -   The API Management layer will act as a gateway to all HTTP Web APIs exposed by the solution. API Management will be configured to authorize tokens issued by trusted Azure B2C tenants and potentially additional token issuers for third parties in future.</a:t>
+            </a:r>
+          </a:p>
+          <a:p>
+            <a:pPr rtl="0"/>
+            <a:endParaRPr lang="en-US" sz="1200" b="0" i="0" u="none" strike="noStrike" kern="1200" baseline="0" dirty="0">
+              <a:solidFill>
+                <a:schemeClr val="tx1"/>
+              </a:solidFill>
+              <a:latin typeface="+mn-lt"/>
+              <a:ea typeface="+mn-ea"/>
+              <a:cs typeface="+mn-cs"/>
+            </a:endParaRPr>
+          </a:p>
+          <a:p>
+            <a:pPr rtl="0"/>
+            <a:r>
+              <a:rPr lang="en-US" sz="1200" b="0" i="0" u="none" strike="noStrike" kern="1200" baseline="0" dirty="0">
+                <a:solidFill>
+                  <a:schemeClr val="tx1"/>
+                </a:solidFill>
+                <a:latin typeface="+mn-lt"/>
+                <a:ea typeface="+mn-ea"/>
+                <a:cs typeface="+mn-cs"/>
+              </a:rPr>
+              <a:t>    -   Requests to HTTP Web APIs at the front end will go through Azure Load Balancer and distribute across the available Service Fabric nodes in the cluster.</a:t>
+            </a:r>
+          </a:p>
+          <a:p>
+            <a:pPr rtl="0"/>
+            <a:endParaRPr lang="en-US" sz="1200" b="0" i="0" u="none" strike="noStrike" kern="1200" baseline="0" dirty="0">
+              <a:solidFill>
+                <a:schemeClr val="tx1"/>
+              </a:solidFill>
+              <a:latin typeface="+mn-lt"/>
+              <a:ea typeface="+mn-ea"/>
+              <a:cs typeface="+mn-cs"/>
+            </a:endParaRPr>
+          </a:p>
+          <a:p>
+            <a:pPr rtl="0"/>
+            <a:r>
+              <a:rPr lang="en-US" sz="1200" b="0" i="0" u="none" strike="noStrike" kern="1200" baseline="0" dirty="0">
+                <a:solidFill>
+                  <a:schemeClr val="tx1"/>
+                </a:solidFill>
+                <a:latin typeface="+mn-lt"/>
+                <a:ea typeface="+mn-ea"/>
+                <a:cs typeface="+mn-cs"/>
+              </a:rPr>
+              <a:t>    -   Business functionality will be implemented with containerized microservices based on Linux Docker container images. Web APIs call to those microservices.</a:t>
+            </a:r>
+          </a:p>
+          <a:p>
+            <a:pPr rtl="0"/>
+            <a:endParaRPr lang="en-US" sz="1200" b="0" i="0" u="none" strike="noStrike" kern="1200" baseline="0" dirty="0">
+              <a:solidFill>
+                <a:schemeClr val="tx1"/>
+              </a:solidFill>
+              <a:latin typeface="+mn-lt"/>
+              <a:ea typeface="+mn-ea"/>
+              <a:cs typeface="+mn-cs"/>
+            </a:endParaRPr>
+          </a:p>
+          <a:p>
+            <a:pPr rtl="0"/>
+            <a:r>
+              <a:rPr lang="en-US" sz="1200" b="0" i="0" u="none" strike="noStrike" kern="1200" baseline="0" dirty="0">
+                <a:solidFill>
+                  <a:schemeClr val="tx1"/>
+                </a:solidFill>
+                <a:latin typeface="+mn-lt"/>
+                <a:ea typeface="+mn-ea"/>
+                <a:cs typeface="+mn-cs"/>
+              </a:rPr>
+              <a:t>    -   Microservices will sync their data back to the Cosmos DB instance for ad-hoc queries. They will write the job to an Azure queue.</a:t>
+            </a:r>
+          </a:p>
+          <a:p>
+            <a:pPr rtl="0"/>
+            <a:endParaRPr lang="en-US" sz="1200" b="0" i="0" u="none" strike="noStrike" kern="1200" baseline="0" dirty="0">
+              <a:solidFill>
+                <a:schemeClr val="tx1"/>
+              </a:solidFill>
+              <a:latin typeface="+mn-lt"/>
+              <a:ea typeface="+mn-ea"/>
+              <a:cs typeface="+mn-cs"/>
+            </a:endParaRPr>
+          </a:p>
+          <a:p>
+            <a:pPr rtl="0"/>
+            <a:r>
+              <a:rPr lang="en-US" sz="1200" b="0" i="0" u="none" strike="noStrike" kern="1200" baseline="0" dirty="0">
+                <a:solidFill>
+                  <a:schemeClr val="tx1"/>
+                </a:solidFill>
+                <a:latin typeface="+mn-lt"/>
+                <a:ea typeface="+mn-ea"/>
+                <a:cs typeface="+mn-cs"/>
+              </a:rPr>
+              <a:t>    -   An Azure Function will handle processing the queue and updating the </a:t>
+            </a:r>
+            <a:r>
+              <a:rPr lang="en-US" sz="1200" b="0" i="0" u="none" strike="noStrike" kern="1200" baseline="0" dirty="0" err="1">
+                <a:solidFill>
+                  <a:schemeClr val="tx1"/>
+                </a:solidFill>
+                <a:latin typeface="+mn-lt"/>
+                <a:ea typeface="+mn-ea"/>
+                <a:cs typeface="+mn-cs"/>
+              </a:rPr>
+              <a:t>TicketOrders</a:t>
+            </a:r>
+            <a:r>
+              <a:rPr lang="en-US" sz="1200" b="0" i="0" u="none" strike="noStrike" kern="1200" baseline="0" dirty="0">
+                <a:solidFill>
+                  <a:schemeClr val="tx1"/>
+                </a:solidFill>
+                <a:latin typeface="+mn-lt"/>
+                <a:ea typeface="+mn-ea"/>
+                <a:cs typeface="+mn-cs"/>
+              </a:rPr>
+              <a:t> and related collections in Cosmos DB according to business rules.</a:t>
             </a:r>
           </a:p>
         </p:txBody>
@@ -1259,7 +1460,7 @@
     </p:spTree>
     <p:extLst>
       <p:ext uri="{BB962C8B-B14F-4D97-AF65-F5344CB8AC3E}">
-        <p14:creationId xmlns:p14="http://schemas.microsoft.com/office/powerpoint/2010/main" val="647674203"/>
+        <p14:creationId xmlns:p14="http://schemas.microsoft.com/office/powerpoint/2010/main" val="4179281765"/>
       </p:ext>
     </p:extLst>
   </p:cSld>
@@ -1313,145 +1514,13 @@
           <a:bodyPr/>
           <a:lstStyle/>
           <a:p>
-            <a:pPr rtl="0"/>
-            <a:r>
-              <a:rPr lang="en-US" sz="1200" b="0" i="0" u="none" strike="noStrike" kern="1200" baseline="0" dirty="0">
-                <a:solidFill>
-                  <a:schemeClr val="tx1"/>
-                </a:solidFill>
-                <a:latin typeface="+mn-lt"/>
-                <a:ea typeface="+mn-ea"/>
-                <a:cs typeface="+mn-cs"/>
-              </a:rPr>
-              <a:t>This preferred solution is just one of many viable options</a:t>
-            </a:r>
-          </a:p>
-          <a:p>
-            <a:pPr rtl="0"/>
-            <a:endParaRPr lang="en-US" sz="1200" b="0" i="0" u="none" strike="noStrike" kern="1200" baseline="0" dirty="0">
-              <a:solidFill>
-                <a:schemeClr val="tx1"/>
-              </a:solidFill>
-              <a:latin typeface="+mn-lt"/>
-              <a:ea typeface="+mn-ea"/>
-              <a:cs typeface="+mn-cs"/>
-            </a:endParaRPr>
-          </a:p>
-          <a:p>
-            <a:pPr rtl="0"/>
-            <a:r>
-              <a:rPr lang="en-US" sz="1200" b="0" i="0" u="none" strike="noStrike" kern="1200" baseline="0" dirty="0">
-                <a:solidFill>
-                  <a:schemeClr val="tx1"/>
-                </a:solidFill>
-                <a:latin typeface="+mn-lt"/>
-                <a:ea typeface="+mn-ea"/>
-                <a:cs typeface="+mn-cs"/>
-              </a:rPr>
-              <a:t>From a high-level: </a:t>
-            </a:r>
-          </a:p>
-          <a:p>
-            <a:pPr marL="171450" indent="-171450" rtl="0">
-              <a:buFont typeface="Arial" panose="020B0604020202020204" pitchFamily="34" charset="0"/>
-              <a:buChar char="•"/>
-            </a:pPr>
-            <a:r>
-              <a:rPr lang="en-US" sz="1200" b="0" i="0" u="none" strike="noStrike" kern="1200" baseline="0" dirty="0">
-                <a:solidFill>
-                  <a:schemeClr val="tx1"/>
-                </a:solidFill>
-                <a:latin typeface="+mn-lt"/>
-                <a:ea typeface="+mn-ea"/>
-                <a:cs typeface="+mn-cs"/>
-              </a:rPr>
-              <a:t>Starting with #1 on the left, Contoso Events will have both web and mobile applications that consume the back-end APIs for the solution.</a:t>
-            </a:r>
-          </a:p>
-          <a:p>
-            <a:pPr marL="171450" indent="-171450" rtl="0">
-              <a:buFont typeface="Arial" panose="020B0604020202020204" pitchFamily="34" charset="0"/>
-              <a:buChar char="•"/>
-            </a:pPr>
-            <a:r>
-              <a:rPr lang="en-US" sz="1200" b="0" i="0" u="none" strike="noStrike" kern="1200" baseline="0" dirty="0">
-                <a:solidFill>
-                  <a:schemeClr val="tx1"/>
-                </a:solidFill>
-                <a:latin typeface="+mn-lt"/>
-                <a:ea typeface="+mn-ea"/>
-                <a:cs typeface="+mn-cs"/>
-              </a:rPr>
-              <a:t>Users will authenticate to applications using tokens issued by Azure AD B2C.</a:t>
-            </a:r>
-          </a:p>
-          <a:p>
-            <a:pPr marL="171450" indent="-171450" rtl="0">
-              <a:buFont typeface="Arial" panose="020B0604020202020204" pitchFamily="34" charset="0"/>
-              <a:buChar char="•"/>
-            </a:pPr>
-            <a:r>
-              <a:rPr lang="en-US" sz="1200" b="0" i="0" u="none" strike="noStrike" kern="1200" baseline="0" dirty="0">
-                <a:solidFill>
-                  <a:schemeClr val="tx1"/>
-                </a:solidFill>
-                <a:latin typeface="+mn-lt"/>
-                <a:ea typeface="+mn-ea"/>
-                <a:cs typeface="+mn-cs"/>
-              </a:rPr>
-              <a:t>We will use an API Management layer as a gateway to all HTTP Web APIs exposed by the solution. It will be configured to authorize tokens issued by trusted Azure B2C tenants. This can be expanded to additional token issuers for third parties in future.</a:t>
-            </a:r>
-          </a:p>
-          <a:p>
-            <a:pPr marL="171450" indent="-171450" rtl="0">
-              <a:buFont typeface="Arial" panose="020B0604020202020204" pitchFamily="34" charset="0"/>
-              <a:buChar char="•"/>
-            </a:pPr>
-            <a:r>
-              <a:rPr lang="en-US" sz="1200" b="0" i="0" u="none" strike="noStrike" kern="1200" baseline="0" dirty="0">
-                <a:solidFill>
-                  <a:schemeClr val="tx1"/>
-                </a:solidFill>
-                <a:latin typeface="+mn-lt"/>
-                <a:ea typeface="+mn-ea"/>
-                <a:cs typeface="+mn-cs"/>
-              </a:rPr>
-              <a:t>Requests to HTTP Web APIs at the front end will go through Azure Load Balancer and distribute across the available Service Fabric nodes in the cluster. </a:t>
-            </a:r>
-          </a:p>
-          <a:p>
-            <a:pPr marL="171450" indent="-171450" rtl="0">
-              <a:buFont typeface="Arial" panose="020B0604020202020204" pitchFamily="34" charset="0"/>
-              <a:buChar char="•"/>
-            </a:pPr>
-            <a:r>
-              <a:rPr lang="en-US" sz="1200" b="0" i="0" u="none" strike="noStrike" kern="1200" baseline="0" dirty="0">
-                <a:solidFill>
-                  <a:schemeClr val="tx1"/>
-                </a:solidFill>
-                <a:latin typeface="+mn-lt"/>
-                <a:ea typeface="+mn-ea"/>
-                <a:cs typeface="+mn-cs"/>
-              </a:rPr>
-              <a:t>We will implement Business functionality through stateful services and actors, which will be called by Web APIs. These compose the microservices back end, which will sync their data back to the Cosmos DB instance for ad-hoc queries, by writing the jobs to an Azure queue.</a:t>
-            </a:r>
-          </a:p>
-          <a:p>
-            <a:pPr marL="171450" indent="-171450" rtl="0">
-              <a:buFont typeface="Arial" panose="020B0604020202020204" pitchFamily="34" charset="0"/>
-              <a:buChar char="•"/>
-            </a:pPr>
-            <a:r>
-              <a:rPr lang="en-US" sz="1200" b="0" i="0" u="none" strike="noStrike" kern="1200" baseline="0" dirty="0">
-                <a:solidFill>
-                  <a:schemeClr val="tx1"/>
-                </a:solidFill>
-                <a:latin typeface="+mn-lt"/>
-                <a:ea typeface="+mn-ea"/>
-                <a:cs typeface="+mn-cs"/>
-              </a:rPr>
-              <a:t>An Azure Function will handle processing the queue and updating the TicketOrders and related collections in Cosmos DB, according to business rules.</a:t>
-            </a:r>
+            <a:r>
+              <a:rPr lang="en-US" dirty="0"/>
+              <a:t>Here is a high-level architecture of the core services that compose the new microservices architecture, as well as the state they hold.</a:t>
+            </a:r>
+          </a:p>
+          <a:p>
+            <a:endParaRPr lang="en-US" dirty="0"/>
           </a:p>
         </p:txBody>
       </p:sp>
@@ -1481,7 +1550,7 @@
     </p:spTree>
     <p:extLst>
       <p:ext uri="{BB962C8B-B14F-4D97-AF65-F5344CB8AC3E}">
-        <p14:creationId xmlns:p14="http://schemas.microsoft.com/office/powerpoint/2010/main" val="4179281765"/>
+        <p14:creationId xmlns:p14="http://schemas.microsoft.com/office/powerpoint/2010/main" val="2965857241"/>
       </p:ext>
     </p:extLst>
   </p:cSld>
@@ -1535,86 +1604,523 @@
           <a:bodyPr/>
           <a:lstStyle/>
           <a:p>
-            <a:r>
-              <a:rPr lang="en-US" dirty="0"/>
-              <a:t>Here is a high-level architecture of the core services that compose the new microservices architecture, as well as the state they hold.</a:t>
-            </a:r>
-          </a:p>
-          <a:p>
-            <a:endParaRPr lang="en-US" dirty="0"/>
-          </a:p>
-          <a:p>
-            <a:pPr marL="171450" indent="-171450">
+            <a:pPr marL="0" marR="0" lvl="0" indent="0" algn="l" defTabSz="914400" rtl="0" eaLnBrk="1" fontAlgn="auto" latinLnBrk="0" hangingPunct="1">
+              <a:lnSpc>
+                <a:spcPct val="100000"/>
+              </a:lnSpc>
+              <a:spcBef>
+                <a:spcPts val="0"/>
+              </a:spcBef>
+              <a:spcAft>
+                <a:spcPts val="0"/>
+              </a:spcAft>
+              <a:buClrTx/>
+              <a:buSzTx/>
+              <a:buFontTx/>
+              <a:buNone/>
+              <a:tabLst/>
+              <a:defRPr/>
+            </a:pPr>
+            <a:r>
+              <a:rPr lang="en-US" b="1" i="1" dirty="0"/>
+              <a:t>Describe the scalability features of this design, including any partitioning strategies that are applicable. </a:t>
+            </a:r>
+          </a:p>
+          <a:p>
+            <a:pPr marL="171450" marR="0" lvl="0" indent="-171450" algn="l" defTabSz="914400" rtl="0" eaLnBrk="1" fontAlgn="auto" latinLnBrk="0" hangingPunct="1">
+              <a:lnSpc>
+                <a:spcPct val="100000"/>
+              </a:lnSpc>
+              <a:spcBef>
+                <a:spcPts val="0"/>
+              </a:spcBef>
+              <a:spcAft>
+                <a:spcPts val="0"/>
+              </a:spcAft>
+              <a:buClrTx/>
+              <a:buSzTx/>
               <a:buFont typeface="Arial" panose="020B0604020202020204" pitchFamily="34" charset="0"/>
               <a:buChar char="•"/>
+              <a:tabLst/>
+              <a:defRPr/>
             </a:pPr>
             <a:r>
-              <a:rPr lang="en-US" sz="1200" kern="1200" dirty="0">
-                <a:solidFill>
-                  <a:schemeClr val="tx1"/>
-                </a:solidFill>
-                <a:effectLst/>
-                <a:latin typeface="+mn-lt"/>
-                <a:ea typeface="+mn-ea"/>
-                <a:cs typeface="+mn-cs"/>
-              </a:rPr>
-              <a:t>The Ticket Orders Service, on top of the diagram, will take advantage of reliable queues provided by Service Fabric to persist requests.</a:t>
-            </a:r>
-          </a:p>
-          <a:p>
-            <a:pPr marL="171450" indent="-171450">
+              <a:rPr lang="en-US" b="0" i="0" dirty="0"/>
+              <a:t>API Management Premium features support scaling and multi-region topologies to meet demand and high availability requirements.</a:t>
+            </a:r>
+          </a:p>
+          <a:p>
+            <a:pPr marL="171450" marR="0" lvl="0" indent="-171450" algn="l" defTabSz="914400" rtl="0" eaLnBrk="1" fontAlgn="auto" latinLnBrk="0" hangingPunct="1">
+              <a:lnSpc>
+                <a:spcPct val="100000"/>
+              </a:lnSpc>
+              <a:spcBef>
+                <a:spcPts val="0"/>
+              </a:spcBef>
+              <a:spcAft>
+                <a:spcPts val="0"/>
+              </a:spcAft>
+              <a:buClrTx/>
+              <a:buSzTx/>
               <a:buFont typeface="Arial" panose="020B0604020202020204" pitchFamily="34" charset="0"/>
               <a:buChar char="•"/>
+              <a:tabLst/>
+              <a:defRPr/>
             </a:pPr>
             <a:r>
-              <a:rPr lang="en-US" sz="1200" kern="1200" dirty="0">
-                <a:solidFill>
-                  <a:schemeClr val="tx1"/>
-                </a:solidFill>
-                <a:effectLst/>
-                <a:latin typeface="+mn-lt"/>
-                <a:ea typeface="+mn-ea"/>
-                <a:cs typeface="+mn-cs"/>
-              </a:rPr>
-              <a:t>The Ticket Actor Service processes orders in the queue, and represents a single instance of an order and its processing workflow and state.</a:t>
-            </a:r>
-          </a:p>
-          <a:p>
-            <a:pPr marL="171450" indent="-171450">
+              <a:rPr lang="en-US" b="0" i="0" dirty="0"/>
+              <a:t>The stateless Ticket Order API offloads valid requests to the stateful Ticket Order Queue. This queue is partitioned by instance count so that requests can be distributed by Service Fabric to the appropriate node or service instance according to availability to process the message.</a:t>
+            </a:r>
+          </a:p>
+          <a:p>
+            <a:pPr marL="628650" marR="0" lvl="1" indent="-171450" algn="l" defTabSz="914400" rtl="0" eaLnBrk="1" fontAlgn="auto" latinLnBrk="0" hangingPunct="1">
+              <a:lnSpc>
+                <a:spcPct val="100000"/>
+              </a:lnSpc>
+              <a:spcBef>
+                <a:spcPts val="0"/>
+              </a:spcBef>
+              <a:spcAft>
+                <a:spcPts val="0"/>
+              </a:spcAft>
+              <a:buClrTx/>
+              <a:buSzTx/>
               <a:buFont typeface="Arial" panose="020B0604020202020204" pitchFamily="34" charset="0"/>
               <a:buChar char="•"/>
+              <a:tabLst/>
+              <a:defRPr/>
             </a:pPr>
             <a:r>
-              <a:rPr lang="en-US" sz="1200" kern="1200" dirty="0">
-                <a:solidFill>
-                  <a:schemeClr val="tx1"/>
-                </a:solidFill>
-                <a:effectLst/>
-                <a:latin typeface="+mn-lt"/>
-                <a:ea typeface="+mn-ea"/>
-                <a:cs typeface="+mn-cs"/>
-              </a:rPr>
-              <a:t>When an order is processed, the state is externalized for shared read only services to support aggregation across other data and to optimize reads.</a:t>
-            </a:r>
-            <a:endParaRPr lang="en-US" sz="1200" b="0" i="0" u="none" strike="noStrike" kern="1200" baseline="0" dirty="0">
-              <a:solidFill>
-                <a:schemeClr val="tx1"/>
-              </a:solidFill>
-              <a:latin typeface="+mn-lt"/>
-              <a:ea typeface="+mn-ea"/>
-              <a:cs typeface="+mn-cs"/>
-            </a:endParaRPr>
-          </a:p>
-          <a:p>
-            <a:pPr rtl="0"/>
-            <a:endParaRPr lang="en-US" sz="1200" b="0" i="0" u="none" strike="noStrike" kern="1200" baseline="0" dirty="0">
-              <a:solidFill>
-                <a:schemeClr val="tx1"/>
-              </a:solidFill>
-              <a:latin typeface="+mn-lt"/>
-              <a:ea typeface="+mn-ea"/>
-              <a:cs typeface="+mn-cs"/>
-            </a:endParaRPr>
+              <a:rPr lang="en-US" dirty="0"/>
+              <a:t>The stateful Ticket Order Queue is partitioned by instance count (from 1 to n). </a:t>
+            </a:r>
+          </a:p>
+          <a:p>
+            <a:pPr marL="628650" marR="0" lvl="1" indent="-171450" algn="l" defTabSz="914400" rtl="0" eaLnBrk="1" fontAlgn="auto" latinLnBrk="0" hangingPunct="1">
+              <a:lnSpc>
+                <a:spcPct val="100000"/>
+              </a:lnSpc>
+              <a:spcBef>
+                <a:spcPts val="0"/>
+              </a:spcBef>
+              <a:spcAft>
+                <a:spcPts val="0"/>
+              </a:spcAft>
+              <a:buClrTx/>
+              <a:buSzTx/>
+              <a:buFont typeface="Arial" panose="020B0604020202020204" pitchFamily="34" charset="0"/>
+              <a:buChar char="•"/>
+              <a:tabLst/>
+              <a:defRPr/>
+            </a:pPr>
+            <a:r>
+              <a:rPr lang="en-US" dirty="0"/>
+              <a:t>When the stateless Ticket Order API offloads valid requests to this queue, those requests are randomly distributed by Service Fabric across these partitions, removing the bottleneck of writes to the queue, thanks to parallel distribution.</a:t>
+            </a:r>
+            <a:endParaRPr lang="en-US" b="0" i="0" dirty="0"/>
+          </a:p>
+          <a:p>
+            <a:pPr marL="171450" marR="0" lvl="0" indent="-171450" algn="l" defTabSz="914400" rtl="0" eaLnBrk="1" fontAlgn="auto" latinLnBrk="0" hangingPunct="1">
+              <a:lnSpc>
+                <a:spcPct val="100000"/>
+              </a:lnSpc>
+              <a:spcBef>
+                <a:spcPts val="0"/>
+              </a:spcBef>
+              <a:spcAft>
+                <a:spcPts val="0"/>
+              </a:spcAft>
+              <a:buClrTx/>
+              <a:buSzTx/>
+              <a:buFont typeface="Arial" panose="020B0604020202020204" pitchFamily="34" charset="0"/>
+              <a:buChar char="•"/>
+              <a:tabLst/>
+              <a:defRPr/>
+            </a:pPr>
+            <a:r>
+              <a:rPr lang="en-US" b="0" i="0" dirty="0"/>
+              <a:t>The stateful Ticket Order Actor handles processing from this queue and given the number of parallel orders helps the solution to scale by maintaining the state of any number of parallel orders. </a:t>
+            </a:r>
+          </a:p>
+          <a:p>
+            <a:pPr marL="628650" marR="0" lvl="1" indent="-171450" algn="l" defTabSz="914400" rtl="0" eaLnBrk="1" fontAlgn="auto" latinLnBrk="0" hangingPunct="1">
+              <a:lnSpc>
+                <a:spcPct val="100000"/>
+              </a:lnSpc>
+              <a:spcBef>
+                <a:spcPts val="0"/>
+              </a:spcBef>
+              <a:spcAft>
+                <a:spcPts val="0"/>
+              </a:spcAft>
+              <a:buClrTx/>
+              <a:buSzTx/>
+              <a:buFont typeface="Arial" panose="020B0604020202020204" pitchFamily="34" charset="0"/>
+              <a:buChar char="•"/>
+              <a:tabLst/>
+              <a:defRPr/>
+            </a:pPr>
+            <a:r>
+              <a:rPr lang="en-US" b="0" i="0" dirty="0"/>
+              <a:t>The actor is partitioned by order id, which allows for very fine-grained distribution of state, per order, across the cluster. </a:t>
+            </a:r>
+          </a:p>
+          <a:p>
+            <a:pPr marL="628650" marR="0" lvl="1" indent="-171450" algn="l" defTabSz="914400" rtl="0" eaLnBrk="1" fontAlgn="auto" latinLnBrk="0" hangingPunct="1">
+              <a:lnSpc>
+                <a:spcPct val="100000"/>
+              </a:lnSpc>
+              <a:spcBef>
+                <a:spcPts val="0"/>
+              </a:spcBef>
+              <a:spcAft>
+                <a:spcPts val="0"/>
+              </a:spcAft>
+              <a:buClrTx/>
+              <a:buSzTx/>
+              <a:buFont typeface="Arial" panose="020B0604020202020204" pitchFamily="34" charset="0"/>
+              <a:buChar char="•"/>
+              <a:tabLst/>
+              <a:defRPr/>
+            </a:pPr>
+            <a:r>
+              <a:rPr lang="en-US" b="0" i="0" dirty="0"/>
+              <a:t>Millions of these can exist and distribute across the cluster and inactive actors are evicted from memory automatically to conserve resources. </a:t>
+            </a:r>
+          </a:p>
+          <a:p>
+            <a:pPr marL="457200" marR="0" lvl="1" indent="0" algn="l" defTabSz="914400" rtl="0" eaLnBrk="1" fontAlgn="auto" latinLnBrk="0" hangingPunct="1">
+              <a:lnSpc>
+                <a:spcPct val="100000"/>
+              </a:lnSpc>
+              <a:spcBef>
+                <a:spcPts val="0"/>
+              </a:spcBef>
+              <a:spcAft>
+                <a:spcPts val="0"/>
+              </a:spcAft>
+              <a:buClrTx/>
+              <a:buSzTx/>
+              <a:buFont typeface="Arial" panose="020B0604020202020204" pitchFamily="34" charset="0"/>
+              <a:buNone/>
+              <a:tabLst/>
+              <a:defRPr/>
+            </a:pPr>
+            <a:endParaRPr lang="en-US" b="0" i="0" dirty="0"/>
+          </a:p>
+          <a:p>
+            <a:pPr marL="0" marR="0" lvl="0" indent="0" algn="l" defTabSz="914400" rtl="0" eaLnBrk="1" fontAlgn="auto" latinLnBrk="0" hangingPunct="1">
+              <a:lnSpc>
+                <a:spcPct val="100000"/>
+              </a:lnSpc>
+              <a:spcBef>
+                <a:spcPts val="0"/>
+              </a:spcBef>
+              <a:spcAft>
+                <a:spcPts val="0"/>
+              </a:spcAft>
+              <a:buClrTx/>
+              <a:buSzTx/>
+              <a:buFontTx/>
+              <a:buNone/>
+              <a:tabLst/>
+              <a:defRPr/>
+            </a:pPr>
+            <a:r>
+              <a:rPr lang="en-US" b="1" i="1" dirty="0"/>
+              <a:t>Describe the resiliency of this use case. How can you create an asynchronous ticket order request and guarantee processing? Are there any potential points of failure? How will you address those?</a:t>
+            </a:r>
+          </a:p>
+          <a:p>
+            <a:pPr marL="171450" marR="0" lvl="0" indent="-171450" algn="l" defTabSz="914400" rtl="0" eaLnBrk="1" fontAlgn="auto" latinLnBrk="0" hangingPunct="1">
+              <a:lnSpc>
+                <a:spcPct val="100000"/>
+              </a:lnSpc>
+              <a:spcBef>
+                <a:spcPts val="0"/>
+              </a:spcBef>
+              <a:spcAft>
+                <a:spcPts val="0"/>
+              </a:spcAft>
+              <a:buClrTx/>
+              <a:buSzTx/>
+              <a:buFont typeface="Arial" panose="020B0604020202020204" pitchFamily="34" charset="0"/>
+              <a:buChar char="•"/>
+              <a:tabLst/>
+              <a:defRPr/>
+            </a:pPr>
+            <a:r>
+              <a:rPr lang="en-US" b="0" i="0" dirty="0"/>
+              <a:t>Web applications will not report success unless the Payment Processing succeeds and the order is successfully queued. The queue does not report successful receipt of the message until a quorum is reached.</a:t>
+            </a:r>
+          </a:p>
+          <a:p>
+            <a:pPr marL="171450" marR="0" lvl="0" indent="-171450" algn="l" defTabSz="914400" rtl="0" eaLnBrk="1" fontAlgn="auto" latinLnBrk="0" hangingPunct="1">
+              <a:lnSpc>
+                <a:spcPct val="100000"/>
+              </a:lnSpc>
+              <a:spcBef>
+                <a:spcPts val="0"/>
+              </a:spcBef>
+              <a:spcAft>
+                <a:spcPts val="0"/>
+              </a:spcAft>
+              <a:buClrTx/>
+              <a:buSzTx/>
+              <a:buFont typeface="Arial" panose="020B0604020202020204" pitchFamily="34" charset="0"/>
+              <a:buChar char="•"/>
+              <a:tabLst/>
+              <a:defRPr/>
+            </a:pPr>
+            <a:r>
+              <a:rPr lang="en-US" b="0" i="0" dirty="0"/>
+              <a:t>All Web API calls go through API Management, which can be scaled within a region, or deployed to multiple regions. </a:t>
+            </a:r>
+          </a:p>
+          <a:p>
+            <a:pPr marL="171450" marR="0" lvl="0" indent="-171450" algn="l" defTabSz="914400" rtl="0" eaLnBrk="1" fontAlgn="auto" latinLnBrk="0" hangingPunct="1">
+              <a:lnSpc>
+                <a:spcPct val="100000"/>
+              </a:lnSpc>
+              <a:spcBef>
+                <a:spcPts val="0"/>
+              </a:spcBef>
+              <a:spcAft>
+                <a:spcPts val="0"/>
+              </a:spcAft>
+              <a:buClrTx/>
+              <a:buSzTx/>
+              <a:buFont typeface="Arial" panose="020B0604020202020204" pitchFamily="34" charset="0"/>
+              <a:buChar char="•"/>
+              <a:tabLst/>
+              <a:defRPr/>
+            </a:pPr>
+            <a:r>
+              <a:rPr lang="en-US" b="0" i="0" dirty="0"/>
+              <a:t>The Ticket Order Actor does not remove the order from the queue unless it can successfully process its workflow and save to the Order Sync Queue.</a:t>
+            </a:r>
+          </a:p>
+          <a:p>
+            <a:pPr marL="171450" marR="0" lvl="0" indent="-171450" algn="l" defTabSz="914400" rtl="0" eaLnBrk="1" fontAlgn="auto" latinLnBrk="0" hangingPunct="1">
+              <a:lnSpc>
+                <a:spcPct val="100000"/>
+              </a:lnSpc>
+              <a:spcBef>
+                <a:spcPts val="0"/>
+              </a:spcBef>
+              <a:spcAft>
+                <a:spcPts val="0"/>
+              </a:spcAft>
+              <a:buClrTx/>
+              <a:buSzTx/>
+              <a:buFont typeface="Arial" panose="020B0604020202020204" pitchFamily="34" charset="0"/>
+              <a:buChar char="•"/>
+              <a:tabLst/>
+              <a:defRPr/>
+            </a:pPr>
+            <a:r>
+              <a:rPr lang="en-US" b="0" i="0" dirty="0"/>
+              <a:t>The Azure Function that processes the Order Sync Queue removes messages from the queue if processing is successful to Cosmos DB. </a:t>
+            </a:r>
+          </a:p>
+          <a:p>
+            <a:pPr marL="171450" marR="0" lvl="0" indent="-171450" algn="l" defTabSz="914400" rtl="0" eaLnBrk="1" fontAlgn="auto" latinLnBrk="0" hangingPunct="1">
+              <a:lnSpc>
+                <a:spcPct val="100000"/>
+              </a:lnSpc>
+              <a:spcBef>
+                <a:spcPts val="0"/>
+              </a:spcBef>
+              <a:spcAft>
+                <a:spcPts val="0"/>
+              </a:spcAft>
+              <a:buClrTx/>
+              <a:buSzTx/>
+              <a:buFont typeface="Arial" panose="020B0604020202020204" pitchFamily="34" charset="0"/>
+              <a:buChar char="•"/>
+              <a:tabLst/>
+              <a:defRPr/>
+            </a:pPr>
+            <a:r>
+              <a:rPr lang="en-US" b="0" i="0" dirty="0"/>
+              <a:t>Any of these messages that can’t be processed are moved to a poison queue, to be retried or processed again through another mechanism.</a:t>
+            </a:r>
+          </a:p>
+          <a:p>
+            <a:pPr marL="171450" marR="0" lvl="0" indent="-171450" algn="l" defTabSz="914400" rtl="0" eaLnBrk="1" fontAlgn="auto" latinLnBrk="0" hangingPunct="1">
+              <a:lnSpc>
+                <a:spcPct val="100000"/>
+              </a:lnSpc>
+              <a:spcBef>
+                <a:spcPts val="0"/>
+              </a:spcBef>
+              <a:spcAft>
+                <a:spcPts val="0"/>
+              </a:spcAft>
+              <a:buClrTx/>
+              <a:buSzTx/>
+              <a:buFont typeface="Arial" panose="020B0604020202020204" pitchFamily="34" charset="0"/>
+              <a:buChar char="•"/>
+              <a:tabLst/>
+              <a:defRPr/>
+            </a:pPr>
+            <a:r>
+              <a:rPr lang="en-US" b="0" i="0" dirty="0"/>
+              <a:t>For additional visibility into queue / function processing errors it is good practice to monitor queue sizes that pass a reasonable threshold of standard solution behavior. </a:t>
+            </a:r>
+          </a:p>
+          <a:p>
+            <a:pPr marL="171450" marR="0" lvl="0" indent="-171450" algn="l" defTabSz="914400" rtl="0" eaLnBrk="1" fontAlgn="auto" latinLnBrk="0" hangingPunct="1">
+              <a:lnSpc>
+                <a:spcPct val="100000"/>
+              </a:lnSpc>
+              <a:spcBef>
+                <a:spcPts val="0"/>
+              </a:spcBef>
+              <a:spcAft>
+                <a:spcPts val="0"/>
+              </a:spcAft>
+              <a:buClrTx/>
+              <a:buSzTx/>
+              <a:buFont typeface="Arial" panose="020B0604020202020204" pitchFamily="34" charset="0"/>
+              <a:buChar char="•"/>
+              <a:tabLst/>
+              <a:defRPr/>
+            </a:pPr>
+            <a:endParaRPr lang="en-US" b="0" i="0" dirty="0"/>
+          </a:p>
+          <a:p>
+            <a:pPr marL="0" marR="0" lvl="0" indent="0" algn="l" defTabSz="914400" rtl="0" eaLnBrk="1" fontAlgn="auto" latinLnBrk="0" hangingPunct="1">
+              <a:lnSpc>
+                <a:spcPct val="100000"/>
+              </a:lnSpc>
+              <a:spcBef>
+                <a:spcPts val="0"/>
+              </a:spcBef>
+              <a:spcAft>
+                <a:spcPts val="0"/>
+              </a:spcAft>
+              <a:buClrTx/>
+              <a:buSzTx/>
+              <a:buFont typeface="Arial" panose="020B0604020202020204" pitchFamily="34" charset="0"/>
+              <a:buNone/>
+              <a:tabLst/>
+              <a:defRPr/>
+            </a:pPr>
+            <a:r>
+              <a:rPr lang="en-US" b="1" i="1" dirty="0"/>
+              <a:t>Describe how you will enable external clients to reach stateless HTTP services exposed from the Azure load balancer.</a:t>
+            </a:r>
+            <a:endParaRPr lang="en-US" b="0" i="0" dirty="0"/>
+          </a:p>
+          <a:p>
+            <a:pPr marL="171450" marR="0" lvl="0" indent="-171450" algn="l" defTabSz="914400" rtl="0" eaLnBrk="1" fontAlgn="auto" latinLnBrk="0" hangingPunct="1">
+              <a:lnSpc>
+                <a:spcPct val="100000"/>
+              </a:lnSpc>
+              <a:spcBef>
+                <a:spcPts val="0"/>
+              </a:spcBef>
+              <a:spcAft>
+                <a:spcPts val="0"/>
+              </a:spcAft>
+              <a:buClrTx/>
+              <a:buSzTx/>
+              <a:buFont typeface="Arial" panose="020B0604020202020204" pitchFamily="34" charset="0"/>
+              <a:buChar char="•"/>
+              <a:tabLst/>
+              <a:defRPr/>
+            </a:pPr>
+            <a:r>
+              <a:rPr lang="en-US" b="0" i="0" dirty="0"/>
+              <a:t>When you publish a stateless HTTP service the Service Fabric provides a relative URL to the service according to the configuration you supply. </a:t>
+            </a:r>
+          </a:p>
+          <a:p>
+            <a:pPr marL="171450" marR="0" lvl="0" indent="-171450" algn="l" defTabSz="914400" rtl="0" eaLnBrk="1" fontAlgn="auto" latinLnBrk="0" hangingPunct="1">
+              <a:lnSpc>
+                <a:spcPct val="100000"/>
+              </a:lnSpc>
+              <a:spcBef>
+                <a:spcPts val="0"/>
+              </a:spcBef>
+              <a:spcAft>
+                <a:spcPts val="0"/>
+              </a:spcAft>
+              <a:buClrTx/>
+              <a:buSzTx/>
+              <a:buFont typeface="Arial" panose="020B0604020202020204" pitchFamily="34" charset="0"/>
+              <a:buChar char="•"/>
+              <a:tabLst/>
+              <a:defRPr/>
+            </a:pPr>
+            <a:r>
+              <a:rPr lang="en-US" b="0" i="0" dirty="0"/>
+              <a:t>This way, multiple HTTP services can be deployed to a single node and still be uniquely addressable at port 80 or 443. </a:t>
+            </a:r>
+          </a:p>
+          <a:p>
+            <a:pPr marL="171450" marR="0" lvl="0" indent="-171450" algn="l" defTabSz="914400" rtl="0" eaLnBrk="1" fontAlgn="auto" latinLnBrk="0" hangingPunct="1">
+              <a:lnSpc>
+                <a:spcPct val="100000"/>
+              </a:lnSpc>
+              <a:spcBef>
+                <a:spcPts val="0"/>
+              </a:spcBef>
+              <a:spcAft>
+                <a:spcPts val="0"/>
+              </a:spcAft>
+              <a:buClrTx/>
+              <a:buSzTx/>
+              <a:buFont typeface="Arial" panose="020B0604020202020204" pitchFamily="34" charset="0"/>
+              <a:buChar char="•"/>
+              <a:tabLst/>
+              <a:defRPr/>
+            </a:pPr>
+            <a:r>
+              <a:rPr lang="en-US" b="0" i="0" dirty="0"/>
+              <a:t>In the case of this solution, the API Management layer will consume those endpoints and forward requests. </a:t>
+            </a:r>
+          </a:p>
+          <a:p>
+            <a:pPr marL="0" marR="0" lvl="0" indent="0" algn="l" defTabSz="914400" rtl="0" eaLnBrk="1" fontAlgn="auto" latinLnBrk="0" hangingPunct="1">
+              <a:lnSpc>
+                <a:spcPct val="100000"/>
+              </a:lnSpc>
+              <a:spcBef>
+                <a:spcPts val="0"/>
+              </a:spcBef>
+              <a:spcAft>
+                <a:spcPts val="0"/>
+              </a:spcAft>
+              <a:buClrTx/>
+              <a:buSzTx/>
+              <a:buFont typeface="Arial" panose="020B0604020202020204" pitchFamily="34" charset="0"/>
+              <a:buNone/>
+              <a:tabLst/>
+              <a:defRPr/>
+            </a:pPr>
+            <a:endParaRPr lang="en-US" b="0" i="0" dirty="0"/>
+          </a:p>
+          <a:p>
+            <a:pPr marL="0" marR="0" lvl="0" indent="0" algn="l" defTabSz="914400" rtl="0" eaLnBrk="1" fontAlgn="auto" latinLnBrk="0" hangingPunct="1">
+              <a:lnSpc>
+                <a:spcPct val="100000"/>
+              </a:lnSpc>
+              <a:spcBef>
+                <a:spcPts val="0"/>
+              </a:spcBef>
+              <a:spcAft>
+                <a:spcPts val="0"/>
+              </a:spcAft>
+              <a:buClrTx/>
+              <a:buSzTx/>
+              <a:buFontTx/>
+              <a:buNone/>
+              <a:tabLst/>
+              <a:defRPr/>
+            </a:pPr>
+            <a:endParaRPr lang="en-US" b="0" i="0" dirty="0"/>
           </a:p>
         </p:txBody>
       </p:sp>
@@ -1644,7 +2150,7 @@
     </p:spTree>
     <p:extLst>
       <p:ext uri="{BB962C8B-B14F-4D97-AF65-F5344CB8AC3E}">
-        <p14:creationId xmlns:p14="http://schemas.microsoft.com/office/powerpoint/2010/main" val="2965857241"/>
+        <p14:creationId xmlns:p14="http://schemas.microsoft.com/office/powerpoint/2010/main" val="4148273760"/>
       </p:ext>
     </p:extLst>
   </p:cSld>
@@ -1698,167 +2204,386 @@
           <a:bodyPr/>
           <a:lstStyle/>
           <a:p>
-            <a:r>
-              <a:rPr lang="en-US" sz="1200" b="1" i="1" kern="1200" dirty="0">
-                <a:solidFill>
-                  <a:schemeClr val="tx1"/>
-                </a:solidFill>
-                <a:effectLst/>
-                <a:latin typeface="+mn-lt"/>
-                <a:ea typeface="+mn-ea"/>
-                <a:cs typeface="+mn-cs"/>
-              </a:rPr>
-              <a:t>Illustrate in more detail the Service Fabric services and components participating in a ticket ordering request.</a:t>
-            </a:r>
-            <a:endParaRPr lang="en-US" b="1" i="1" dirty="0"/>
-          </a:p>
-          <a:p>
-            <a:pPr marL="171450" indent="-171450">
+            <a:pPr marL="0" marR="0" lvl="0" indent="0" algn="l" defTabSz="914400" rtl="0" eaLnBrk="1" fontAlgn="auto" latinLnBrk="0" hangingPunct="1">
+              <a:lnSpc>
+                <a:spcPct val="100000"/>
+              </a:lnSpc>
+              <a:spcBef>
+                <a:spcPts val="0"/>
+              </a:spcBef>
+              <a:spcAft>
+                <a:spcPts val="0"/>
+              </a:spcAft>
+              <a:buClrTx/>
+              <a:buSzTx/>
+              <a:buFontTx/>
+              <a:buNone/>
+              <a:tabLst/>
+              <a:defRPr/>
+            </a:pPr>
+            <a:r>
+              <a:rPr lang="en-US" sz="1200" b="1" i="1" dirty="0"/>
+              <a:t>How would you structure the Visual Studio solution so that developers can run, debug and publish the entire solution, but also be able to publish and upgrade individual microservices (could be one or more service grouped together)?</a:t>
+            </a:r>
+          </a:p>
+          <a:p>
+            <a:pPr marL="171450" marR="0" lvl="0" indent="-171450" algn="l" defTabSz="914400" rtl="0" eaLnBrk="1" fontAlgn="auto" latinLnBrk="0" hangingPunct="1">
+              <a:lnSpc>
+                <a:spcPct val="100000"/>
+              </a:lnSpc>
+              <a:spcBef>
+                <a:spcPts val="0"/>
+              </a:spcBef>
+              <a:spcAft>
+                <a:spcPts val="0"/>
+              </a:spcAft>
+              <a:buClrTx/>
+              <a:buSzTx/>
               <a:buFont typeface="Arial" panose="020B0604020202020204" pitchFamily="34" charset="0"/>
               <a:buChar char="•"/>
+              <a:tabLst/>
+              <a:defRPr/>
             </a:pPr>
             <a:r>
-              <a:rPr lang="en-US" dirty="0"/>
-              <a:t>This diagram illustrates the Service Fabric services and components participating in a ticket ordering request.</a:t>
-            </a:r>
-          </a:p>
-          <a:p>
-            <a:pPr marL="171450" lvl="0" indent="-171450">
+              <a:rPr lang="en-US" sz="1200" b="0" i="0" dirty="0"/>
+              <a:t>A typical Service Fabric solution has a top-level application that can be used to publish all services associated with it. To publish the entire suite of services in a solution you can add all services to this top-level application.</a:t>
+            </a:r>
+          </a:p>
+          <a:p>
+            <a:pPr marL="171450" marR="0" lvl="0" indent="-171450" algn="l" defTabSz="914400" rtl="0" eaLnBrk="1" fontAlgn="auto" latinLnBrk="0" hangingPunct="1">
+              <a:lnSpc>
+                <a:spcPct val="100000"/>
+              </a:lnSpc>
+              <a:spcBef>
+                <a:spcPts val="0"/>
+              </a:spcBef>
+              <a:spcAft>
+                <a:spcPts val="0"/>
+              </a:spcAft>
+              <a:buClrTx/>
+              <a:buSzTx/>
               <a:buFont typeface="Arial" panose="020B0604020202020204" pitchFamily="34" charset="0"/>
               <a:buChar char="•"/>
+              <a:tabLst/>
+              <a:defRPr/>
             </a:pPr>
             <a:r>
-              <a:rPr lang="en-US" sz="1200" kern="1200" dirty="0">
-                <a:solidFill>
-                  <a:schemeClr val="tx1"/>
-                </a:solidFill>
-                <a:effectLst/>
-                <a:latin typeface="+mn-lt"/>
-                <a:ea typeface="+mn-ea"/>
-                <a:cs typeface="+mn-cs"/>
-              </a:rPr>
-              <a:t>The left-hand side of the diagram shows the various ticket ordering channels, such as the Contoso Events consumer web site and mobile applications, as well as third parties who build applications that place ticket orders.</a:t>
-            </a:r>
-          </a:p>
-          <a:p>
-            <a:pPr marL="171450" lvl="0" indent="-171450">
+              <a:rPr lang="en-US" sz="1200" b="0" i="0" dirty="0"/>
+              <a:t>You can create additional Service Fabric applications in the solution that isolate specific services for deployment. </a:t>
+            </a:r>
+          </a:p>
+          <a:p>
+            <a:pPr marL="0" marR="0" lvl="0" indent="0" algn="l" defTabSz="914400" rtl="0" eaLnBrk="1" fontAlgn="auto" latinLnBrk="0" hangingPunct="1">
+              <a:lnSpc>
+                <a:spcPct val="100000"/>
+              </a:lnSpc>
+              <a:spcBef>
+                <a:spcPts val="0"/>
+              </a:spcBef>
+              <a:spcAft>
+                <a:spcPts val="0"/>
+              </a:spcAft>
+              <a:buClrTx/>
+              <a:buSzTx/>
+              <a:buFontTx/>
+              <a:buNone/>
+              <a:tabLst/>
+              <a:defRPr/>
+            </a:pPr>
+            <a:endParaRPr lang="en-US" sz="1200" b="0" i="0" dirty="0"/>
+          </a:p>
+          <a:p>
+            <a:pPr marL="0" marR="0" lvl="0" indent="0" algn="l" defTabSz="914400" rtl="0" eaLnBrk="1" fontAlgn="auto" latinLnBrk="0" hangingPunct="1">
+              <a:lnSpc>
+                <a:spcPct val="100000"/>
+              </a:lnSpc>
+              <a:spcBef>
+                <a:spcPts val="0"/>
+              </a:spcBef>
+              <a:spcAft>
+                <a:spcPts val="0"/>
+              </a:spcAft>
+              <a:buClrTx/>
+              <a:buSzTx/>
+              <a:buFontTx/>
+              <a:buNone/>
+              <a:tabLst/>
+              <a:defRPr/>
+            </a:pPr>
+            <a:r>
+              <a:rPr lang="en-US" sz="1200" b="1" i="1" dirty="0"/>
+              <a:t>Describe to the customer how they can upgrade services in situ and preserve state; handle rollback and roll forward; and service self-healing features.</a:t>
+            </a:r>
+          </a:p>
+          <a:p>
+            <a:pPr marL="171450" marR="0" lvl="0" indent="-171450" algn="l" defTabSz="914400" rtl="0" eaLnBrk="1" fontAlgn="auto" latinLnBrk="0" hangingPunct="1">
+              <a:lnSpc>
+                <a:spcPct val="100000"/>
+              </a:lnSpc>
+              <a:spcBef>
+                <a:spcPts val="0"/>
+              </a:spcBef>
+              <a:spcAft>
+                <a:spcPts val="0"/>
+              </a:spcAft>
+              <a:buClrTx/>
+              <a:buSzTx/>
               <a:buFont typeface="Arial" panose="020B0604020202020204" pitchFamily="34" charset="0"/>
               <a:buChar char="•"/>
+              <a:tabLst/>
+              <a:defRPr/>
             </a:pPr>
             <a:r>
-              <a:rPr lang="en-US" sz="1200" kern="1200" dirty="0">
-                <a:solidFill>
-                  <a:schemeClr val="tx1"/>
-                </a:solidFill>
-                <a:effectLst/>
-                <a:latin typeface="+mn-lt"/>
-                <a:ea typeface="+mn-ea"/>
-                <a:cs typeface="+mn-cs"/>
-              </a:rPr>
-              <a:t>Following the numbered steps, the UI will pre-flight the credit card charge from the order page and supply the resulting token to the back-end processing of the order. </a:t>
-            </a:r>
-          </a:p>
-          <a:p>
-            <a:pPr marL="171450" lvl="0" indent="-171450">
+              <a:rPr lang="en-US" sz="1200" b="0" i="0" dirty="0"/>
+              <a:t>When an application is deployed, you can choose to “upgrade” the application. This preserves any state associated with stateful services if applicable. This will retire previous versions once they complete requests in process, while sending new requests to the new version of the service. </a:t>
+            </a:r>
+          </a:p>
+          <a:p>
+            <a:pPr marL="171450" marR="0" lvl="0" indent="-171450" algn="l" defTabSz="914400" rtl="0" eaLnBrk="1" fontAlgn="auto" latinLnBrk="0" hangingPunct="1">
+              <a:lnSpc>
+                <a:spcPct val="100000"/>
+              </a:lnSpc>
+              <a:spcBef>
+                <a:spcPts val="0"/>
+              </a:spcBef>
+              <a:spcAft>
+                <a:spcPts val="0"/>
+              </a:spcAft>
+              <a:buClrTx/>
+              <a:buSzTx/>
               <a:buFont typeface="Arial" panose="020B0604020202020204" pitchFamily="34" charset="0"/>
               <a:buChar char="•"/>
+              <a:tabLst/>
+              <a:defRPr/>
             </a:pPr>
             <a:r>
-              <a:rPr lang="en-US" sz="1200" kern="1200" dirty="0">
-                <a:solidFill>
-                  <a:schemeClr val="tx1"/>
-                </a:solidFill>
-                <a:effectLst/>
-                <a:latin typeface="+mn-lt"/>
-                <a:ea typeface="+mn-ea"/>
-                <a:cs typeface="+mn-cs"/>
-              </a:rPr>
-              <a:t>All ticket order requests will call the Ticket Order API through the API Management layer, which will queue the request for processing, passing the token for credit card validation, order details, and any other information required to complete the request asynchronously.</a:t>
-            </a:r>
-          </a:p>
-          <a:p>
-            <a:pPr marL="171450" lvl="0" indent="-171450">
+              <a:rPr lang="en-US" sz="1200" b="0" i="0" dirty="0"/>
+              <a:t>If during the upgrade process there is a problem with the services being deployed, the upgrade is rolled back and the previous version of the services continue to operate. </a:t>
+            </a:r>
+          </a:p>
+          <a:p>
+            <a:pPr marL="171450" marR="0" lvl="0" indent="-171450" algn="l" defTabSz="914400" rtl="0" eaLnBrk="1" fontAlgn="auto" latinLnBrk="0" hangingPunct="1">
+              <a:lnSpc>
+                <a:spcPct val="100000"/>
+              </a:lnSpc>
+              <a:spcBef>
+                <a:spcPts val="0"/>
+              </a:spcBef>
+              <a:spcAft>
+                <a:spcPts val="0"/>
+              </a:spcAft>
+              <a:buClrTx/>
+              <a:buSzTx/>
               <a:buFont typeface="Arial" panose="020B0604020202020204" pitchFamily="34" charset="0"/>
               <a:buChar char="•"/>
+              <a:tabLst/>
+              <a:defRPr/>
             </a:pPr>
             <a:r>
-              <a:rPr lang="en-US" sz="1200" kern="1200" dirty="0">
-                <a:solidFill>
-                  <a:schemeClr val="tx1"/>
-                </a:solidFill>
-                <a:effectLst/>
-                <a:latin typeface="+mn-lt"/>
-                <a:ea typeface="+mn-ea"/>
-                <a:cs typeface="+mn-cs"/>
-              </a:rPr>
-              <a:t>The Ticket Order Queue stateful service will process these requests by instantiating a Ticket Order Actor to handle the processing workflow. This actor is responsible for charging the credit card, finalizing the order, and notifying the customer to give them access to their order. </a:t>
-            </a:r>
-          </a:p>
-          <a:p>
-            <a:pPr marL="171450" lvl="0" indent="-171450">
+              <a:rPr lang="en-US" sz="1200" b="0" i="0" dirty="0"/>
+              <a:t>If the Service Fabric runtime detects any service instances are no longer operational, new instances of the service are initialized to maintain the required minimum instances for the service. </a:t>
+            </a:r>
+          </a:p>
+          <a:p>
+            <a:pPr marL="171450" marR="0" lvl="0" indent="-171450" algn="l" defTabSz="914400" rtl="0" eaLnBrk="1" fontAlgn="auto" latinLnBrk="0" hangingPunct="1">
+              <a:lnSpc>
+                <a:spcPct val="100000"/>
+              </a:lnSpc>
+              <a:spcBef>
+                <a:spcPts val="0"/>
+              </a:spcBef>
+              <a:spcAft>
+                <a:spcPts val="0"/>
+              </a:spcAft>
+              <a:buClrTx/>
+              <a:buSzTx/>
               <a:buFont typeface="Arial" panose="020B0604020202020204" pitchFamily="34" charset="0"/>
               <a:buChar char="•"/>
+              <a:tabLst/>
+              <a:defRPr/>
             </a:pPr>
-            <a:r>
-              <a:rPr lang="en-US" sz="1200" kern="1200" dirty="0">
-                <a:solidFill>
-                  <a:schemeClr val="tx1"/>
-                </a:solidFill>
-                <a:effectLst/>
-                <a:latin typeface="+mn-lt"/>
-                <a:ea typeface="+mn-ea"/>
-                <a:cs typeface="+mn-cs"/>
-              </a:rPr>
-              <a:t>The actor will also write to a Ticket Order Sync queue to offload sending order data to Cosmos DB for reports, analytics, and related ad-hoc queries.</a:t>
-            </a:r>
-          </a:p>
-          <a:p>
-            <a:pPr marL="171450" lvl="0" indent="-171450">
+            <a:endParaRPr lang="en-US" sz="1200" b="0" i="0" dirty="0"/>
+          </a:p>
+          <a:p>
+            <a:pPr marL="0" marR="0" lvl="0" indent="0" algn="l" defTabSz="914400" rtl="0" eaLnBrk="1" fontAlgn="auto" latinLnBrk="0" hangingPunct="1">
+              <a:lnSpc>
+                <a:spcPct val="100000"/>
+              </a:lnSpc>
+              <a:spcBef>
+                <a:spcPts val="0"/>
+              </a:spcBef>
+              <a:spcAft>
+                <a:spcPts val="0"/>
+              </a:spcAft>
+              <a:buClrTx/>
+              <a:buSzTx/>
+              <a:buFont typeface="Arial" panose="020B0604020202020204" pitchFamily="34" charset="0"/>
+              <a:buNone/>
+              <a:tabLst/>
+              <a:defRPr/>
+            </a:pPr>
+            <a:r>
+              <a:rPr lang="en-US" sz="1200" b="1" i="1" dirty="0"/>
+              <a:t>Explain how the Service Fabric cluster handles auto-scaling. How does Service Fabric help the customer to make better utilization of their compute resources?</a:t>
+            </a:r>
+          </a:p>
+          <a:p>
+            <a:pPr marL="171450" marR="0" lvl="0" indent="-171450" algn="l" defTabSz="914400" rtl="0" eaLnBrk="1" fontAlgn="auto" latinLnBrk="0" hangingPunct="1">
+              <a:lnSpc>
+                <a:spcPct val="100000"/>
+              </a:lnSpc>
+              <a:spcBef>
+                <a:spcPts val="0"/>
+              </a:spcBef>
+              <a:spcAft>
+                <a:spcPts val="0"/>
+              </a:spcAft>
+              <a:buClrTx/>
+              <a:buSzTx/>
               <a:buFont typeface="Arial" panose="020B0604020202020204" pitchFamily="34" charset="0"/>
               <a:buChar char="•"/>
+              <a:tabLst/>
+              <a:defRPr/>
             </a:pPr>
             <a:r>
-              <a:rPr lang="en-US" sz="1200" kern="1200" dirty="0">
-                <a:solidFill>
-                  <a:schemeClr val="tx1"/>
-                </a:solidFill>
-                <a:effectLst/>
-                <a:latin typeface="+mn-lt"/>
-                <a:ea typeface="+mn-ea"/>
-                <a:cs typeface="+mn-cs"/>
-              </a:rPr>
-              <a:t>An Azure Function will read from the queue and handle updates to Cosmos DB. In order to ensure the latest data is always persisted, the function will retrieve the latest order state and update the Cosmos DB Ticket Orders collection.</a:t>
-            </a:r>
-          </a:p>
-          <a:p>
-            <a:pPr marL="171450" lvl="0" indent="-171450">
+              <a:rPr lang="en-US" sz="1200" b="0" i="0" dirty="0"/>
+              <a:t>Currently, performance counters emitted by the Service Fabric cluster drive auto-scaling. You can set up a base requirement for minimum nodes in the cluster (based on reliability level chosen) and configure auto-scale rules to scale up or down within that range, as the available nodes in the cluster become fully or less utilized.</a:t>
+            </a:r>
+          </a:p>
+          <a:p>
+            <a:pPr marL="171450" marR="0" lvl="0" indent="-171450" algn="l" defTabSz="914400" rtl="0" eaLnBrk="1" fontAlgn="auto" latinLnBrk="0" hangingPunct="1">
+              <a:lnSpc>
+                <a:spcPct val="100000"/>
+              </a:lnSpc>
+              <a:spcBef>
+                <a:spcPts val="0"/>
+              </a:spcBef>
+              <a:spcAft>
+                <a:spcPts val="0"/>
+              </a:spcAft>
+              <a:buClrTx/>
+              <a:buSzTx/>
               <a:buFont typeface="Arial" panose="020B0604020202020204" pitchFamily="34" charset="0"/>
               <a:buChar char="•"/>
+              <a:tabLst/>
+              <a:defRPr/>
             </a:pPr>
             <a:r>
-              <a:rPr lang="en-US" sz="1200" kern="1200" dirty="0">
-                <a:solidFill>
-                  <a:schemeClr val="tx1"/>
-                </a:solidFill>
-                <a:effectLst/>
-                <a:latin typeface="+mn-lt"/>
-                <a:ea typeface="+mn-ea"/>
-                <a:cs typeface="+mn-cs"/>
-              </a:rPr>
-              <a:t>Web APIs will expose data from Cosmos DB for additional ad-hoc queries against ticket orders.</a:t>
-            </a:r>
-            <a:endParaRPr lang="en-US" dirty="0"/>
-          </a:p>
-          <a:p>
-            <a:pPr rtl="0"/>
-            <a:endParaRPr lang="en-US" sz="1200" b="0" i="0" u="none" strike="noStrike" kern="1200" baseline="0" dirty="0">
-              <a:solidFill>
-                <a:schemeClr val="tx1"/>
-              </a:solidFill>
-              <a:latin typeface="+mn-lt"/>
-              <a:ea typeface="+mn-ea"/>
-              <a:cs typeface="+mn-cs"/>
-            </a:endParaRPr>
+              <a:rPr lang="en-US" sz="1200" b="0" i="0" dirty="0"/>
+              <a:t>When you deploy services, they are distributed across the available nodes in the Service Fabric cluster – including replicas for stateful services. Service Fabric will ensure that services are distributed across nodes according to any placement constraints, while ensuring that nodes are densely populated. </a:t>
+            </a:r>
+          </a:p>
+          <a:p>
+            <a:pPr marL="171450" marR="0" lvl="0" indent="-171450" algn="l" defTabSz="914400" rtl="0" eaLnBrk="1" fontAlgn="auto" latinLnBrk="0" hangingPunct="1">
+              <a:lnSpc>
+                <a:spcPct val="100000"/>
+              </a:lnSpc>
+              <a:spcBef>
+                <a:spcPts val="0"/>
+              </a:spcBef>
+              <a:spcAft>
+                <a:spcPts val="0"/>
+              </a:spcAft>
+              <a:buClrTx/>
+              <a:buSzTx/>
+              <a:buFont typeface="Arial" panose="020B0604020202020204" pitchFamily="34" charset="0"/>
+              <a:buChar char="•"/>
+              <a:tabLst/>
+              <a:defRPr/>
+            </a:pPr>
+            <a:endParaRPr lang="en-US" sz="1200" b="0" i="0" dirty="0"/>
+          </a:p>
+          <a:p>
+            <a:pPr marL="0" marR="0" lvl="0" indent="0" algn="l" defTabSz="914400" rtl="0" eaLnBrk="1" fontAlgn="auto" latinLnBrk="0" hangingPunct="1">
+              <a:lnSpc>
+                <a:spcPct val="100000"/>
+              </a:lnSpc>
+              <a:spcBef>
+                <a:spcPts val="0"/>
+              </a:spcBef>
+              <a:spcAft>
+                <a:spcPts val="0"/>
+              </a:spcAft>
+              <a:buClrTx/>
+              <a:buSzTx/>
+              <a:buFont typeface="Arial" panose="020B0604020202020204" pitchFamily="34" charset="0"/>
+              <a:buNone/>
+              <a:tabLst/>
+              <a:defRPr/>
+            </a:pPr>
+            <a:r>
+              <a:rPr lang="en-US" sz="1200" b="1" i="1" dirty="0"/>
+              <a:t>How would you plan for high availability (HA) for Service Fabric in this solution?</a:t>
+            </a:r>
+          </a:p>
+          <a:p>
+            <a:pPr marL="171450" marR="0" lvl="0" indent="-171450" algn="l" defTabSz="914400" rtl="0" eaLnBrk="1" fontAlgn="auto" latinLnBrk="0" hangingPunct="1">
+              <a:lnSpc>
+                <a:spcPct val="100000"/>
+              </a:lnSpc>
+              <a:spcBef>
+                <a:spcPts val="0"/>
+              </a:spcBef>
+              <a:spcAft>
+                <a:spcPts val="0"/>
+              </a:spcAft>
+              <a:buClrTx/>
+              <a:buSzTx/>
+              <a:buFont typeface="Arial" panose="020B0604020202020204" pitchFamily="34" charset="0"/>
+              <a:buChar char="•"/>
+              <a:tabLst/>
+              <a:defRPr/>
+            </a:pPr>
+            <a:r>
+              <a:rPr lang="en-US" sz="1200" b="0" i="0" dirty="0"/>
+              <a:t>Service Fabric inherently provides high availability within the cluster region.</a:t>
+            </a:r>
+          </a:p>
+          <a:p>
+            <a:pPr marL="171450" marR="0" lvl="0" indent="-171450" algn="l" defTabSz="914400" rtl="0" eaLnBrk="1" fontAlgn="auto" latinLnBrk="0" hangingPunct="1">
+              <a:lnSpc>
+                <a:spcPct val="100000"/>
+              </a:lnSpc>
+              <a:spcBef>
+                <a:spcPts val="0"/>
+              </a:spcBef>
+              <a:spcAft>
+                <a:spcPts val="0"/>
+              </a:spcAft>
+              <a:buClrTx/>
+              <a:buSzTx/>
+              <a:buFont typeface="Arial" panose="020B0604020202020204" pitchFamily="34" charset="0"/>
+              <a:buChar char="•"/>
+              <a:tabLst/>
+              <a:defRPr/>
+            </a:pPr>
+            <a:r>
+              <a:rPr lang="en-US" sz="1200" b="0" i="0" dirty="0"/>
+              <a:t>You achieve multi-region high availability for disaster recovery scenarios by using the backup/restore capability of stateful services. </a:t>
+            </a:r>
+          </a:p>
+          <a:p>
+            <a:pPr marL="171450" marR="0" lvl="0" indent="-171450" algn="l" defTabSz="914400" rtl="0" eaLnBrk="1" fontAlgn="auto" latinLnBrk="0" hangingPunct="1">
+              <a:lnSpc>
+                <a:spcPct val="100000"/>
+              </a:lnSpc>
+              <a:spcBef>
+                <a:spcPts val="0"/>
+              </a:spcBef>
+              <a:spcAft>
+                <a:spcPts val="0"/>
+              </a:spcAft>
+              <a:buClrTx/>
+              <a:buSzTx/>
+              <a:buFont typeface="Arial" panose="020B0604020202020204" pitchFamily="34" charset="0"/>
+              <a:buChar char="•"/>
+              <a:tabLst/>
+              <a:defRPr/>
+            </a:pPr>
+            <a:r>
+              <a:rPr lang="en-US" sz="1200" b="0" i="0" dirty="0"/>
+              <a:t>You can also create real time high availability across regions by configuring Traffic Manager to route traffic to both regions. In this case, any stateful services should be capable of reloading their latest state from external storage if not present in the region’s cluster.</a:t>
+            </a:r>
           </a:p>
         </p:txBody>
       </p:sp>
@@ -1888,7 +2613,7 @@
     </p:spTree>
     <p:extLst>
       <p:ext uri="{BB962C8B-B14F-4D97-AF65-F5344CB8AC3E}">
-        <p14:creationId xmlns:p14="http://schemas.microsoft.com/office/powerpoint/2010/main" val="4115832635"/>
+        <p14:creationId xmlns:p14="http://schemas.microsoft.com/office/powerpoint/2010/main" val="2163127979"/>
       </p:ext>
     </p:extLst>
   </p:cSld>
@@ -1960,191 +2685,9 @@
               <a:defRPr/>
             </a:pPr>
             <a:r>
-              <a:rPr lang="en-US" b="1" i="1" dirty="0"/>
-              <a:t>Describe the scalability features of this design, including any partitioning strategies that are applicable. </a:t>
-            </a:r>
-          </a:p>
-          <a:p>
-            <a:pPr marL="171450" marR="0" lvl="0" indent="-171450" algn="l" defTabSz="914400" rtl="0" eaLnBrk="1" fontAlgn="auto" latinLnBrk="0" hangingPunct="1">
-              <a:lnSpc>
-                <a:spcPct val="100000"/>
-              </a:lnSpc>
-              <a:spcBef>
-                <a:spcPts val="0"/>
-              </a:spcBef>
-              <a:spcAft>
-                <a:spcPts val="0"/>
-              </a:spcAft>
-              <a:buClrTx/>
-              <a:buSzTx/>
-              <a:buFont typeface="Arial" panose="020B0604020202020204" pitchFamily="34" charset="0"/>
-              <a:buChar char="•"/>
-              <a:tabLst/>
-              <a:defRPr/>
-            </a:pPr>
-            <a:r>
-              <a:rPr lang="en-US" b="0" i="0" dirty="0"/>
-              <a:t>API Management Premium features support scaling and multi-region topologies to meet demand and high availability requirements.</a:t>
-            </a:r>
-          </a:p>
-          <a:p>
-            <a:pPr marL="171450" marR="0" lvl="0" indent="-171450" algn="l" defTabSz="914400" rtl="0" eaLnBrk="1" fontAlgn="auto" latinLnBrk="0" hangingPunct="1">
-              <a:lnSpc>
-                <a:spcPct val="100000"/>
-              </a:lnSpc>
-              <a:spcBef>
-                <a:spcPts val="0"/>
-              </a:spcBef>
-              <a:spcAft>
-                <a:spcPts val="0"/>
-              </a:spcAft>
-              <a:buClrTx/>
-              <a:buSzTx/>
-              <a:buFont typeface="Arial" panose="020B0604020202020204" pitchFamily="34" charset="0"/>
-              <a:buChar char="•"/>
-              <a:tabLst/>
-              <a:defRPr/>
-            </a:pPr>
-            <a:r>
-              <a:rPr lang="en-US" b="0" i="0" dirty="0"/>
-              <a:t>The stateless Ticket Order API offloads valid requests to the stateful Ticket Order Queue. This queue is partitioned by instance count so that requests can be distributed by Service Fabric to the appropriate node or service instance according to availability to process the message.</a:t>
-            </a:r>
-          </a:p>
-          <a:p>
-            <a:pPr marL="628650" marR="0" lvl="1" indent="-171450" algn="l" defTabSz="914400" rtl="0" eaLnBrk="1" fontAlgn="auto" latinLnBrk="0" hangingPunct="1">
-              <a:lnSpc>
-                <a:spcPct val="100000"/>
-              </a:lnSpc>
-              <a:spcBef>
-                <a:spcPts val="0"/>
-              </a:spcBef>
-              <a:spcAft>
-                <a:spcPts val="0"/>
-              </a:spcAft>
-              <a:buClrTx/>
-              <a:buSzTx/>
-              <a:buFont typeface="Arial" panose="020B0604020202020204" pitchFamily="34" charset="0"/>
-              <a:buChar char="•"/>
-              <a:tabLst/>
-              <a:defRPr/>
-            </a:pPr>
-            <a:r>
-              <a:rPr lang="en-US" dirty="0"/>
-              <a:t>The stateful Ticket Order Queue is partitioned by instance count (from 1 to n). </a:t>
-            </a:r>
-          </a:p>
-          <a:p>
-            <a:pPr marL="628650" marR="0" lvl="1" indent="-171450" algn="l" defTabSz="914400" rtl="0" eaLnBrk="1" fontAlgn="auto" latinLnBrk="0" hangingPunct="1">
-              <a:lnSpc>
-                <a:spcPct val="100000"/>
-              </a:lnSpc>
-              <a:spcBef>
-                <a:spcPts val="0"/>
-              </a:spcBef>
-              <a:spcAft>
-                <a:spcPts val="0"/>
-              </a:spcAft>
-              <a:buClrTx/>
-              <a:buSzTx/>
-              <a:buFont typeface="Arial" panose="020B0604020202020204" pitchFamily="34" charset="0"/>
-              <a:buChar char="•"/>
-              <a:tabLst/>
-              <a:defRPr/>
-            </a:pPr>
-            <a:r>
-              <a:rPr lang="en-US" dirty="0"/>
-              <a:t>When the stateless Ticket Order API offloads valid requests to this queue, those requests are randomly distributed by Service Fabric across these partitions, removing the bottleneck of writes to the queue, thanks to parallel distribution.</a:t>
-            </a:r>
-            <a:endParaRPr lang="en-US" b="0" i="0" dirty="0"/>
-          </a:p>
-          <a:p>
-            <a:pPr marL="171450" marR="0" lvl="0" indent="-171450" algn="l" defTabSz="914400" rtl="0" eaLnBrk="1" fontAlgn="auto" latinLnBrk="0" hangingPunct="1">
-              <a:lnSpc>
-                <a:spcPct val="100000"/>
-              </a:lnSpc>
-              <a:spcBef>
-                <a:spcPts val="0"/>
-              </a:spcBef>
-              <a:spcAft>
-                <a:spcPts val="0"/>
-              </a:spcAft>
-              <a:buClrTx/>
-              <a:buSzTx/>
-              <a:buFont typeface="Arial" panose="020B0604020202020204" pitchFamily="34" charset="0"/>
-              <a:buChar char="•"/>
-              <a:tabLst/>
-              <a:defRPr/>
-            </a:pPr>
-            <a:r>
-              <a:rPr lang="en-US" b="0" i="0" dirty="0"/>
-              <a:t>The stateful Ticket Order Actor handles processing from this queue and given the number of parallel orders helps the solution to scale by maintaining the state of any number of parallel orders. </a:t>
-            </a:r>
-          </a:p>
-          <a:p>
-            <a:pPr marL="628650" marR="0" lvl="1" indent="-171450" algn="l" defTabSz="914400" rtl="0" eaLnBrk="1" fontAlgn="auto" latinLnBrk="0" hangingPunct="1">
-              <a:lnSpc>
-                <a:spcPct val="100000"/>
-              </a:lnSpc>
-              <a:spcBef>
-                <a:spcPts val="0"/>
-              </a:spcBef>
-              <a:spcAft>
-                <a:spcPts val="0"/>
-              </a:spcAft>
-              <a:buClrTx/>
-              <a:buSzTx/>
-              <a:buFont typeface="Arial" panose="020B0604020202020204" pitchFamily="34" charset="0"/>
-              <a:buChar char="•"/>
-              <a:tabLst/>
-              <a:defRPr/>
-            </a:pPr>
-            <a:r>
-              <a:rPr lang="en-US" b="0" i="0" dirty="0"/>
-              <a:t>The actor is partitioned by order id, which allows for very fine-grained distribution of state, per order, across the cluster. </a:t>
-            </a:r>
-          </a:p>
-          <a:p>
-            <a:pPr marL="628650" marR="0" lvl="1" indent="-171450" algn="l" defTabSz="914400" rtl="0" eaLnBrk="1" fontAlgn="auto" latinLnBrk="0" hangingPunct="1">
-              <a:lnSpc>
-                <a:spcPct val="100000"/>
-              </a:lnSpc>
-              <a:spcBef>
-                <a:spcPts val="0"/>
-              </a:spcBef>
-              <a:spcAft>
-                <a:spcPts val="0"/>
-              </a:spcAft>
-              <a:buClrTx/>
-              <a:buSzTx/>
-              <a:buFont typeface="Arial" panose="020B0604020202020204" pitchFamily="34" charset="0"/>
-              <a:buChar char="•"/>
-              <a:tabLst/>
-              <a:defRPr/>
-            </a:pPr>
-            <a:r>
-              <a:rPr lang="en-US" b="0" i="0" dirty="0"/>
-              <a:t>Millions of these can exist and distribute across the cluster and inactive actors are evicted from memory automatically to conserve resources. </a:t>
-            </a:r>
-          </a:p>
-          <a:p>
-            <a:pPr marL="457200" marR="0" lvl="1" indent="0" algn="l" defTabSz="914400" rtl="0" eaLnBrk="1" fontAlgn="auto" latinLnBrk="0" hangingPunct="1">
-              <a:lnSpc>
-                <a:spcPct val="100000"/>
-              </a:lnSpc>
-              <a:spcBef>
-                <a:spcPts val="0"/>
-              </a:spcBef>
-              <a:spcAft>
-                <a:spcPts val="0"/>
-              </a:spcAft>
-              <a:buClrTx/>
-              <a:buSzTx/>
-              <a:buFont typeface="Arial" panose="020B0604020202020204" pitchFamily="34" charset="0"/>
-              <a:buNone/>
-              <a:tabLst/>
-              <a:defRPr/>
-            </a:pPr>
-            <a:endParaRPr lang="en-US" b="0" i="0" dirty="0"/>
+              <a:rPr lang="en-US" sz="1200" b="1" i="0" dirty="0"/>
+              <a:t>5.  Explain to the customer how Service Fabric can help the customer have visibility into overall solution health.</a:t>
+            </a:r>
           </a:p>
           <a:p>
             <a:pPr marL="0" marR="0" lvl="0" indent="0" algn="l" defTabSz="914400" rtl="0" eaLnBrk="1" fontAlgn="auto" latinLnBrk="0" hangingPunct="1">
@@ -2164,281 +2707,7 @@
               <a:tabLst/>
               <a:defRPr/>
             </a:pPr>
-            <a:r>
-              <a:rPr lang="en-US" b="1" i="1" dirty="0"/>
-              <a:t>Describe the resiliency of this use case. How can you create an asynchronous ticket order request and guarantee processing? Are there any potential points of failure? How will you address those?</a:t>
-            </a:r>
-          </a:p>
-          <a:p>
-            <a:pPr marL="171450" marR="0" lvl="0" indent="-171450" algn="l" defTabSz="914400" rtl="0" eaLnBrk="1" fontAlgn="auto" latinLnBrk="0" hangingPunct="1">
-              <a:lnSpc>
-                <a:spcPct val="100000"/>
-              </a:lnSpc>
-              <a:spcBef>
-                <a:spcPts val="0"/>
-              </a:spcBef>
-              <a:spcAft>
-                <a:spcPts val="0"/>
-              </a:spcAft>
-              <a:buClrTx/>
-              <a:buSzTx/>
-              <a:buFont typeface="Arial" panose="020B0604020202020204" pitchFamily="34" charset="0"/>
-              <a:buChar char="•"/>
-              <a:tabLst/>
-              <a:defRPr/>
-            </a:pPr>
-            <a:r>
-              <a:rPr lang="en-US" b="0" i="0" dirty="0"/>
-              <a:t>Web applications will not report success unless the Payment Processing succeeds and the order is successfully queued. The queue does not report successful receipt of the message until a quorum is reached.</a:t>
-            </a:r>
-          </a:p>
-          <a:p>
-            <a:pPr marL="171450" marR="0" lvl="0" indent="-171450" algn="l" defTabSz="914400" rtl="0" eaLnBrk="1" fontAlgn="auto" latinLnBrk="0" hangingPunct="1">
-              <a:lnSpc>
-                <a:spcPct val="100000"/>
-              </a:lnSpc>
-              <a:spcBef>
-                <a:spcPts val="0"/>
-              </a:spcBef>
-              <a:spcAft>
-                <a:spcPts val="0"/>
-              </a:spcAft>
-              <a:buClrTx/>
-              <a:buSzTx/>
-              <a:buFont typeface="Arial" panose="020B0604020202020204" pitchFamily="34" charset="0"/>
-              <a:buChar char="•"/>
-              <a:tabLst/>
-              <a:defRPr/>
-            </a:pPr>
-            <a:r>
-              <a:rPr lang="en-US" b="0" i="0" dirty="0"/>
-              <a:t>All Web API calls go through API Management, which can be scaled within a region, or deployed to multiple regions. </a:t>
-            </a:r>
-          </a:p>
-          <a:p>
-            <a:pPr marL="171450" marR="0" lvl="0" indent="-171450" algn="l" defTabSz="914400" rtl="0" eaLnBrk="1" fontAlgn="auto" latinLnBrk="0" hangingPunct="1">
-              <a:lnSpc>
-                <a:spcPct val="100000"/>
-              </a:lnSpc>
-              <a:spcBef>
-                <a:spcPts val="0"/>
-              </a:spcBef>
-              <a:spcAft>
-                <a:spcPts val="0"/>
-              </a:spcAft>
-              <a:buClrTx/>
-              <a:buSzTx/>
-              <a:buFont typeface="Arial" panose="020B0604020202020204" pitchFamily="34" charset="0"/>
-              <a:buChar char="•"/>
-              <a:tabLst/>
-              <a:defRPr/>
-            </a:pPr>
-            <a:r>
-              <a:rPr lang="en-US" b="0" i="0" dirty="0"/>
-              <a:t>The Ticket Order Actor does not remove the order from the queue unless it can successfully process its workflow and save to the Order Sync Queue.</a:t>
-            </a:r>
-          </a:p>
-          <a:p>
-            <a:pPr marL="171450" marR="0" lvl="0" indent="-171450" algn="l" defTabSz="914400" rtl="0" eaLnBrk="1" fontAlgn="auto" latinLnBrk="0" hangingPunct="1">
-              <a:lnSpc>
-                <a:spcPct val="100000"/>
-              </a:lnSpc>
-              <a:spcBef>
-                <a:spcPts val="0"/>
-              </a:spcBef>
-              <a:spcAft>
-                <a:spcPts val="0"/>
-              </a:spcAft>
-              <a:buClrTx/>
-              <a:buSzTx/>
-              <a:buFont typeface="Arial" panose="020B0604020202020204" pitchFamily="34" charset="0"/>
-              <a:buChar char="•"/>
-              <a:tabLst/>
-              <a:defRPr/>
-            </a:pPr>
-            <a:r>
-              <a:rPr lang="en-US" b="0" i="0" dirty="0"/>
-              <a:t>The Azure Function that processes the Order Sync Queue removes messages from the queue if processing is successful to Cosmos DB. </a:t>
-            </a:r>
-          </a:p>
-          <a:p>
-            <a:pPr marL="171450" marR="0" lvl="0" indent="-171450" algn="l" defTabSz="914400" rtl="0" eaLnBrk="1" fontAlgn="auto" latinLnBrk="0" hangingPunct="1">
-              <a:lnSpc>
-                <a:spcPct val="100000"/>
-              </a:lnSpc>
-              <a:spcBef>
-                <a:spcPts val="0"/>
-              </a:spcBef>
-              <a:spcAft>
-                <a:spcPts val="0"/>
-              </a:spcAft>
-              <a:buClrTx/>
-              <a:buSzTx/>
-              <a:buFont typeface="Arial" panose="020B0604020202020204" pitchFamily="34" charset="0"/>
-              <a:buChar char="•"/>
-              <a:tabLst/>
-              <a:defRPr/>
-            </a:pPr>
-            <a:r>
-              <a:rPr lang="en-US" b="0" i="0" dirty="0"/>
-              <a:t>Any of these messages that can’t be processed are moved to a poison queue, to be retried or processed again through another mechanism.</a:t>
-            </a:r>
-          </a:p>
-          <a:p>
-            <a:pPr marL="171450" marR="0" lvl="0" indent="-171450" algn="l" defTabSz="914400" rtl="0" eaLnBrk="1" fontAlgn="auto" latinLnBrk="0" hangingPunct="1">
-              <a:lnSpc>
-                <a:spcPct val="100000"/>
-              </a:lnSpc>
-              <a:spcBef>
-                <a:spcPts val="0"/>
-              </a:spcBef>
-              <a:spcAft>
-                <a:spcPts val="0"/>
-              </a:spcAft>
-              <a:buClrTx/>
-              <a:buSzTx/>
-              <a:buFont typeface="Arial" panose="020B0604020202020204" pitchFamily="34" charset="0"/>
-              <a:buChar char="•"/>
-              <a:tabLst/>
-              <a:defRPr/>
-            </a:pPr>
-            <a:r>
-              <a:rPr lang="en-US" b="0" i="0" dirty="0"/>
-              <a:t>For additional visibility into queue / function processing errors it is good practice to monitor queue sizes that pass a reasonable threshold of standard solution behavior. </a:t>
-            </a:r>
-          </a:p>
-          <a:p>
-            <a:pPr marL="171450" marR="0" lvl="0" indent="-171450" algn="l" defTabSz="914400" rtl="0" eaLnBrk="1" fontAlgn="auto" latinLnBrk="0" hangingPunct="1">
-              <a:lnSpc>
-                <a:spcPct val="100000"/>
-              </a:lnSpc>
-              <a:spcBef>
-                <a:spcPts val="0"/>
-              </a:spcBef>
-              <a:spcAft>
-                <a:spcPts val="0"/>
-              </a:spcAft>
-              <a:buClrTx/>
-              <a:buSzTx/>
-              <a:buFont typeface="Arial" panose="020B0604020202020204" pitchFamily="34" charset="0"/>
-              <a:buChar char="•"/>
-              <a:tabLst/>
-              <a:defRPr/>
-            </a:pPr>
-            <a:endParaRPr lang="en-US" b="0" i="0" dirty="0"/>
-          </a:p>
-          <a:p>
-            <a:pPr marL="0" marR="0" lvl="0" indent="0" algn="l" defTabSz="914400" rtl="0" eaLnBrk="1" fontAlgn="auto" latinLnBrk="0" hangingPunct="1">
-              <a:lnSpc>
-                <a:spcPct val="100000"/>
-              </a:lnSpc>
-              <a:spcBef>
-                <a:spcPts val="0"/>
-              </a:spcBef>
-              <a:spcAft>
-                <a:spcPts val="0"/>
-              </a:spcAft>
-              <a:buClrTx/>
-              <a:buSzTx/>
-              <a:buFont typeface="Arial" panose="020B0604020202020204" pitchFamily="34" charset="0"/>
-              <a:buNone/>
-              <a:tabLst/>
-              <a:defRPr/>
-            </a:pPr>
-            <a:r>
-              <a:rPr lang="en-US" b="1" i="1" dirty="0"/>
-              <a:t>Describe how you will enable external clients to reach stateless HTTP services exposed from the Azure load balancer.</a:t>
-            </a:r>
-            <a:endParaRPr lang="en-US" b="0" i="0" dirty="0"/>
-          </a:p>
-          <a:p>
-            <a:pPr marL="171450" marR="0" lvl="0" indent="-171450" algn="l" defTabSz="914400" rtl="0" eaLnBrk="1" fontAlgn="auto" latinLnBrk="0" hangingPunct="1">
-              <a:lnSpc>
-                <a:spcPct val="100000"/>
-              </a:lnSpc>
-              <a:spcBef>
-                <a:spcPts val="0"/>
-              </a:spcBef>
-              <a:spcAft>
-                <a:spcPts val="0"/>
-              </a:spcAft>
-              <a:buClrTx/>
-              <a:buSzTx/>
-              <a:buFont typeface="Arial" panose="020B0604020202020204" pitchFamily="34" charset="0"/>
-              <a:buChar char="•"/>
-              <a:tabLst/>
-              <a:defRPr/>
-            </a:pPr>
-            <a:r>
-              <a:rPr lang="en-US" b="0" i="0" dirty="0"/>
-              <a:t>When you publish a stateless HTTP service the Service Fabric provides a relative URL to the service according to the configuration you supply. </a:t>
-            </a:r>
-          </a:p>
-          <a:p>
-            <a:pPr marL="171450" marR="0" lvl="0" indent="-171450" algn="l" defTabSz="914400" rtl="0" eaLnBrk="1" fontAlgn="auto" latinLnBrk="0" hangingPunct="1">
-              <a:lnSpc>
-                <a:spcPct val="100000"/>
-              </a:lnSpc>
-              <a:spcBef>
-                <a:spcPts val="0"/>
-              </a:spcBef>
-              <a:spcAft>
-                <a:spcPts val="0"/>
-              </a:spcAft>
-              <a:buClrTx/>
-              <a:buSzTx/>
-              <a:buFont typeface="Arial" panose="020B0604020202020204" pitchFamily="34" charset="0"/>
-              <a:buChar char="•"/>
-              <a:tabLst/>
-              <a:defRPr/>
-            </a:pPr>
-            <a:r>
-              <a:rPr lang="en-US" b="0" i="0" dirty="0"/>
-              <a:t>This way, multiple HTTP services can be deployed to a single node and still be uniquely addressable at port 80 or 443. </a:t>
-            </a:r>
-          </a:p>
-          <a:p>
-            <a:pPr marL="171450" marR="0" lvl="0" indent="-171450" algn="l" defTabSz="914400" rtl="0" eaLnBrk="1" fontAlgn="auto" latinLnBrk="0" hangingPunct="1">
-              <a:lnSpc>
-                <a:spcPct val="100000"/>
-              </a:lnSpc>
-              <a:spcBef>
-                <a:spcPts val="0"/>
-              </a:spcBef>
-              <a:spcAft>
-                <a:spcPts val="0"/>
-              </a:spcAft>
-              <a:buClrTx/>
-              <a:buSzTx/>
-              <a:buFont typeface="Arial" panose="020B0604020202020204" pitchFamily="34" charset="0"/>
-              <a:buChar char="•"/>
-              <a:tabLst/>
-              <a:defRPr/>
-            </a:pPr>
-            <a:r>
-              <a:rPr lang="en-US" b="0" i="0" dirty="0"/>
-              <a:t>In the case of this solution, the API Management layer will consume those endpoints and forward requests. </a:t>
-            </a:r>
-          </a:p>
-          <a:p>
-            <a:pPr marL="0" marR="0" lvl="0" indent="0" algn="l" defTabSz="914400" rtl="0" eaLnBrk="1" fontAlgn="auto" latinLnBrk="0" hangingPunct="1">
-              <a:lnSpc>
-                <a:spcPct val="100000"/>
-              </a:lnSpc>
-              <a:spcBef>
-                <a:spcPts val="0"/>
-              </a:spcBef>
-              <a:spcAft>
-                <a:spcPts val="0"/>
-              </a:spcAft>
-              <a:buClrTx/>
-              <a:buSzTx/>
-              <a:buFont typeface="Arial" panose="020B0604020202020204" pitchFamily="34" charset="0"/>
-              <a:buNone/>
-              <a:tabLst/>
-              <a:defRPr/>
-            </a:pPr>
-            <a:endParaRPr lang="en-US" b="0" i="0" dirty="0"/>
+            <a:endParaRPr lang="en-US" sz="1200" b="0" i="0" dirty="0"/>
           </a:p>
           <a:p>
             <a:pPr marL="0" marR="0" lvl="0" indent="0" algn="l" defTabSz="914400" rtl="0" eaLnBrk="1" fontAlgn="auto" latinLnBrk="0" hangingPunct="1">
@@ -2458,7 +2727,499 @@
               <a:tabLst/>
               <a:defRPr/>
             </a:pPr>
-            <a:endParaRPr lang="en-US" b="0" i="0" dirty="0"/>
+            <a:r>
+              <a:rPr lang="en-US" sz="1200" b="0" i="0" dirty="0"/>
+              <a:t>    Azure Service Fabric introduces a health model that provides rich, flexible, and extensible health evaluation and reporting. The model allows near-real-time monitoring of the state of the cluster and the services running in it.  You can easily obtain health information and correct potential issues before they cascade and cause massive outages.</a:t>
+            </a:r>
+          </a:p>
+          <a:p>
+            <a:pPr marL="0" marR="0" lvl="0" indent="0" algn="l" defTabSz="914400" rtl="0" eaLnBrk="1" fontAlgn="auto" latinLnBrk="0" hangingPunct="1">
+              <a:lnSpc>
+                <a:spcPct val="100000"/>
+              </a:lnSpc>
+              <a:spcBef>
+                <a:spcPts val="0"/>
+              </a:spcBef>
+              <a:spcAft>
+                <a:spcPts val="0"/>
+              </a:spcAft>
+              <a:buClrTx/>
+              <a:buSzTx/>
+              <a:buFontTx/>
+              <a:buNone/>
+              <a:tabLst/>
+              <a:defRPr/>
+            </a:pPr>
+            <a:endParaRPr lang="en-US" sz="1200" b="0" i="0" dirty="0"/>
+          </a:p>
+          <a:p>
+            <a:pPr marL="0" marR="0" lvl="0" indent="0" algn="l" defTabSz="914400" rtl="0" eaLnBrk="1" fontAlgn="auto" latinLnBrk="0" hangingPunct="1">
+              <a:lnSpc>
+                <a:spcPct val="100000"/>
+              </a:lnSpc>
+              <a:spcBef>
+                <a:spcPts val="0"/>
+              </a:spcBef>
+              <a:spcAft>
+                <a:spcPts val="0"/>
+              </a:spcAft>
+              <a:buClrTx/>
+              <a:buSzTx/>
+              <a:buFontTx/>
+              <a:buNone/>
+              <a:tabLst/>
+              <a:defRPr/>
+            </a:pPr>
+            <a:r>
+              <a:rPr lang="en-US" sz="1200" b="1" i="0" dirty="0"/>
+              <a:t>6.  How can you update cluster settings after the fact? What kind of settings might you want to update?</a:t>
+            </a:r>
+          </a:p>
+          <a:p>
+            <a:pPr marL="0" marR="0" lvl="0" indent="0" algn="l" defTabSz="914400" rtl="0" eaLnBrk="1" fontAlgn="auto" latinLnBrk="0" hangingPunct="1">
+              <a:lnSpc>
+                <a:spcPct val="100000"/>
+              </a:lnSpc>
+              <a:spcBef>
+                <a:spcPts val="0"/>
+              </a:spcBef>
+              <a:spcAft>
+                <a:spcPts val="0"/>
+              </a:spcAft>
+              <a:buClrTx/>
+              <a:buSzTx/>
+              <a:buFontTx/>
+              <a:buNone/>
+              <a:tabLst/>
+              <a:defRPr/>
+            </a:pPr>
+            <a:endParaRPr lang="en-US" sz="1200" b="0" i="0" dirty="0"/>
+          </a:p>
+          <a:p>
+            <a:pPr marL="0" marR="0" lvl="0" indent="0" algn="l" defTabSz="914400" rtl="0" eaLnBrk="1" fontAlgn="auto" latinLnBrk="0" hangingPunct="1">
+              <a:lnSpc>
+                <a:spcPct val="100000"/>
+              </a:lnSpc>
+              <a:spcBef>
+                <a:spcPts val="0"/>
+              </a:spcBef>
+              <a:spcAft>
+                <a:spcPts val="0"/>
+              </a:spcAft>
+              <a:buClrTx/>
+              <a:buSzTx/>
+              <a:buFontTx/>
+              <a:buNone/>
+              <a:tabLst/>
+              <a:defRPr/>
+            </a:pPr>
+            <a:r>
+              <a:rPr lang="en-US" sz="1200" b="0" i="0" dirty="0"/>
+              <a:t>    A Service Fabric cluster is essentially a collection of VMs behind a load balancer, with Service Fabric tools and agents </a:t>
+            </a:r>
+            <a:r>
+              <a:rPr lang="en-US" sz="1200" b="0" i="0" dirty="0" err="1"/>
+              <a:t>predeployed</a:t>
+            </a:r>
+            <a:r>
+              <a:rPr lang="en-US" sz="1200" b="0" i="0" dirty="0"/>
+              <a:t>. If you want to update the physical characteristics of the underlying VMs or update aspects of the topology, you can update the ARM template representing the cluster that is currently provisioned, and reapply it. This update can be applied directly in the Azure portal or through your automation procedures if you have those in place.</a:t>
+            </a:r>
+          </a:p>
+          <a:p>
+            <a:pPr marL="0" marR="0" lvl="0" indent="0" algn="l" defTabSz="914400" rtl="0" eaLnBrk="1" fontAlgn="auto" latinLnBrk="0" hangingPunct="1">
+              <a:lnSpc>
+                <a:spcPct val="100000"/>
+              </a:lnSpc>
+              <a:spcBef>
+                <a:spcPts val="0"/>
+              </a:spcBef>
+              <a:spcAft>
+                <a:spcPts val="0"/>
+              </a:spcAft>
+              <a:buClrTx/>
+              <a:buSzTx/>
+              <a:buFontTx/>
+              <a:buNone/>
+              <a:tabLst/>
+              <a:defRPr/>
+            </a:pPr>
+            <a:endParaRPr lang="en-US" sz="1200" b="0" i="0" dirty="0"/>
+          </a:p>
+          <a:p>
+            <a:pPr marL="0" marR="0" lvl="0" indent="0" algn="l" defTabSz="914400" rtl="0" eaLnBrk="1" fontAlgn="auto" latinLnBrk="0" hangingPunct="1">
+              <a:lnSpc>
+                <a:spcPct val="100000"/>
+              </a:lnSpc>
+              <a:spcBef>
+                <a:spcPts val="0"/>
+              </a:spcBef>
+              <a:spcAft>
+                <a:spcPts val="0"/>
+              </a:spcAft>
+              <a:buClrTx/>
+              <a:buSzTx/>
+              <a:buFontTx/>
+              <a:buNone/>
+              <a:tabLst/>
+              <a:defRPr/>
+            </a:pPr>
+            <a:r>
+              <a:rPr lang="en-US" sz="1200" b="0" i="0" dirty="0"/>
+              <a:t>    Examples of updates you can execute with ARM include:</a:t>
+            </a:r>
+          </a:p>
+          <a:p>
+            <a:pPr marL="0" marR="0" lvl="0" indent="0" algn="l" defTabSz="914400" rtl="0" eaLnBrk="1" fontAlgn="auto" latinLnBrk="0" hangingPunct="1">
+              <a:lnSpc>
+                <a:spcPct val="100000"/>
+              </a:lnSpc>
+              <a:spcBef>
+                <a:spcPts val="0"/>
+              </a:spcBef>
+              <a:spcAft>
+                <a:spcPts val="0"/>
+              </a:spcAft>
+              <a:buClrTx/>
+              <a:buSzTx/>
+              <a:buFontTx/>
+              <a:buNone/>
+              <a:tabLst/>
+              <a:defRPr/>
+            </a:pPr>
+            <a:endParaRPr lang="en-US" sz="1200" b="0" i="0" dirty="0"/>
+          </a:p>
+          <a:p>
+            <a:pPr marL="0" marR="0" lvl="0" indent="0" algn="l" defTabSz="914400" rtl="0" eaLnBrk="1" fontAlgn="auto" latinLnBrk="0" hangingPunct="1">
+              <a:lnSpc>
+                <a:spcPct val="100000"/>
+              </a:lnSpc>
+              <a:spcBef>
+                <a:spcPts val="0"/>
+              </a:spcBef>
+              <a:spcAft>
+                <a:spcPts val="0"/>
+              </a:spcAft>
+              <a:buClrTx/>
+              <a:buSzTx/>
+              <a:buFontTx/>
+              <a:buNone/>
+              <a:tabLst/>
+              <a:defRPr/>
+            </a:pPr>
+            <a:r>
+              <a:rPr lang="en-US" sz="1200" b="0" i="0" dirty="0"/>
+              <a:t>    -   Adding new node types for additional scale tiers.</a:t>
+            </a:r>
+          </a:p>
+          <a:p>
+            <a:pPr marL="0" marR="0" lvl="0" indent="0" algn="l" defTabSz="914400" rtl="0" eaLnBrk="1" fontAlgn="auto" latinLnBrk="0" hangingPunct="1">
+              <a:lnSpc>
+                <a:spcPct val="100000"/>
+              </a:lnSpc>
+              <a:spcBef>
+                <a:spcPts val="0"/>
+              </a:spcBef>
+              <a:spcAft>
+                <a:spcPts val="0"/>
+              </a:spcAft>
+              <a:buClrTx/>
+              <a:buSzTx/>
+              <a:buFontTx/>
+              <a:buNone/>
+              <a:tabLst/>
+              <a:defRPr/>
+            </a:pPr>
+            <a:endParaRPr lang="en-US" sz="1200" b="0" i="0" dirty="0"/>
+          </a:p>
+          <a:p>
+            <a:pPr marL="0" marR="0" lvl="0" indent="0" algn="l" defTabSz="914400" rtl="0" eaLnBrk="1" fontAlgn="auto" latinLnBrk="0" hangingPunct="1">
+              <a:lnSpc>
+                <a:spcPct val="100000"/>
+              </a:lnSpc>
+              <a:spcBef>
+                <a:spcPts val="0"/>
+              </a:spcBef>
+              <a:spcAft>
+                <a:spcPts val="0"/>
+              </a:spcAft>
+              <a:buClrTx/>
+              <a:buSzTx/>
+              <a:buFontTx/>
+              <a:buNone/>
+              <a:tabLst/>
+              <a:defRPr/>
+            </a:pPr>
+            <a:r>
+              <a:rPr lang="en-US" sz="1200" b="0" i="0" dirty="0"/>
+              <a:t>    -   Adding memory or CPU capacity to a specific type of node.</a:t>
+            </a:r>
+          </a:p>
+          <a:p>
+            <a:pPr marL="0" marR="0" lvl="0" indent="0" algn="l" defTabSz="914400" rtl="0" eaLnBrk="1" fontAlgn="auto" latinLnBrk="0" hangingPunct="1">
+              <a:lnSpc>
+                <a:spcPct val="100000"/>
+              </a:lnSpc>
+              <a:spcBef>
+                <a:spcPts val="0"/>
+              </a:spcBef>
+              <a:spcAft>
+                <a:spcPts val="0"/>
+              </a:spcAft>
+              <a:buClrTx/>
+              <a:buSzTx/>
+              <a:buFontTx/>
+              <a:buNone/>
+              <a:tabLst/>
+              <a:defRPr/>
+            </a:pPr>
+            <a:endParaRPr lang="en-US" sz="1200" b="0" i="0" dirty="0"/>
+          </a:p>
+          <a:p>
+            <a:pPr marL="0" marR="0" lvl="0" indent="0" algn="l" defTabSz="914400" rtl="0" eaLnBrk="1" fontAlgn="auto" latinLnBrk="0" hangingPunct="1">
+              <a:lnSpc>
+                <a:spcPct val="100000"/>
+              </a:lnSpc>
+              <a:spcBef>
+                <a:spcPts val="0"/>
+              </a:spcBef>
+              <a:spcAft>
+                <a:spcPts val="0"/>
+              </a:spcAft>
+              <a:buClrTx/>
+              <a:buSzTx/>
+              <a:buFontTx/>
+              <a:buNone/>
+              <a:tabLst/>
+              <a:defRPr/>
+            </a:pPr>
+            <a:r>
+              <a:rPr lang="en-US" sz="1200" b="0" i="0" dirty="0"/>
+              <a:t>    -   Modifying load balancer settings, opening ports, and adding or removing probes (these changes can also be applied directly through the Azure Portal without ARM).</a:t>
+            </a:r>
+          </a:p>
+          <a:p>
+            <a:pPr marL="0" marR="0" lvl="0" indent="0" algn="l" defTabSz="914400" rtl="0" eaLnBrk="1" fontAlgn="auto" latinLnBrk="0" hangingPunct="1">
+              <a:lnSpc>
+                <a:spcPct val="100000"/>
+              </a:lnSpc>
+              <a:spcBef>
+                <a:spcPts val="0"/>
+              </a:spcBef>
+              <a:spcAft>
+                <a:spcPts val="0"/>
+              </a:spcAft>
+              <a:buClrTx/>
+              <a:buSzTx/>
+              <a:buFontTx/>
+              <a:buNone/>
+              <a:tabLst/>
+              <a:defRPr/>
+            </a:pPr>
+            <a:endParaRPr lang="en-US" sz="1200" b="0" i="0" dirty="0"/>
+          </a:p>
+          <a:p>
+            <a:pPr marL="0" marR="0" lvl="0" indent="0" algn="l" defTabSz="914400" rtl="0" eaLnBrk="1" fontAlgn="auto" latinLnBrk="0" hangingPunct="1">
+              <a:lnSpc>
+                <a:spcPct val="100000"/>
+              </a:lnSpc>
+              <a:spcBef>
+                <a:spcPts val="0"/>
+              </a:spcBef>
+              <a:spcAft>
+                <a:spcPts val="0"/>
+              </a:spcAft>
+              <a:buClrTx/>
+              <a:buSzTx/>
+              <a:buFontTx/>
+              <a:buNone/>
+              <a:tabLst/>
+              <a:defRPr/>
+            </a:pPr>
+            <a:r>
+              <a:rPr lang="en-US" sz="1200" b="0" i="0" dirty="0"/>
+              <a:t>    Once provisioned, you cannot change the security of the Service Fabric cluster, so it is important to set the cluster up as a secure cluster, from the beginning. It may change in future.</a:t>
+            </a:r>
+          </a:p>
+          <a:p>
+            <a:pPr marL="0" marR="0" lvl="0" indent="0" algn="l" defTabSz="914400" rtl="0" eaLnBrk="1" fontAlgn="auto" latinLnBrk="0" hangingPunct="1">
+              <a:lnSpc>
+                <a:spcPct val="100000"/>
+              </a:lnSpc>
+              <a:spcBef>
+                <a:spcPts val="0"/>
+              </a:spcBef>
+              <a:spcAft>
+                <a:spcPts val="0"/>
+              </a:spcAft>
+              <a:buClrTx/>
+              <a:buSzTx/>
+              <a:buFontTx/>
+              <a:buNone/>
+              <a:tabLst/>
+              <a:defRPr/>
+            </a:pPr>
+            <a:endParaRPr lang="en-US" sz="1200" b="0" i="0" dirty="0"/>
+          </a:p>
+          <a:p>
+            <a:pPr marL="0" marR="0" lvl="0" indent="0" algn="l" defTabSz="914400" rtl="0" eaLnBrk="1" fontAlgn="auto" latinLnBrk="0" hangingPunct="1">
+              <a:lnSpc>
+                <a:spcPct val="100000"/>
+              </a:lnSpc>
+              <a:spcBef>
+                <a:spcPts val="0"/>
+              </a:spcBef>
+              <a:spcAft>
+                <a:spcPts val="0"/>
+              </a:spcAft>
+              <a:buClrTx/>
+              <a:buSzTx/>
+              <a:buFontTx/>
+              <a:buNone/>
+              <a:tabLst/>
+              <a:defRPr/>
+            </a:pPr>
+            <a:r>
+              <a:rPr lang="en-US" sz="1200" b="0" i="0" dirty="0"/>
+              <a:t>    Other Service Fabric operations such as deploying applications, upgrading applications, describing placement constraints, and scaling instances, can be done via PowerShell commands or through the </a:t>
+            </a:r>
+            <a:r>
+              <a:rPr lang="en-US" sz="1200" b="0" i="0" dirty="0" err="1"/>
+              <a:t>FabClient</a:t>
+            </a:r>
+            <a:r>
+              <a:rPr lang="en-US" sz="1200" b="0" i="0" dirty="0"/>
+              <a:t>.</a:t>
+            </a:r>
+          </a:p>
+          <a:p>
+            <a:pPr marL="0" marR="0" lvl="0" indent="0" algn="l" defTabSz="914400" rtl="0" eaLnBrk="1" fontAlgn="auto" latinLnBrk="0" hangingPunct="1">
+              <a:lnSpc>
+                <a:spcPct val="100000"/>
+              </a:lnSpc>
+              <a:spcBef>
+                <a:spcPts val="0"/>
+              </a:spcBef>
+              <a:spcAft>
+                <a:spcPts val="0"/>
+              </a:spcAft>
+              <a:buClrTx/>
+              <a:buSzTx/>
+              <a:buFontTx/>
+              <a:buNone/>
+              <a:tabLst/>
+              <a:defRPr/>
+            </a:pPr>
+            <a:endParaRPr lang="en-US" sz="1200" b="0" i="0" dirty="0"/>
+          </a:p>
+          <a:p>
+            <a:pPr marL="0" marR="0" lvl="0" indent="0" algn="l" defTabSz="914400" rtl="0" eaLnBrk="1" fontAlgn="auto" latinLnBrk="0" hangingPunct="1">
+              <a:lnSpc>
+                <a:spcPct val="100000"/>
+              </a:lnSpc>
+              <a:spcBef>
+                <a:spcPts val="0"/>
+              </a:spcBef>
+              <a:spcAft>
+                <a:spcPts val="0"/>
+              </a:spcAft>
+              <a:buClrTx/>
+              <a:buSzTx/>
+              <a:buFontTx/>
+              <a:buNone/>
+              <a:tabLst/>
+              <a:defRPr/>
+            </a:pPr>
+            <a:r>
+              <a:rPr lang="en-US" sz="1200" b="1" i="0" dirty="0"/>
+              <a:t>7.  How will you keep your cluster up to date with the latest Service Fabric SDK?</a:t>
+            </a:r>
+          </a:p>
+          <a:p>
+            <a:pPr marL="0" marR="0" lvl="0" indent="0" algn="l" defTabSz="914400" rtl="0" eaLnBrk="1" fontAlgn="auto" latinLnBrk="0" hangingPunct="1">
+              <a:lnSpc>
+                <a:spcPct val="100000"/>
+              </a:lnSpc>
+              <a:spcBef>
+                <a:spcPts val="0"/>
+              </a:spcBef>
+              <a:spcAft>
+                <a:spcPts val="0"/>
+              </a:spcAft>
+              <a:buClrTx/>
+              <a:buSzTx/>
+              <a:buFontTx/>
+              <a:buNone/>
+              <a:tabLst/>
+              <a:defRPr/>
+            </a:pPr>
+            <a:endParaRPr lang="en-US" sz="1200" b="0" i="0" dirty="0"/>
+          </a:p>
+          <a:p>
+            <a:pPr marL="0" marR="0" lvl="0" indent="0" algn="l" defTabSz="914400" rtl="0" eaLnBrk="1" fontAlgn="auto" latinLnBrk="0" hangingPunct="1">
+              <a:lnSpc>
+                <a:spcPct val="100000"/>
+              </a:lnSpc>
+              <a:spcBef>
+                <a:spcPts val="0"/>
+              </a:spcBef>
+              <a:spcAft>
+                <a:spcPts val="0"/>
+              </a:spcAft>
+              <a:buClrTx/>
+              <a:buSzTx/>
+              <a:buFontTx/>
+              <a:buNone/>
+              <a:tabLst/>
+              <a:defRPr/>
+            </a:pPr>
+            <a:r>
+              <a:rPr lang="en-US" sz="1200" b="0" i="0" dirty="0"/>
+              <a:t>    Service Fabric can run on any data center including Azure, AWS, or on-premises.</a:t>
+            </a:r>
+          </a:p>
+          <a:p>
+            <a:pPr marL="0" marR="0" lvl="0" indent="0" algn="l" defTabSz="914400" rtl="0" eaLnBrk="1" fontAlgn="auto" latinLnBrk="0" hangingPunct="1">
+              <a:lnSpc>
+                <a:spcPct val="100000"/>
+              </a:lnSpc>
+              <a:spcBef>
+                <a:spcPts val="0"/>
+              </a:spcBef>
+              <a:spcAft>
+                <a:spcPts val="0"/>
+              </a:spcAft>
+              <a:buClrTx/>
+              <a:buSzTx/>
+              <a:buFontTx/>
+              <a:buNone/>
+              <a:tabLst/>
+              <a:defRPr/>
+            </a:pPr>
+            <a:endParaRPr lang="en-US" sz="1200" b="0" i="0" dirty="0"/>
+          </a:p>
+          <a:p>
+            <a:pPr marL="0" marR="0" lvl="0" indent="0" algn="l" defTabSz="914400" rtl="0" eaLnBrk="1" fontAlgn="auto" latinLnBrk="0" hangingPunct="1">
+              <a:lnSpc>
+                <a:spcPct val="100000"/>
+              </a:lnSpc>
+              <a:spcBef>
+                <a:spcPts val="0"/>
+              </a:spcBef>
+              <a:spcAft>
+                <a:spcPts val="0"/>
+              </a:spcAft>
+              <a:buClrTx/>
+              <a:buSzTx/>
+              <a:buFontTx/>
+              <a:buNone/>
+              <a:tabLst/>
+              <a:defRPr/>
+            </a:pPr>
+            <a:r>
+              <a:rPr lang="en-US" sz="1200" b="0" i="0" dirty="0"/>
+              <a:t>    On Azure, Microsoft updates the Service Fabric components and runtime SDK automatically when a new version is released, unless the cluster is in an unhealthy state. All other environments require you to install these component updates manually.</a:t>
+            </a:r>
           </a:p>
         </p:txBody>
       </p:sp>
@@ -2488,7 +3249,7 @@
     </p:spTree>
     <p:extLst>
       <p:ext uri="{BB962C8B-B14F-4D97-AF65-F5344CB8AC3E}">
-        <p14:creationId xmlns:p14="http://schemas.microsoft.com/office/powerpoint/2010/main" val="4148273760"/>
+        <p14:creationId xmlns:p14="http://schemas.microsoft.com/office/powerpoint/2010/main" val="3761788928"/>
       </p:ext>
     </p:extLst>
   </p:cSld>
@@ -2665,14 +3426,14 @@
               </a:spcAft>
               <a:buClrTx/>
               <a:buSzTx/>
-              <a:buFontTx/>
+              <a:buFont typeface="Arial" panose="020B0604020202020204" pitchFamily="34" charset="0"/>
               <a:buNone/>
               <a:tabLst/>
               <a:defRPr/>
             </a:pPr>
             <a:r>
               <a:rPr lang="en-US" sz="1200" b="1" i="1" dirty="0"/>
-              <a:t>How would you structure the Visual Studio solution so that developers can run, debug and publish the entire solution, but also be able to publish and upgrade individual microservices (could be one or more service grouped together)?</a:t>
+              <a:t>Describe how API Management may be useful to control access to APIs exposed by the solution. </a:t>
             </a:r>
           </a:p>
           <a:p>
@@ -2695,7 +3456,7 @@
             </a:pPr>
             <a:r>
               <a:rPr lang="en-US" sz="1200" b="0" i="0" dirty="0"/>
-              <a:t>A typical Service Fabric solution has a top-level application that can be used to publish all services associated with it. To publish the entire suite of services in a solution you can add all services to this top-level application.</a:t>
+              <a:t>Initially the solution will benefit from API publishing tools and swagger, API security policy and token validation and internal applications that can be created as pre-assigned API consumers without a sophisticated setup.</a:t>
             </a:r>
           </a:p>
           <a:p>
@@ -2718,119 +3479,7 @@
             </a:pPr>
             <a:r>
               <a:rPr lang="en-US" sz="1200" b="0" i="0" dirty="0"/>
-              <a:t>You can create additional Service Fabric applications in the solution that isolate specific services for deployment. </a:t>
-            </a:r>
-          </a:p>
-          <a:p>
-            <a:pPr marL="0" marR="0" lvl="0" indent="0" algn="l" defTabSz="914400" rtl="0" eaLnBrk="1" fontAlgn="auto" latinLnBrk="0" hangingPunct="1">
-              <a:lnSpc>
-                <a:spcPct val="100000"/>
-              </a:lnSpc>
-              <a:spcBef>
-                <a:spcPts val="0"/>
-              </a:spcBef>
-              <a:spcAft>
-                <a:spcPts val="0"/>
-              </a:spcAft>
-              <a:buClrTx/>
-              <a:buSzTx/>
-              <a:buFontTx/>
-              <a:buNone/>
-              <a:tabLst/>
-              <a:defRPr/>
-            </a:pPr>
-            <a:endParaRPr lang="en-US" sz="1200" b="0" i="0" dirty="0"/>
-          </a:p>
-          <a:p>
-            <a:pPr marL="0" marR="0" lvl="0" indent="0" algn="l" defTabSz="914400" rtl="0" eaLnBrk="1" fontAlgn="auto" latinLnBrk="0" hangingPunct="1">
-              <a:lnSpc>
-                <a:spcPct val="100000"/>
-              </a:lnSpc>
-              <a:spcBef>
-                <a:spcPts val="0"/>
-              </a:spcBef>
-              <a:spcAft>
-                <a:spcPts val="0"/>
-              </a:spcAft>
-              <a:buClrTx/>
-              <a:buSzTx/>
-              <a:buFontTx/>
-              <a:buNone/>
-              <a:tabLst/>
-              <a:defRPr/>
-            </a:pPr>
-            <a:r>
-              <a:rPr lang="en-US" sz="1200" b="1" i="1" dirty="0"/>
-              <a:t>Describe to the customer how they can upgrade services in situ and preserve state; handle rollback and roll forward; and service self-healing features.</a:t>
-            </a:r>
-          </a:p>
-          <a:p>
-            <a:pPr marL="171450" marR="0" lvl="0" indent="-171450" algn="l" defTabSz="914400" rtl="0" eaLnBrk="1" fontAlgn="auto" latinLnBrk="0" hangingPunct="1">
-              <a:lnSpc>
-                <a:spcPct val="100000"/>
-              </a:lnSpc>
-              <a:spcBef>
-                <a:spcPts val="0"/>
-              </a:spcBef>
-              <a:spcAft>
-                <a:spcPts val="0"/>
-              </a:spcAft>
-              <a:buClrTx/>
-              <a:buSzTx/>
-              <a:buFont typeface="Arial" panose="020B0604020202020204" pitchFamily="34" charset="0"/>
-              <a:buChar char="•"/>
-              <a:tabLst/>
-              <a:defRPr/>
-            </a:pPr>
-            <a:r>
-              <a:rPr lang="en-US" sz="1200" b="0" i="0" dirty="0"/>
-              <a:t>When an application is deployed, you can choose to “upgrade” the application. This preserves any state associated with stateful services if applicable. This will retire previous versions once they complete requests in process, while sending new requests to the new version of the service. </a:t>
-            </a:r>
-          </a:p>
-          <a:p>
-            <a:pPr marL="171450" marR="0" lvl="0" indent="-171450" algn="l" defTabSz="914400" rtl="0" eaLnBrk="1" fontAlgn="auto" latinLnBrk="0" hangingPunct="1">
-              <a:lnSpc>
-                <a:spcPct val="100000"/>
-              </a:lnSpc>
-              <a:spcBef>
-                <a:spcPts val="0"/>
-              </a:spcBef>
-              <a:spcAft>
-                <a:spcPts val="0"/>
-              </a:spcAft>
-              <a:buClrTx/>
-              <a:buSzTx/>
-              <a:buFont typeface="Arial" panose="020B0604020202020204" pitchFamily="34" charset="0"/>
-              <a:buChar char="•"/>
-              <a:tabLst/>
-              <a:defRPr/>
-            </a:pPr>
-            <a:r>
-              <a:rPr lang="en-US" sz="1200" b="0" i="0" dirty="0"/>
-              <a:t>If during the upgrade process there is a problem with the services being deployed, the upgrade is rolled back and the previous version of the services continue to operate. </a:t>
-            </a:r>
-          </a:p>
-          <a:p>
-            <a:pPr marL="171450" marR="0" lvl="0" indent="-171450" algn="l" defTabSz="914400" rtl="0" eaLnBrk="1" fontAlgn="auto" latinLnBrk="0" hangingPunct="1">
-              <a:lnSpc>
-                <a:spcPct val="100000"/>
-              </a:lnSpc>
-              <a:spcBef>
-                <a:spcPts val="0"/>
-              </a:spcBef>
-              <a:spcAft>
-                <a:spcPts val="0"/>
-              </a:spcAft>
-              <a:buClrTx/>
-              <a:buSzTx/>
-              <a:buFont typeface="Arial" panose="020B0604020202020204" pitchFamily="34" charset="0"/>
-              <a:buChar char="•"/>
-              <a:tabLst/>
-              <a:defRPr/>
-            </a:pPr>
-            <a:r>
-              <a:rPr lang="en-US" sz="1200" b="0" i="0" dirty="0"/>
-              <a:t>If the Service Fabric runtime detects any service instances are no longer operational, new instances of the service are initialized to maintain the required minimum instances for the service. </a:t>
+              <a:t>Eventually, as the partner ecosystem is built out, the customer will want to leverage many more API Management features such as API consumer onboarding and policy management, API consumer self-service features such via the consumer portal, blog, API documentation, incident reporting tools and API consumer throttling and usage metrics reporting.</a:t>
             </a:r>
           </a:p>
           <a:p>
@@ -2873,7 +3522,7 @@
             </a:pPr>
             <a:r>
               <a:rPr lang="en-US" sz="1200" b="1" i="1" dirty="0"/>
-              <a:t>Explain how the Service Fabric cluster handles auto-scaling. How does Service Fabric help the customer to make better utilization of their compute resources?</a:t>
+              <a:t>How would you identify the user and the API consumer or application?</a:t>
             </a:r>
           </a:p>
           <a:p>
@@ -2896,7 +3545,7 @@
             </a:pPr>
             <a:r>
               <a:rPr lang="en-US" sz="1200" b="0" i="0" dirty="0"/>
-              <a:t>Currently, performance counters emitted by the Service Fabric cluster drive auto-scaling. You can set up a base requirement for minimum nodes in the cluster (based on reliability level chosen) and configure auto-scale rules to scale up or down within that range, as the available nodes in the cluster become fully or less utilized.</a:t>
+              <a:t>All consumers, including internal applications, will be issued a consumer key.</a:t>
             </a:r>
           </a:p>
           <a:p>
@@ -2919,28 +3568,8 @@
             </a:pPr>
             <a:r>
               <a:rPr lang="en-US" sz="1200" b="0" i="0" dirty="0"/>
-              <a:t>When you deploy services, they are distributed across the available nodes in the Service Fabric cluster – including replicas for stateful services. Service Fabric will ensure that services are distributed across nodes according to any placement constraints, while ensuring that nodes are densely populated. </a:t>
-            </a:r>
-          </a:p>
-          <a:p>
-            <a:pPr marL="171450" marR="0" lvl="0" indent="-171450" algn="l" defTabSz="914400" rtl="0" eaLnBrk="1" fontAlgn="auto" latinLnBrk="0" hangingPunct="1">
-              <a:lnSpc>
-                <a:spcPct val="100000"/>
-              </a:lnSpc>
-              <a:spcBef>
-                <a:spcPts val="0"/>
-              </a:spcBef>
-              <a:spcAft>
-                <a:spcPts val="0"/>
-              </a:spcAft>
-              <a:buClrTx/>
-              <a:buSzTx/>
-              <a:buFont typeface="Arial" panose="020B0604020202020204" pitchFamily="34" charset="0"/>
-              <a:buChar char="•"/>
-              <a:tabLst/>
-              <a:defRPr/>
-            </a:pPr>
-            <a:endParaRPr lang="en-US" sz="1200" b="0" i="0" dirty="0"/>
+              <a:t>The solution will employ Azure Active Directory B2C for customer login, and will use the same mechanism for API security. API Management policy will be set up to authorize access only to callers with a signed Azure AD token (JWT) issued by the solution tenant, for consumer applications. Corporate applications may introduce another Azure AD tenant that syncs with their internal AD, for example.</a:t>
+            </a:r>
           </a:p>
           <a:p>
             <a:pPr marL="0" marR="0" lvl="0" indent="0" algn="l" defTabSz="914400" rtl="0" eaLnBrk="1" fontAlgn="auto" latinLnBrk="0" hangingPunct="1">
@@ -2960,79 +3589,7 @@
               <a:tabLst/>
               <a:defRPr/>
             </a:pPr>
-            <a:r>
-              <a:rPr lang="en-US" sz="1200" b="1" i="1" dirty="0"/>
-              <a:t>How would you plan for high availability (HA) for Service Fabric in this solution?</a:t>
-            </a:r>
-          </a:p>
-          <a:p>
-            <a:pPr marL="171450" marR="0" lvl="0" indent="-171450" algn="l" defTabSz="914400" rtl="0" eaLnBrk="1" fontAlgn="auto" latinLnBrk="0" hangingPunct="1">
-              <a:lnSpc>
-                <a:spcPct val="100000"/>
-              </a:lnSpc>
-              <a:spcBef>
-                <a:spcPts val="0"/>
-              </a:spcBef>
-              <a:spcAft>
-                <a:spcPts val="0"/>
-              </a:spcAft>
-              <a:buClrTx/>
-              <a:buSzTx/>
-              <a:buFont typeface="Arial" panose="020B0604020202020204" pitchFamily="34" charset="0"/>
-              <a:buChar char="•"/>
-              <a:tabLst/>
-              <a:defRPr/>
-            </a:pPr>
-            <a:r>
-              <a:rPr lang="en-US" sz="1200" b="0" i="0" dirty="0"/>
-              <a:t>Service Fabric inherently provides high availability within the cluster region.</a:t>
-            </a:r>
-          </a:p>
-          <a:p>
-            <a:pPr marL="171450" marR="0" lvl="0" indent="-171450" algn="l" defTabSz="914400" rtl="0" eaLnBrk="1" fontAlgn="auto" latinLnBrk="0" hangingPunct="1">
-              <a:lnSpc>
-                <a:spcPct val="100000"/>
-              </a:lnSpc>
-              <a:spcBef>
-                <a:spcPts val="0"/>
-              </a:spcBef>
-              <a:spcAft>
-                <a:spcPts val="0"/>
-              </a:spcAft>
-              <a:buClrTx/>
-              <a:buSzTx/>
-              <a:buFont typeface="Arial" panose="020B0604020202020204" pitchFamily="34" charset="0"/>
-              <a:buChar char="•"/>
-              <a:tabLst/>
-              <a:defRPr/>
-            </a:pPr>
-            <a:r>
-              <a:rPr lang="en-US" sz="1200" b="0" i="0" dirty="0"/>
-              <a:t>You achieve multi-region high availability for disaster recovery scenarios by using the backup/restore capability of stateful services. </a:t>
-            </a:r>
-          </a:p>
-          <a:p>
-            <a:pPr marL="171450" marR="0" lvl="0" indent="-171450" algn="l" defTabSz="914400" rtl="0" eaLnBrk="1" fontAlgn="auto" latinLnBrk="0" hangingPunct="1">
-              <a:lnSpc>
-                <a:spcPct val="100000"/>
-              </a:lnSpc>
-              <a:spcBef>
-                <a:spcPts val="0"/>
-              </a:spcBef>
-              <a:spcAft>
-                <a:spcPts val="0"/>
-              </a:spcAft>
-              <a:buClrTx/>
-              <a:buSzTx/>
-              <a:buFont typeface="Arial" panose="020B0604020202020204" pitchFamily="34" charset="0"/>
-              <a:buChar char="•"/>
-              <a:tabLst/>
-              <a:defRPr/>
-            </a:pPr>
-            <a:r>
-              <a:rPr lang="en-US" sz="1200" b="0" i="0" dirty="0"/>
-              <a:t>You can also create real time high availability across regions by configuring Traffic Manager to route traffic to both regions. In this case, any stateful services should be capable of reloading their latest state from external storage if not present in the region’s cluster.</a:t>
-            </a:r>
+            <a:endParaRPr lang="en-US" sz="1200" b="0" i="0" dirty="0"/>
           </a:p>
         </p:txBody>
       </p:sp>
@@ -3062,7 +3619,7 @@
     </p:spTree>
     <p:extLst>
       <p:ext uri="{BB962C8B-B14F-4D97-AF65-F5344CB8AC3E}">
-        <p14:creationId xmlns:p14="http://schemas.microsoft.com/office/powerpoint/2010/main" val="2163127979"/>
+        <p14:creationId xmlns:p14="http://schemas.microsoft.com/office/powerpoint/2010/main" val="72998875"/>
       </p:ext>
     </p:extLst>
   </p:cSld>
@@ -3116,291 +3673,182 @@
           <a:bodyPr/>
           <a:lstStyle/>
           <a:p>
-            <a:pPr marL="0" marR="0" lvl="0" indent="0" algn="l" defTabSz="914400" rtl="0" eaLnBrk="1" fontAlgn="auto" latinLnBrk="0" hangingPunct="1">
-              <a:lnSpc>
-                <a:spcPct val="100000"/>
-              </a:lnSpc>
-              <a:spcBef>
-                <a:spcPts val="0"/>
-              </a:spcBef>
-              <a:spcAft>
-                <a:spcPts val="0"/>
-              </a:spcAft>
-              <a:buClrTx/>
-              <a:buSzTx/>
-              <a:buFont typeface="Arial" panose="020B0604020202020204" pitchFamily="34" charset="0"/>
-              <a:buNone/>
-              <a:tabLst/>
-              <a:defRPr/>
-            </a:pPr>
-            <a:r>
-              <a:rPr lang="en-US" sz="1200" b="1" i="1" dirty="0"/>
-              <a:t>Explain to the customer how Service Fabric can help the customer have visibility into overall solution health.</a:t>
-            </a:r>
-          </a:p>
-          <a:p>
-            <a:pPr marL="171450" marR="0" lvl="0" indent="-171450" algn="l" defTabSz="914400" rtl="0" eaLnBrk="1" fontAlgn="auto" latinLnBrk="0" hangingPunct="1">
-              <a:lnSpc>
-                <a:spcPct val="100000"/>
-              </a:lnSpc>
-              <a:spcBef>
-                <a:spcPts val="0"/>
-              </a:spcBef>
-              <a:spcAft>
-                <a:spcPts val="0"/>
-              </a:spcAft>
-              <a:buClrTx/>
-              <a:buSzTx/>
-              <a:buFont typeface="Arial" panose="020B0604020202020204" pitchFamily="34" charset="0"/>
-              <a:buChar char="•"/>
-              <a:tabLst/>
-              <a:defRPr/>
-            </a:pPr>
-            <a:r>
-              <a:rPr lang="en-US" sz="1200" b="0" i="0" dirty="0"/>
-              <a:t>If you report problems and failures to the Azure Service Fabric health manager from your service code, you can use standard health monitoring tools that Service Fabric provides to check the health status.</a:t>
-            </a:r>
-          </a:p>
-          <a:p>
-            <a:pPr marL="171450" marR="0" lvl="0" indent="-171450" algn="l" defTabSz="914400" rtl="0" eaLnBrk="1" fontAlgn="auto" latinLnBrk="0" hangingPunct="1">
-              <a:lnSpc>
-                <a:spcPct val="100000"/>
-              </a:lnSpc>
-              <a:spcBef>
-                <a:spcPts val="0"/>
-              </a:spcBef>
-              <a:spcAft>
-                <a:spcPts val="0"/>
-              </a:spcAft>
-              <a:buClrTx/>
-              <a:buSzTx/>
-              <a:buFont typeface="Arial" panose="020B0604020202020204" pitchFamily="34" charset="0"/>
-              <a:buChar char="•"/>
-              <a:tabLst/>
-              <a:defRPr/>
-            </a:pPr>
-            <a:r>
-              <a:rPr lang="en-US" sz="1200" b="0" i="0" dirty="0"/>
-              <a:t>For example, you can report configuration errors that would prevent the solution from reliable operation, and report these as exceptions to the Service Fabric. </a:t>
-            </a:r>
-          </a:p>
-          <a:p>
-            <a:pPr marL="171450" marR="0" lvl="0" indent="-171450" algn="l" defTabSz="914400" rtl="0" eaLnBrk="1" fontAlgn="auto" latinLnBrk="0" hangingPunct="1">
-              <a:lnSpc>
-                <a:spcPct val="100000"/>
-              </a:lnSpc>
-              <a:spcBef>
-                <a:spcPts val="0"/>
-              </a:spcBef>
-              <a:spcAft>
-                <a:spcPts val="0"/>
-              </a:spcAft>
-              <a:buClrTx/>
-              <a:buSzTx/>
-              <a:buFont typeface="Arial" panose="020B0604020202020204" pitchFamily="34" charset="0"/>
-              <a:buChar char="•"/>
-              <a:tabLst/>
-              <a:defRPr/>
-            </a:pPr>
-            <a:r>
-              <a:rPr lang="en-US" sz="1200" b="0" i="0" dirty="0"/>
-              <a:t>Exceptions that are detected while the Service Fabric tries to perform upgrades will trigger a rollback operation to avoid introducing this failure into the system.</a:t>
-            </a:r>
-          </a:p>
-          <a:p>
-            <a:pPr marL="0" marR="0" lvl="0" indent="0" algn="l" defTabSz="914400" rtl="0" eaLnBrk="1" fontAlgn="auto" latinLnBrk="0" hangingPunct="1">
-              <a:lnSpc>
-                <a:spcPct val="100000"/>
-              </a:lnSpc>
-              <a:spcBef>
-                <a:spcPts val="0"/>
-              </a:spcBef>
-              <a:spcAft>
-                <a:spcPts val="0"/>
-              </a:spcAft>
-              <a:buClrTx/>
-              <a:buSzTx/>
-              <a:buFont typeface="Arial" panose="020B0604020202020204" pitchFamily="34" charset="0"/>
-              <a:buNone/>
-              <a:tabLst/>
-              <a:defRPr/>
-            </a:pPr>
-            <a:endParaRPr lang="en-US" sz="1200" b="0" i="0" dirty="0"/>
-          </a:p>
-          <a:p>
-            <a:pPr marL="0" marR="0" lvl="0" indent="0" algn="l" defTabSz="914400" rtl="0" eaLnBrk="1" fontAlgn="auto" latinLnBrk="0" hangingPunct="1">
-              <a:lnSpc>
-                <a:spcPct val="100000"/>
-              </a:lnSpc>
-              <a:spcBef>
-                <a:spcPts val="0"/>
-              </a:spcBef>
-              <a:spcAft>
-                <a:spcPts val="0"/>
-              </a:spcAft>
-              <a:buClrTx/>
-              <a:buSzTx/>
-              <a:buFont typeface="Arial" panose="020B0604020202020204" pitchFamily="34" charset="0"/>
-              <a:buNone/>
-              <a:tabLst/>
-              <a:defRPr/>
-            </a:pPr>
-            <a:r>
-              <a:rPr lang="en-US" sz="1200" b="1" i="1" dirty="0"/>
-              <a:t>How can you update cluster settings after the fact? What kind of settings might you want to update?</a:t>
-            </a:r>
-          </a:p>
-          <a:p>
-            <a:pPr marL="171450" marR="0" lvl="0" indent="-171450" algn="l" defTabSz="914400" rtl="0" eaLnBrk="1" fontAlgn="auto" latinLnBrk="0" hangingPunct="1">
-              <a:lnSpc>
-                <a:spcPct val="100000"/>
-              </a:lnSpc>
-              <a:spcBef>
-                <a:spcPts val="0"/>
-              </a:spcBef>
-              <a:spcAft>
-                <a:spcPts val="0"/>
-              </a:spcAft>
-              <a:buClrTx/>
-              <a:buSzTx/>
-              <a:buFont typeface="Arial" panose="020B0604020202020204" pitchFamily="34" charset="0"/>
-              <a:buChar char="•"/>
-              <a:tabLst/>
-              <a:defRPr/>
-            </a:pPr>
-            <a:r>
-              <a:rPr lang="en-US" sz="1200" b="0" i="0" dirty="0"/>
-              <a:t>You cannot change the security of the cluster after provisioning it, so it is important to set the cluster up as a secure cluster, from the beginning. </a:t>
-            </a:r>
-          </a:p>
-          <a:p>
-            <a:pPr marL="171450" marR="0" lvl="0" indent="-171450" algn="l" defTabSz="914400" rtl="0" eaLnBrk="1" fontAlgn="auto" latinLnBrk="0" hangingPunct="1">
-              <a:lnSpc>
-                <a:spcPct val="100000"/>
-              </a:lnSpc>
-              <a:spcBef>
-                <a:spcPts val="0"/>
-              </a:spcBef>
-              <a:spcAft>
-                <a:spcPts val="0"/>
-              </a:spcAft>
-              <a:buClrTx/>
-              <a:buSzTx/>
-              <a:buFont typeface="Arial" panose="020B0604020202020204" pitchFamily="34" charset="0"/>
-              <a:buChar char="•"/>
-              <a:tabLst/>
-              <a:defRPr/>
-            </a:pPr>
-            <a:r>
-              <a:rPr lang="en-US" sz="1200" b="0" i="0" dirty="0"/>
-              <a:t>You may need to modify the ARM template you used to create the cluster, add new ports you want to expose, add new node types for scale tiers, and then re-apply the template to safely upgrade the cluster nodes. </a:t>
-            </a:r>
-          </a:p>
-          <a:p>
-            <a:pPr marL="0" marR="0" lvl="0" indent="0" algn="l" defTabSz="914400" rtl="0" eaLnBrk="1" fontAlgn="auto" latinLnBrk="0" hangingPunct="1">
-              <a:lnSpc>
-                <a:spcPct val="100000"/>
-              </a:lnSpc>
-              <a:spcBef>
-                <a:spcPts val="0"/>
-              </a:spcBef>
-              <a:spcAft>
-                <a:spcPts val="0"/>
-              </a:spcAft>
-              <a:buClrTx/>
-              <a:buSzTx/>
-              <a:buFont typeface="Arial" panose="020B0604020202020204" pitchFamily="34" charset="0"/>
-              <a:buNone/>
-              <a:tabLst/>
-              <a:defRPr/>
-            </a:pPr>
-            <a:endParaRPr lang="en-US" sz="1200" b="0" i="0" dirty="0"/>
-          </a:p>
-          <a:p>
-            <a:pPr marL="0" marR="0" lvl="0" indent="0" algn="l" defTabSz="914400" rtl="0" eaLnBrk="1" fontAlgn="auto" latinLnBrk="0" hangingPunct="1">
-              <a:lnSpc>
-                <a:spcPct val="100000"/>
-              </a:lnSpc>
-              <a:spcBef>
-                <a:spcPts val="0"/>
-              </a:spcBef>
-              <a:spcAft>
-                <a:spcPts val="0"/>
-              </a:spcAft>
-              <a:buClrTx/>
-              <a:buSzTx/>
-              <a:buFont typeface="Arial" panose="020B0604020202020204" pitchFamily="34" charset="0"/>
-              <a:buNone/>
-              <a:tabLst/>
-              <a:defRPr/>
-            </a:pPr>
-            <a:r>
-              <a:rPr lang="en-US" sz="1200" b="1" i="1" dirty="0"/>
-              <a:t>How will you keep your cluster up to date with the latest Service Fabric SDK?</a:t>
-            </a:r>
-          </a:p>
-          <a:p>
-            <a:pPr marL="171450" marR="0" lvl="0" indent="-171450" algn="l" defTabSz="914400" rtl="0" eaLnBrk="1" fontAlgn="auto" latinLnBrk="0" hangingPunct="1">
-              <a:lnSpc>
-                <a:spcPct val="100000"/>
-              </a:lnSpc>
-              <a:spcBef>
-                <a:spcPts val="0"/>
-              </a:spcBef>
-              <a:spcAft>
-                <a:spcPts val="0"/>
-              </a:spcAft>
-              <a:buClrTx/>
-              <a:buSzTx/>
-              <a:buFont typeface="Arial" panose="020B0604020202020204" pitchFamily="34" charset="0"/>
-              <a:buChar char="•"/>
-              <a:tabLst/>
-              <a:defRPr/>
-            </a:pPr>
-            <a:r>
-              <a:rPr lang="en-US" sz="1200" b="0" i="0" dirty="0"/>
-              <a:t>Microsoft updates the runtime SDK on all clusters, unless the cluster is in an unhealthy state. You do not have to update the cluster yourself to keep it current.</a:t>
-            </a:r>
-          </a:p>
-          <a:p>
-            <a:pPr marL="0" marR="0" lvl="0" indent="0" algn="l" defTabSz="914400" rtl="0" eaLnBrk="1" fontAlgn="auto" latinLnBrk="0" hangingPunct="1">
-              <a:lnSpc>
-                <a:spcPct val="100000"/>
-              </a:lnSpc>
-              <a:spcBef>
-                <a:spcPts val="0"/>
-              </a:spcBef>
-              <a:spcAft>
-                <a:spcPts val="0"/>
-              </a:spcAft>
-              <a:buClrTx/>
-              <a:buSzTx/>
-              <a:buFont typeface="Arial" panose="020B0604020202020204" pitchFamily="34" charset="0"/>
-              <a:buNone/>
-              <a:tabLst/>
-              <a:defRPr/>
-            </a:pPr>
-            <a:endParaRPr lang="en-US" sz="1200" b="0" i="0" dirty="0"/>
-          </a:p>
-          <a:p>
-            <a:pPr marL="0" marR="0" lvl="0" indent="0" algn="l" defTabSz="914400" rtl="0" eaLnBrk="1" fontAlgn="auto" latinLnBrk="0" hangingPunct="1">
-              <a:lnSpc>
-                <a:spcPct val="100000"/>
-              </a:lnSpc>
-              <a:spcBef>
-                <a:spcPts val="0"/>
-              </a:spcBef>
-              <a:spcAft>
-                <a:spcPts val="0"/>
-              </a:spcAft>
-              <a:buClrTx/>
-              <a:buSzTx/>
-              <a:buFontTx/>
-              <a:buNone/>
-              <a:tabLst/>
-              <a:defRPr/>
-            </a:pPr>
-            <a:endParaRPr lang="en-US" sz="1200" b="0" i="0" dirty="0"/>
+            <a:r>
+              <a:rPr lang="en-US" b="1" dirty="0"/>
+              <a:t>1. While we are interested in the microservices approach, we are still comparing Service Fabric with PaaS features such as App Services and SQL DB. How mature is Service Fabric by comparison?</a:t>
+            </a:r>
+          </a:p>
+          <a:p>
+            <a:endParaRPr lang="en-US" dirty="0"/>
+          </a:p>
+          <a:p>
+            <a:r>
+              <a:rPr lang="en-US" dirty="0"/>
+              <a:t>   Service Fabric has been battle tested for many years prior to becoming generally available. In fact, Service Fabric is the underlying foundation for Azure's own SQL DB and Cosmos DB services among other high traffic applications such as the very popular Halo game.</a:t>
+            </a:r>
+          </a:p>
+          <a:p>
+            <a:endParaRPr lang="en-US" dirty="0"/>
+          </a:p>
+          <a:p>
+            <a:r>
+              <a:rPr lang="en-US" dirty="0"/>
+              <a:t>   As for choosing between Service Fabric and App Services or SQL DB the benefits of the former include:</a:t>
+            </a:r>
+          </a:p>
+          <a:p>
+            <a:endParaRPr lang="en-US" dirty="0"/>
+          </a:p>
+          <a:p>
+            <a:r>
+              <a:rPr lang="en-US" dirty="0"/>
+              <a:t>    -   The ability to deploy individual application services without concern over the target infrastructure, let Service Fabric decide the target nodes appropriate for each tier and service type.</a:t>
+            </a:r>
+          </a:p>
+          <a:p>
+            <a:endParaRPr lang="en-US" dirty="0"/>
+          </a:p>
+          <a:p>
+            <a:r>
+              <a:rPr lang="en-US" dirty="0"/>
+              <a:t>    -   Microservices design from the ground up on a platform that is specifically designed for that purpose, with the ability to scale.</a:t>
+            </a:r>
+          </a:p>
+          <a:p>
+            <a:endParaRPr lang="en-US" dirty="0"/>
+          </a:p>
+          <a:p>
+            <a:r>
+              <a:rPr lang="en-US" dirty="0"/>
+              <a:t>    -   The capability to deploy Service Fabric clusters in Azure and on-premises, across both Windows and Linux hosts.</a:t>
+            </a:r>
+          </a:p>
+          <a:p>
+            <a:r>
+              <a:rPr lang="en-US" dirty="0"/>
+              <a:t>    </a:t>
+            </a:r>
+          </a:p>
+          <a:p>
+            <a:r>
+              <a:rPr lang="en-US" dirty="0"/>
+              <a:t>    -   Docker containers ensure portability to another container orchestrator.</a:t>
+            </a:r>
+          </a:p>
+          <a:p>
+            <a:endParaRPr lang="en-US" dirty="0"/>
+          </a:p>
+          <a:p>
+            <a:r>
+              <a:rPr lang="en-US" b="1" dirty="0"/>
+              <a:t>2. Microservices concepts are completely new to the Contoso Events team. If we were to go forward with Service Fabric as our microservices platform, we would like to understand what skills the team can carry forward, and how much of a learning curve exists.</a:t>
+            </a:r>
+          </a:p>
+          <a:p>
+            <a:endParaRPr lang="en-US" dirty="0"/>
+          </a:p>
+          <a:p>
+            <a:r>
+              <a:rPr lang="en-US" dirty="0"/>
+              <a:t>   Service Fabric is a natural transition for .NET developers in many respects:</a:t>
+            </a:r>
+          </a:p>
+          <a:p>
+            <a:endParaRPr lang="en-US" dirty="0"/>
+          </a:p>
+          <a:p>
+            <a:r>
+              <a:rPr lang="en-US" dirty="0"/>
+              <a:t>    -   They can continue to use Visual Studio for development, debugging and publishing applications.</a:t>
+            </a:r>
+          </a:p>
+          <a:p>
+            <a:endParaRPr lang="en-US" dirty="0"/>
+          </a:p>
+          <a:p>
+            <a:r>
+              <a:rPr lang="en-US" dirty="0"/>
+              <a:t>    -   They can continue to develop ASP.NET and Web API applications and can leverage Docker tools in Visual Studio to kick-start their understanding about containers and their principles.</a:t>
+            </a:r>
+          </a:p>
+          <a:p>
+            <a:endParaRPr lang="en-US" dirty="0"/>
+          </a:p>
+          <a:p>
+            <a:r>
+              <a:rPr lang="en-US" dirty="0"/>
+              <a:t>    -   Working with containerized services is also familiar in the sense that they can run locally on their machine.</a:t>
+            </a:r>
+          </a:p>
+          <a:p>
+            <a:endParaRPr lang="en-US" dirty="0"/>
+          </a:p>
+          <a:p>
+            <a:r>
+              <a:rPr lang="en-US" b="1" dirty="0"/>
+              <a:t>3. Could we consider Azure Functions as an alternative back end implementation for our APIs?</a:t>
+            </a:r>
+          </a:p>
+          <a:p>
+            <a:endParaRPr lang="en-US" dirty="0"/>
+          </a:p>
+          <a:p>
+            <a:r>
+              <a:rPr lang="en-US" dirty="0"/>
+              <a:t>   While it is possible to create Functions that run behind API Management endpoints, they are best employed for decoupled, asynchronous background operations that can be run at scale without concern for the specific server running that operation.</a:t>
+            </a:r>
+          </a:p>
+          <a:p>
+            <a:endParaRPr lang="en-US" dirty="0"/>
+          </a:p>
+          <a:p>
+            <a:r>
+              <a:rPr lang="en-US" dirty="0"/>
+              <a:t>   In this solution, Azure Functions allowed for decoupling the location of the external storage location of orders, without the need to update Service Fabric configurations on change. It also allowed for a separate scale-out tier for that work.</a:t>
+            </a:r>
+          </a:p>
+          <a:p>
+            <a:endParaRPr lang="en-US" dirty="0"/>
+          </a:p>
+          <a:p>
+            <a:r>
+              <a:rPr lang="en-US" dirty="0"/>
+              <a:t>   In a solution such as a mobile application back end, functions could be useful if they don't need to commingle with other solutions aspects, such as acting as their own microservice with a targeted purpose.</a:t>
+            </a:r>
+          </a:p>
+          <a:p>
+            <a:endParaRPr lang="en-US" dirty="0"/>
+          </a:p>
+          <a:p>
+            <a:r>
+              <a:rPr lang="en-US" b="1" dirty="0"/>
+              <a:t>4. We would like to understand more about the benefits of Serverless architectures, in Azure does this mean only using Azure Functions or is there more to it?</a:t>
+            </a:r>
+          </a:p>
+          <a:p>
+            <a:endParaRPr lang="en-US" dirty="0"/>
+          </a:p>
+          <a:p>
+            <a:r>
+              <a:rPr lang="en-US" dirty="0"/>
+              <a:t>   A Serverless Architecture, as the name implies, aims to provide a solution architecture where concern for individual servers is minimized. While the term "Serverless" has varying interpretations, it typically includes characteristics such as the extensive use of ephemeral services, a focus entirely on scaling the capabilities that support the business logic, the processing capability should be ephemeral (</a:t>
+            </a:r>
+            <a:r>
+              <a:rPr lang="en-US" dirty="0" err="1"/>
+              <a:t>e.g</a:t>
+            </a:r>
+            <a:r>
+              <a:rPr lang="en-US" dirty="0"/>
+              <a:t>, it can be started nearly instantaneously without </a:t>
+            </a:r>
+            <a:r>
+              <a:rPr lang="en-US" dirty="0" err="1"/>
+              <a:t>preprovisioning</a:t>
+            </a:r>
+            <a:r>
+              <a:rPr lang="en-US" dirty="0"/>
+              <a:t> on your part), the capability is scaled transparently at a very granular level (e.g. scaling occurs on a per request or function invocation basis and not on an all up server load basis), and the cost is typically associated with time spent supporting business logic computation and not on the time server resources are available to handle requests. In Azure, Functions is a prime component of a Serverless architecture, but not the only service that may be utilized in one. Other Azure Services that, by this definition, can be composed into a Serverless architecture include: Azure Storage Blobs, Tables and Queues, Azure Data Lake Store, API Management, CDN, Media Services, Notification Hubs, IoT Hub, and Service Bus.</a:t>
+            </a:r>
           </a:p>
         </p:txBody>
       </p:sp>
@@ -3430,7 +3878,7 @@
     </p:spTree>
     <p:extLst>
       <p:ext uri="{BB962C8B-B14F-4D97-AF65-F5344CB8AC3E}">
-        <p14:creationId xmlns:p14="http://schemas.microsoft.com/office/powerpoint/2010/main" val="3761788928"/>
+        <p14:creationId xmlns:p14="http://schemas.microsoft.com/office/powerpoint/2010/main" val="28863152"/>
       </p:ext>
     </p:extLst>
   </p:cSld>
@@ -3484,182 +3932,282 @@
           <a:bodyPr/>
           <a:lstStyle/>
           <a:p>
-            <a:pPr marL="0" marR="0" lvl="0" indent="0" algn="l" defTabSz="914400" rtl="0" eaLnBrk="1" fontAlgn="auto" latinLnBrk="0" hangingPunct="1">
-              <a:lnSpc>
-                <a:spcPct val="100000"/>
-              </a:lnSpc>
-              <a:spcBef>
-                <a:spcPts val="0"/>
-              </a:spcBef>
-              <a:spcAft>
-                <a:spcPts val="0"/>
-              </a:spcAft>
-              <a:buClrTx/>
-              <a:buSzTx/>
+            <a:r>
+              <a:rPr lang="en-US" b="1" i="1" dirty="0"/>
+              <a:t>While we are interested in the microservices approach, we are still comparing Service Fabric with PaaS features such as App Services and SQL DB. </a:t>
+            </a:r>
+            <a:r>
+              <a:rPr lang="en-US" sz="1200" b="1" i="1" kern="1200" dirty="0">
+                <a:solidFill>
+                  <a:schemeClr val="tx1"/>
+                </a:solidFill>
+                <a:effectLst/>
+                <a:latin typeface="+mn-lt"/>
+                <a:ea typeface="+mn-ea"/>
+                <a:cs typeface="+mn-cs"/>
+              </a:rPr>
+              <a:t>How mature is Service Fabric by comparison?</a:t>
+            </a:r>
+          </a:p>
+          <a:p>
+            <a:pPr marL="171450" indent="-171450">
+              <a:buFont typeface="Arial" panose="020B0604020202020204" pitchFamily="34" charset="0"/>
+              <a:buChar char="•"/>
+            </a:pPr>
+            <a:r>
+              <a:rPr lang="en-US" b="0" i="0" dirty="0"/>
+              <a:t>Service Fabric has been battle tested for many years prior to becoming generally available. In fact, Service Fabric is the underlying foundation for Azure’s own SQL DB and Cosmos DB services among other high traffic applications such as the very popular Halo game. </a:t>
+            </a:r>
+          </a:p>
+          <a:p>
+            <a:pPr marL="171450" indent="-171450">
+              <a:buFont typeface="Arial" panose="020B0604020202020204" pitchFamily="34" charset="0"/>
+              <a:buChar char="•"/>
+            </a:pPr>
+            <a:r>
+              <a:rPr lang="en-US" b="0" i="0" dirty="0"/>
+              <a:t> </a:t>
+            </a:r>
+          </a:p>
+          <a:p>
+            <a:pPr marL="171450" indent="-171450">
+              <a:buFont typeface="Arial" panose="020B0604020202020204" pitchFamily="34" charset="0"/>
+              <a:buChar char="•"/>
+            </a:pPr>
+            <a:r>
+              <a:rPr lang="en-US" b="0" i="0" dirty="0"/>
+              <a:t>As for choosing between Service Fabric and App Services or SQL DB the benefits of the former include:</a:t>
+            </a:r>
+          </a:p>
+          <a:p>
+            <a:pPr marL="628650" lvl="1" indent="-171450">
+              <a:buFont typeface="Arial" panose="020B0604020202020204" pitchFamily="34" charset="0"/>
+              <a:buChar char="•"/>
+            </a:pPr>
+            <a:r>
+              <a:rPr lang="en-US" b="0" i="0" dirty="0"/>
+              <a:t>The ability to deploy individual application services without concern over the target infrastructure – let Service Fabric decide the target nodes appropriate for each tier and service type.</a:t>
+            </a:r>
+          </a:p>
+          <a:p>
+            <a:pPr marL="628650" lvl="1" indent="-171450">
+              <a:buFont typeface="Arial" panose="020B0604020202020204" pitchFamily="34" charset="0"/>
+              <a:buChar char="•"/>
+            </a:pPr>
+            <a:r>
+              <a:rPr lang="en-US" b="0" i="0" dirty="0"/>
+              <a:t>Simplified approach to managing data persistence with stateful services.</a:t>
+            </a:r>
+          </a:p>
+          <a:p>
+            <a:pPr marL="628650" lvl="1" indent="-171450">
+              <a:buFont typeface="Arial" panose="020B0604020202020204" pitchFamily="34" charset="0"/>
+              <a:buChar char="•"/>
+            </a:pPr>
+            <a:r>
+              <a:rPr lang="en-US" b="0" i="0" dirty="0"/>
+              <a:t>Microservices design from the ground up on a platform that is specifically designed for that purpose – with the ability to scale.</a:t>
+            </a:r>
+          </a:p>
+          <a:p>
+            <a:pPr marL="628650" lvl="1" indent="-171450">
+              <a:buFont typeface="Arial" panose="020B0604020202020204" pitchFamily="34" charset="0"/>
+              <a:buChar char="•"/>
+            </a:pPr>
+            <a:endParaRPr lang="en-US" b="0" i="0" dirty="0"/>
+          </a:p>
+          <a:p>
+            <a:pPr marL="0" indent="0">
               <a:buFont typeface="Arial" panose="020B0604020202020204" pitchFamily="34" charset="0"/>
               <a:buNone/>
-              <a:tabLst/>
-              <a:defRPr/>
             </a:pPr>
             <a:r>
-              <a:rPr lang="en-US" sz="1200" b="1" i="1" dirty="0"/>
-              <a:t>Describe how API Management may be useful to control access to APIs exposed by the solution. </a:t>
-            </a:r>
-          </a:p>
-          <a:p>
-            <a:pPr marL="171450" marR="0" lvl="0" indent="-171450" algn="l" defTabSz="914400" rtl="0" eaLnBrk="1" fontAlgn="auto" latinLnBrk="0" hangingPunct="1">
-              <a:lnSpc>
-                <a:spcPct val="100000"/>
-              </a:lnSpc>
-              <a:spcBef>
-                <a:spcPts val="0"/>
-              </a:spcBef>
-              <a:spcAft>
-                <a:spcPts val="0"/>
-              </a:spcAft>
-              <a:buClrTx/>
-              <a:buSzTx/>
+              <a:rPr lang="en-US" b="1" i="1" dirty="0"/>
+              <a:t>Microservices architectures are completely new to the Contoso Events team. If we were to go forward with Service Fabric, we would like to understand what skills the team can carry forward, and how much of a learning curve exists.</a:t>
+            </a:r>
+            <a:endParaRPr lang="en-US" b="0" i="0" dirty="0"/>
+          </a:p>
+          <a:p>
+            <a:pPr marL="171450" indent="-171450">
               <a:buFont typeface="Arial" panose="020B0604020202020204" pitchFamily="34" charset="0"/>
               <a:buChar char="•"/>
-              <a:tabLst/>
-              <a:defRPr/>
             </a:pPr>
             <a:r>
-              <a:rPr lang="en-US" sz="1200" b="0" i="0" dirty="0"/>
-              <a:t>Initially the solution will benefit from API publishing tools and swagger, API security policy and token validation and internal applications that can be created as pre-assigned API consumers without a sophisticated setup.</a:t>
-            </a:r>
-          </a:p>
-          <a:p>
-            <a:pPr marL="171450" marR="0" lvl="0" indent="-171450" algn="l" defTabSz="914400" rtl="0" eaLnBrk="1" fontAlgn="auto" latinLnBrk="0" hangingPunct="1">
-              <a:lnSpc>
-                <a:spcPct val="100000"/>
-              </a:lnSpc>
-              <a:spcBef>
-                <a:spcPts val="0"/>
-              </a:spcBef>
-              <a:spcAft>
-                <a:spcPts val="0"/>
-              </a:spcAft>
-              <a:buClrTx/>
-              <a:buSzTx/>
+              <a:rPr lang="en-US" b="0" i="0" dirty="0"/>
+              <a:t>Service Fabric is a natural transition for .NET developers in many respects:</a:t>
+            </a:r>
+          </a:p>
+          <a:p>
+            <a:pPr marL="628650" lvl="1" indent="-171450">
               <a:buFont typeface="Arial" panose="020B0604020202020204" pitchFamily="34" charset="0"/>
               <a:buChar char="•"/>
-              <a:tabLst/>
-              <a:defRPr/>
             </a:pPr>
             <a:r>
-              <a:rPr lang="en-US" sz="1200" b="0" i="0" dirty="0"/>
-              <a:t>Eventually, as the partner ecosystem is built out, the customer will want to leverage many more API Management features such as API consumer onboarding and policy management, API consumer self-service features such via the consumer portal, blog, API documentation, incident reporting tools and API consumer throttling and usage metrics reporting.</a:t>
-            </a:r>
-          </a:p>
-          <a:p>
-            <a:pPr marL="171450" marR="0" lvl="0" indent="-171450" algn="l" defTabSz="914400" rtl="0" eaLnBrk="1" fontAlgn="auto" latinLnBrk="0" hangingPunct="1">
-              <a:lnSpc>
-                <a:spcPct val="100000"/>
-              </a:lnSpc>
-              <a:spcBef>
-                <a:spcPts val="0"/>
-              </a:spcBef>
-              <a:spcAft>
-                <a:spcPts val="0"/>
-              </a:spcAft>
-              <a:buClrTx/>
-              <a:buSzTx/>
+              <a:rPr lang="en-US" b="0" i="0" dirty="0"/>
+              <a:t>They can continue to use Visual Studio for development, debugging and publishing applications</a:t>
+            </a:r>
+          </a:p>
+          <a:p>
+            <a:pPr marL="628650" lvl="1" indent="-171450">
               <a:buFont typeface="Arial" panose="020B0604020202020204" pitchFamily="34" charset="0"/>
               <a:buChar char="•"/>
-              <a:tabLst/>
-              <a:defRPr/>
             </a:pPr>
-            <a:endParaRPr lang="en-US" sz="1200" b="0" i="0" dirty="0"/>
-          </a:p>
-          <a:p>
-            <a:pPr marL="0" marR="0" lvl="0" indent="0" algn="l" defTabSz="914400" rtl="0" eaLnBrk="1" fontAlgn="auto" latinLnBrk="0" hangingPunct="1">
-              <a:lnSpc>
-                <a:spcPct val="100000"/>
-              </a:lnSpc>
-              <a:spcBef>
-                <a:spcPts val="0"/>
-              </a:spcBef>
-              <a:spcAft>
-                <a:spcPts val="0"/>
-              </a:spcAft>
-              <a:buClrTx/>
-              <a:buSzTx/>
+            <a:r>
+              <a:rPr lang="en-US" b="0" i="0" dirty="0"/>
+              <a:t>They can leverage Service Fabric project templates to kick-start their understanding of Service Fabric services.</a:t>
+            </a:r>
+          </a:p>
+          <a:p>
+            <a:pPr marL="628650" lvl="1" indent="-171450">
+              <a:buFont typeface="Arial" panose="020B0604020202020204" pitchFamily="34" charset="0"/>
+              <a:buChar char="•"/>
+            </a:pPr>
+            <a:r>
+              <a:rPr lang="en-US" b="0" i="0" dirty="0"/>
+              <a:t>The programming model for services is familiar. </a:t>
+            </a:r>
+          </a:p>
+          <a:p>
+            <a:pPr marL="628650" lvl="1" indent="-171450">
+              <a:buFont typeface="Arial" panose="020B0604020202020204" pitchFamily="34" charset="0"/>
+              <a:buChar char="•"/>
+            </a:pPr>
+            <a:r>
+              <a:rPr lang="en-US" b="0" i="0" dirty="0"/>
+              <a:t>Working with stateful services is also familiar in the sense that state is defined via objects (POCO) and serialized as part of the service implementation. </a:t>
+            </a:r>
+          </a:p>
+          <a:p>
+            <a:pPr marL="171450" indent="-171450">
+              <a:buFont typeface="Arial" panose="020B0604020202020204" pitchFamily="34" charset="0"/>
+              <a:buChar char="•"/>
+            </a:pPr>
+            <a:endParaRPr lang="en-US" b="1" i="1" dirty="0"/>
+          </a:p>
+          <a:p>
+            <a:pPr marL="0" indent="0">
               <a:buFont typeface="Arial" panose="020B0604020202020204" pitchFamily="34" charset="0"/>
               <a:buNone/>
-              <a:tabLst/>
-              <a:defRPr/>
             </a:pPr>
             <a:r>
-              <a:rPr lang="en-US" sz="1200" b="1" i="1" dirty="0"/>
-              <a:t>How would you identify the user and the API consumer or application?</a:t>
-            </a:r>
-          </a:p>
-          <a:p>
-            <a:pPr marL="171450" marR="0" lvl="0" indent="-171450" algn="l" defTabSz="914400" rtl="0" eaLnBrk="1" fontAlgn="auto" latinLnBrk="0" hangingPunct="1">
-              <a:lnSpc>
-                <a:spcPct val="100000"/>
-              </a:lnSpc>
-              <a:spcBef>
-                <a:spcPts val="0"/>
-              </a:spcBef>
-              <a:spcAft>
-                <a:spcPts val="0"/>
-              </a:spcAft>
-              <a:buClrTx/>
-              <a:buSzTx/>
+              <a:rPr lang="en-US" b="1" i="1" dirty="0"/>
+              <a:t>We’d like to understand if stateful services or stateful actors will help us with ticket ordering throughput, workflow and state management, and easier rollouts of changes to this process.</a:t>
+            </a:r>
+            <a:endParaRPr lang="en-US" b="0" i="0" dirty="0"/>
+          </a:p>
+          <a:p>
+            <a:pPr marL="171450" indent="-171450">
               <a:buFont typeface="Arial" panose="020B0604020202020204" pitchFamily="34" charset="0"/>
               <a:buChar char="•"/>
-              <a:tabLst/>
-              <a:defRPr/>
             </a:pPr>
             <a:r>
-              <a:rPr lang="en-US" sz="1200" b="0" i="0" dirty="0"/>
-              <a:t>All consumers, including internal applications, will be issued a consumer key.</a:t>
-            </a:r>
-          </a:p>
-          <a:p>
-            <a:pPr marL="171450" marR="0" lvl="0" indent="-171450" algn="l" defTabSz="914400" rtl="0" eaLnBrk="1" fontAlgn="auto" latinLnBrk="0" hangingPunct="1">
-              <a:lnSpc>
-                <a:spcPct val="100000"/>
-              </a:lnSpc>
-              <a:spcBef>
-                <a:spcPts val="0"/>
-              </a:spcBef>
-              <a:spcAft>
-                <a:spcPts val="0"/>
-              </a:spcAft>
-              <a:buClrTx/>
-              <a:buSzTx/>
+              <a:rPr lang="en-US" b="0" i="0" dirty="0"/>
+              <a:t>Stateful services are backed by robust and reliable storage. When data (state) is saved by the service, it is not confirmed (committed) unless a quorum is reached. </a:t>
+            </a:r>
+          </a:p>
+          <a:p>
+            <a:pPr marL="171450" indent="-171450">
               <a:buFont typeface="Arial" panose="020B0604020202020204" pitchFamily="34" charset="0"/>
               <a:buChar char="•"/>
-              <a:tabLst/>
-              <a:defRPr/>
             </a:pPr>
             <a:r>
-              <a:rPr lang="en-US" sz="1200" b="0" i="0" dirty="0"/>
-              <a:t>The solution will employ Azure Active Directory B2C for customer login, and will use the same mechanism for API security. API Management policy will be set up to authorize access only to callers with a signed Azure AD token (JWT) issued by the solution tenant, for consumer applications. Corporate applications may introduce another Azure AD tenant that syncs with their internal AD, for example.</a:t>
-            </a:r>
-          </a:p>
-          <a:p>
-            <a:pPr marL="0" marR="0" lvl="0" indent="0" algn="l" defTabSz="914400" rtl="0" eaLnBrk="1" fontAlgn="auto" latinLnBrk="0" hangingPunct="1">
-              <a:lnSpc>
-                <a:spcPct val="100000"/>
-              </a:lnSpc>
-              <a:spcBef>
-                <a:spcPts val="0"/>
-              </a:spcBef>
-              <a:spcAft>
-                <a:spcPts val="0"/>
-              </a:spcAft>
-              <a:buClrTx/>
-              <a:buSzTx/>
+              <a:rPr lang="en-US" b="0" i="0" dirty="0"/>
+              <a:t>By using the stateful actor, not only is the persistence of the actual ticket order handled by the Service Fabric at scale, but the actor can be wholly responsible for the workflow required to complete the order</a:t>
+            </a:r>
+          </a:p>
+          <a:p>
+            <a:pPr marL="171450" indent="-171450">
+              <a:buFont typeface="Arial" panose="020B0604020202020204" pitchFamily="34" charset="0"/>
+              <a:buChar char="•"/>
+            </a:pPr>
+            <a:r>
+              <a:rPr lang="en-US" b="0" i="0" dirty="0"/>
+              <a:t>When updates to this actor are required, the existing state is preserved, any active instances can continue completing their work, and the new actor functionality or state requirements can be rolled out safely across the nodes in the cluster, eventually retiring the previous version.</a:t>
+            </a:r>
+          </a:p>
+          <a:p>
+            <a:pPr marL="171450" indent="-171450">
+              <a:buFont typeface="Arial" panose="020B0604020202020204" pitchFamily="34" charset="0"/>
+              <a:buChar char="•"/>
+            </a:pPr>
+            <a:endParaRPr lang="en-US" b="1" i="1" dirty="0"/>
+          </a:p>
+          <a:p>
+            <a:pPr marL="0" indent="0">
               <a:buFont typeface="Arial" panose="020B0604020202020204" pitchFamily="34" charset="0"/>
               <a:buNone/>
-              <a:tabLst/>
-              <a:defRPr/>
             </a:pPr>
-            <a:endParaRPr lang="en-US" sz="1200" b="0" i="0" dirty="0"/>
+            <a:r>
+              <a:rPr lang="en-US" b="1" i="1" dirty="0"/>
+              <a:t>We are not clear how and where to incorporate stateful services and actors alongside other storage such as Cosmos DB. We need the ability to support robust ad-hoc queries against our system data such as events, customers, orders and related metrics – but would like to take advantage of the performance and reliability of Service Fabric stateful options as well.</a:t>
+            </a:r>
+          </a:p>
+          <a:p>
+            <a:pPr marL="171450" indent="-171450">
+              <a:buFont typeface="Arial" panose="020B0604020202020204" pitchFamily="34" charset="0"/>
+              <a:buChar char="•"/>
+            </a:pPr>
+            <a:r>
+              <a:rPr lang="en-US" b="0" i="0" dirty="0"/>
+              <a:t>Stateful services make it easy to save and retrieve state, and distribute that state for higher availability by using a partitioning strategy. Each partition has its own replica set for reliability.</a:t>
+            </a:r>
+          </a:p>
+          <a:p>
+            <a:pPr marL="171450" indent="-171450">
+              <a:buFont typeface="Arial" panose="020B0604020202020204" pitchFamily="34" charset="0"/>
+              <a:buChar char="•"/>
+            </a:pPr>
+            <a:r>
+              <a:rPr lang="en-US" b="0" i="0" dirty="0"/>
+              <a:t>You can replicate this state to an external store like Cosmos DB to support ad-hoc querying, analytics and disaster recovery.</a:t>
+            </a:r>
+          </a:p>
+          <a:p>
+            <a:pPr marL="171450" indent="-171450">
+              <a:buFont typeface="Arial" panose="020B0604020202020204" pitchFamily="34" charset="0"/>
+              <a:buChar char="•"/>
+            </a:pPr>
+            <a:endParaRPr lang="en-US" b="0" i="0" dirty="0"/>
+          </a:p>
+          <a:p>
+            <a:pPr marL="0" indent="0">
+              <a:buFont typeface="Arial" panose="020B0604020202020204" pitchFamily="34" charset="0"/>
+              <a:buNone/>
+            </a:pPr>
+            <a:r>
+              <a:rPr lang="en-US" b="1" i="1" dirty="0"/>
+              <a:t>Could we consider Azure Functions as an alternative back end implementation for our APIs? </a:t>
+            </a:r>
+          </a:p>
+          <a:p>
+            <a:pPr marL="171450" indent="-171450">
+              <a:buFont typeface="Arial" panose="020B0604020202020204" pitchFamily="34" charset="0"/>
+              <a:buChar char="•"/>
+            </a:pPr>
+            <a:r>
+              <a:rPr lang="en-US" dirty="0"/>
+              <a:t>While it is possible to create functions that run behind API Management endpoints, they are best employed for decoupled, asynchronous background operations that can be run at scale without concern for the specific server running that operation. </a:t>
+            </a:r>
+          </a:p>
+          <a:p>
+            <a:pPr marL="171450" indent="-171450">
+              <a:buFont typeface="Arial" panose="020B0604020202020204" pitchFamily="34" charset="0"/>
+              <a:buChar char="•"/>
+            </a:pPr>
+            <a:r>
+              <a:rPr lang="en-US" dirty="0"/>
+              <a:t>In this solution, Azure Functions allowed for decoupling the external storage location of orders, without the need to update Service Fabric configurations on change. It also allowed for a separate scale-out tier for that work.</a:t>
+            </a:r>
+          </a:p>
+          <a:p>
+            <a:pPr marL="171450" indent="-171450">
+              <a:buFont typeface="Arial" panose="020B0604020202020204" pitchFamily="34" charset="0"/>
+              <a:buChar char="•"/>
+            </a:pPr>
+            <a:r>
+              <a:rPr lang="en-US" dirty="0"/>
+              <a:t>In a solution such as a mobile application back end, functions could be useful if they don’t need to comingle with other solution aspects – such as acting as their own microservice with a targeted purpose. </a:t>
+            </a:r>
           </a:p>
         </p:txBody>
       </p:sp>
@@ -3689,7 +4237,7 @@
     </p:spTree>
     <p:extLst>
       <p:ext uri="{BB962C8B-B14F-4D97-AF65-F5344CB8AC3E}">
-        <p14:creationId xmlns:p14="http://schemas.microsoft.com/office/powerpoint/2010/main" val="72998875"/>
+        <p14:creationId xmlns:p14="http://schemas.microsoft.com/office/powerpoint/2010/main" val="2435384859"/>
       </p:ext>
     </p:extLst>
   </p:cSld>
@@ -4048,7 +4596,7 @@
     </p:spTree>
     <p:extLst>
       <p:ext uri="{BB962C8B-B14F-4D97-AF65-F5344CB8AC3E}">
-        <p14:creationId xmlns:p14="http://schemas.microsoft.com/office/powerpoint/2010/main" val="28863152"/>
+        <p14:creationId xmlns:p14="http://schemas.microsoft.com/office/powerpoint/2010/main" val="270651956"/>
       </p:ext>
     </p:extLst>
   </p:cSld>
@@ -4102,282 +4650,7 @@
           <a:bodyPr/>
           <a:lstStyle/>
           <a:p>
-            <a:r>
-              <a:rPr lang="en-US" b="1" i="1" dirty="0"/>
-              <a:t>While we are interested in the microservices approach, we are still comparing Service Fabric with PaaS features such as App Services and SQL DB. </a:t>
-            </a:r>
-            <a:r>
-              <a:rPr lang="en-US" sz="1200" b="1" i="1" kern="1200" dirty="0">
-                <a:solidFill>
-                  <a:schemeClr val="tx1"/>
-                </a:solidFill>
-                <a:effectLst/>
-                <a:latin typeface="+mn-lt"/>
-                <a:ea typeface="+mn-ea"/>
-                <a:cs typeface="+mn-cs"/>
-              </a:rPr>
-              <a:t>How mature is Service Fabric by comparison?</a:t>
-            </a:r>
-          </a:p>
-          <a:p>
-            <a:pPr marL="171450" indent="-171450">
-              <a:buFont typeface="Arial" panose="020B0604020202020204" pitchFamily="34" charset="0"/>
-              <a:buChar char="•"/>
-            </a:pPr>
-            <a:r>
-              <a:rPr lang="en-US" b="0" i="0" dirty="0"/>
-              <a:t>Service Fabric has been battle tested for many years prior to becoming generally available. In fact, Service Fabric is the underlying foundation for Azure’s own SQL DB and Cosmos DB services among other high traffic applications such as the very popular Halo game. </a:t>
-            </a:r>
-          </a:p>
-          <a:p>
-            <a:pPr marL="171450" indent="-171450">
-              <a:buFont typeface="Arial" panose="020B0604020202020204" pitchFamily="34" charset="0"/>
-              <a:buChar char="•"/>
-            </a:pPr>
-            <a:r>
-              <a:rPr lang="en-US" b="0" i="0" dirty="0"/>
-              <a:t> </a:t>
-            </a:r>
-          </a:p>
-          <a:p>
-            <a:pPr marL="171450" indent="-171450">
-              <a:buFont typeface="Arial" panose="020B0604020202020204" pitchFamily="34" charset="0"/>
-              <a:buChar char="•"/>
-            </a:pPr>
-            <a:r>
-              <a:rPr lang="en-US" b="0" i="0" dirty="0"/>
-              <a:t>As for choosing between Service Fabric and App Services or SQL DB the benefits of the former include:</a:t>
-            </a:r>
-          </a:p>
-          <a:p>
-            <a:pPr marL="628650" lvl="1" indent="-171450">
-              <a:buFont typeface="Arial" panose="020B0604020202020204" pitchFamily="34" charset="0"/>
-              <a:buChar char="•"/>
-            </a:pPr>
-            <a:r>
-              <a:rPr lang="en-US" b="0" i="0" dirty="0"/>
-              <a:t>The ability to deploy individual application services without concern over the target infrastructure – let Service Fabric decide the target nodes appropriate for each tier and service type.</a:t>
-            </a:r>
-          </a:p>
-          <a:p>
-            <a:pPr marL="628650" lvl="1" indent="-171450">
-              <a:buFont typeface="Arial" panose="020B0604020202020204" pitchFamily="34" charset="0"/>
-              <a:buChar char="•"/>
-            </a:pPr>
-            <a:r>
-              <a:rPr lang="en-US" b="0" i="0" dirty="0"/>
-              <a:t>Simplified approach to managing data persistence with stateful services.</a:t>
-            </a:r>
-          </a:p>
-          <a:p>
-            <a:pPr marL="628650" lvl="1" indent="-171450">
-              <a:buFont typeface="Arial" panose="020B0604020202020204" pitchFamily="34" charset="0"/>
-              <a:buChar char="•"/>
-            </a:pPr>
-            <a:r>
-              <a:rPr lang="en-US" b="0" i="0" dirty="0"/>
-              <a:t>Microservices design from the ground up on a platform that is specifically designed for that purpose – with the ability to scale.</a:t>
-            </a:r>
-          </a:p>
-          <a:p>
-            <a:pPr marL="628650" lvl="1" indent="-171450">
-              <a:buFont typeface="Arial" panose="020B0604020202020204" pitchFamily="34" charset="0"/>
-              <a:buChar char="•"/>
-            </a:pPr>
-            <a:endParaRPr lang="en-US" b="0" i="0" dirty="0"/>
-          </a:p>
-          <a:p>
-            <a:pPr marL="0" indent="0">
-              <a:buFont typeface="Arial" panose="020B0604020202020204" pitchFamily="34" charset="0"/>
-              <a:buNone/>
-            </a:pPr>
-            <a:r>
-              <a:rPr lang="en-US" b="1" i="1" dirty="0"/>
-              <a:t>Microservices architectures are completely new to the Contoso Events team. If we were to go forward with Service Fabric, we would like to understand what skills the team can carry forward, and how much of a learning curve exists.</a:t>
-            </a:r>
-            <a:endParaRPr lang="en-US" b="0" i="0" dirty="0"/>
-          </a:p>
-          <a:p>
-            <a:pPr marL="171450" indent="-171450">
-              <a:buFont typeface="Arial" panose="020B0604020202020204" pitchFamily="34" charset="0"/>
-              <a:buChar char="•"/>
-            </a:pPr>
-            <a:r>
-              <a:rPr lang="en-US" b="0" i="0" dirty="0"/>
-              <a:t>Service Fabric is a natural transition for .NET developers in many respects:</a:t>
-            </a:r>
-          </a:p>
-          <a:p>
-            <a:pPr marL="628650" lvl="1" indent="-171450">
-              <a:buFont typeface="Arial" panose="020B0604020202020204" pitchFamily="34" charset="0"/>
-              <a:buChar char="•"/>
-            </a:pPr>
-            <a:r>
-              <a:rPr lang="en-US" b="0" i="0" dirty="0"/>
-              <a:t>They can continue to use Visual Studio for development, debugging and publishing applications</a:t>
-            </a:r>
-          </a:p>
-          <a:p>
-            <a:pPr marL="628650" lvl="1" indent="-171450">
-              <a:buFont typeface="Arial" panose="020B0604020202020204" pitchFamily="34" charset="0"/>
-              <a:buChar char="•"/>
-            </a:pPr>
-            <a:r>
-              <a:rPr lang="en-US" b="0" i="0" dirty="0"/>
-              <a:t>They can leverage Service Fabric project templates to kick-start their understanding of Service Fabric services.</a:t>
-            </a:r>
-          </a:p>
-          <a:p>
-            <a:pPr marL="628650" lvl="1" indent="-171450">
-              <a:buFont typeface="Arial" panose="020B0604020202020204" pitchFamily="34" charset="0"/>
-              <a:buChar char="•"/>
-            </a:pPr>
-            <a:r>
-              <a:rPr lang="en-US" b="0" i="0" dirty="0"/>
-              <a:t>The programming model for services is familiar. </a:t>
-            </a:r>
-          </a:p>
-          <a:p>
-            <a:pPr marL="628650" lvl="1" indent="-171450">
-              <a:buFont typeface="Arial" panose="020B0604020202020204" pitchFamily="34" charset="0"/>
-              <a:buChar char="•"/>
-            </a:pPr>
-            <a:r>
-              <a:rPr lang="en-US" b="0" i="0" dirty="0"/>
-              <a:t>Working with stateful services is also familiar in the sense that state is defined via objects (POCO) and serialized as part of the service implementation. </a:t>
-            </a:r>
-          </a:p>
-          <a:p>
-            <a:pPr marL="171450" indent="-171450">
-              <a:buFont typeface="Arial" panose="020B0604020202020204" pitchFamily="34" charset="0"/>
-              <a:buChar char="•"/>
-            </a:pPr>
-            <a:endParaRPr lang="en-US" b="1" i="1" dirty="0"/>
-          </a:p>
-          <a:p>
-            <a:pPr marL="0" indent="0">
-              <a:buFont typeface="Arial" panose="020B0604020202020204" pitchFamily="34" charset="0"/>
-              <a:buNone/>
-            </a:pPr>
-            <a:r>
-              <a:rPr lang="en-US" b="1" i="1" dirty="0"/>
-              <a:t>We’d like to understand if stateful services or stateful actors will help us with ticket ordering throughput, workflow and state management, and easier rollouts of changes to this process.</a:t>
-            </a:r>
-            <a:endParaRPr lang="en-US" b="0" i="0" dirty="0"/>
-          </a:p>
-          <a:p>
-            <a:pPr marL="171450" indent="-171450">
-              <a:buFont typeface="Arial" panose="020B0604020202020204" pitchFamily="34" charset="0"/>
-              <a:buChar char="•"/>
-            </a:pPr>
-            <a:r>
-              <a:rPr lang="en-US" b="0" i="0" dirty="0"/>
-              <a:t>Stateful services are backed by robust and reliable storage. When data (state) is saved by the service, it is not confirmed (committed) unless a quorum is reached. </a:t>
-            </a:r>
-          </a:p>
-          <a:p>
-            <a:pPr marL="171450" indent="-171450">
-              <a:buFont typeface="Arial" panose="020B0604020202020204" pitchFamily="34" charset="0"/>
-              <a:buChar char="•"/>
-            </a:pPr>
-            <a:r>
-              <a:rPr lang="en-US" b="0" i="0" dirty="0"/>
-              <a:t>By using the stateful actor, not only is the persistence of the actual ticket order handled by the Service Fabric at scale, but the actor can be wholly responsible for the workflow required to complete the order</a:t>
-            </a:r>
-          </a:p>
-          <a:p>
-            <a:pPr marL="171450" indent="-171450">
-              <a:buFont typeface="Arial" panose="020B0604020202020204" pitchFamily="34" charset="0"/>
-              <a:buChar char="•"/>
-            </a:pPr>
-            <a:r>
-              <a:rPr lang="en-US" b="0" i="0" dirty="0"/>
-              <a:t>When updates to this actor are required, the existing state is preserved, any active instances can continue completing their work, and the new actor functionality or state requirements can be rolled out safely across the nodes in the cluster, eventually retiring the previous version.</a:t>
-            </a:r>
-          </a:p>
-          <a:p>
-            <a:pPr marL="171450" indent="-171450">
-              <a:buFont typeface="Arial" panose="020B0604020202020204" pitchFamily="34" charset="0"/>
-              <a:buChar char="•"/>
-            </a:pPr>
-            <a:endParaRPr lang="en-US" b="1" i="1" dirty="0"/>
-          </a:p>
-          <a:p>
-            <a:pPr marL="0" indent="0">
-              <a:buFont typeface="Arial" panose="020B0604020202020204" pitchFamily="34" charset="0"/>
-              <a:buNone/>
-            </a:pPr>
-            <a:r>
-              <a:rPr lang="en-US" b="1" i="1" dirty="0"/>
-              <a:t>We are not clear how and where to incorporate stateful services and actors alongside other storage such as Cosmos DB. We need the ability to support robust ad-hoc queries against our system data such as events, customers, orders and related metrics – but would like to take advantage of the performance and reliability of Service Fabric stateful options as well.</a:t>
-            </a:r>
-          </a:p>
-          <a:p>
-            <a:pPr marL="171450" indent="-171450">
-              <a:buFont typeface="Arial" panose="020B0604020202020204" pitchFamily="34" charset="0"/>
-              <a:buChar char="•"/>
-            </a:pPr>
-            <a:r>
-              <a:rPr lang="en-US" b="0" i="0" dirty="0"/>
-              <a:t>Stateful services make it easy to save and retrieve state, and distribute that state for higher availability by using a partitioning strategy. Each partition has its own replica set for reliability.</a:t>
-            </a:r>
-          </a:p>
-          <a:p>
-            <a:pPr marL="171450" indent="-171450">
-              <a:buFont typeface="Arial" panose="020B0604020202020204" pitchFamily="34" charset="0"/>
-              <a:buChar char="•"/>
-            </a:pPr>
-            <a:r>
-              <a:rPr lang="en-US" b="0" i="0" dirty="0"/>
-              <a:t>You can replicate this state to an external store like Cosmos DB to support ad-hoc querying, analytics and disaster recovery.</a:t>
-            </a:r>
-          </a:p>
-          <a:p>
-            <a:pPr marL="171450" indent="-171450">
-              <a:buFont typeface="Arial" panose="020B0604020202020204" pitchFamily="34" charset="0"/>
-              <a:buChar char="•"/>
-            </a:pPr>
-            <a:endParaRPr lang="en-US" b="0" i="0" dirty="0"/>
-          </a:p>
-          <a:p>
-            <a:pPr marL="0" indent="0">
-              <a:buFont typeface="Arial" panose="020B0604020202020204" pitchFamily="34" charset="0"/>
-              <a:buNone/>
-            </a:pPr>
-            <a:r>
-              <a:rPr lang="en-US" b="1" i="1" dirty="0"/>
-              <a:t>Could we consider Azure Functions as an alternative back end implementation for our APIs? </a:t>
-            </a:r>
-          </a:p>
-          <a:p>
-            <a:pPr marL="171450" indent="-171450">
-              <a:buFont typeface="Arial" panose="020B0604020202020204" pitchFamily="34" charset="0"/>
-              <a:buChar char="•"/>
-            </a:pPr>
-            <a:r>
-              <a:rPr lang="en-US" dirty="0"/>
-              <a:t>While it is possible to create functions that run behind API Management endpoints, they are best employed for decoupled, asynchronous background operations that can be run at scale without concern for the specific server running that operation. </a:t>
-            </a:r>
-          </a:p>
-          <a:p>
-            <a:pPr marL="171450" indent="-171450">
-              <a:buFont typeface="Arial" panose="020B0604020202020204" pitchFamily="34" charset="0"/>
-              <a:buChar char="•"/>
-            </a:pPr>
-            <a:r>
-              <a:rPr lang="en-US" dirty="0"/>
-              <a:t>In this solution, Azure Functions allowed for decoupling the external storage location of orders, without the need to update Service Fabric configurations on change. It also allowed for a separate scale-out tier for that work.</a:t>
-            </a:r>
-          </a:p>
-          <a:p>
-            <a:pPr marL="171450" indent="-171450">
-              <a:buFont typeface="Arial" panose="020B0604020202020204" pitchFamily="34" charset="0"/>
-              <a:buChar char="•"/>
-            </a:pPr>
-            <a:r>
-              <a:rPr lang="en-US" dirty="0"/>
-              <a:t>In a solution such as a mobile application back end, functions could be useful if they don’t need to comingle with other solution aspects – such as acting as their own microservice with a targeted purpose. </a:t>
-            </a:r>
+            <a:endParaRPr lang="en-US" dirty="0"/>
           </a:p>
         </p:txBody>
       </p:sp>
@@ -4407,7 +4680,7 @@
     </p:spTree>
     <p:extLst>
       <p:ext uri="{BB962C8B-B14F-4D97-AF65-F5344CB8AC3E}">
-        <p14:creationId xmlns:p14="http://schemas.microsoft.com/office/powerpoint/2010/main" val="2435384859"/>
+        <p14:creationId xmlns:p14="http://schemas.microsoft.com/office/powerpoint/2010/main" val="671285550"/>
       </p:ext>
     </p:extLst>
   </p:cSld>
@@ -4418,1167 +4691,6 @@
 </file>
 
 <file path=ppt/notesSlides/notesSlide25.xml><?xml version="1.0" encoding="utf-8"?>
-<p:notes xmlns:a="http://schemas.openxmlformats.org/drawingml/2006/main" xmlns:r="http://schemas.openxmlformats.org/officeDocument/2006/relationships" xmlns:p="http://schemas.openxmlformats.org/presentationml/2006/main">
-  <p:cSld>
-    <p:spTree>
-      <p:nvGrpSpPr>
-        <p:cNvPr id="1" name=""/>
-        <p:cNvGrpSpPr/>
-        <p:nvPr/>
-      </p:nvGrpSpPr>
-      <p:grpSpPr>
-        <a:xfrm>
-          <a:off x="0" y="0"/>
-          <a:ext cx="0" cy="0"/>
-          <a:chOff x="0" y="0"/>
-          <a:chExt cx="0" cy="0"/>
-        </a:xfrm>
-      </p:grpSpPr>
-      <p:sp>
-        <p:nvSpPr>
-          <p:cNvPr id="2" name="Slide Image Placeholder 1"/>
-          <p:cNvSpPr>
-            <a:spLocks noGrp="1" noRot="1" noChangeAspect="1"/>
-          </p:cNvSpPr>
-          <p:nvPr>
-            <p:ph type="sldImg"/>
-          </p:nvPr>
-        </p:nvSpPr>
-        <p:spPr/>
-      </p:sp>
-      <p:sp>
-        <p:nvSpPr>
-          <p:cNvPr id="3" name="Notes Placeholder 2"/>
-          <p:cNvSpPr>
-            <a:spLocks noGrp="1"/>
-          </p:cNvSpPr>
-          <p:nvPr>
-            <p:ph type="body" idx="1"/>
-          </p:nvPr>
-        </p:nvSpPr>
-        <p:spPr/>
-        <p:txBody>
-          <a:bodyPr/>
-          <a:lstStyle/>
-          <a:p>
-            <a:r>
-              <a:rPr lang="en-US" b="1" i="1" dirty="0"/>
-              <a:t>While we are interested in the microservices approach, we are still comparing Service Fabric with PaaS features such as App Services and SQL DB. </a:t>
-            </a:r>
-            <a:r>
-              <a:rPr lang="en-US" sz="1200" b="1" i="1" kern="1200" dirty="0">
-                <a:solidFill>
-                  <a:schemeClr val="tx1"/>
-                </a:solidFill>
-                <a:effectLst/>
-                <a:latin typeface="+mn-lt"/>
-                <a:ea typeface="+mn-ea"/>
-                <a:cs typeface="+mn-cs"/>
-              </a:rPr>
-              <a:t>How mature is Service Fabric by comparison?</a:t>
-            </a:r>
-          </a:p>
-          <a:p>
-            <a:pPr marL="171450" indent="-171450">
-              <a:buFont typeface="Arial" panose="020B0604020202020204" pitchFamily="34" charset="0"/>
-              <a:buChar char="•"/>
-            </a:pPr>
-            <a:r>
-              <a:rPr lang="en-US" b="0" i="0" dirty="0"/>
-              <a:t>Service Fabric has been battle tested for many years prior to becoming generally available. In fact, Service Fabric is the underlying foundation for Azure’s own SQL DB and Cosmos DB services among other high traffic applications such as the very popular Halo game. </a:t>
-            </a:r>
-          </a:p>
-          <a:p>
-            <a:pPr marL="171450" indent="-171450">
-              <a:buFont typeface="Arial" panose="020B0604020202020204" pitchFamily="34" charset="0"/>
-              <a:buChar char="•"/>
-            </a:pPr>
-            <a:r>
-              <a:rPr lang="en-US" b="0" i="0" dirty="0"/>
-              <a:t> </a:t>
-            </a:r>
-          </a:p>
-          <a:p>
-            <a:pPr marL="171450" indent="-171450">
-              <a:buFont typeface="Arial" panose="020B0604020202020204" pitchFamily="34" charset="0"/>
-              <a:buChar char="•"/>
-            </a:pPr>
-            <a:r>
-              <a:rPr lang="en-US" b="0" i="0" dirty="0"/>
-              <a:t>As for choosing between Service Fabric and App Services or SQL DB the benefits of the former include:</a:t>
-            </a:r>
-          </a:p>
-          <a:p>
-            <a:pPr marL="628650" lvl="1" indent="-171450">
-              <a:buFont typeface="Arial" panose="020B0604020202020204" pitchFamily="34" charset="0"/>
-              <a:buChar char="•"/>
-            </a:pPr>
-            <a:r>
-              <a:rPr lang="en-US" b="0" i="0" dirty="0"/>
-              <a:t>The ability to deploy individual application services without concern over the target infrastructure – let Service Fabric decide the target nodes appropriate for each tier and service type.</a:t>
-            </a:r>
-          </a:p>
-          <a:p>
-            <a:pPr marL="628650" lvl="1" indent="-171450">
-              <a:buFont typeface="Arial" panose="020B0604020202020204" pitchFamily="34" charset="0"/>
-              <a:buChar char="•"/>
-            </a:pPr>
-            <a:r>
-              <a:rPr lang="en-US" b="0" i="0" dirty="0"/>
-              <a:t>Simplified approach to managing data persistence with stateful services.</a:t>
-            </a:r>
-          </a:p>
-          <a:p>
-            <a:pPr marL="628650" lvl="1" indent="-171450">
-              <a:buFont typeface="Arial" panose="020B0604020202020204" pitchFamily="34" charset="0"/>
-              <a:buChar char="•"/>
-            </a:pPr>
-            <a:r>
-              <a:rPr lang="en-US" b="0" i="0" dirty="0"/>
-              <a:t>Microservices design from the ground up on a platform that is specifically designed for that purpose – with the ability to scale.</a:t>
-            </a:r>
-          </a:p>
-          <a:p>
-            <a:pPr marL="628650" lvl="1" indent="-171450">
-              <a:buFont typeface="Arial" panose="020B0604020202020204" pitchFamily="34" charset="0"/>
-              <a:buChar char="•"/>
-            </a:pPr>
-            <a:endParaRPr lang="en-US" b="0" i="0" dirty="0"/>
-          </a:p>
-          <a:p>
-            <a:pPr marL="0" indent="0">
-              <a:buFont typeface="Arial" panose="020B0604020202020204" pitchFamily="34" charset="0"/>
-              <a:buNone/>
-            </a:pPr>
-            <a:r>
-              <a:rPr lang="en-US" b="1" i="1" dirty="0"/>
-              <a:t>Microservices architectures are completely new to the Contoso Events team. If we were to go forward with Service Fabric, we would like to understand what skills the team can carry forward, and how much of a learning curve exists.</a:t>
-            </a:r>
-            <a:endParaRPr lang="en-US" b="0" i="0" dirty="0"/>
-          </a:p>
-          <a:p>
-            <a:pPr marL="171450" indent="-171450">
-              <a:buFont typeface="Arial" panose="020B0604020202020204" pitchFamily="34" charset="0"/>
-              <a:buChar char="•"/>
-            </a:pPr>
-            <a:r>
-              <a:rPr lang="en-US" b="0" i="0" dirty="0"/>
-              <a:t>Service Fabric is a natural transition for .NET developers in many respects:</a:t>
-            </a:r>
-          </a:p>
-          <a:p>
-            <a:pPr marL="628650" lvl="1" indent="-171450">
-              <a:buFont typeface="Arial" panose="020B0604020202020204" pitchFamily="34" charset="0"/>
-              <a:buChar char="•"/>
-            </a:pPr>
-            <a:r>
-              <a:rPr lang="en-US" b="0" i="0" dirty="0"/>
-              <a:t>They can continue to use Visual Studio for development, debugging and publishing applications</a:t>
-            </a:r>
-          </a:p>
-          <a:p>
-            <a:pPr marL="628650" lvl="1" indent="-171450">
-              <a:buFont typeface="Arial" panose="020B0604020202020204" pitchFamily="34" charset="0"/>
-              <a:buChar char="•"/>
-            </a:pPr>
-            <a:r>
-              <a:rPr lang="en-US" b="0" i="0" dirty="0"/>
-              <a:t>They can leverage Service Fabric project templates to kick-start their understanding of Service Fabric services.</a:t>
-            </a:r>
-          </a:p>
-          <a:p>
-            <a:pPr marL="628650" lvl="1" indent="-171450">
-              <a:buFont typeface="Arial" panose="020B0604020202020204" pitchFamily="34" charset="0"/>
-              <a:buChar char="•"/>
-            </a:pPr>
-            <a:r>
-              <a:rPr lang="en-US" b="0" i="0" dirty="0"/>
-              <a:t>The programming model for services is familiar. </a:t>
-            </a:r>
-          </a:p>
-          <a:p>
-            <a:pPr marL="628650" lvl="1" indent="-171450">
-              <a:buFont typeface="Arial" panose="020B0604020202020204" pitchFamily="34" charset="0"/>
-              <a:buChar char="•"/>
-            </a:pPr>
-            <a:r>
-              <a:rPr lang="en-US" b="0" i="0" dirty="0"/>
-              <a:t>Working with stateful services is also familiar in the sense that state is defined via objects (POCO) and serialized as part of the service implementation. </a:t>
-            </a:r>
-          </a:p>
-          <a:p>
-            <a:pPr marL="171450" indent="-171450">
-              <a:buFont typeface="Arial" panose="020B0604020202020204" pitchFamily="34" charset="0"/>
-              <a:buChar char="•"/>
-            </a:pPr>
-            <a:endParaRPr lang="en-US" b="1" i="1" dirty="0"/>
-          </a:p>
-          <a:p>
-            <a:pPr marL="0" indent="0">
-              <a:buFont typeface="Arial" panose="020B0604020202020204" pitchFamily="34" charset="0"/>
-              <a:buNone/>
-            </a:pPr>
-            <a:r>
-              <a:rPr lang="en-US" b="1" i="1" dirty="0"/>
-              <a:t>We’d like to understand if stateful services or stateful actors will help us with ticket ordering throughput, workflow and state management, and easier rollouts of changes to this process.</a:t>
-            </a:r>
-            <a:endParaRPr lang="en-US" b="0" i="0" dirty="0"/>
-          </a:p>
-          <a:p>
-            <a:pPr marL="171450" indent="-171450">
-              <a:buFont typeface="Arial" panose="020B0604020202020204" pitchFamily="34" charset="0"/>
-              <a:buChar char="•"/>
-            </a:pPr>
-            <a:r>
-              <a:rPr lang="en-US" b="0" i="0" dirty="0"/>
-              <a:t>Stateful services are backed by robust and reliable storage. When data (state) is saved by the service, it is not confirmed (committed) unless a quorum is reached. </a:t>
-            </a:r>
-          </a:p>
-          <a:p>
-            <a:pPr marL="171450" indent="-171450">
-              <a:buFont typeface="Arial" panose="020B0604020202020204" pitchFamily="34" charset="0"/>
-              <a:buChar char="•"/>
-            </a:pPr>
-            <a:r>
-              <a:rPr lang="en-US" b="0" i="0" dirty="0"/>
-              <a:t>By using the stateful actor, not only is the persistence of the actual ticket order handled by the Service Fabric at scale, but the actor can be wholly responsible for the workflow required to complete the order</a:t>
-            </a:r>
-          </a:p>
-          <a:p>
-            <a:pPr marL="171450" indent="-171450">
-              <a:buFont typeface="Arial" panose="020B0604020202020204" pitchFamily="34" charset="0"/>
-              <a:buChar char="•"/>
-            </a:pPr>
-            <a:r>
-              <a:rPr lang="en-US" b="0" i="0" dirty="0"/>
-              <a:t>When updates to this actor are required, the existing state is preserved, any active instances can continue completing their work, and the new actor functionality or state requirements can be rolled out safely across the nodes in the cluster, eventually retiring the previous version.</a:t>
-            </a:r>
-          </a:p>
-          <a:p>
-            <a:pPr marL="171450" indent="-171450">
-              <a:buFont typeface="Arial" panose="020B0604020202020204" pitchFamily="34" charset="0"/>
-              <a:buChar char="•"/>
-            </a:pPr>
-            <a:endParaRPr lang="en-US" b="1" i="1" dirty="0"/>
-          </a:p>
-          <a:p>
-            <a:pPr marL="0" indent="0">
-              <a:buFont typeface="Arial" panose="020B0604020202020204" pitchFamily="34" charset="0"/>
-              <a:buNone/>
-            </a:pPr>
-            <a:r>
-              <a:rPr lang="en-US" b="1" i="1" dirty="0"/>
-              <a:t>We are not clear how and where to incorporate stateful services and actors alongside other storage such as Cosmos DB. We need the ability to support robust ad-hoc queries against our system data such as events, customers, orders and related metrics – but would like to take advantage of the performance and reliability of Service Fabric stateful options as well.</a:t>
-            </a:r>
-          </a:p>
-          <a:p>
-            <a:pPr marL="171450" indent="-171450">
-              <a:buFont typeface="Arial" panose="020B0604020202020204" pitchFamily="34" charset="0"/>
-              <a:buChar char="•"/>
-            </a:pPr>
-            <a:r>
-              <a:rPr lang="en-US" b="0" i="0" dirty="0"/>
-              <a:t>Stateful services make it easy to save and retrieve state, and distribute that state for higher availability by using a partitioning strategy. Each partition has its own replica set for reliability.</a:t>
-            </a:r>
-          </a:p>
-          <a:p>
-            <a:pPr marL="171450" indent="-171450">
-              <a:buFont typeface="Arial" panose="020B0604020202020204" pitchFamily="34" charset="0"/>
-              <a:buChar char="•"/>
-            </a:pPr>
-            <a:r>
-              <a:rPr lang="en-US" b="0" i="0" dirty="0"/>
-              <a:t>You can replicate this state to an external store like Cosmos DB to support ad-hoc querying, analytics and disaster recovery.</a:t>
-            </a:r>
-          </a:p>
-          <a:p>
-            <a:pPr marL="171450" indent="-171450">
-              <a:buFont typeface="Arial" panose="020B0604020202020204" pitchFamily="34" charset="0"/>
-              <a:buChar char="•"/>
-            </a:pPr>
-            <a:endParaRPr lang="en-US" b="0" i="0" dirty="0"/>
-          </a:p>
-          <a:p>
-            <a:pPr marL="0" indent="0">
-              <a:buFont typeface="Arial" panose="020B0604020202020204" pitchFamily="34" charset="0"/>
-              <a:buNone/>
-            </a:pPr>
-            <a:r>
-              <a:rPr lang="en-US" b="1" i="1" dirty="0"/>
-              <a:t>Could we consider Azure Functions as an alternative back end implementation for our APIs? </a:t>
-            </a:r>
-          </a:p>
-          <a:p>
-            <a:pPr marL="171450" indent="-171450">
-              <a:buFont typeface="Arial" panose="020B0604020202020204" pitchFamily="34" charset="0"/>
-              <a:buChar char="•"/>
-            </a:pPr>
-            <a:r>
-              <a:rPr lang="en-US" dirty="0"/>
-              <a:t>While it is possible to create functions that run behind API Management endpoints, they are best employed for decoupled, asynchronous background operations that can be run at scale without concern for the specific server running that operation. </a:t>
-            </a:r>
-          </a:p>
-          <a:p>
-            <a:pPr marL="171450" indent="-171450">
-              <a:buFont typeface="Arial" panose="020B0604020202020204" pitchFamily="34" charset="0"/>
-              <a:buChar char="•"/>
-            </a:pPr>
-            <a:r>
-              <a:rPr lang="en-US" dirty="0"/>
-              <a:t>In this solution, Azure Functions allowed for decoupling the external storage location of orders, without the need to update Service Fabric configurations on change. It also allowed for a separate scale-out tier for that work.</a:t>
-            </a:r>
-          </a:p>
-          <a:p>
-            <a:pPr marL="171450" indent="-171450">
-              <a:buFont typeface="Arial" panose="020B0604020202020204" pitchFamily="34" charset="0"/>
-              <a:buChar char="•"/>
-            </a:pPr>
-            <a:r>
-              <a:rPr lang="en-US" dirty="0"/>
-              <a:t>In a solution such as a mobile application back end, functions could be useful if they don’t need to comingle with other solution aspects – such as acting as their own microservice with a targeted purpose. </a:t>
-            </a:r>
-          </a:p>
-        </p:txBody>
-      </p:sp>
-      <p:sp>
-        <p:nvSpPr>
-          <p:cNvPr id="4" name="Slide Number Placeholder 3"/>
-          <p:cNvSpPr>
-            <a:spLocks noGrp="1"/>
-          </p:cNvSpPr>
-          <p:nvPr>
-            <p:ph type="sldNum" sz="quarter" idx="10"/>
-          </p:nvPr>
-        </p:nvSpPr>
-        <p:spPr/>
-        <p:txBody>
-          <a:bodyPr/>
-          <a:lstStyle/>
-          <a:p>
-            <a:fld id="{0998D5BB-B127-481F-BC0A-2F77C576BB34}" type="slidenum">
-              <a:rPr lang="en-US" smtClean="0"/>
-              <a:t>25</a:t>
-            </a:fld>
-            <a:endParaRPr lang="en-US" dirty="0"/>
-          </a:p>
-        </p:txBody>
-      </p:sp>
-    </p:spTree>
-    <p:extLst>
-      <p:ext uri="{BB962C8B-B14F-4D97-AF65-F5344CB8AC3E}">
-        <p14:creationId xmlns:p14="http://schemas.microsoft.com/office/powerpoint/2010/main" val="373839995"/>
-      </p:ext>
-    </p:extLst>
-  </p:cSld>
-  <p:clrMapOvr>
-    <a:masterClrMapping/>
-  </p:clrMapOvr>
-</p:notes>
-</file>
-
-<file path=ppt/notesSlides/notesSlide26.xml><?xml version="1.0" encoding="utf-8"?>
-<p:notes xmlns:a="http://schemas.openxmlformats.org/drawingml/2006/main" xmlns:r="http://schemas.openxmlformats.org/officeDocument/2006/relationships" xmlns:p="http://schemas.openxmlformats.org/presentationml/2006/main">
-  <p:cSld>
-    <p:spTree>
-      <p:nvGrpSpPr>
-        <p:cNvPr id="1" name=""/>
-        <p:cNvGrpSpPr/>
-        <p:nvPr/>
-      </p:nvGrpSpPr>
-      <p:grpSpPr>
-        <a:xfrm>
-          <a:off x="0" y="0"/>
-          <a:ext cx="0" cy="0"/>
-          <a:chOff x="0" y="0"/>
-          <a:chExt cx="0" cy="0"/>
-        </a:xfrm>
-      </p:grpSpPr>
-      <p:sp>
-        <p:nvSpPr>
-          <p:cNvPr id="2" name="Slide Image Placeholder 1"/>
-          <p:cNvSpPr>
-            <a:spLocks noGrp="1" noRot="1" noChangeAspect="1"/>
-          </p:cNvSpPr>
-          <p:nvPr>
-            <p:ph type="sldImg"/>
-          </p:nvPr>
-        </p:nvSpPr>
-        <p:spPr/>
-      </p:sp>
-      <p:sp>
-        <p:nvSpPr>
-          <p:cNvPr id="3" name="Notes Placeholder 2"/>
-          <p:cNvSpPr>
-            <a:spLocks noGrp="1"/>
-          </p:cNvSpPr>
-          <p:nvPr>
-            <p:ph type="body" idx="1"/>
-          </p:nvPr>
-        </p:nvSpPr>
-        <p:spPr/>
-        <p:txBody>
-          <a:bodyPr/>
-          <a:lstStyle/>
-          <a:p>
-            <a:r>
-              <a:rPr lang="en-US" b="1" i="1" dirty="0"/>
-              <a:t>While we are interested in the microservices approach, we are still comparing Service Fabric with PaaS features such as App Services and SQL DB. </a:t>
-            </a:r>
-            <a:r>
-              <a:rPr lang="en-US" sz="1200" b="1" i="1" kern="1200" dirty="0">
-                <a:solidFill>
-                  <a:schemeClr val="tx1"/>
-                </a:solidFill>
-                <a:effectLst/>
-                <a:latin typeface="+mn-lt"/>
-                <a:ea typeface="+mn-ea"/>
-                <a:cs typeface="+mn-cs"/>
-              </a:rPr>
-              <a:t>How mature is Service Fabric by comparison?</a:t>
-            </a:r>
-          </a:p>
-          <a:p>
-            <a:pPr marL="171450" indent="-171450">
-              <a:buFont typeface="Arial" panose="020B0604020202020204" pitchFamily="34" charset="0"/>
-              <a:buChar char="•"/>
-            </a:pPr>
-            <a:r>
-              <a:rPr lang="en-US" b="0" i="0" dirty="0"/>
-              <a:t>Service Fabric has been battle tested for many years prior to becoming generally available. In fact, Service Fabric is the underlying foundation for Azure’s own SQL DB and Cosmos DB services among other high traffic applications such as the very popular Halo game. </a:t>
-            </a:r>
-          </a:p>
-          <a:p>
-            <a:pPr marL="171450" indent="-171450">
-              <a:buFont typeface="Arial" panose="020B0604020202020204" pitchFamily="34" charset="0"/>
-              <a:buChar char="•"/>
-            </a:pPr>
-            <a:r>
-              <a:rPr lang="en-US" b="0" i="0" dirty="0"/>
-              <a:t> </a:t>
-            </a:r>
-          </a:p>
-          <a:p>
-            <a:pPr marL="171450" indent="-171450">
-              <a:buFont typeface="Arial" panose="020B0604020202020204" pitchFamily="34" charset="0"/>
-              <a:buChar char="•"/>
-            </a:pPr>
-            <a:r>
-              <a:rPr lang="en-US" b="0" i="0" dirty="0"/>
-              <a:t>As for choosing between Service Fabric and App Services or SQL DB the benefits of the former include:</a:t>
-            </a:r>
-          </a:p>
-          <a:p>
-            <a:pPr marL="628650" lvl="1" indent="-171450">
-              <a:buFont typeface="Arial" panose="020B0604020202020204" pitchFamily="34" charset="0"/>
-              <a:buChar char="•"/>
-            </a:pPr>
-            <a:r>
-              <a:rPr lang="en-US" b="0" i="0" dirty="0"/>
-              <a:t>The ability to deploy individual application services without concern over the target infrastructure – let Service Fabric decide the target nodes appropriate for each tier and service type.</a:t>
-            </a:r>
-          </a:p>
-          <a:p>
-            <a:pPr marL="628650" lvl="1" indent="-171450">
-              <a:buFont typeface="Arial" panose="020B0604020202020204" pitchFamily="34" charset="0"/>
-              <a:buChar char="•"/>
-            </a:pPr>
-            <a:r>
-              <a:rPr lang="en-US" b="0" i="0" dirty="0"/>
-              <a:t>Simplified approach to managing data persistence with stateful services.</a:t>
-            </a:r>
-          </a:p>
-          <a:p>
-            <a:pPr marL="628650" lvl="1" indent="-171450">
-              <a:buFont typeface="Arial" panose="020B0604020202020204" pitchFamily="34" charset="0"/>
-              <a:buChar char="•"/>
-            </a:pPr>
-            <a:r>
-              <a:rPr lang="en-US" b="0" i="0" dirty="0"/>
-              <a:t>Microservices design from the ground up on a platform that is specifically designed for that purpose – with the ability to scale.</a:t>
-            </a:r>
-          </a:p>
-          <a:p>
-            <a:pPr marL="628650" lvl="1" indent="-171450">
-              <a:buFont typeface="Arial" panose="020B0604020202020204" pitchFamily="34" charset="0"/>
-              <a:buChar char="•"/>
-            </a:pPr>
-            <a:endParaRPr lang="en-US" b="0" i="0" dirty="0"/>
-          </a:p>
-          <a:p>
-            <a:pPr marL="0" indent="0">
-              <a:buFont typeface="Arial" panose="020B0604020202020204" pitchFamily="34" charset="0"/>
-              <a:buNone/>
-            </a:pPr>
-            <a:r>
-              <a:rPr lang="en-US" b="1" i="1" dirty="0"/>
-              <a:t>Microservices architectures are completely new to the Contoso Events team. If we were to go forward with Service Fabric, we would like to understand what skills the team can carry forward, and how much of a learning curve exists.</a:t>
-            </a:r>
-            <a:endParaRPr lang="en-US" b="0" i="0" dirty="0"/>
-          </a:p>
-          <a:p>
-            <a:pPr marL="171450" indent="-171450">
-              <a:buFont typeface="Arial" panose="020B0604020202020204" pitchFamily="34" charset="0"/>
-              <a:buChar char="•"/>
-            </a:pPr>
-            <a:r>
-              <a:rPr lang="en-US" b="0" i="0" dirty="0"/>
-              <a:t>Service Fabric is a natural transition for .NET developers in many respects:</a:t>
-            </a:r>
-          </a:p>
-          <a:p>
-            <a:pPr marL="628650" lvl="1" indent="-171450">
-              <a:buFont typeface="Arial" panose="020B0604020202020204" pitchFamily="34" charset="0"/>
-              <a:buChar char="•"/>
-            </a:pPr>
-            <a:r>
-              <a:rPr lang="en-US" b="0" i="0" dirty="0"/>
-              <a:t>They can continue to use Visual Studio for development, debugging and publishing applications</a:t>
-            </a:r>
-          </a:p>
-          <a:p>
-            <a:pPr marL="628650" lvl="1" indent="-171450">
-              <a:buFont typeface="Arial" panose="020B0604020202020204" pitchFamily="34" charset="0"/>
-              <a:buChar char="•"/>
-            </a:pPr>
-            <a:r>
-              <a:rPr lang="en-US" b="0" i="0" dirty="0"/>
-              <a:t>They can leverage Service Fabric project templates to kick-start their understanding of Service Fabric services.</a:t>
-            </a:r>
-          </a:p>
-          <a:p>
-            <a:pPr marL="628650" lvl="1" indent="-171450">
-              <a:buFont typeface="Arial" panose="020B0604020202020204" pitchFamily="34" charset="0"/>
-              <a:buChar char="•"/>
-            </a:pPr>
-            <a:r>
-              <a:rPr lang="en-US" b="0" i="0" dirty="0"/>
-              <a:t>The programming model for services is familiar. </a:t>
-            </a:r>
-          </a:p>
-          <a:p>
-            <a:pPr marL="628650" lvl="1" indent="-171450">
-              <a:buFont typeface="Arial" panose="020B0604020202020204" pitchFamily="34" charset="0"/>
-              <a:buChar char="•"/>
-            </a:pPr>
-            <a:r>
-              <a:rPr lang="en-US" b="0" i="0" dirty="0"/>
-              <a:t>Working with stateful services is also familiar in the sense that state is defined via objects (POCO) and serialized as part of the service implementation. </a:t>
-            </a:r>
-          </a:p>
-          <a:p>
-            <a:pPr marL="171450" indent="-171450">
-              <a:buFont typeface="Arial" panose="020B0604020202020204" pitchFamily="34" charset="0"/>
-              <a:buChar char="•"/>
-            </a:pPr>
-            <a:endParaRPr lang="en-US" b="1" i="1" dirty="0"/>
-          </a:p>
-          <a:p>
-            <a:pPr marL="0" indent="0">
-              <a:buFont typeface="Arial" panose="020B0604020202020204" pitchFamily="34" charset="0"/>
-              <a:buNone/>
-            </a:pPr>
-            <a:r>
-              <a:rPr lang="en-US" b="1" i="1" dirty="0"/>
-              <a:t>We’d like to understand if stateful services or stateful actors will help us with ticket ordering throughput, workflow and state management, and easier rollouts of changes to this process.</a:t>
-            </a:r>
-            <a:endParaRPr lang="en-US" b="0" i="0" dirty="0"/>
-          </a:p>
-          <a:p>
-            <a:pPr marL="171450" indent="-171450">
-              <a:buFont typeface="Arial" panose="020B0604020202020204" pitchFamily="34" charset="0"/>
-              <a:buChar char="•"/>
-            </a:pPr>
-            <a:r>
-              <a:rPr lang="en-US" b="0" i="0" dirty="0"/>
-              <a:t>Stateful services are backed by robust and reliable storage. When data (state) is saved by the service, it is not confirmed (committed) unless a quorum is reached. </a:t>
-            </a:r>
-          </a:p>
-          <a:p>
-            <a:pPr marL="171450" indent="-171450">
-              <a:buFont typeface="Arial" panose="020B0604020202020204" pitchFamily="34" charset="0"/>
-              <a:buChar char="•"/>
-            </a:pPr>
-            <a:r>
-              <a:rPr lang="en-US" b="0" i="0" dirty="0"/>
-              <a:t>By using the stateful actor, not only is the persistence of the actual ticket order handled by the Service Fabric at scale, but the actor can be wholly responsible for the workflow required to complete the order</a:t>
-            </a:r>
-          </a:p>
-          <a:p>
-            <a:pPr marL="171450" indent="-171450">
-              <a:buFont typeface="Arial" panose="020B0604020202020204" pitchFamily="34" charset="0"/>
-              <a:buChar char="•"/>
-            </a:pPr>
-            <a:r>
-              <a:rPr lang="en-US" b="0" i="0" dirty="0"/>
-              <a:t>When updates to this actor are required, the existing state is preserved, any active instances can continue completing their work, and the new actor functionality or state requirements can be rolled out safely across the nodes in the cluster, eventually retiring the previous version.</a:t>
-            </a:r>
-          </a:p>
-          <a:p>
-            <a:pPr marL="171450" indent="-171450">
-              <a:buFont typeface="Arial" panose="020B0604020202020204" pitchFamily="34" charset="0"/>
-              <a:buChar char="•"/>
-            </a:pPr>
-            <a:endParaRPr lang="en-US" b="1" i="1" dirty="0"/>
-          </a:p>
-          <a:p>
-            <a:pPr marL="0" indent="0">
-              <a:buFont typeface="Arial" panose="020B0604020202020204" pitchFamily="34" charset="0"/>
-              <a:buNone/>
-            </a:pPr>
-            <a:r>
-              <a:rPr lang="en-US" b="1" i="1" dirty="0"/>
-              <a:t>We are not clear how and where to incorporate stateful services and actors alongside other storage such as Cosmos DB. We need the ability to support robust ad-hoc queries against our system data such as events, customers, orders and related metrics – but would like to take advantage of the performance and reliability of Service Fabric stateful options as well.</a:t>
-            </a:r>
-          </a:p>
-          <a:p>
-            <a:pPr marL="171450" indent="-171450">
-              <a:buFont typeface="Arial" panose="020B0604020202020204" pitchFamily="34" charset="0"/>
-              <a:buChar char="•"/>
-            </a:pPr>
-            <a:r>
-              <a:rPr lang="en-US" b="0" i="0" dirty="0"/>
-              <a:t>Stateful services make it easy to save and retrieve state, and distribute that state for higher availability by using a partitioning strategy. Each partition has its own replica set for reliability.</a:t>
-            </a:r>
-          </a:p>
-          <a:p>
-            <a:pPr marL="171450" indent="-171450">
-              <a:buFont typeface="Arial" panose="020B0604020202020204" pitchFamily="34" charset="0"/>
-              <a:buChar char="•"/>
-            </a:pPr>
-            <a:r>
-              <a:rPr lang="en-US" b="0" i="0" dirty="0"/>
-              <a:t>You can replicate this state to an external store like Cosmos DB to support ad-hoc querying, analytics and disaster recovery.</a:t>
-            </a:r>
-          </a:p>
-          <a:p>
-            <a:pPr marL="171450" indent="-171450">
-              <a:buFont typeface="Arial" panose="020B0604020202020204" pitchFamily="34" charset="0"/>
-              <a:buChar char="•"/>
-            </a:pPr>
-            <a:endParaRPr lang="en-US" b="0" i="0" dirty="0"/>
-          </a:p>
-          <a:p>
-            <a:pPr marL="0" indent="0">
-              <a:buFont typeface="Arial" panose="020B0604020202020204" pitchFamily="34" charset="0"/>
-              <a:buNone/>
-            </a:pPr>
-            <a:r>
-              <a:rPr lang="en-US" b="1" i="1" dirty="0"/>
-              <a:t>Could we consider Azure Functions as an alternative back end implementation for our APIs? </a:t>
-            </a:r>
-          </a:p>
-          <a:p>
-            <a:pPr marL="171450" indent="-171450">
-              <a:buFont typeface="Arial" panose="020B0604020202020204" pitchFamily="34" charset="0"/>
-              <a:buChar char="•"/>
-            </a:pPr>
-            <a:r>
-              <a:rPr lang="en-US" dirty="0"/>
-              <a:t>While it is possible to create functions that run behind API Management endpoints, they are best employed for decoupled, asynchronous background operations that can be run at scale without concern for the specific server running that operation. </a:t>
-            </a:r>
-          </a:p>
-          <a:p>
-            <a:pPr marL="171450" indent="-171450">
-              <a:buFont typeface="Arial" panose="020B0604020202020204" pitchFamily="34" charset="0"/>
-              <a:buChar char="•"/>
-            </a:pPr>
-            <a:r>
-              <a:rPr lang="en-US" dirty="0"/>
-              <a:t>In this solution, Azure Functions allowed for decoupling the external storage location of orders, without the need to update Service Fabric configurations on change. It also allowed for a separate scale-out tier for that work.</a:t>
-            </a:r>
-          </a:p>
-          <a:p>
-            <a:pPr marL="171450" indent="-171450">
-              <a:buFont typeface="Arial" panose="020B0604020202020204" pitchFamily="34" charset="0"/>
-              <a:buChar char="•"/>
-            </a:pPr>
-            <a:r>
-              <a:rPr lang="en-US" dirty="0"/>
-              <a:t>In a solution such as a mobile application back end, functions could be useful if they don’t need to comingle with other solution aspects – such as acting as their own microservice with a targeted purpose. </a:t>
-            </a:r>
-          </a:p>
-        </p:txBody>
-      </p:sp>
-      <p:sp>
-        <p:nvSpPr>
-          <p:cNvPr id="4" name="Slide Number Placeholder 3"/>
-          <p:cNvSpPr>
-            <a:spLocks noGrp="1"/>
-          </p:cNvSpPr>
-          <p:nvPr>
-            <p:ph type="sldNum" sz="quarter" idx="10"/>
-          </p:nvPr>
-        </p:nvSpPr>
-        <p:spPr/>
-        <p:txBody>
-          <a:bodyPr/>
-          <a:lstStyle/>
-          <a:p>
-            <a:fld id="{0998D5BB-B127-481F-BC0A-2F77C576BB34}" type="slidenum">
-              <a:rPr lang="en-US" smtClean="0"/>
-              <a:t>26</a:t>
-            </a:fld>
-            <a:endParaRPr lang="en-US" dirty="0"/>
-          </a:p>
-        </p:txBody>
-      </p:sp>
-    </p:spTree>
-    <p:extLst>
-      <p:ext uri="{BB962C8B-B14F-4D97-AF65-F5344CB8AC3E}">
-        <p14:creationId xmlns:p14="http://schemas.microsoft.com/office/powerpoint/2010/main" val="691514643"/>
-      </p:ext>
-    </p:extLst>
-  </p:cSld>
-  <p:clrMapOvr>
-    <a:masterClrMapping/>
-  </p:clrMapOvr>
-</p:notes>
-</file>
-
-<file path=ppt/notesSlides/notesSlide27.xml><?xml version="1.0" encoding="utf-8"?>
-<p:notes xmlns:a="http://schemas.openxmlformats.org/drawingml/2006/main" xmlns:r="http://schemas.openxmlformats.org/officeDocument/2006/relationships" xmlns:p="http://schemas.openxmlformats.org/presentationml/2006/main">
-  <p:cSld>
-    <p:spTree>
-      <p:nvGrpSpPr>
-        <p:cNvPr id="1" name=""/>
-        <p:cNvGrpSpPr/>
-        <p:nvPr/>
-      </p:nvGrpSpPr>
-      <p:grpSpPr>
-        <a:xfrm>
-          <a:off x="0" y="0"/>
-          <a:ext cx="0" cy="0"/>
-          <a:chOff x="0" y="0"/>
-          <a:chExt cx="0" cy="0"/>
-        </a:xfrm>
-      </p:grpSpPr>
-      <p:sp>
-        <p:nvSpPr>
-          <p:cNvPr id="2" name="Slide Image Placeholder 1"/>
-          <p:cNvSpPr>
-            <a:spLocks noGrp="1" noRot="1" noChangeAspect="1"/>
-          </p:cNvSpPr>
-          <p:nvPr>
-            <p:ph type="sldImg"/>
-          </p:nvPr>
-        </p:nvSpPr>
-        <p:spPr/>
-      </p:sp>
-      <p:sp>
-        <p:nvSpPr>
-          <p:cNvPr id="3" name="Notes Placeholder 2"/>
-          <p:cNvSpPr>
-            <a:spLocks noGrp="1"/>
-          </p:cNvSpPr>
-          <p:nvPr>
-            <p:ph type="body" idx="1"/>
-          </p:nvPr>
-        </p:nvSpPr>
-        <p:spPr/>
-        <p:txBody>
-          <a:bodyPr/>
-          <a:lstStyle/>
-          <a:p>
-            <a:r>
-              <a:rPr lang="en-US" b="1" i="1" dirty="0"/>
-              <a:t>While we are interested in the microservices approach, we are still comparing Service Fabric with PaaS features such as App Services and SQL DB. </a:t>
-            </a:r>
-            <a:r>
-              <a:rPr lang="en-US" sz="1200" b="1" i="1" kern="1200" dirty="0">
-                <a:solidFill>
-                  <a:schemeClr val="tx1"/>
-                </a:solidFill>
-                <a:effectLst/>
-                <a:latin typeface="+mn-lt"/>
-                <a:ea typeface="+mn-ea"/>
-                <a:cs typeface="+mn-cs"/>
-              </a:rPr>
-              <a:t>How mature is Service Fabric by comparison?</a:t>
-            </a:r>
-          </a:p>
-          <a:p>
-            <a:pPr marL="171450" indent="-171450">
-              <a:buFont typeface="Arial" panose="020B0604020202020204" pitchFamily="34" charset="0"/>
-              <a:buChar char="•"/>
-            </a:pPr>
-            <a:r>
-              <a:rPr lang="en-US" b="0" i="0" dirty="0"/>
-              <a:t>Service Fabric has been battle tested for many years prior to becoming generally available. In fact, Service Fabric is the underlying foundation for Azure’s own SQL DB and Cosmos DB services among other high traffic applications such as the very popular Halo game. </a:t>
-            </a:r>
-          </a:p>
-          <a:p>
-            <a:pPr marL="171450" indent="-171450">
-              <a:buFont typeface="Arial" panose="020B0604020202020204" pitchFamily="34" charset="0"/>
-              <a:buChar char="•"/>
-            </a:pPr>
-            <a:r>
-              <a:rPr lang="en-US" b="0" i="0" dirty="0"/>
-              <a:t> </a:t>
-            </a:r>
-          </a:p>
-          <a:p>
-            <a:pPr marL="171450" indent="-171450">
-              <a:buFont typeface="Arial" panose="020B0604020202020204" pitchFamily="34" charset="0"/>
-              <a:buChar char="•"/>
-            </a:pPr>
-            <a:r>
-              <a:rPr lang="en-US" b="0" i="0" dirty="0"/>
-              <a:t>As for choosing between Service Fabric and App Services or SQL DB the benefits of the former include:</a:t>
-            </a:r>
-          </a:p>
-          <a:p>
-            <a:pPr marL="628650" lvl="1" indent="-171450">
-              <a:buFont typeface="Arial" panose="020B0604020202020204" pitchFamily="34" charset="0"/>
-              <a:buChar char="•"/>
-            </a:pPr>
-            <a:r>
-              <a:rPr lang="en-US" b="0" i="0" dirty="0"/>
-              <a:t>The ability to deploy individual application services without concern over the target infrastructure – let Service Fabric decide the target nodes appropriate for each tier and service type.</a:t>
-            </a:r>
-          </a:p>
-          <a:p>
-            <a:pPr marL="628650" lvl="1" indent="-171450">
-              <a:buFont typeface="Arial" panose="020B0604020202020204" pitchFamily="34" charset="0"/>
-              <a:buChar char="•"/>
-            </a:pPr>
-            <a:r>
-              <a:rPr lang="en-US" b="0" i="0" dirty="0"/>
-              <a:t>Simplified approach to managing data persistence with stateful services.</a:t>
-            </a:r>
-          </a:p>
-          <a:p>
-            <a:pPr marL="628650" lvl="1" indent="-171450">
-              <a:buFont typeface="Arial" panose="020B0604020202020204" pitchFamily="34" charset="0"/>
-              <a:buChar char="•"/>
-            </a:pPr>
-            <a:r>
-              <a:rPr lang="en-US" b="0" i="0" dirty="0"/>
-              <a:t>Microservices design from the ground up on a platform that is specifically designed for that purpose – with the ability to scale.</a:t>
-            </a:r>
-          </a:p>
-          <a:p>
-            <a:pPr marL="628650" lvl="1" indent="-171450">
-              <a:buFont typeface="Arial" panose="020B0604020202020204" pitchFamily="34" charset="0"/>
-              <a:buChar char="•"/>
-            </a:pPr>
-            <a:endParaRPr lang="en-US" b="0" i="0" dirty="0"/>
-          </a:p>
-          <a:p>
-            <a:pPr marL="0" indent="0">
-              <a:buFont typeface="Arial" panose="020B0604020202020204" pitchFamily="34" charset="0"/>
-              <a:buNone/>
-            </a:pPr>
-            <a:r>
-              <a:rPr lang="en-US" b="1" i="1" dirty="0"/>
-              <a:t>Microservices architectures are completely new to the Contoso Events team. If we were to go forward with Service Fabric, we would like to understand what skills the team can carry forward, and how much of a learning curve exists.</a:t>
-            </a:r>
-            <a:endParaRPr lang="en-US" b="0" i="0" dirty="0"/>
-          </a:p>
-          <a:p>
-            <a:pPr marL="171450" indent="-171450">
-              <a:buFont typeface="Arial" panose="020B0604020202020204" pitchFamily="34" charset="0"/>
-              <a:buChar char="•"/>
-            </a:pPr>
-            <a:r>
-              <a:rPr lang="en-US" b="0" i="0" dirty="0"/>
-              <a:t>Service Fabric is a natural transition for .NET developers in many respects:</a:t>
-            </a:r>
-          </a:p>
-          <a:p>
-            <a:pPr marL="628650" lvl="1" indent="-171450">
-              <a:buFont typeface="Arial" panose="020B0604020202020204" pitchFamily="34" charset="0"/>
-              <a:buChar char="•"/>
-            </a:pPr>
-            <a:r>
-              <a:rPr lang="en-US" b="0" i="0" dirty="0"/>
-              <a:t>They can continue to use Visual Studio for development, debugging and publishing applications</a:t>
-            </a:r>
-          </a:p>
-          <a:p>
-            <a:pPr marL="628650" lvl="1" indent="-171450">
-              <a:buFont typeface="Arial" panose="020B0604020202020204" pitchFamily="34" charset="0"/>
-              <a:buChar char="•"/>
-            </a:pPr>
-            <a:r>
-              <a:rPr lang="en-US" b="0" i="0" dirty="0"/>
-              <a:t>They can leverage Service Fabric project templates to kick-start their understanding of Service Fabric services.</a:t>
-            </a:r>
-          </a:p>
-          <a:p>
-            <a:pPr marL="628650" lvl="1" indent="-171450">
-              <a:buFont typeface="Arial" panose="020B0604020202020204" pitchFamily="34" charset="0"/>
-              <a:buChar char="•"/>
-            </a:pPr>
-            <a:r>
-              <a:rPr lang="en-US" b="0" i="0" dirty="0"/>
-              <a:t>The programming model for services is familiar. </a:t>
-            </a:r>
-          </a:p>
-          <a:p>
-            <a:pPr marL="628650" lvl="1" indent="-171450">
-              <a:buFont typeface="Arial" panose="020B0604020202020204" pitchFamily="34" charset="0"/>
-              <a:buChar char="•"/>
-            </a:pPr>
-            <a:r>
-              <a:rPr lang="en-US" b="0" i="0" dirty="0"/>
-              <a:t>Working with stateful services is also familiar in the sense that state is defined via objects (POCO) and serialized as part of the service implementation. </a:t>
-            </a:r>
-          </a:p>
-          <a:p>
-            <a:pPr marL="171450" indent="-171450">
-              <a:buFont typeface="Arial" panose="020B0604020202020204" pitchFamily="34" charset="0"/>
-              <a:buChar char="•"/>
-            </a:pPr>
-            <a:endParaRPr lang="en-US" b="1" i="1" dirty="0"/>
-          </a:p>
-          <a:p>
-            <a:pPr marL="0" indent="0">
-              <a:buFont typeface="Arial" panose="020B0604020202020204" pitchFamily="34" charset="0"/>
-              <a:buNone/>
-            </a:pPr>
-            <a:r>
-              <a:rPr lang="en-US" b="1" i="1" dirty="0"/>
-              <a:t>We’d like to understand if stateful services or stateful actors will help us with ticket ordering throughput, workflow and state management, and easier rollouts of changes to this process.</a:t>
-            </a:r>
-            <a:endParaRPr lang="en-US" b="0" i="0" dirty="0"/>
-          </a:p>
-          <a:p>
-            <a:pPr marL="171450" indent="-171450">
-              <a:buFont typeface="Arial" panose="020B0604020202020204" pitchFamily="34" charset="0"/>
-              <a:buChar char="•"/>
-            </a:pPr>
-            <a:r>
-              <a:rPr lang="en-US" b="0" i="0" dirty="0"/>
-              <a:t>Stateful services are backed by robust and reliable storage. When data (state) is saved by the service, it is not confirmed (committed) unless a quorum is reached. </a:t>
-            </a:r>
-          </a:p>
-          <a:p>
-            <a:pPr marL="171450" indent="-171450">
-              <a:buFont typeface="Arial" panose="020B0604020202020204" pitchFamily="34" charset="0"/>
-              <a:buChar char="•"/>
-            </a:pPr>
-            <a:r>
-              <a:rPr lang="en-US" b="0" i="0" dirty="0"/>
-              <a:t>By using the stateful actor, not only is the persistence of the actual ticket order handled by the Service Fabric at scale, but the actor can be wholly responsible for the workflow required to complete the order</a:t>
-            </a:r>
-          </a:p>
-          <a:p>
-            <a:pPr marL="171450" indent="-171450">
-              <a:buFont typeface="Arial" panose="020B0604020202020204" pitchFamily="34" charset="0"/>
-              <a:buChar char="•"/>
-            </a:pPr>
-            <a:r>
-              <a:rPr lang="en-US" b="0" i="0" dirty="0"/>
-              <a:t>When updates to this actor are required, the existing state is preserved, any active instances can continue completing their work, and the new actor functionality or state requirements can be rolled out safely across the nodes in the cluster, eventually retiring the previous version.</a:t>
-            </a:r>
-          </a:p>
-          <a:p>
-            <a:pPr marL="171450" indent="-171450">
-              <a:buFont typeface="Arial" panose="020B0604020202020204" pitchFamily="34" charset="0"/>
-              <a:buChar char="•"/>
-            </a:pPr>
-            <a:endParaRPr lang="en-US" b="1" i="1" dirty="0"/>
-          </a:p>
-          <a:p>
-            <a:pPr marL="0" indent="0">
-              <a:buFont typeface="Arial" panose="020B0604020202020204" pitchFamily="34" charset="0"/>
-              <a:buNone/>
-            </a:pPr>
-            <a:r>
-              <a:rPr lang="en-US" b="1" i="1" dirty="0"/>
-              <a:t>We are not clear how and where to incorporate stateful services and actors alongside other storage such as Cosmos DB. We need the ability to support robust ad-hoc queries against our system data such as events, customers, orders and related metrics – but would like to take advantage of the performance and reliability of Service Fabric stateful options as well.</a:t>
-            </a:r>
-          </a:p>
-          <a:p>
-            <a:pPr marL="171450" indent="-171450">
-              <a:buFont typeface="Arial" panose="020B0604020202020204" pitchFamily="34" charset="0"/>
-              <a:buChar char="•"/>
-            </a:pPr>
-            <a:r>
-              <a:rPr lang="en-US" b="0" i="0" dirty="0"/>
-              <a:t>Stateful services make it easy to save and retrieve state, and distribute that state for higher availability by using a partitioning strategy. Each partition has its own replica set for reliability.</a:t>
-            </a:r>
-          </a:p>
-          <a:p>
-            <a:pPr marL="171450" indent="-171450">
-              <a:buFont typeface="Arial" panose="020B0604020202020204" pitchFamily="34" charset="0"/>
-              <a:buChar char="•"/>
-            </a:pPr>
-            <a:r>
-              <a:rPr lang="en-US" b="0" i="0" dirty="0"/>
-              <a:t>You can replicate this state to an external store like Cosmos DB to support ad-hoc querying, analytics and disaster recovery.</a:t>
-            </a:r>
-          </a:p>
-          <a:p>
-            <a:pPr marL="171450" indent="-171450">
-              <a:buFont typeface="Arial" panose="020B0604020202020204" pitchFamily="34" charset="0"/>
-              <a:buChar char="•"/>
-            </a:pPr>
-            <a:endParaRPr lang="en-US" b="0" i="0" dirty="0"/>
-          </a:p>
-          <a:p>
-            <a:pPr marL="0" indent="0">
-              <a:buFont typeface="Arial" panose="020B0604020202020204" pitchFamily="34" charset="0"/>
-              <a:buNone/>
-            </a:pPr>
-            <a:r>
-              <a:rPr lang="en-US" b="1" i="1" dirty="0"/>
-              <a:t>Could we consider Azure Functions as an alternative back end implementation for our APIs? </a:t>
-            </a:r>
-          </a:p>
-          <a:p>
-            <a:pPr marL="171450" indent="-171450">
-              <a:buFont typeface="Arial" panose="020B0604020202020204" pitchFamily="34" charset="0"/>
-              <a:buChar char="•"/>
-            </a:pPr>
-            <a:r>
-              <a:rPr lang="en-US" dirty="0"/>
-              <a:t>While it is possible to create functions that run behind API Management endpoints, they are best employed for decoupled, asynchronous background operations that can be run at scale without concern for the specific server running that operation. </a:t>
-            </a:r>
-          </a:p>
-          <a:p>
-            <a:pPr marL="171450" indent="-171450">
-              <a:buFont typeface="Arial" panose="020B0604020202020204" pitchFamily="34" charset="0"/>
-              <a:buChar char="•"/>
-            </a:pPr>
-            <a:r>
-              <a:rPr lang="en-US" dirty="0"/>
-              <a:t>In this solution, Azure Functions allowed for decoupling the external storage location of orders, without the need to update Service Fabric configurations on change. It also allowed for a separate scale-out tier for that work.</a:t>
-            </a:r>
-          </a:p>
-          <a:p>
-            <a:pPr marL="171450" indent="-171450">
-              <a:buFont typeface="Arial" panose="020B0604020202020204" pitchFamily="34" charset="0"/>
-              <a:buChar char="•"/>
-            </a:pPr>
-            <a:r>
-              <a:rPr lang="en-US" dirty="0"/>
-              <a:t>In a solution such as a mobile application back end, functions could be useful if they don’t need to comingle with other solution aspects – such as acting as their own microservice with a targeted purpose. </a:t>
-            </a:r>
-          </a:p>
-        </p:txBody>
-      </p:sp>
-      <p:sp>
-        <p:nvSpPr>
-          <p:cNvPr id="4" name="Slide Number Placeholder 3"/>
-          <p:cNvSpPr>
-            <a:spLocks noGrp="1"/>
-          </p:cNvSpPr>
-          <p:nvPr>
-            <p:ph type="sldNum" sz="quarter" idx="10"/>
-          </p:nvPr>
-        </p:nvSpPr>
-        <p:spPr/>
-        <p:txBody>
-          <a:bodyPr/>
-          <a:lstStyle/>
-          <a:p>
-            <a:fld id="{0998D5BB-B127-481F-BC0A-2F77C576BB34}" type="slidenum">
-              <a:rPr lang="en-US" smtClean="0"/>
-              <a:t>27</a:t>
-            </a:fld>
-            <a:endParaRPr lang="en-US" dirty="0"/>
-          </a:p>
-        </p:txBody>
-      </p:sp>
-    </p:spTree>
-    <p:extLst>
-      <p:ext uri="{BB962C8B-B14F-4D97-AF65-F5344CB8AC3E}">
-        <p14:creationId xmlns:p14="http://schemas.microsoft.com/office/powerpoint/2010/main" val="270651956"/>
-      </p:ext>
-    </p:extLst>
-  </p:cSld>
-  <p:clrMapOvr>
-    <a:masterClrMapping/>
-  </p:clrMapOvr>
-</p:notes>
-</file>
-
-<file path=ppt/notesSlides/notesSlide28.xml><?xml version="1.0" encoding="utf-8"?>
-<p:notes xmlns:a="http://schemas.openxmlformats.org/drawingml/2006/main" xmlns:r="http://schemas.openxmlformats.org/officeDocument/2006/relationships" xmlns:p="http://schemas.openxmlformats.org/presentationml/2006/main">
-  <p:cSld>
-    <p:spTree>
-      <p:nvGrpSpPr>
-        <p:cNvPr id="1" name=""/>
-        <p:cNvGrpSpPr/>
-        <p:nvPr/>
-      </p:nvGrpSpPr>
-      <p:grpSpPr>
-        <a:xfrm>
-          <a:off x="0" y="0"/>
-          <a:ext cx="0" cy="0"/>
-          <a:chOff x="0" y="0"/>
-          <a:chExt cx="0" cy="0"/>
-        </a:xfrm>
-      </p:grpSpPr>
-      <p:sp>
-        <p:nvSpPr>
-          <p:cNvPr id="2" name="Slide Image Placeholder 1"/>
-          <p:cNvSpPr>
-            <a:spLocks noGrp="1" noRot="1" noChangeAspect="1"/>
-          </p:cNvSpPr>
-          <p:nvPr>
-            <p:ph type="sldImg"/>
-          </p:nvPr>
-        </p:nvSpPr>
-        <p:spPr/>
-      </p:sp>
-      <p:sp>
-        <p:nvSpPr>
-          <p:cNvPr id="3" name="Notes Placeholder 2"/>
-          <p:cNvSpPr>
-            <a:spLocks noGrp="1"/>
-          </p:cNvSpPr>
-          <p:nvPr>
-            <p:ph type="body" idx="1"/>
-          </p:nvPr>
-        </p:nvSpPr>
-        <p:spPr/>
-        <p:txBody>
-          <a:bodyPr/>
-          <a:lstStyle/>
-          <a:p>
-            <a:endParaRPr lang="en-US" dirty="0"/>
-          </a:p>
-        </p:txBody>
-      </p:sp>
-      <p:sp>
-        <p:nvSpPr>
-          <p:cNvPr id="4" name="Slide Number Placeholder 3"/>
-          <p:cNvSpPr>
-            <a:spLocks noGrp="1"/>
-          </p:cNvSpPr>
-          <p:nvPr>
-            <p:ph type="sldNum" sz="quarter" idx="10"/>
-          </p:nvPr>
-        </p:nvSpPr>
-        <p:spPr/>
-        <p:txBody>
-          <a:bodyPr/>
-          <a:lstStyle/>
-          <a:p>
-            <a:fld id="{0998D5BB-B127-481F-BC0A-2F77C576BB34}" type="slidenum">
-              <a:rPr lang="en-US" smtClean="0"/>
-              <a:t>28</a:t>
-            </a:fld>
-            <a:endParaRPr lang="en-US" dirty="0"/>
-          </a:p>
-        </p:txBody>
-      </p:sp>
-    </p:spTree>
-    <p:extLst>
-      <p:ext uri="{BB962C8B-B14F-4D97-AF65-F5344CB8AC3E}">
-        <p14:creationId xmlns:p14="http://schemas.microsoft.com/office/powerpoint/2010/main" val="671285550"/>
-      </p:ext>
-    </p:extLst>
-  </p:cSld>
-  <p:clrMapOvr>
-    <a:masterClrMapping/>
-  </p:clrMapOvr>
-</p:notes>
-</file>
-
-<file path=ppt/notesSlides/notesSlide29.xml><?xml version="1.0" encoding="utf-8"?>
 <p:notes xmlns:a="http://schemas.openxmlformats.org/drawingml/2006/main" xmlns:r="http://schemas.openxmlformats.org/officeDocument/2006/relationships" xmlns:p="http://schemas.openxmlformats.org/presentationml/2006/main">
   <p:cSld>
     <p:spTree>
@@ -5693,7 +4805,7 @@
                   <a:prstClr val="black"/>
                 </a:solidFill>
               </a:rPr>
-              <a:t>9/26/2018 12:01 PM</a:t>
+              <a:t>11-Jun-19 1:38 AM</a:t>
             </a:fld>
             <a:endParaRPr lang="en-US" dirty="0">
               <a:solidFill>
@@ -5725,7 +4837,7 @@
                 </a:solidFill>
               </a:rPr>
               <a:pPr/>
-              <a:t>29</a:t>
+              <a:t>25</a:t>
             </a:fld>
             <a:endParaRPr lang="en-US" dirty="0">
               <a:solidFill>
@@ -6715,55 +5827,7 @@
             </a:pPr>
             <a:r>
               <a:rPr lang="en-US" dirty="0"/>
-              <a:t>The solution must be able to handle increased system load for ticket purchasing including higher peak periods without excessive increases in management overhead and cost.</a:t>
-            </a:r>
-          </a:p>
-          <a:p>
-            <a:pPr marL="171450" indent="-171450">
-              <a:buFont typeface="Arial" panose="020B0604020202020204" pitchFamily="34" charset="0"/>
-              <a:buChar char="•"/>
-            </a:pPr>
-            <a:r>
-              <a:rPr lang="en-US" dirty="0"/>
-              <a:t>Operations management overhead must be improved through better system monitoring, visibility, self-healing services and auto-scale features. </a:t>
-            </a:r>
-          </a:p>
-          <a:p>
-            <a:pPr marL="171450" indent="-171450">
-              <a:buFont typeface="Arial" panose="020B0604020202020204" pitchFamily="34" charset="0"/>
-              <a:buChar char="•"/>
-            </a:pPr>
-            <a:r>
-              <a:rPr lang="en-US" dirty="0"/>
-              <a:t>The customer has decided to migrate from SQL Server to Cosmos DB for a more flexible schema and increased scalability across features. </a:t>
-            </a:r>
-          </a:p>
-          <a:p>
-            <a:pPr marL="171450" indent="-171450">
-              <a:buFont typeface="Arial" panose="020B0604020202020204" pitchFamily="34" charset="0"/>
-              <a:buChar char="•"/>
-            </a:pPr>
-            <a:r>
-              <a:rPr lang="en-US" dirty="0"/>
-              <a:t>A solution for securing and managing APIs used internally and by external partners with ability to easily publish, version, onboard consumers, control policy, monitor and audit usage.</a:t>
-            </a:r>
-          </a:p>
-          <a:p>
-            <a:pPr marL="171450" indent="-171450">
-              <a:buFont typeface="Arial" panose="020B0604020202020204" pitchFamily="34" charset="0"/>
-              <a:buChar char="•"/>
-            </a:pPr>
-            <a:r>
-              <a:rPr lang="en-US" dirty="0"/>
-              <a:t>The solution currently processes credit cards with </a:t>
-            </a:r>
-            <a:r>
-              <a:rPr lang="en-US"/>
-              <a:t>a third-party </a:t>
-            </a:r>
-            <a:r>
-              <a:rPr lang="en-US" dirty="0"/>
-              <a:t>payment-processing provider. This aspect of the solution will remain the same but require integration into the new design. </a:t>
+              <a:t>1.  Event tickets can be ordered from multiple channels: the web site, new mobile applications, and third-party site and applications via available APIs.</a:t>
             </a:r>
           </a:p>
           <a:p>
@@ -6772,6 +5836,152 @@
               <a:buChar char="•"/>
             </a:pPr>
             <a:endParaRPr lang="en-US" dirty="0"/>
+          </a:p>
+          <a:p>
+            <a:pPr marL="171450" indent="-171450">
+              <a:buFont typeface="Arial" panose="020B0604020202020204" pitchFamily="34" charset="0"/>
+              <a:buChar char="•"/>
+            </a:pPr>
+            <a:r>
+              <a:rPr lang="en-US" dirty="0"/>
+              <a:t>2.  Customers must be registered or logged in to place orders, so that they can login and find their orders, and for reporting and analytics purposes.</a:t>
+            </a:r>
+          </a:p>
+          <a:p>
+            <a:pPr marL="171450" indent="-171450">
+              <a:buFont typeface="Arial" panose="020B0604020202020204" pitchFamily="34" charset="0"/>
+              <a:buChar char="•"/>
+            </a:pPr>
+            <a:endParaRPr lang="en-US" dirty="0"/>
+          </a:p>
+          <a:p>
+            <a:pPr marL="171450" indent="-171450">
+              <a:buFont typeface="Arial" panose="020B0604020202020204" pitchFamily="34" charset="0"/>
+              <a:buChar char="•"/>
+            </a:pPr>
+            <a:r>
+              <a:rPr lang="en-US" dirty="0"/>
+              <a:t>3.  Internal staff will manage orders and view reports from the Admin site.</a:t>
+            </a:r>
+          </a:p>
+          <a:p>
+            <a:pPr marL="171450" indent="-171450">
+              <a:buFont typeface="Arial" panose="020B0604020202020204" pitchFamily="34" charset="0"/>
+              <a:buChar char="•"/>
+            </a:pPr>
+            <a:endParaRPr lang="en-US" dirty="0"/>
+          </a:p>
+          <a:p>
+            <a:pPr marL="171450" indent="-171450">
+              <a:buFont typeface="Arial" panose="020B0604020202020204" pitchFamily="34" charset="0"/>
+              <a:buChar char="•"/>
+            </a:pPr>
+            <a:r>
+              <a:rPr lang="en-US" dirty="0"/>
+              <a:t>4.  The ability to rapidly release new features that may involve UI, business logic and data model changes by reducing dependency across features.</a:t>
+            </a:r>
+          </a:p>
+          <a:p>
+            <a:pPr marL="171450" indent="-171450">
+              <a:buFont typeface="Arial" panose="020B0604020202020204" pitchFamily="34" charset="0"/>
+              <a:buChar char="•"/>
+            </a:pPr>
+            <a:endParaRPr lang="en-US" dirty="0"/>
+          </a:p>
+          <a:p>
+            <a:pPr marL="171450" indent="-171450">
+              <a:buFont typeface="Arial" panose="020B0604020202020204" pitchFamily="34" charset="0"/>
+              <a:buChar char="•"/>
+            </a:pPr>
+            <a:r>
+              <a:rPr lang="en-US" dirty="0"/>
+              <a:t>5.  Reduced overall downtime caused by system updates. Rollouts must be possible without scheduled downtime. Rollbacks must be possible in the event of failure.</a:t>
+            </a:r>
+          </a:p>
+          <a:p>
+            <a:pPr marL="171450" indent="-171450">
+              <a:buFont typeface="Arial" panose="020B0604020202020204" pitchFamily="34" charset="0"/>
+              <a:buChar char="•"/>
+            </a:pPr>
+            <a:endParaRPr lang="en-US" dirty="0"/>
+          </a:p>
+          <a:p>
+            <a:pPr marL="171450" indent="-171450">
+              <a:buFont typeface="Arial" panose="020B0604020202020204" pitchFamily="34" charset="0"/>
+              <a:buChar char="•"/>
+            </a:pPr>
+            <a:r>
+              <a:rPr lang="en-US" dirty="0"/>
+              <a:t>6.  The solution must be able to handle increased system load for ticket purchasing, including higher peak periods without excessive increases in management overhead and cost.</a:t>
+            </a:r>
+          </a:p>
+          <a:p>
+            <a:pPr marL="171450" indent="-171450">
+              <a:buFont typeface="Arial" panose="020B0604020202020204" pitchFamily="34" charset="0"/>
+              <a:buChar char="•"/>
+            </a:pPr>
+            <a:endParaRPr lang="en-US" dirty="0"/>
+          </a:p>
+          <a:p>
+            <a:pPr marL="171450" indent="-171450">
+              <a:buFont typeface="Arial" panose="020B0604020202020204" pitchFamily="34" charset="0"/>
+              <a:buChar char="•"/>
+            </a:pPr>
+            <a:r>
+              <a:rPr lang="en-US" dirty="0"/>
+              <a:t>7.  Operations management overhead must be improved through better system monitoring, visibility, self-healing services and auto-scale features.</a:t>
+            </a:r>
+          </a:p>
+          <a:p>
+            <a:pPr marL="171450" indent="-171450">
+              <a:buFont typeface="Arial" panose="020B0604020202020204" pitchFamily="34" charset="0"/>
+              <a:buChar char="•"/>
+            </a:pPr>
+            <a:endParaRPr lang="en-US" dirty="0"/>
+          </a:p>
+          <a:p>
+            <a:pPr marL="171450" indent="-171450">
+              <a:buFont typeface="Arial" panose="020B0604020202020204" pitchFamily="34" charset="0"/>
+              <a:buChar char="•"/>
+            </a:pPr>
+            <a:r>
+              <a:rPr lang="en-US" dirty="0"/>
+              <a:t>8.  The customer has decided to migrate from SQL Server to Cosmos DB for a more flexible schema and increased scalability across features.</a:t>
+            </a:r>
+          </a:p>
+          <a:p>
+            <a:pPr marL="171450" indent="-171450">
+              <a:buFont typeface="Arial" panose="020B0604020202020204" pitchFamily="34" charset="0"/>
+              <a:buChar char="•"/>
+            </a:pPr>
+            <a:endParaRPr lang="en-US" dirty="0"/>
+          </a:p>
+          <a:p>
+            <a:pPr marL="171450" indent="-171450">
+              <a:buFont typeface="Arial" panose="020B0604020202020204" pitchFamily="34" charset="0"/>
+              <a:buChar char="•"/>
+            </a:pPr>
+            <a:r>
+              <a:rPr lang="en-US" dirty="0"/>
+              <a:t>9.  A solution is required for securing and managing APIs used internally and by external partners, with the ability to easily publish APIs, version APIs, onboard consumers, control policy, monitor and audit usage.</a:t>
+            </a:r>
+          </a:p>
+          <a:p>
+            <a:pPr marL="171450" indent="-171450">
+              <a:buFont typeface="Arial" panose="020B0604020202020204" pitchFamily="34" charset="0"/>
+              <a:buChar char="•"/>
+            </a:pPr>
+            <a:endParaRPr lang="en-US" dirty="0"/>
+          </a:p>
+          <a:p>
+            <a:pPr marL="171450" indent="-171450">
+              <a:buFont typeface="Arial" panose="020B0604020202020204" pitchFamily="34" charset="0"/>
+              <a:buChar char="•"/>
+            </a:pPr>
+            <a:r>
+              <a:rPr lang="en-US" dirty="0"/>
+              <a:t>10. The solution currently processes credit cards with a third-party payment-processing provider. This aspect of the solution will remain the same and requires integration into the new design.</a:t>
+            </a:r>
           </a:p>
         </p:txBody>
       </p:sp>
@@ -6861,7 +6071,7 @@
             </a:pPr>
             <a:r>
               <a:rPr lang="en-US" dirty="0"/>
-              <a:t>While we are interested in the microservices approach, we are still comparing Service Fabric with PaaS features such as App Services and SQL DB. Service Fabric seems relatively new, while App Services and SQL DB have been around for some time. </a:t>
+              <a:t>1.  While we are interested in the microservices approach, we are still comparing Service Fabric with PaaS features such as App Services and SQL DB. How mature is Service Fabric by comparison?</a:t>
             </a:r>
           </a:p>
           <a:p>
@@ -6869,10 +6079,7 @@
               <a:buFont typeface="Arial" panose="020B0604020202020204" pitchFamily="34" charset="0"/>
               <a:buChar char="•"/>
             </a:pPr>
-            <a:r>
-              <a:rPr lang="en-US" dirty="0"/>
-              <a:t>Microservices architectures are completely new to the Contoso Events team. If we were to go forward with Service Fabric, we would like to understand what skills the team can carry forward, and how much of a learning curve exists. </a:t>
-            </a:r>
+            <a:endParaRPr lang="en-US" dirty="0"/>
           </a:p>
           <a:p>
             <a:pPr marL="171450" indent="-171450">
@@ -6881,7 +6088,7 @@
             </a:pPr>
             <a:r>
               <a:rPr lang="en-US" dirty="0"/>
-              <a:t>We’d like to understand if stateful services or stateful actors will help us with ticket ordering throughput, workflow and state management, and easier rollouts of changes to this process.</a:t>
+              <a:t>2.  Microservices architectures are completely new to the Contoso Events team. If we were to go forward with containerized microservices running on Service Fabric, we would like to understand what skills the team can carry forward, and how much of a learning curve exists.</a:t>
             </a:r>
           </a:p>
           <a:p>
@@ -6889,10 +6096,7 @@
               <a:buFont typeface="Arial" panose="020B0604020202020204" pitchFamily="34" charset="0"/>
               <a:buChar char="•"/>
             </a:pPr>
-            <a:r>
-              <a:rPr lang="en-US" dirty="0"/>
-              <a:t>We are not clear how and where to incorporate stateful services and actors alongside other storage such as Cosmos DB. We need the ability to support robust ad-hoc queries against our system data such as events, customers, orders and related metrics – but would like to take advantage of the performance and reliability of Service Fabric stateful options as well. </a:t>
-            </a:r>
+            <a:endParaRPr lang="en-US" dirty="0"/>
           </a:p>
           <a:p>
             <a:pPr marL="171450" indent="-171450">
@@ -6901,15 +6105,25 @@
             </a:pPr>
             <a:r>
               <a:rPr lang="en-US" dirty="0"/>
-              <a:t>Could we consider Azure Functions as an alternative back end implementation for our APIs? </a:t>
-            </a:r>
-          </a:p>
-          <a:p>
-            <a:pPr marL="0" indent="0">
+              <a:t>3.  Could we consider Azure Functions as an alternative back end implementation for our APIs?</a:t>
+            </a:r>
+          </a:p>
+          <a:p>
+            <a:pPr marL="171450" indent="-171450">
               <a:buFont typeface="Arial" panose="020B0604020202020204" pitchFamily="34" charset="0"/>
-              <a:buNone/>
+              <a:buChar char="•"/>
             </a:pPr>
             <a:endParaRPr lang="en-US" dirty="0"/>
+          </a:p>
+          <a:p>
+            <a:pPr marL="171450" indent="-171450">
+              <a:buFont typeface="Arial" panose="020B0604020202020204" pitchFamily="34" charset="0"/>
+              <a:buChar char="•"/>
+            </a:pPr>
+            <a:r>
+              <a:rPr lang="en-US" dirty="0"/>
+              <a:t>4.  We would like to understand more about the benefits of serverless architectures. In Azure, does it mean only using Azure Functions or is there more to it?</a:t>
+            </a:r>
           </a:p>
         </p:txBody>
       </p:sp>
@@ -7291,7 +6505,7 @@
       </p:transition>
     </mc:Fallback>
   </mc:AlternateContent>
-  <p:extLst mod="1">
+  <p:extLst>
     <p:ext uri="{DCECCB84-F9BA-43D5-87BE-67443E8EF086}">
       <p15:sldGuideLst xmlns:p15="http://schemas.microsoft.com/office/powerpoint/2012/main">
         <p15:guide id="1" pos="288">
@@ -18296,7 +17510,7 @@
       </a:lvl9pPr>
     </p:otherStyle>
   </p:txStyles>
-  <p:extLst mod="1">
+  <p:extLst>
     <p:ext uri="{27BBF7A9-308A-43DC-89C8-2F10F3537804}">
       <p15:sldGuideLst xmlns:p15="http://schemas.microsoft.com/office/powerpoint/2012/main">
         <p15:guide id="1" orient="horz" pos="187">
@@ -18911,7 +18125,7 @@
       </a:lvl9pPr>
     </p:otherStyle>
   </p:txStyles>
-  <p:extLst mod="1">
+  <p:extLst>
     <p:ext uri="{27BBF7A9-308A-43DC-89C8-2F10F3537804}">
       <p15:sldGuideLst xmlns:p15="http://schemas.microsoft.com/office/powerpoint/2012/main">
         <p15:guide id="1" orient="horz" pos="187">
@@ -19331,175 +18545,6 @@
 </file>
 
 <file path=ppt/slides/slide11.xml><?xml version="1.0" encoding="utf-8"?>
-<p:sld xmlns:a="http://schemas.openxmlformats.org/drawingml/2006/main" xmlns:r="http://schemas.openxmlformats.org/officeDocument/2006/relationships" xmlns:p="http://schemas.openxmlformats.org/presentationml/2006/main">
-  <p:cSld>
-    <p:spTree>
-      <p:nvGrpSpPr>
-        <p:cNvPr id="1" name=""/>
-        <p:cNvGrpSpPr/>
-        <p:nvPr/>
-      </p:nvGrpSpPr>
-      <p:grpSpPr>
-        <a:xfrm>
-          <a:off x="0" y="0"/>
-          <a:ext cx="0" cy="0"/>
-          <a:chOff x="0" y="0"/>
-          <a:chExt cx="0" cy="0"/>
-        </a:xfrm>
-      </p:grpSpPr>
-      <p:sp>
-        <p:nvSpPr>
-          <p:cNvPr id="2" name="Title 1"/>
-          <p:cNvSpPr>
-            <a:spLocks noGrp="1"/>
-          </p:cNvSpPr>
-          <p:nvPr>
-            <p:ph type="title"/>
-          </p:nvPr>
-        </p:nvSpPr>
-        <p:spPr/>
-        <p:txBody>
-          <a:bodyPr>
-            <a:normAutofit fontScale="90000"/>
-          </a:bodyPr>
-          <a:lstStyle/>
-          <a:p>
-            <a:r>
-              <a:rPr lang="en-US" sz="4900" dirty="0">
-                <a:solidFill>
-                  <a:schemeClr val="tx1"/>
-                </a:solidFill>
-                <a:cs typeface="Segoe UI" panose="020B0502040204020203" pitchFamily="34" charset="0"/>
-              </a:rPr>
-              <a:t>Common scenarios</a:t>
-            </a:r>
-            <a:br>
-              <a:rPr lang="en-US" dirty="0">
-                <a:solidFill>
-                  <a:schemeClr val="tx1"/>
-                </a:solidFill>
-                <a:latin typeface="Segoe UI" panose="020B0502040204020203" pitchFamily="34" charset="0"/>
-              </a:rPr>
-            </a:br>
-            <a:endParaRPr lang="en-US" sz="3236" dirty="0">
-              <a:solidFill>
-                <a:schemeClr val="tx1"/>
-              </a:solidFill>
-              <a:latin typeface="Segoe UI" panose="020B0502040204020203" pitchFamily="34" charset="0"/>
-            </a:endParaRPr>
-          </a:p>
-        </p:txBody>
-      </p:sp>
-      <p:sp>
-        <p:nvSpPr>
-          <p:cNvPr id="6" name="Content Placeholder 2">
-            <a:extLst>
-              <a:ext uri="{FF2B5EF4-FFF2-40B4-BE49-F238E27FC236}">
-                <a16:creationId xmlns:a16="http://schemas.microsoft.com/office/drawing/2014/main" id="{625991E1-6F85-4964-B801-12C7D1E195A9}"/>
-              </a:ext>
-            </a:extLst>
-          </p:cNvPr>
-          <p:cNvSpPr>
-            <a:spLocks noGrp="1"/>
-          </p:cNvSpPr>
-          <p:nvPr>
-            <p:ph type="body" sz="quarter" idx="10"/>
-          </p:nvPr>
-        </p:nvSpPr>
-        <p:spPr>
-          <a:xfrm>
-            <a:off x="269240" y="1189177"/>
-            <a:ext cx="9414022" cy="945832"/>
-          </a:xfrm>
-        </p:spPr>
-        <p:txBody>
-          <a:bodyPr>
-            <a:noAutofit/>
-          </a:bodyPr>
-          <a:lstStyle/>
-          <a:p>
-            <a:pPr marL="0" indent="0">
-              <a:buNone/>
-            </a:pPr>
-            <a:r>
-              <a:rPr lang="en-US" sz="3600" dirty="0">
-                <a:solidFill>
-                  <a:schemeClr val="tx1"/>
-                </a:solidFill>
-                <a:latin typeface="+mj-lt"/>
-              </a:rPr>
-              <a:t>Monolithic vs. Microservices – storage state</a:t>
-            </a:r>
-          </a:p>
-        </p:txBody>
-      </p:sp>
-      <p:pic>
-        <p:nvPicPr>
-          <p:cNvPr id="5" name="Picture 4" descr="This diagram presents a comparison of State storage in monolithic versus microservices approaches. The monolithic approach on the left has a single database and tiers of specific technologies. The microservices approach on the right has a graph of interconnected microservices (both stateless and stateful) where state is typically scoped to the microservice, and various approaches are used to manage state." title="Monolithic vs. Microservices – storage state diagrams">
-            <a:extLst>
-              <a:ext uri="{FF2B5EF4-FFF2-40B4-BE49-F238E27FC236}">
-                <a16:creationId xmlns:a16="http://schemas.microsoft.com/office/drawing/2014/main" id="{1DF09B1C-1ACD-4D28-A1E1-E3AC8B037E09}"/>
-              </a:ext>
-            </a:extLst>
-          </p:cNvPr>
-          <p:cNvPicPr>
-            <a:picLocks noChangeAspect="1"/>
-          </p:cNvPicPr>
-          <p:nvPr/>
-        </p:nvPicPr>
-        <p:blipFill>
-          <a:blip r:embed="rId3">
-            <a:extLst>
-              <a:ext uri="{28A0092B-C50C-407E-A947-70E740481C1C}">
-                <a14:useLocalDpi xmlns:a14="http://schemas.microsoft.com/office/drawing/2010/main" val="0"/>
-              </a:ext>
-            </a:extLst>
-          </a:blip>
-          <a:srcRect/>
-          <a:stretch>
-            <a:fillRect/>
-          </a:stretch>
-        </p:blipFill>
-        <p:spPr bwMode="auto">
-          <a:xfrm>
-            <a:off x="1731774" y="1868813"/>
-            <a:ext cx="8728451" cy="4699676"/>
-          </a:xfrm>
-          <a:prstGeom prst="rect">
-            <a:avLst/>
-          </a:prstGeom>
-          <a:noFill/>
-          <a:ln>
-            <a:noFill/>
-          </a:ln>
-        </p:spPr>
-      </p:pic>
-    </p:spTree>
-    <p:extLst>
-      <p:ext uri="{BB962C8B-B14F-4D97-AF65-F5344CB8AC3E}">
-        <p14:creationId xmlns:p14="http://schemas.microsoft.com/office/powerpoint/2010/main" val="2141458462"/>
-      </p:ext>
-    </p:extLst>
-  </p:cSld>
-  <p:clrMapOvr>
-    <a:masterClrMapping/>
-  </p:clrMapOvr>
-  <mc:AlternateContent xmlns:mc="http://schemas.openxmlformats.org/markup-compatibility/2006" xmlns:p14="http://schemas.microsoft.com/office/powerpoint/2010/main">
-    <mc:Choice Requires="p14">
-      <p:transition spd="med" p14:dur="700">
-        <p:fade/>
-      </p:transition>
-    </mc:Choice>
-    <mc:Fallback xmlns="">
-      <p:transition spd="med">
-        <p:fade/>
-      </p:transition>
-    </mc:Fallback>
-  </mc:AlternateContent>
-</p:sld>
-</file>
-
-<file path=ppt/slides/slide12.xml><?xml version="1.0" encoding="utf-8"?>
 <p:sld xmlns:a="http://schemas.openxmlformats.org/drawingml/2006/main" xmlns:r="http://schemas.openxmlformats.org/officeDocument/2006/relationships" xmlns:p="http://schemas.openxmlformats.org/presentationml/2006/main">
   <p:cSld>
     <p:spTree>
@@ -20043,6 +19088,314 @@
 </p:sld>
 </file>
 
+<file path=ppt/slides/slide12.xml><?xml version="1.0" encoding="utf-8"?>
+<p:sld xmlns:a="http://schemas.openxmlformats.org/drawingml/2006/main" xmlns:r="http://schemas.openxmlformats.org/officeDocument/2006/relationships" xmlns:p="http://schemas.openxmlformats.org/presentationml/2006/main">
+  <p:cSld>
+    <p:spTree>
+      <p:nvGrpSpPr>
+        <p:cNvPr id="1" name=""/>
+        <p:cNvGrpSpPr/>
+        <p:nvPr/>
+      </p:nvGrpSpPr>
+      <p:grpSpPr>
+        <a:xfrm>
+          <a:off x="0" y="0"/>
+          <a:ext cx="0" cy="0"/>
+          <a:chOff x="0" y="0"/>
+          <a:chExt cx="0" cy="0"/>
+        </a:xfrm>
+      </p:grpSpPr>
+      <p:sp>
+        <p:nvSpPr>
+          <p:cNvPr id="2" name="Title 1"/>
+          <p:cNvSpPr>
+            <a:spLocks noGrp="1"/>
+          </p:cNvSpPr>
+          <p:nvPr>
+            <p:ph type="title"/>
+          </p:nvPr>
+        </p:nvSpPr>
+        <p:spPr/>
+        <p:txBody>
+          <a:bodyPr>
+            <a:normAutofit/>
+          </a:bodyPr>
+          <a:lstStyle/>
+          <a:p>
+            <a:r>
+              <a:rPr lang="en-US" sz="4400" dirty="0">
+                <a:solidFill>
+                  <a:schemeClr val="tx1"/>
+                </a:solidFill>
+                <a:latin typeface="Segoe UI Light" panose="020B0502040204020203" pitchFamily="34" charset="0"/>
+                <a:cs typeface="Segoe UI Light" panose="020B0502040204020203" pitchFamily="34" charset="0"/>
+              </a:rPr>
+              <a:t>Step 3: Present the solution</a:t>
+            </a:r>
+          </a:p>
+        </p:txBody>
+      </p:sp>
+      <p:sp>
+        <p:nvSpPr>
+          <p:cNvPr id="9" name="TextBox 8">
+            <a:extLst>
+              <a:ext uri="{FF2B5EF4-FFF2-40B4-BE49-F238E27FC236}">
+                <a16:creationId xmlns:a16="http://schemas.microsoft.com/office/drawing/2014/main" id="{0F86F9F9-39B5-4CE6-AF48-9ADAE40EA728}"/>
+              </a:ext>
+            </a:extLst>
+          </p:cNvPr>
+          <p:cNvSpPr txBox="1"/>
+          <p:nvPr/>
+        </p:nvSpPr>
+        <p:spPr>
+          <a:xfrm>
+            <a:off x="340285" y="1062166"/>
+            <a:ext cx="10229103" cy="5838521"/>
+          </a:xfrm>
+          <a:prstGeom prst="rect">
+            <a:avLst/>
+          </a:prstGeom>
+          <a:noFill/>
+        </p:spPr>
+        <p:txBody>
+          <a:bodyPr wrap="square" lIns="182880" tIns="146304" rIns="182880" bIns="146304" rtlCol="0">
+            <a:spAutoFit/>
+          </a:bodyPr>
+          <a:lstStyle/>
+          <a:p>
+            <a:pPr>
+              <a:lnSpc>
+                <a:spcPct val="90000"/>
+              </a:lnSpc>
+              <a:spcAft>
+                <a:spcPts val="600"/>
+              </a:spcAft>
+            </a:pPr>
+            <a:r>
+              <a:rPr lang="en-US" sz="3600" dirty="0">
+                <a:latin typeface="+mj-lt"/>
+              </a:rPr>
+              <a:t>Outcome</a:t>
+            </a:r>
+          </a:p>
+          <a:p>
+            <a:pPr>
+              <a:lnSpc>
+                <a:spcPct val="90000"/>
+              </a:lnSpc>
+              <a:spcAft>
+                <a:spcPts val="600"/>
+              </a:spcAft>
+            </a:pPr>
+            <a:r>
+              <a:rPr lang="en-US" sz="2400" dirty="0">
+                <a:latin typeface="Segoe UI Semilight" panose="020B0402040204020203" pitchFamily="34" charset="0"/>
+                <a:cs typeface="Segoe UI Semilight" panose="020B0402040204020203" pitchFamily="34" charset="0"/>
+              </a:rPr>
+              <a:t>Present a solution to the target customer in a 15-minute chalk-talk format .</a:t>
+            </a:r>
+            <a:endParaRPr lang="en-US" sz="3600" dirty="0">
+              <a:latin typeface="+mj-lt"/>
+            </a:endParaRPr>
+          </a:p>
+          <a:p>
+            <a:pPr>
+              <a:lnSpc>
+                <a:spcPct val="90000"/>
+              </a:lnSpc>
+              <a:spcAft>
+                <a:spcPts val="600"/>
+              </a:spcAft>
+            </a:pPr>
+            <a:endParaRPr lang="en-US" sz="2400" dirty="0">
+              <a:latin typeface="+mj-lt"/>
+            </a:endParaRPr>
+          </a:p>
+          <a:p>
+            <a:pPr>
+              <a:lnSpc>
+                <a:spcPct val="90000"/>
+              </a:lnSpc>
+              <a:spcAft>
+                <a:spcPts val="600"/>
+              </a:spcAft>
+            </a:pPr>
+            <a:r>
+              <a:rPr lang="en-US" sz="3600" dirty="0">
+                <a:latin typeface="+mj-lt"/>
+              </a:rPr>
+              <a:t>Timeframe</a:t>
+            </a:r>
+          </a:p>
+          <a:p>
+            <a:pPr>
+              <a:lnSpc>
+                <a:spcPct val="90000"/>
+              </a:lnSpc>
+              <a:spcAft>
+                <a:spcPts val="600"/>
+              </a:spcAft>
+            </a:pPr>
+            <a:r>
+              <a:rPr lang="en-US" sz="2400" dirty="0">
+                <a:latin typeface="Segoe UI Semilight" panose="020B0402040204020203" pitchFamily="34" charset="0"/>
+                <a:cs typeface="Segoe UI Semilight" panose="020B0402040204020203" pitchFamily="34" charset="0"/>
+              </a:rPr>
+              <a:t>30 minutes (15 minutes for each team to present and receive feedback) </a:t>
+            </a:r>
+          </a:p>
+          <a:p>
+            <a:pPr>
+              <a:lnSpc>
+                <a:spcPct val="90000"/>
+              </a:lnSpc>
+              <a:spcAft>
+                <a:spcPts val="600"/>
+              </a:spcAft>
+            </a:pPr>
+            <a:endParaRPr lang="en-US" sz="2400" dirty="0">
+              <a:latin typeface="+mj-lt"/>
+            </a:endParaRPr>
+          </a:p>
+          <a:p>
+            <a:pPr>
+              <a:lnSpc>
+                <a:spcPct val="90000"/>
+              </a:lnSpc>
+              <a:spcAft>
+                <a:spcPts val="600"/>
+              </a:spcAft>
+            </a:pPr>
+            <a:r>
+              <a:rPr lang="en-US" sz="3600" dirty="0">
+                <a:latin typeface="+mj-lt"/>
+              </a:rPr>
+              <a:t>Directions</a:t>
+            </a:r>
+          </a:p>
+          <a:p>
+            <a:pPr marL="342900" lvl="0" indent="-342900">
+              <a:buFont typeface="Arial" panose="020B0604020202020204" pitchFamily="34" charset="0"/>
+              <a:buChar char="•"/>
+            </a:pPr>
+            <a:r>
+              <a:rPr lang="en-US" sz="2000" dirty="0">
+                <a:latin typeface="Segoe UI Semilight" panose="020B0402040204020203" pitchFamily="34" charset="0"/>
+                <a:cs typeface="Segoe UI Semilight" panose="020B0402040204020203" pitchFamily="34" charset="0"/>
+              </a:rPr>
+              <a:t>Pair with another table.</a:t>
+            </a:r>
+          </a:p>
+          <a:p>
+            <a:pPr marL="342900" lvl="0" indent="-342900">
+              <a:buFont typeface="Arial" panose="020B0604020202020204" pitchFamily="34" charset="0"/>
+              <a:buChar char="•"/>
+            </a:pPr>
+            <a:r>
+              <a:rPr lang="en-US" sz="2000" dirty="0">
+                <a:latin typeface="Segoe UI Semilight" panose="020B0402040204020203" pitchFamily="34" charset="0"/>
+                <a:cs typeface="Segoe UI Semilight" panose="020B0402040204020203" pitchFamily="34" charset="0"/>
+              </a:rPr>
+              <a:t>One table is the Microsoft team and the other table is the customer.</a:t>
+            </a:r>
+          </a:p>
+          <a:p>
+            <a:pPr marL="342900" lvl="0" indent="-342900">
+              <a:buFont typeface="Arial" panose="020B0604020202020204" pitchFamily="34" charset="0"/>
+              <a:buChar char="•"/>
+            </a:pPr>
+            <a:r>
+              <a:rPr lang="en-US" sz="2000" dirty="0">
+                <a:latin typeface="Segoe UI Semilight" panose="020B0402040204020203" pitchFamily="34" charset="0"/>
+                <a:cs typeface="Segoe UI Semilight" panose="020B0402040204020203" pitchFamily="34" charset="0"/>
+              </a:rPr>
+              <a:t>The Microsoft team presents their proposed solution to the customer.</a:t>
+            </a:r>
+          </a:p>
+          <a:p>
+            <a:pPr marL="342900" lvl="0" indent="-342900">
+              <a:buFont typeface="Arial" panose="020B0604020202020204" pitchFamily="34" charset="0"/>
+              <a:buChar char="•"/>
+            </a:pPr>
+            <a:r>
+              <a:rPr lang="en-US" sz="2000" dirty="0">
+                <a:latin typeface="Segoe UI Semilight" panose="020B0402040204020203" pitchFamily="34" charset="0"/>
+                <a:cs typeface="Segoe UI Semilight" panose="020B0402040204020203" pitchFamily="34" charset="0"/>
+              </a:rPr>
+              <a:t>The customer asks one of the objections from the list of objections in the case study.</a:t>
+            </a:r>
+          </a:p>
+          <a:p>
+            <a:pPr marL="342900" lvl="0" indent="-342900">
+              <a:buFont typeface="Arial" panose="020B0604020202020204" pitchFamily="34" charset="0"/>
+              <a:buChar char="•"/>
+            </a:pPr>
+            <a:r>
+              <a:rPr lang="en-US" sz="2000" dirty="0">
+                <a:latin typeface="Segoe UI Semilight" panose="020B0402040204020203" pitchFamily="34" charset="0"/>
+                <a:cs typeface="Segoe UI Semilight" panose="020B0402040204020203" pitchFamily="34" charset="0"/>
+              </a:rPr>
+              <a:t>The Microsoft team responds to the objection.</a:t>
+            </a:r>
+          </a:p>
+          <a:p>
+            <a:pPr marL="342900" lvl="0" indent="-342900">
+              <a:buFont typeface="Arial" panose="020B0604020202020204" pitchFamily="34" charset="0"/>
+              <a:buChar char="•"/>
+            </a:pPr>
+            <a:r>
+              <a:rPr lang="en-US" sz="2000" dirty="0">
+                <a:latin typeface="Segoe UI Semilight" panose="020B0402040204020203" pitchFamily="34" charset="0"/>
+                <a:cs typeface="Segoe UI Semilight" panose="020B0402040204020203" pitchFamily="34" charset="0"/>
+              </a:rPr>
+              <a:t>The customer team gives feedback to the Microsoft team.</a:t>
+            </a:r>
+            <a:endParaRPr lang="en-US" sz="2000" strike="sngStrike" dirty="0">
+              <a:latin typeface="Segoe UI Semilight" panose="020B0402040204020203" pitchFamily="34" charset="0"/>
+              <a:cs typeface="Segoe UI Semilight" panose="020B0402040204020203" pitchFamily="34" charset="0"/>
+            </a:endParaRPr>
+          </a:p>
+          <a:p>
+            <a:pPr>
+              <a:lnSpc>
+                <a:spcPct val="90000"/>
+              </a:lnSpc>
+              <a:spcAft>
+                <a:spcPts val="600"/>
+              </a:spcAft>
+            </a:pPr>
+            <a:endParaRPr lang="en-US" sz="2400" dirty="0">
+              <a:latin typeface="Segoe UI Semilight" panose="020B0402040204020203" pitchFamily="34" charset="0"/>
+              <a:cs typeface="Segoe UI Semilight" panose="020B0402040204020203" pitchFamily="34" charset="0"/>
+            </a:endParaRPr>
+          </a:p>
+        </p:txBody>
+      </p:sp>
+    </p:spTree>
+    <p:extLst>
+      <p:ext uri="{BB962C8B-B14F-4D97-AF65-F5344CB8AC3E}">
+        <p14:creationId xmlns:p14="http://schemas.microsoft.com/office/powerpoint/2010/main" val="3717261927"/>
+      </p:ext>
+    </p:extLst>
+  </p:cSld>
+  <p:clrMapOvr>
+    <a:masterClrMapping/>
+  </p:clrMapOvr>
+  <mc:AlternateContent xmlns:mc="http://schemas.openxmlformats.org/markup-compatibility/2006" xmlns:p14="http://schemas.microsoft.com/office/powerpoint/2010/main">
+    <mc:Choice Requires="p14">
+      <p:transition spd="med" p14:dur="700">
+        <p:fade/>
+      </p:transition>
+    </mc:Choice>
+    <mc:Fallback xmlns="">
+      <p:transition spd="med">
+        <p:fade/>
+      </p:transition>
+    </mc:Fallback>
+  </mc:AlternateContent>
+</p:sld>
+</file>
+
 <file path=ppt/slides/slide13.xml><?xml version="1.0" encoding="utf-8"?>
 <p:sld xmlns:a="http://schemas.openxmlformats.org/drawingml/2006/main" xmlns:r="http://schemas.openxmlformats.org/officeDocument/2006/relationships" xmlns:p="http://schemas.openxmlformats.org/presentationml/2006/main">
   <p:cSld>
@@ -20085,314 +19438,6 @@
                 <a:latin typeface="Segoe UI Light" panose="020B0502040204020203" pitchFamily="34" charset="0"/>
                 <a:cs typeface="Segoe UI Light" panose="020B0502040204020203" pitchFamily="34" charset="0"/>
               </a:rPr>
-              <a:t>Step 3: Present the solution</a:t>
-            </a:r>
-          </a:p>
-        </p:txBody>
-      </p:sp>
-      <p:sp>
-        <p:nvSpPr>
-          <p:cNvPr id="9" name="TextBox 8">
-            <a:extLst>
-              <a:ext uri="{FF2B5EF4-FFF2-40B4-BE49-F238E27FC236}">
-                <a16:creationId xmlns:a16="http://schemas.microsoft.com/office/drawing/2014/main" id="{0F86F9F9-39B5-4CE6-AF48-9ADAE40EA728}"/>
-              </a:ext>
-            </a:extLst>
-          </p:cNvPr>
-          <p:cNvSpPr txBox="1"/>
-          <p:nvPr/>
-        </p:nvSpPr>
-        <p:spPr>
-          <a:xfrm>
-            <a:off x="340285" y="1062166"/>
-            <a:ext cx="10229103" cy="5838521"/>
-          </a:xfrm>
-          <a:prstGeom prst="rect">
-            <a:avLst/>
-          </a:prstGeom>
-          <a:noFill/>
-        </p:spPr>
-        <p:txBody>
-          <a:bodyPr wrap="square" lIns="182880" tIns="146304" rIns="182880" bIns="146304" rtlCol="0">
-            <a:spAutoFit/>
-          </a:bodyPr>
-          <a:lstStyle/>
-          <a:p>
-            <a:pPr>
-              <a:lnSpc>
-                <a:spcPct val="90000"/>
-              </a:lnSpc>
-              <a:spcAft>
-                <a:spcPts val="600"/>
-              </a:spcAft>
-            </a:pPr>
-            <a:r>
-              <a:rPr lang="en-US" sz="3600" dirty="0">
-                <a:latin typeface="+mj-lt"/>
-              </a:rPr>
-              <a:t>Outcome</a:t>
-            </a:r>
-          </a:p>
-          <a:p>
-            <a:pPr>
-              <a:lnSpc>
-                <a:spcPct val="90000"/>
-              </a:lnSpc>
-              <a:spcAft>
-                <a:spcPts val="600"/>
-              </a:spcAft>
-            </a:pPr>
-            <a:r>
-              <a:rPr lang="en-US" sz="2400" dirty="0">
-                <a:latin typeface="Segoe UI Semilight" panose="020B0402040204020203" pitchFamily="34" charset="0"/>
-                <a:cs typeface="Segoe UI Semilight" panose="020B0402040204020203" pitchFamily="34" charset="0"/>
-              </a:rPr>
-              <a:t>Present a solution to the target customer in a 15-minute chalk-talk format .</a:t>
-            </a:r>
-            <a:endParaRPr lang="en-US" sz="3600" dirty="0">
-              <a:latin typeface="+mj-lt"/>
-            </a:endParaRPr>
-          </a:p>
-          <a:p>
-            <a:pPr>
-              <a:lnSpc>
-                <a:spcPct val="90000"/>
-              </a:lnSpc>
-              <a:spcAft>
-                <a:spcPts val="600"/>
-              </a:spcAft>
-            </a:pPr>
-            <a:endParaRPr lang="en-US" sz="2400" dirty="0">
-              <a:latin typeface="+mj-lt"/>
-            </a:endParaRPr>
-          </a:p>
-          <a:p>
-            <a:pPr>
-              <a:lnSpc>
-                <a:spcPct val="90000"/>
-              </a:lnSpc>
-              <a:spcAft>
-                <a:spcPts val="600"/>
-              </a:spcAft>
-            </a:pPr>
-            <a:r>
-              <a:rPr lang="en-US" sz="3600" dirty="0">
-                <a:latin typeface="+mj-lt"/>
-              </a:rPr>
-              <a:t>Timeframe</a:t>
-            </a:r>
-          </a:p>
-          <a:p>
-            <a:pPr>
-              <a:lnSpc>
-                <a:spcPct val="90000"/>
-              </a:lnSpc>
-              <a:spcAft>
-                <a:spcPts val="600"/>
-              </a:spcAft>
-            </a:pPr>
-            <a:r>
-              <a:rPr lang="en-US" sz="2400" dirty="0">
-                <a:latin typeface="Segoe UI Semilight" panose="020B0402040204020203" pitchFamily="34" charset="0"/>
-                <a:cs typeface="Segoe UI Semilight" panose="020B0402040204020203" pitchFamily="34" charset="0"/>
-              </a:rPr>
-              <a:t>30 minutes (15 minutes for each team to present and receive feedback) </a:t>
-            </a:r>
-          </a:p>
-          <a:p>
-            <a:pPr>
-              <a:lnSpc>
-                <a:spcPct val="90000"/>
-              </a:lnSpc>
-              <a:spcAft>
-                <a:spcPts val="600"/>
-              </a:spcAft>
-            </a:pPr>
-            <a:endParaRPr lang="en-US" sz="2400" dirty="0">
-              <a:latin typeface="+mj-lt"/>
-            </a:endParaRPr>
-          </a:p>
-          <a:p>
-            <a:pPr>
-              <a:lnSpc>
-                <a:spcPct val="90000"/>
-              </a:lnSpc>
-              <a:spcAft>
-                <a:spcPts val="600"/>
-              </a:spcAft>
-            </a:pPr>
-            <a:r>
-              <a:rPr lang="en-US" sz="3600" dirty="0">
-                <a:latin typeface="+mj-lt"/>
-              </a:rPr>
-              <a:t>Directions</a:t>
-            </a:r>
-          </a:p>
-          <a:p>
-            <a:pPr marL="342900" lvl="0" indent="-342900">
-              <a:buFont typeface="Arial" panose="020B0604020202020204" pitchFamily="34" charset="0"/>
-              <a:buChar char="•"/>
-            </a:pPr>
-            <a:r>
-              <a:rPr lang="en-US" sz="2000" dirty="0">
-                <a:latin typeface="Segoe UI Semilight" panose="020B0402040204020203" pitchFamily="34" charset="0"/>
-                <a:cs typeface="Segoe UI Semilight" panose="020B0402040204020203" pitchFamily="34" charset="0"/>
-              </a:rPr>
-              <a:t>Pair with another table.</a:t>
-            </a:r>
-          </a:p>
-          <a:p>
-            <a:pPr marL="342900" lvl="0" indent="-342900">
-              <a:buFont typeface="Arial" panose="020B0604020202020204" pitchFamily="34" charset="0"/>
-              <a:buChar char="•"/>
-            </a:pPr>
-            <a:r>
-              <a:rPr lang="en-US" sz="2000" dirty="0">
-                <a:latin typeface="Segoe UI Semilight" panose="020B0402040204020203" pitchFamily="34" charset="0"/>
-                <a:cs typeface="Segoe UI Semilight" panose="020B0402040204020203" pitchFamily="34" charset="0"/>
-              </a:rPr>
-              <a:t>One table is the Microsoft team and the other table is the customer.</a:t>
-            </a:r>
-          </a:p>
-          <a:p>
-            <a:pPr marL="342900" lvl="0" indent="-342900">
-              <a:buFont typeface="Arial" panose="020B0604020202020204" pitchFamily="34" charset="0"/>
-              <a:buChar char="•"/>
-            </a:pPr>
-            <a:r>
-              <a:rPr lang="en-US" sz="2000" dirty="0">
-                <a:latin typeface="Segoe UI Semilight" panose="020B0402040204020203" pitchFamily="34" charset="0"/>
-                <a:cs typeface="Segoe UI Semilight" panose="020B0402040204020203" pitchFamily="34" charset="0"/>
-              </a:rPr>
-              <a:t>The Microsoft team presents their proposed solution to the customer.</a:t>
-            </a:r>
-          </a:p>
-          <a:p>
-            <a:pPr marL="342900" lvl="0" indent="-342900">
-              <a:buFont typeface="Arial" panose="020B0604020202020204" pitchFamily="34" charset="0"/>
-              <a:buChar char="•"/>
-            </a:pPr>
-            <a:r>
-              <a:rPr lang="en-US" sz="2000" dirty="0">
-                <a:latin typeface="Segoe UI Semilight" panose="020B0402040204020203" pitchFamily="34" charset="0"/>
-                <a:cs typeface="Segoe UI Semilight" panose="020B0402040204020203" pitchFamily="34" charset="0"/>
-              </a:rPr>
-              <a:t>The customer asks one of the objections from the list of objections in the case study.</a:t>
-            </a:r>
-          </a:p>
-          <a:p>
-            <a:pPr marL="342900" lvl="0" indent="-342900">
-              <a:buFont typeface="Arial" panose="020B0604020202020204" pitchFamily="34" charset="0"/>
-              <a:buChar char="•"/>
-            </a:pPr>
-            <a:r>
-              <a:rPr lang="en-US" sz="2000" dirty="0">
-                <a:latin typeface="Segoe UI Semilight" panose="020B0402040204020203" pitchFamily="34" charset="0"/>
-                <a:cs typeface="Segoe UI Semilight" panose="020B0402040204020203" pitchFamily="34" charset="0"/>
-              </a:rPr>
-              <a:t>The Microsoft team responds to the objection.</a:t>
-            </a:r>
-          </a:p>
-          <a:p>
-            <a:pPr marL="342900" lvl="0" indent="-342900">
-              <a:buFont typeface="Arial" panose="020B0604020202020204" pitchFamily="34" charset="0"/>
-              <a:buChar char="•"/>
-            </a:pPr>
-            <a:r>
-              <a:rPr lang="en-US" sz="2000" dirty="0">
-                <a:latin typeface="Segoe UI Semilight" panose="020B0402040204020203" pitchFamily="34" charset="0"/>
-                <a:cs typeface="Segoe UI Semilight" panose="020B0402040204020203" pitchFamily="34" charset="0"/>
-              </a:rPr>
-              <a:t>The customer team gives feedback to the Microsoft team.</a:t>
-            </a:r>
-            <a:endParaRPr lang="en-US" sz="2000" strike="sngStrike" dirty="0">
-              <a:latin typeface="Segoe UI Semilight" panose="020B0402040204020203" pitchFamily="34" charset="0"/>
-              <a:cs typeface="Segoe UI Semilight" panose="020B0402040204020203" pitchFamily="34" charset="0"/>
-            </a:endParaRPr>
-          </a:p>
-          <a:p>
-            <a:pPr>
-              <a:lnSpc>
-                <a:spcPct val="90000"/>
-              </a:lnSpc>
-              <a:spcAft>
-                <a:spcPts val="600"/>
-              </a:spcAft>
-            </a:pPr>
-            <a:endParaRPr lang="en-US" sz="2400" dirty="0">
-              <a:latin typeface="Segoe UI Semilight" panose="020B0402040204020203" pitchFamily="34" charset="0"/>
-              <a:cs typeface="Segoe UI Semilight" panose="020B0402040204020203" pitchFamily="34" charset="0"/>
-            </a:endParaRPr>
-          </a:p>
-        </p:txBody>
-      </p:sp>
-    </p:spTree>
-    <p:extLst>
-      <p:ext uri="{BB962C8B-B14F-4D97-AF65-F5344CB8AC3E}">
-        <p14:creationId xmlns:p14="http://schemas.microsoft.com/office/powerpoint/2010/main" val="3717261927"/>
-      </p:ext>
-    </p:extLst>
-  </p:cSld>
-  <p:clrMapOvr>
-    <a:masterClrMapping/>
-  </p:clrMapOvr>
-  <mc:AlternateContent xmlns:mc="http://schemas.openxmlformats.org/markup-compatibility/2006" xmlns:p14="http://schemas.microsoft.com/office/powerpoint/2010/main">
-    <mc:Choice Requires="p14">
-      <p:transition spd="med" p14:dur="700">
-        <p:fade/>
-      </p:transition>
-    </mc:Choice>
-    <mc:Fallback xmlns="">
-      <p:transition spd="med">
-        <p:fade/>
-      </p:transition>
-    </mc:Fallback>
-  </mc:AlternateContent>
-</p:sld>
-</file>
-
-<file path=ppt/slides/slide14.xml><?xml version="1.0" encoding="utf-8"?>
-<p:sld xmlns:a="http://schemas.openxmlformats.org/drawingml/2006/main" xmlns:r="http://schemas.openxmlformats.org/officeDocument/2006/relationships" xmlns:p="http://schemas.openxmlformats.org/presentationml/2006/main">
-  <p:cSld>
-    <p:spTree>
-      <p:nvGrpSpPr>
-        <p:cNvPr id="1" name=""/>
-        <p:cNvGrpSpPr/>
-        <p:nvPr/>
-      </p:nvGrpSpPr>
-      <p:grpSpPr>
-        <a:xfrm>
-          <a:off x="0" y="0"/>
-          <a:ext cx="0" cy="0"/>
-          <a:chOff x="0" y="0"/>
-          <a:chExt cx="0" cy="0"/>
-        </a:xfrm>
-      </p:grpSpPr>
-      <p:sp>
-        <p:nvSpPr>
-          <p:cNvPr id="2" name="Title 1"/>
-          <p:cNvSpPr>
-            <a:spLocks noGrp="1"/>
-          </p:cNvSpPr>
-          <p:nvPr>
-            <p:ph type="title"/>
-          </p:nvPr>
-        </p:nvSpPr>
-        <p:spPr/>
-        <p:txBody>
-          <a:bodyPr>
-            <a:normAutofit/>
-          </a:bodyPr>
-          <a:lstStyle/>
-          <a:p>
-            <a:r>
-              <a:rPr lang="en-US" sz="4400" dirty="0">
-                <a:solidFill>
-                  <a:schemeClr val="tx1"/>
-                </a:solidFill>
-                <a:latin typeface="Segoe UI Light" panose="020B0502040204020203" pitchFamily="34" charset="0"/>
-                <a:cs typeface="Segoe UI Light" panose="020B0502040204020203" pitchFamily="34" charset="0"/>
-              </a:rPr>
               <a:t>Wrap-up</a:t>
             </a:r>
           </a:p>
@@ -20546,7 +19591,7 @@
 </p:sld>
 </file>
 
-<file path=ppt/slides/slide15.xml><?xml version="1.0" encoding="utf-8"?>
+<file path=ppt/slides/slide14.xml><?xml version="1.0" encoding="utf-8"?>
 <p:sld xmlns:a="http://schemas.openxmlformats.org/drawingml/2006/main" xmlns:r="http://schemas.openxmlformats.org/officeDocument/2006/relationships" xmlns:p="http://schemas.openxmlformats.org/presentationml/2006/main">
   <p:cSld>
     <p:bg>
@@ -20716,6 +19761,127 @@
 </p:sld>
 </file>
 
+<file path=ppt/slides/slide15.xml><?xml version="1.0" encoding="utf-8"?>
+<p:sld xmlns:a="http://schemas.openxmlformats.org/drawingml/2006/main" xmlns:r="http://schemas.openxmlformats.org/officeDocument/2006/relationships" xmlns:p="http://schemas.openxmlformats.org/presentationml/2006/main">
+  <p:cSld>
+    <p:spTree>
+      <p:nvGrpSpPr>
+        <p:cNvPr id="1" name=""/>
+        <p:cNvGrpSpPr/>
+        <p:nvPr/>
+      </p:nvGrpSpPr>
+      <p:grpSpPr>
+        <a:xfrm>
+          <a:off x="0" y="0"/>
+          <a:ext cx="0" cy="0"/>
+          <a:chOff x="0" y="0"/>
+          <a:chExt cx="0" cy="0"/>
+        </a:xfrm>
+      </p:grpSpPr>
+      <p:sp>
+        <p:nvSpPr>
+          <p:cNvPr id="2" name="Title 1"/>
+          <p:cNvSpPr>
+            <a:spLocks noGrp="1"/>
+          </p:cNvSpPr>
+          <p:nvPr>
+            <p:ph type="title"/>
+          </p:nvPr>
+        </p:nvSpPr>
+        <p:spPr/>
+        <p:txBody>
+          <a:bodyPr>
+            <a:normAutofit fontScale="90000"/>
+          </a:bodyPr>
+          <a:lstStyle/>
+          <a:p>
+            <a:r>
+              <a:rPr lang="en-US" sz="4900" dirty="0">
+                <a:solidFill>
+                  <a:schemeClr val="tx1"/>
+                </a:solidFill>
+                <a:cs typeface="Segoe UI" panose="020B0502040204020203" pitchFamily="34" charset="0"/>
+              </a:rPr>
+              <a:t>Preferred solution</a:t>
+            </a:r>
+            <a:br>
+              <a:rPr lang="en-US" dirty="0">
+                <a:solidFill>
+                  <a:schemeClr val="tx1"/>
+                </a:solidFill>
+                <a:latin typeface="Segoe UI" panose="020B0502040204020203" pitchFamily="34" charset="0"/>
+              </a:rPr>
+            </a:br>
+            <a:endParaRPr lang="en-US" sz="3236" dirty="0">
+              <a:solidFill>
+                <a:schemeClr val="tx1"/>
+              </a:solidFill>
+              <a:latin typeface="Segoe UI" panose="020B0502040204020203" pitchFamily="34" charset="0"/>
+            </a:endParaRPr>
+          </a:p>
+        </p:txBody>
+      </p:sp>
+      <p:pic>
+        <p:nvPicPr>
+          <p:cNvPr id="4" name="Picture 3">
+            <a:extLst>
+              <a:ext uri="{FF2B5EF4-FFF2-40B4-BE49-F238E27FC236}">
+                <a16:creationId xmlns:a16="http://schemas.microsoft.com/office/drawing/2014/main" id="{A7B75867-9233-479E-A148-03AF8271D7A4}"/>
+              </a:ext>
+            </a:extLst>
+          </p:cNvPr>
+          <p:cNvPicPr>
+            <a:picLocks noChangeAspect="1"/>
+          </p:cNvPicPr>
+          <p:nvPr/>
+        </p:nvPicPr>
+        <p:blipFill>
+          <a:blip r:embed="rId3">
+            <a:extLst>
+              <a:ext uri="{28A0092B-C50C-407E-A947-70E740481C1C}">
+                <a14:useLocalDpi xmlns:a14="http://schemas.microsoft.com/office/drawing/2010/main" val="0"/>
+              </a:ext>
+            </a:extLst>
+          </a:blip>
+          <a:stretch>
+            <a:fillRect/>
+          </a:stretch>
+        </p:blipFill>
+        <p:spPr>
+          <a:xfrm>
+            <a:off x="1960419" y="1026419"/>
+            <a:ext cx="8271161" cy="5599220"/>
+          </a:xfrm>
+          <a:prstGeom prst="rect">
+            <a:avLst/>
+          </a:prstGeom>
+        </p:spPr>
+      </p:pic>
+    </p:spTree>
+    <p:extLst>
+      <p:ext uri="{BB962C8B-B14F-4D97-AF65-F5344CB8AC3E}">
+        <p14:creationId xmlns:p14="http://schemas.microsoft.com/office/powerpoint/2010/main" val="2547985055"/>
+      </p:ext>
+    </p:extLst>
+  </p:cSld>
+  <p:clrMapOvr>
+    <a:masterClrMapping/>
+  </p:clrMapOvr>
+  <mc:AlternateContent xmlns:mc="http://schemas.openxmlformats.org/markup-compatibility/2006" xmlns:p14="http://schemas.microsoft.com/office/powerpoint/2010/main">
+    <mc:Choice Requires="p14">
+      <p:transition spd="med" p14:dur="700">
+        <p:fade/>
+      </p:transition>
+    </mc:Choice>
+    <mc:Fallback xmlns="">
+      <p:transition spd="med">
+        <p:fade/>
+      </p:transition>
+    </mc:Fallback>
+  </mc:AlternateContent>
+</p:sld>
+</file>
+
 <file path=ppt/slides/slide16.xml><?xml version="1.0" encoding="utf-8"?>
 <p:sld xmlns:a="http://schemas.openxmlformats.org/drawingml/2006/main" xmlns:r="http://schemas.openxmlformats.org/officeDocument/2006/relationships" xmlns:p="http://schemas.openxmlformats.org/presentationml/2006/main">
   <p:cSld>
@@ -20778,10 +19944,10 @@
       </p:sp>
       <p:pic>
         <p:nvPicPr>
-          <p:cNvPr id="5" name="Picture 4" descr="Diagram of the preferred solution (just one of many viable options). From a high-level, Contoso Events applications will consume back-end APIs managed through API Management, authenticating users with tokens issued by Azure AD B2C. API requests will go through Azure Load Balancer, and distribute across Service Fabric nodes. Business functionality will be implemented through stateful services and actors, and Azure Functions will handle processing the queues and updating Cosmos DB." title="Preferred solution diagram">
+          <p:cNvPr id="5" name="Picture 4">
             <a:extLst>
               <a:ext uri="{FF2B5EF4-FFF2-40B4-BE49-F238E27FC236}">
-                <a16:creationId xmlns:a16="http://schemas.microsoft.com/office/drawing/2014/main" id="{3E55D8EC-FD59-4603-B272-DA9BD4BA5FC3}"/>
+                <a16:creationId xmlns:a16="http://schemas.microsoft.com/office/drawing/2014/main" id="{26B2C83E-A90C-402B-B836-4E218D1B748E}"/>
               </a:ext>
             </a:extLst>
           </p:cNvPr>
@@ -20792,6 +19958,13 @@
         </p:nvPicPr>
         <p:blipFill>
           <a:blip r:embed="rId3">
+            <a:duotone>
+              <a:schemeClr val="bg2">
+                <a:shade val="45000"/>
+                <a:satMod val="135000"/>
+              </a:schemeClr>
+              <a:prstClr val="white"/>
+            </a:duotone>
             <a:extLst>
               <a:ext uri="{28A0092B-C50C-407E-A947-70E740481C1C}">
                 <a14:useLocalDpi xmlns:a14="http://schemas.microsoft.com/office/drawing/2010/main" val="0"/>
@@ -20804,8 +19977,8 @@
         </p:blipFill>
         <p:spPr>
           <a:xfrm>
-            <a:off x="927030" y="1023582"/>
-            <a:ext cx="10337940" cy="5635126"/>
+            <a:off x="1385089" y="1107928"/>
+            <a:ext cx="9421822" cy="5166628"/>
           </a:xfrm>
           <a:prstGeom prst="rect">
             <a:avLst/>
@@ -20815,7 +19988,7 @@
     </p:spTree>
     <p:extLst>
       <p:ext uri="{BB962C8B-B14F-4D97-AF65-F5344CB8AC3E}">
-        <p14:creationId xmlns:p14="http://schemas.microsoft.com/office/powerpoint/2010/main" val="2547985055"/>
+        <p14:creationId xmlns:p14="http://schemas.microsoft.com/office/powerpoint/2010/main" val="2711421665"/>
       </p:ext>
     </p:extLst>
   </p:cSld>
@@ -20864,279 +20037,6 @@
             <p:ph type="title"/>
           </p:nvPr>
         </p:nvSpPr>
-        <p:spPr/>
-        <p:txBody>
-          <a:bodyPr>
-            <a:normAutofit fontScale="90000"/>
-          </a:bodyPr>
-          <a:lstStyle/>
-          <a:p>
-            <a:r>
-              <a:rPr lang="en-US" sz="4900" dirty="0">
-                <a:solidFill>
-                  <a:schemeClr val="tx1"/>
-                </a:solidFill>
-                <a:cs typeface="Segoe UI" panose="020B0502040204020203" pitchFamily="34" charset="0"/>
-              </a:rPr>
-              <a:t>Preferred solution</a:t>
-            </a:r>
-            <a:br>
-              <a:rPr lang="en-US" dirty="0">
-                <a:solidFill>
-                  <a:schemeClr val="tx1"/>
-                </a:solidFill>
-                <a:latin typeface="Segoe UI" panose="020B0502040204020203" pitchFamily="34" charset="0"/>
-              </a:rPr>
-            </a:br>
-            <a:endParaRPr lang="en-US" sz="3236" dirty="0">
-              <a:solidFill>
-                <a:schemeClr val="tx1"/>
-              </a:solidFill>
-              <a:latin typeface="Segoe UI" panose="020B0502040204020203" pitchFamily="34" charset="0"/>
-            </a:endParaRPr>
-          </a:p>
-        </p:txBody>
-      </p:sp>
-      <p:pic>
-        <p:nvPicPr>
-          <p:cNvPr id="3" name="Picture 2" descr="This diagram depicts the core services that make up the microservices architecture. ">
-            <a:extLst>
-              <a:ext uri="{FF2B5EF4-FFF2-40B4-BE49-F238E27FC236}">
-                <a16:creationId xmlns:a16="http://schemas.microsoft.com/office/drawing/2014/main" id="{EBDB3C84-359B-4ABA-A59C-790FAC2D88F9}"/>
-              </a:ext>
-            </a:extLst>
-          </p:cNvPr>
-          <p:cNvPicPr>
-            <a:picLocks noChangeAspect="1"/>
-          </p:cNvPicPr>
-          <p:nvPr/>
-        </p:nvPicPr>
-        <p:blipFill>
-          <a:blip r:embed="rId3"/>
-          <a:stretch>
-            <a:fillRect/>
-          </a:stretch>
-        </p:blipFill>
-        <p:spPr>
-          <a:xfrm>
-            <a:off x="1804737" y="1189176"/>
-            <a:ext cx="8938804" cy="5607923"/>
-          </a:xfrm>
-          <a:prstGeom prst="rect">
-            <a:avLst/>
-          </a:prstGeom>
-        </p:spPr>
-      </p:pic>
-    </p:spTree>
-    <p:extLst>
-      <p:ext uri="{BB962C8B-B14F-4D97-AF65-F5344CB8AC3E}">
-        <p14:creationId xmlns:p14="http://schemas.microsoft.com/office/powerpoint/2010/main" val="2711421665"/>
-      </p:ext>
-    </p:extLst>
-  </p:cSld>
-  <p:clrMapOvr>
-    <a:masterClrMapping/>
-  </p:clrMapOvr>
-  <mc:AlternateContent xmlns:mc="http://schemas.openxmlformats.org/markup-compatibility/2006" xmlns:p14="http://schemas.microsoft.com/office/powerpoint/2010/main">
-    <mc:Choice Requires="p14">
-      <p:transition spd="med" p14:dur="700">
-        <p:fade/>
-      </p:transition>
-    </mc:Choice>
-    <mc:Fallback xmlns="">
-      <p:transition spd="med">
-        <p:fade/>
-      </p:transition>
-    </mc:Fallback>
-  </mc:AlternateContent>
-</p:sld>
-</file>
-
-<file path=ppt/slides/slide18.xml><?xml version="1.0" encoding="utf-8"?>
-<p:sld xmlns:a="http://schemas.openxmlformats.org/drawingml/2006/main" xmlns:r="http://schemas.openxmlformats.org/officeDocument/2006/relationships" xmlns:p="http://schemas.openxmlformats.org/presentationml/2006/main">
-  <p:cSld>
-    <p:spTree>
-      <p:nvGrpSpPr>
-        <p:cNvPr id="1" name=""/>
-        <p:cNvGrpSpPr/>
-        <p:nvPr/>
-      </p:nvGrpSpPr>
-      <p:grpSpPr>
-        <a:xfrm>
-          <a:off x="0" y="0"/>
-          <a:ext cx="0" cy="0"/>
-          <a:chOff x="0" y="0"/>
-          <a:chExt cx="0" cy="0"/>
-        </a:xfrm>
-      </p:grpSpPr>
-      <p:sp>
-        <p:nvSpPr>
-          <p:cNvPr id="2" name="Title 1"/>
-          <p:cNvSpPr>
-            <a:spLocks noGrp="1"/>
-          </p:cNvSpPr>
-          <p:nvPr>
-            <p:ph type="title"/>
-          </p:nvPr>
-        </p:nvSpPr>
-        <p:spPr/>
-        <p:txBody>
-          <a:bodyPr>
-            <a:normAutofit fontScale="90000"/>
-          </a:bodyPr>
-          <a:lstStyle/>
-          <a:p>
-            <a:r>
-              <a:rPr lang="en-US" sz="4900" dirty="0">
-                <a:solidFill>
-                  <a:schemeClr val="tx1"/>
-                </a:solidFill>
-                <a:cs typeface="Segoe UI" panose="020B0502040204020203" pitchFamily="34" charset="0"/>
-              </a:rPr>
-              <a:t>Preferred solution</a:t>
-            </a:r>
-            <a:br>
-              <a:rPr lang="en-US" dirty="0">
-                <a:solidFill>
-                  <a:schemeClr val="tx1"/>
-                </a:solidFill>
-                <a:latin typeface="Segoe UI" panose="020B0502040204020203" pitchFamily="34" charset="0"/>
-              </a:rPr>
-            </a:br>
-            <a:endParaRPr lang="en-US" sz="3236" dirty="0">
-              <a:solidFill>
-                <a:schemeClr val="tx1"/>
-              </a:solidFill>
-              <a:latin typeface="Segoe UI" panose="020B0502040204020203" pitchFamily="34" charset="0"/>
-            </a:endParaRPr>
-          </a:p>
-        </p:txBody>
-      </p:sp>
-      <p:sp>
-        <p:nvSpPr>
-          <p:cNvPr id="3" name="Content Placeholder 2"/>
-          <p:cNvSpPr>
-            <a:spLocks noGrp="1"/>
-          </p:cNvSpPr>
-          <p:nvPr>
-            <p:ph type="body" sz="quarter" idx="10"/>
-          </p:nvPr>
-        </p:nvSpPr>
-        <p:spPr>
-          <a:xfrm>
-            <a:off x="269241" y="1189177"/>
-            <a:ext cx="7058316" cy="945832"/>
-          </a:xfrm>
-        </p:spPr>
-        <p:txBody>
-          <a:bodyPr>
-            <a:noAutofit/>
-          </a:bodyPr>
-          <a:lstStyle/>
-          <a:p>
-            <a:pPr marL="0" indent="0">
-              <a:buNone/>
-            </a:pPr>
-            <a:r>
-              <a:rPr lang="en-US" sz="3600" dirty="0">
-                <a:solidFill>
-                  <a:schemeClr val="tx1"/>
-                </a:solidFill>
-                <a:latin typeface="+mj-lt"/>
-              </a:rPr>
-              <a:t>Scalability of ticket orders</a:t>
-            </a:r>
-          </a:p>
-        </p:txBody>
-      </p:sp>
-      <p:pic>
-        <p:nvPicPr>
-          <p:cNvPr id="22" name="Picture 21" descr="Scalability of Ticket Orders diagram&#10;&#10;This Scalability of Ticket Orders diagram illustrates in more detail the Service Fabric services and components participating in a ticket ordering request. The  diagram is discussed in slightly more detail in the text following this diagram. ">
-            <a:extLst>
-              <a:ext uri="{FF2B5EF4-FFF2-40B4-BE49-F238E27FC236}">
-                <a16:creationId xmlns:a16="http://schemas.microsoft.com/office/drawing/2014/main" id="{AF4A945C-52B1-4341-96AB-CB1CC61FF713}"/>
-              </a:ext>
-            </a:extLst>
-          </p:cNvPr>
-          <p:cNvPicPr>
-            <a:picLocks noChangeAspect="1"/>
-          </p:cNvPicPr>
-          <p:nvPr/>
-        </p:nvPicPr>
-        <p:blipFill>
-          <a:blip r:embed="rId3">
-            <a:extLst>
-              <a:ext uri="{28A0092B-C50C-407E-A947-70E740481C1C}">
-                <a14:useLocalDpi xmlns:a14="http://schemas.microsoft.com/office/drawing/2010/main" val="0"/>
-              </a:ext>
-            </a:extLst>
-          </a:blip>
-          <a:stretch>
-            <a:fillRect/>
-          </a:stretch>
-        </p:blipFill>
-        <p:spPr>
-          <a:xfrm>
-            <a:off x="1676711" y="1763798"/>
-            <a:ext cx="8838577" cy="4961755"/>
-          </a:xfrm>
-          <a:prstGeom prst="rect">
-            <a:avLst/>
-          </a:prstGeom>
-        </p:spPr>
-      </p:pic>
-    </p:spTree>
-    <p:extLst>
-      <p:ext uri="{BB962C8B-B14F-4D97-AF65-F5344CB8AC3E}">
-        <p14:creationId xmlns:p14="http://schemas.microsoft.com/office/powerpoint/2010/main" val="2371438961"/>
-      </p:ext>
-    </p:extLst>
-  </p:cSld>
-  <p:clrMapOvr>
-    <a:masterClrMapping/>
-  </p:clrMapOvr>
-  <mc:AlternateContent xmlns:mc="http://schemas.openxmlformats.org/markup-compatibility/2006" xmlns:p14="http://schemas.microsoft.com/office/powerpoint/2010/main">
-    <mc:Choice Requires="p14">
-      <p:transition spd="med" p14:dur="700">
-        <p:fade/>
-      </p:transition>
-    </mc:Choice>
-    <mc:Fallback xmlns="">
-      <p:transition spd="med">
-        <p:fade/>
-      </p:transition>
-    </mc:Fallback>
-  </mc:AlternateContent>
-</p:sld>
-</file>
-
-<file path=ppt/slides/slide19.xml><?xml version="1.0" encoding="utf-8"?>
-<p:sld xmlns:a="http://schemas.openxmlformats.org/drawingml/2006/main" xmlns:r="http://schemas.openxmlformats.org/officeDocument/2006/relationships" xmlns:p="http://schemas.openxmlformats.org/presentationml/2006/main">
-  <p:cSld>
-    <p:spTree>
-      <p:nvGrpSpPr>
-        <p:cNvPr id="1" name=""/>
-        <p:cNvGrpSpPr/>
-        <p:nvPr/>
-      </p:nvGrpSpPr>
-      <p:grpSpPr>
-        <a:xfrm>
-          <a:off x="0" y="0"/>
-          <a:ext cx="0" cy="0"/>
-          <a:chOff x="0" y="0"/>
-          <a:chExt cx="0" cy="0"/>
-        </a:xfrm>
-      </p:grpSpPr>
-      <p:sp>
-        <p:nvSpPr>
-          <p:cNvPr id="2" name="Title 1"/>
-          <p:cNvSpPr>
-            <a:spLocks noGrp="1"/>
-          </p:cNvSpPr>
-          <p:nvPr>
-            <p:ph type="title"/>
-          </p:nvPr>
-        </p:nvSpPr>
         <p:spPr>
           <a:xfrm>
             <a:off x="269240" y="289511"/>
@@ -21232,17 +20132,7 @@
                   <a:schemeClr val="tx1"/>
                 </a:solidFill>
               </a:rPr>
-              <a:t>Ticker Order API offloads requests to Ticket Order Queue using Service Fabric</a:t>
-            </a:r>
-          </a:p>
-          <a:p>
-            <a:r>
-              <a:rPr lang="en-US" sz="3600" dirty="0">
-                <a:solidFill>
-                  <a:schemeClr val="tx1"/>
-                </a:solidFill>
-              </a:rPr>
-              <a:t>Ticket Order Actor handles processing</a:t>
+              <a:t>Orders microservice offloads requests to Ticket Order Queue using Service Fabric</a:t>
             </a:r>
           </a:p>
           <a:p>
@@ -21424,131 +20314,7 @@
 </p:sld>
 </file>
 
-<file path=ppt/slides/slide2.xml><?xml version="1.0" encoding="utf-8"?>
-<p:sld xmlns:a="http://schemas.openxmlformats.org/drawingml/2006/main" xmlns:r="http://schemas.openxmlformats.org/officeDocument/2006/relationships" xmlns:p="http://schemas.openxmlformats.org/presentationml/2006/main">
-  <p:cSld>
-    <p:bg>
-      <p:bgPr>
-        <a:solidFill>
-          <a:schemeClr val="bg2"/>
-        </a:solidFill>
-        <a:effectLst/>
-      </p:bgPr>
-    </p:bg>
-    <p:spTree>
-      <p:nvGrpSpPr>
-        <p:cNvPr id="1" name=""/>
-        <p:cNvGrpSpPr/>
-        <p:nvPr/>
-      </p:nvGrpSpPr>
-      <p:grpSpPr>
-        <a:xfrm>
-          <a:off x="0" y="0"/>
-          <a:ext cx="0" cy="0"/>
-          <a:chOff x="0" y="0"/>
-          <a:chExt cx="0" cy="0"/>
-        </a:xfrm>
-      </p:grpSpPr>
-      <p:sp>
-        <p:nvSpPr>
-          <p:cNvPr id="2" name="Title 1"/>
-          <p:cNvSpPr>
-            <a:spLocks noGrp="1"/>
-          </p:cNvSpPr>
-          <p:nvPr>
-            <p:ph type="title"/>
-          </p:nvPr>
-        </p:nvSpPr>
-        <p:spPr/>
-        <p:txBody>
-          <a:bodyPr>
-            <a:normAutofit/>
-          </a:bodyPr>
-          <a:lstStyle/>
-          <a:p>
-            <a:r>
-              <a:rPr lang="en-US" sz="4400" dirty="0">
-                <a:solidFill>
-                  <a:schemeClr val="tx1"/>
-                </a:solidFill>
-                <a:latin typeface="Segoe UI Light" panose="020B0502040204020203" pitchFamily="34" charset="0"/>
-                <a:cs typeface="Segoe UI Light" panose="020B0502040204020203" pitchFamily="34" charset="0"/>
-              </a:rPr>
-              <a:t>Abstract and learning objectives</a:t>
-            </a:r>
-          </a:p>
-        </p:txBody>
-      </p:sp>
-      <p:sp>
-        <p:nvSpPr>
-          <p:cNvPr id="9" name="TextBox 8">
-            <a:extLst>
-              <a:ext uri="{FF2B5EF4-FFF2-40B4-BE49-F238E27FC236}">
-                <a16:creationId xmlns:a16="http://schemas.microsoft.com/office/drawing/2014/main" id="{0F86F9F9-39B5-4CE6-AF48-9ADAE40EA728}"/>
-              </a:ext>
-            </a:extLst>
-          </p:cNvPr>
-          <p:cNvSpPr txBox="1"/>
-          <p:nvPr/>
-        </p:nvSpPr>
-        <p:spPr>
-          <a:xfrm>
-            <a:off x="340285" y="1267520"/>
-            <a:ext cx="11584795" cy="4296561"/>
-          </a:xfrm>
-          <a:prstGeom prst="rect">
-            <a:avLst/>
-          </a:prstGeom>
-          <a:noFill/>
-        </p:spPr>
-        <p:txBody>
-          <a:bodyPr wrap="square" lIns="182880" tIns="146304" rIns="182880" bIns="146304" rtlCol="0">
-            <a:spAutoFit/>
-          </a:bodyPr>
-          <a:lstStyle/>
-          <a:p>
-            <a:r>
-              <a:rPr lang="en-US" sz="2600" dirty="0"/>
-              <a:t>In this whiteboard design session, you will work in a group to design a solution that leverages aspects from microservices and serverless architectures to help an online concert ticket vendor survive the first five minutes of crushing load. You will handle the client's scaling needs through microservices built on top of Service Fabric and apply smooth updates or roll back failing updates. Finally, your group will design an implementation of load testing to optimize the architecture for handling spikes in traffic.</a:t>
-            </a:r>
-          </a:p>
-          <a:p>
-            <a:endParaRPr lang="en-US" sz="2600" dirty="0"/>
-          </a:p>
-          <a:p>
-            <a:r>
-              <a:rPr lang="en-US" sz="2600" dirty="0"/>
-              <a:t>At the end of this whiteboard design session, you will better be able to design scalable microservices solutions involving Service Fabric and Azure Functions.</a:t>
-            </a:r>
-          </a:p>
-        </p:txBody>
-      </p:sp>
-    </p:spTree>
-    <p:extLst>
-      <p:ext uri="{BB962C8B-B14F-4D97-AF65-F5344CB8AC3E}">
-        <p14:creationId xmlns:p14="http://schemas.microsoft.com/office/powerpoint/2010/main" val="772880493"/>
-      </p:ext>
-    </p:extLst>
-  </p:cSld>
-  <p:clrMapOvr>
-    <a:masterClrMapping/>
-  </p:clrMapOvr>
-  <mc:AlternateContent xmlns:mc="http://schemas.openxmlformats.org/markup-compatibility/2006" xmlns:p14="http://schemas.microsoft.com/office/powerpoint/2010/main">
-    <mc:Choice Requires="p14">
-      <p:transition spd="med" p14:dur="700">
-        <p:fade/>
-      </p:transition>
-    </mc:Choice>
-    <mc:Fallback xmlns="">
-      <p:transition spd="med">
-        <p:fade/>
-      </p:transition>
-    </mc:Fallback>
-  </mc:AlternateContent>
-</p:sld>
-</file>
-
-<file path=ppt/slides/slide20.xml><?xml version="1.0" encoding="utf-8"?>
+<file path=ppt/slides/slide18.xml><?xml version="1.0" encoding="utf-8"?>
 <p:sld xmlns:a="http://schemas.openxmlformats.org/drawingml/2006/main" xmlns:r="http://schemas.openxmlformats.org/officeDocument/2006/relationships" xmlns:p="http://schemas.openxmlformats.org/presentationml/2006/main">
   <p:cSld>
     <p:spTree>
@@ -21670,15 +20436,9 @@
                 <a:solidFill>
                   <a:schemeClr val="tx1"/>
                 </a:solidFill>
-                <a:latin typeface="+mj-lt"/>
               </a:rPr>
-              <a:t>Upgrade application to preserve state</a:t>
-            </a:r>
-            <a:endParaRPr lang="en-US" sz="3600" dirty="0">
-              <a:solidFill>
-                <a:schemeClr val="tx1"/>
-              </a:solidFill>
-            </a:endParaRPr>
+              <a:t>Service Fabric inherently provides HA</a:t>
+            </a:r>
           </a:p>
           <a:p>
             <a:r>
@@ -21687,23 +20447,7 @@
                   <a:schemeClr val="tx1"/>
                 </a:solidFill>
               </a:rPr>
-              <a:t>Service Fabric performance counters drive auto-scaling</a:t>
-            </a:r>
-            <a:endParaRPr lang="en-US" sz="3600" dirty="0">
-              <a:solidFill>
-                <a:schemeClr val="tx1"/>
-              </a:solidFill>
-              <a:latin typeface="+mj-lt"/>
-            </a:endParaRPr>
-          </a:p>
-          <a:p>
-            <a:r>
-              <a:rPr lang="en-US" sz="3600" dirty="0">
-                <a:solidFill>
-                  <a:schemeClr val="tx1"/>
-                </a:solidFill>
-              </a:rPr>
-              <a:t>Service Fabric inherently provides HA</a:t>
+              <a:t>Upgrade application to preserve state</a:t>
             </a:r>
           </a:p>
         </p:txBody>
@@ -21996,7 +20740,7 @@
 </p:sld>
 </file>
 
-<file path=ppt/slides/slide21.xml><?xml version="1.0" encoding="utf-8"?>
+<file path=ppt/slides/slide19.xml><?xml version="1.0" encoding="utf-8"?>
 <p:sld xmlns:a="http://schemas.openxmlformats.org/drawingml/2006/main" xmlns:r="http://schemas.openxmlformats.org/officeDocument/2006/relationships" xmlns:p="http://schemas.openxmlformats.org/presentationml/2006/main">
   <p:cSld>
     <p:spTree>
@@ -22429,7 +21173,131 @@
 </p:sld>
 </file>
 
-<file path=ppt/slides/slide22.xml><?xml version="1.0" encoding="utf-8"?>
+<file path=ppt/slides/slide2.xml><?xml version="1.0" encoding="utf-8"?>
+<p:sld xmlns:a="http://schemas.openxmlformats.org/drawingml/2006/main" xmlns:r="http://schemas.openxmlformats.org/officeDocument/2006/relationships" xmlns:p="http://schemas.openxmlformats.org/presentationml/2006/main">
+  <p:cSld>
+    <p:bg>
+      <p:bgPr>
+        <a:solidFill>
+          <a:schemeClr val="bg2"/>
+        </a:solidFill>
+        <a:effectLst/>
+      </p:bgPr>
+    </p:bg>
+    <p:spTree>
+      <p:nvGrpSpPr>
+        <p:cNvPr id="1" name=""/>
+        <p:cNvGrpSpPr/>
+        <p:nvPr/>
+      </p:nvGrpSpPr>
+      <p:grpSpPr>
+        <a:xfrm>
+          <a:off x="0" y="0"/>
+          <a:ext cx="0" cy="0"/>
+          <a:chOff x="0" y="0"/>
+          <a:chExt cx="0" cy="0"/>
+        </a:xfrm>
+      </p:grpSpPr>
+      <p:sp>
+        <p:nvSpPr>
+          <p:cNvPr id="2" name="Title 1"/>
+          <p:cNvSpPr>
+            <a:spLocks noGrp="1"/>
+          </p:cNvSpPr>
+          <p:nvPr>
+            <p:ph type="title"/>
+          </p:nvPr>
+        </p:nvSpPr>
+        <p:spPr/>
+        <p:txBody>
+          <a:bodyPr>
+            <a:normAutofit/>
+          </a:bodyPr>
+          <a:lstStyle/>
+          <a:p>
+            <a:r>
+              <a:rPr lang="en-US" sz="4400" dirty="0">
+                <a:solidFill>
+                  <a:schemeClr val="tx1"/>
+                </a:solidFill>
+                <a:latin typeface="Segoe UI Light" panose="020B0502040204020203" pitchFamily="34" charset="0"/>
+                <a:cs typeface="Segoe UI Light" panose="020B0502040204020203" pitchFamily="34" charset="0"/>
+              </a:rPr>
+              <a:t>Abstract and learning objectives</a:t>
+            </a:r>
+          </a:p>
+        </p:txBody>
+      </p:sp>
+      <p:sp>
+        <p:nvSpPr>
+          <p:cNvPr id="9" name="TextBox 8">
+            <a:extLst>
+              <a:ext uri="{FF2B5EF4-FFF2-40B4-BE49-F238E27FC236}">
+                <a16:creationId xmlns:a16="http://schemas.microsoft.com/office/drawing/2014/main" id="{0F86F9F9-39B5-4CE6-AF48-9ADAE40EA728}"/>
+              </a:ext>
+            </a:extLst>
+          </p:cNvPr>
+          <p:cNvSpPr txBox="1"/>
+          <p:nvPr/>
+        </p:nvSpPr>
+        <p:spPr>
+          <a:xfrm>
+            <a:off x="340285" y="1267520"/>
+            <a:ext cx="11584795" cy="4696670"/>
+          </a:xfrm>
+          <a:prstGeom prst="rect">
+            <a:avLst/>
+          </a:prstGeom>
+          <a:noFill/>
+        </p:spPr>
+        <p:txBody>
+          <a:bodyPr wrap="square" lIns="182880" tIns="146304" rIns="182880" bIns="146304" rtlCol="0">
+            <a:spAutoFit/>
+          </a:bodyPr>
+          <a:lstStyle/>
+          <a:p>
+            <a:r>
+              <a:rPr lang="en-US" sz="2600" dirty="0"/>
+              <a:t>In this whiteboard design session, you will work in a group to design a solution that leverages aspects from microservices and serverless architectures to help an online concert ticket vendor survive the first five minutes of crushing load. You will handle the client's scaling needs through containerized microservices running on top of Service Fabric, and delegate the workload of tickets processing by using a storage queue for asynchronous processing and a globally distributed, high-performance database.</a:t>
+            </a:r>
+          </a:p>
+          <a:p>
+            <a:endParaRPr lang="en-US" sz="2600" dirty="0"/>
+          </a:p>
+          <a:p>
+            <a:r>
+              <a:rPr lang="en-US" sz="2600" dirty="0"/>
+              <a:t>At the end of this whiteboard design session, you will be able to design scalable microservices solutions involving .NET Core, Docker, Service Fabric, Azure Functions and Cosmos DB.</a:t>
+            </a:r>
+          </a:p>
+        </p:txBody>
+      </p:sp>
+    </p:spTree>
+    <p:extLst>
+      <p:ext uri="{BB962C8B-B14F-4D97-AF65-F5344CB8AC3E}">
+        <p14:creationId xmlns:p14="http://schemas.microsoft.com/office/powerpoint/2010/main" val="772880493"/>
+      </p:ext>
+    </p:extLst>
+  </p:cSld>
+  <p:clrMapOvr>
+    <a:masterClrMapping/>
+  </p:clrMapOvr>
+  <mc:AlternateContent xmlns:mc="http://schemas.openxmlformats.org/markup-compatibility/2006" xmlns:p14="http://schemas.microsoft.com/office/powerpoint/2010/main">
+    <mc:Choice Requires="p14">
+      <p:transition spd="med" p14:dur="700">
+        <p:fade/>
+      </p:transition>
+    </mc:Choice>
+    <mc:Fallback xmlns="">
+      <p:transition spd="med">
+        <p:fade/>
+      </p:transition>
+    </mc:Fallback>
+  </mc:AlternateContent>
+</p:sld>
+</file>
+
+<file path=ppt/slides/slide20.xml><?xml version="1.0" encoding="utf-8"?>
 <p:sld xmlns:a="http://schemas.openxmlformats.org/drawingml/2006/main" xmlns:r="http://schemas.openxmlformats.org/officeDocument/2006/relationships" xmlns:p="http://schemas.openxmlformats.org/presentationml/2006/main">
   <p:cSld>
     <p:spTree>
@@ -22883,7 +21751,7 @@
 </p:sld>
 </file>
 
-<file path=ppt/slides/slide23.xml><?xml version="1.0" encoding="utf-8"?>
+<file path=ppt/slides/slide21.xml><?xml version="1.0" encoding="utf-8"?>
 <p:sld xmlns:a="http://schemas.openxmlformats.org/drawingml/2006/main" xmlns:r="http://schemas.openxmlformats.org/officeDocument/2006/relationships" xmlns:p="http://schemas.openxmlformats.org/presentationml/2006/main">
   <p:cSld>
     <p:spTree>
@@ -22961,7 +21829,7 @@
         </p:spPr>
         <p:txBody>
           <a:bodyPr>
-            <a:normAutofit fontScale="85000" lnSpcReduction="20000"/>
+            <a:normAutofit fontScale="92500" lnSpcReduction="20000"/>
           </a:bodyPr>
           <a:lstStyle/>
           <a:p>
@@ -22996,13 +21864,6 @@
             <a:r>
               <a:rPr lang="en-US" sz="3100" dirty="0"/>
               <a:t>The ability to deploy individual application services without concern over the target infrastructure – let Service Fabric decide the target nodes appropriate for each tier and service type.</a:t>
-            </a:r>
-          </a:p>
-          <a:p>
-            <a:pPr marL="840297" lvl="2" indent="-171450"/>
-            <a:r>
-              <a:rPr lang="en-US" sz="3100" dirty="0"/>
-              <a:t>Simplified approach to managing data persistence with stateful services.</a:t>
             </a:r>
           </a:p>
           <a:p>
@@ -23357,7 +22218,7 @@
 </p:sld>
 </file>
 
-<file path=ppt/slides/slide24.xml><?xml version="1.0" encoding="utf-8"?>
+<file path=ppt/slides/slide22.xml><?xml version="1.0" encoding="utf-8"?>
 <p:sld xmlns:a="http://schemas.openxmlformats.org/drawingml/2006/main" xmlns:r="http://schemas.openxmlformats.org/officeDocument/2006/relationships" xmlns:p="http://schemas.openxmlformats.org/presentationml/2006/main">
   <p:cSld>
     <p:spTree>
@@ -23481,7 +22342,7 @@
                   <a:schemeClr val="tx1"/>
                 </a:solidFill>
               </a:rPr>
-              <a:t>They can leverage Service Fabric project templates to kick-start their understanding of Service Fabric services.</a:t>
+              <a:t>They can continue to develop ASP.NET and Web API applications and can leverage Docker tools in Visual Studio to kick-start their understanding about containers and their principles.</a:t>
             </a:r>
           </a:p>
           <a:p>
@@ -23492,21 +22353,8 @@
                   <a:schemeClr val="tx1"/>
                 </a:solidFill>
               </a:rPr>
-              <a:t>The programming model for services is familiar. </a:t>
-            </a:r>
-          </a:p>
-          <a:p>
-            <a:pPr lvl="2"/>
-            <a:r>
-              <a:rPr lang="en-US" sz="2408" dirty="0">
-                <a:solidFill>
-                  <a:schemeClr val="tx1"/>
-                </a:solidFill>
-              </a:rPr>
-              <a:t>Working with stateful services is also familiar in the sense that state is defined via objects (POCO) and serialized as part of the service implementation.</a:t>
-            </a:r>
-          </a:p>
-          <a:p>
+              <a:t>Working with containerized services is also familiar in the sense that they can run locally on their machine.</a:t>
+            </a:r>
             <a:endParaRPr lang="en-US" sz="3600" dirty="0">
               <a:solidFill>
                 <a:schemeClr val="tx1"/>
@@ -23843,918 +22691,7 @@
 </p:sld>
 </file>
 
-<file path=ppt/slides/slide25.xml><?xml version="1.0" encoding="utf-8"?>
-<p:sld xmlns:a="http://schemas.openxmlformats.org/drawingml/2006/main" xmlns:r="http://schemas.openxmlformats.org/officeDocument/2006/relationships" xmlns:p="http://schemas.openxmlformats.org/presentationml/2006/main">
-  <p:cSld>
-    <p:spTree>
-      <p:nvGrpSpPr>
-        <p:cNvPr id="1" name=""/>
-        <p:cNvGrpSpPr/>
-        <p:nvPr/>
-      </p:nvGrpSpPr>
-      <p:grpSpPr>
-        <a:xfrm>
-          <a:off x="0" y="0"/>
-          <a:ext cx="0" cy="0"/>
-          <a:chOff x="0" y="0"/>
-          <a:chExt cx="0" cy="0"/>
-        </a:xfrm>
-      </p:grpSpPr>
-      <p:sp>
-        <p:nvSpPr>
-          <p:cNvPr id="2" name="Title 1"/>
-          <p:cNvSpPr>
-            <a:spLocks noGrp="1"/>
-          </p:cNvSpPr>
-          <p:nvPr>
-            <p:ph type="title"/>
-          </p:nvPr>
-        </p:nvSpPr>
-        <p:spPr/>
-        <p:txBody>
-          <a:bodyPr>
-            <a:normAutofit fontScale="90000"/>
-          </a:bodyPr>
-          <a:lstStyle/>
-          <a:p>
-            <a:r>
-              <a:rPr lang="en-US" sz="4900" dirty="0">
-                <a:solidFill>
-                  <a:schemeClr val="tx1"/>
-                </a:solidFill>
-                <a:cs typeface="Segoe UI" panose="020B0502040204020203" pitchFamily="34" charset="0"/>
-              </a:rPr>
-              <a:t>Preferred objections handling</a:t>
-            </a:r>
-            <a:br>
-              <a:rPr lang="en-US" dirty="0">
-                <a:solidFill>
-                  <a:schemeClr val="tx1"/>
-                </a:solidFill>
-                <a:latin typeface="Segoe UI" panose="020B0502040204020203" pitchFamily="34" charset="0"/>
-              </a:rPr>
-            </a:br>
-            <a:endParaRPr lang="en-US" sz="3236" dirty="0">
-              <a:solidFill>
-                <a:schemeClr val="tx1"/>
-              </a:solidFill>
-              <a:latin typeface="Segoe UI" panose="020B0502040204020203" pitchFamily="34" charset="0"/>
-            </a:endParaRPr>
-          </a:p>
-        </p:txBody>
-      </p:sp>
-      <p:sp>
-        <p:nvSpPr>
-          <p:cNvPr id="3" name="Content Placeholder 2"/>
-          <p:cNvSpPr>
-            <a:spLocks noGrp="1"/>
-          </p:cNvSpPr>
-          <p:nvPr>
-            <p:ph type="body" sz="quarter" idx="10"/>
-          </p:nvPr>
-        </p:nvSpPr>
-        <p:spPr>
-          <a:xfrm>
-            <a:off x="269239" y="1189176"/>
-            <a:ext cx="9484413" cy="5351323"/>
-          </a:xfrm>
-        </p:spPr>
-        <p:txBody>
-          <a:bodyPr>
-            <a:normAutofit/>
-          </a:bodyPr>
-          <a:lstStyle/>
-          <a:p>
-            <a:pPr marL="0" indent="0">
-              <a:buNone/>
-            </a:pPr>
-            <a:r>
-              <a:rPr lang="en-US" sz="3600" dirty="0">
-                <a:solidFill>
-                  <a:schemeClr val="tx1"/>
-                </a:solidFill>
-              </a:rPr>
-              <a:t>Can stateful services or actors help us with ticket ordering throughput?</a:t>
-            </a:r>
-          </a:p>
-          <a:p>
-            <a:pPr lvl="1"/>
-            <a:r>
-              <a:rPr lang="en-US" sz="2400" dirty="0">
-                <a:solidFill>
-                  <a:schemeClr val="tx1"/>
-                </a:solidFill>
-              </a:rPr>
-              <a:t>Stateful services are backed by robust and reliable storage. When data (state) is saved by the service, it is not confirmed (committed) unless a quorum is reached. </a:t>
-            </a:r>
-          </a:p>
-          <a:p>
-            <a:pPr lvl="1"/>
-            <a:r>
-              <a:rPr lang="en-US" sz="2400" dirty="0">
-                <a:solidFill>
-                  <a:schemeClr val="tx1"/>
-                </a:solidFill>
-              </a:rPr>
-              <a:t>By using the stateful actor, not only is the persistence of the actual ticket order handled by the Service Fabric at scale, but the actor can be wholly responsible for the workflow required to complete the order.</a:t>
-            </a:r>
-          </a:p>
-          <a:p>
-            <a:pPr lvl="1"/>
-            <a:r>
-              <a:rPr lang="en-US" sz="2400" dirty="0">
-                <a:solidFill>
-                  <a:schemeClr val="tx1"/>
-                </a:solidFill>
-              </a:rPr>
-              <a:t>When updates to this actor are required, the existing state is preserved, any active instances can continue completing their work, and the new actor functionality or state requirements can be rolled out safely across the nodes in the cluster, eventually retiring the previous version.</a:t>
-            </a:r>
-          </a:p>
-          <a:p>
-            <a:pPr lvl="1"/>
-            <a:endParaRPr lang="en-US" sz="2032" dirty="0">
-              <a:solidFill>
-                <a:schemeClr val="tx1"/>
-              </a:solidFill>
-            </a:endParaRPr>
-          </a:p>
-          <a:p>
-            <a:pPr marL="0" indent="0">
-              <a:buNone/>
-            </a:pPr>
-            <a:endParaRPr lang="en-US" sz="3600" dirty="0">
-              <a:solidFill>
-                <a:schemeClr val="tx1"/>
-              </a:solidFill>
-            </a:endParaRPr>
-          </a:p>
-        </p:txBody>
-      </p:sp>
-      <p:grpSp>
-        <p:nvGrpSpPr>
-          <p:cNvPr id="4" name="Group 3" descr="Icons representing bulleted questions." title="Icons">
-            <a:extLst>
-              <a:ext uri="{FF2B5EF4-FFF2-40B4-BE49-F238E27FC236}">
-                <a16:creationId xmlns:a16="http://schemas.microsoft.com/office/drawing/2014/main" id="{C78B7208-B6D0-41AE-83E9-2D82F77F54BB}"/>
-              </a:ext>
-            </a:extLst>
-          </p:cNvPr>
-          <p:cNvGrpSpPr/>
-          <p:nvPr/>
-        </p:nvGrpSpPr>
-        <p:grpSpPr>
-          <a:xfrm>
-            <a:off x="9753652" y="791480"/>
-            <a:ext cx="2171428" cy="5776420"/>
-            <a:chOff x="9753652" y="791480"/>
-            <a:chExt cx="2171428" cy="5776420"/>
-          </a:xfrm>
-        </p:grpSpPr>
-        <p:pic>
-          <p:nvPicPr>
-            <p:cNvPr id="11" name="Picture 10" descr="Customer objections">
-              <a:extLst>
-                <a:ext uri="{FF2B5EF4-FFF2-40B4-BE49-F238E27FC236}">
-                  <a16:creationId xmlns:a16="http://schemas.microsoft.com/office/drawing/2014/main" id="{43752440-B4BA-488D-BC2F-64A9BAB696FE}"/>
-                </a:ext>
-              </a:extLst>
-            </p:cNvPr>
-            <p:cNvPicPr>
-              <a:picLocks noChangeAspect="1"/>
-            </p:cNvPicPr>
-            <p:nvPr/>
-          </p:nvPicPr>
-          <p:blipFill>
-            <a:blip r:embed="rId3"/>
-            <a:stretch>
-              <a:fillRect/>
-            </a:stretch>
-          </p:blipFill>
-          <p:spPr>
-            <a:xfrm>
-              <a:off x="9753652" y="791480"/>
-              <a:ext cx="2171428" cy="2171428"/>
-            </a:xfrm>
-            <a:prstGeom prst="rect">
-              <a:avLst/>
-            </a:prstGeom>
-          </p:spPr>
-        </p:pic>
-        <p:sp>
-          <p:nvSpPr>
-            <p:cNvPr id="12" name="Oval 11" descr="Background" title="Background">
-              <a:extLst>
-                <a:ext uri="{FF2B5EF4-FFF2-40B4-BE49-F238E27FC236}">
-                  <a16:creationId xmlns:a16="http://schemas.microsoft.com/office/drawing/2014/main" id="{B36F925C-1E8A-4471-AD6F-2BC20ECE0093}"/>
-                </a:ext>
-              </a:extLst>
-            </p:cNvPr>
-            <p:cNvSpPr/>
-            <p:nvPr/>
-          </p:nvSpPr>
-          <p:spPr bwMode="auto">
-            <a:xfrm>
-              <a:off x="9970686" y="2903407"/>
-              <a:ext cx="1737360" cy="1737360"/>
-            </a:xfrm>
-            <a:prstGeom prst="ellipse">
-              <a:avLst/>
-            </a:prstGeom>
-            <a:solidFill>
-              <a:srgbClr val="FFC000"/>
-            </a:solidFill>
-            <a:ln>
-              <a:noFill/>
-              <a:headEnd type="none" w="med" len="med"/>
-              <a:tailEnd type="none" w="med" len="med"/>
-            </a:ln>
-            <a:effectLst/>
-          </p:spPr>
-          <p:style>
-            <a:lnRef idx="1">
-              <a:schemeClr val="accent2"/>
-            </a:lnRef>
-            <a:fillRef idx="3">
-              <a:schemeClr val="accent2"/>
-            </a:fillRef>
-            <a:effectRef idx="2">
-              <a:schemeClr val="accent2"/>
-            </a:effectRef>
-            <a:fontRef idx="minor">
-              <a:schemeClr val="lt1"/>
-            </a:fontRef>
-          </p:style>
-          <p:txBody>
-            <a:bodyPr rot="0" spcFirstLastPara="0" vertOverflow="overflow" horzOverflow="overflow" vert="horz" wrap="square" lIns="182880" tIns="146304" rIns="182880" bIns="146304" numCol="1" spcCol="0" rtlCol="0" fromWordArt="0" anchor="t" anchorCtr="0" forceAA="0" compatLnSpc="1">
-              <a:prstTxWarp prst="textNoShape">
-                <a:avLst/>
-              </a:prstTxWarp>
-              <a:noAutofit/>
-            </a:bodyPr>
-            <a:lstStyle/>
-            <a:p>
-              <a:pPr algn="ctr" defTabSz="932472" fontAlgn="base">
-                <a:lnSpc>
-                  <a:spcPct val="90000"/>
-                </a:lnSpc>
-                <a:spcBef>
-                  <a:spcPct val="0"/>
-                </a:spcBef>
-                <a:spcAft>
-                  <a:spcPct val="0"/>
-                </a:spcAft>
-              </a:pPr>
-              <a:endParaRPr lang="en-US" sz="2400" dirty="0">
-                <a:gradFill>
-                  <a:gsLst>
-                    <a:gs pos="0">
-                      <a:srgbClr val="FFFFFF"/>
-                    </a:gs>
-                    <a:gs pos="100000">
-                      <a:srgbClr val="FFFFFF"/>
-                    </a:gs>
-                  </a:gsLst>
-                  <a:lin ang="5400000" scaled="0"/>
-                </a:gradFill>
-                <a:ea typeface="Segoe UI" pitchFamily="34" charset="0"/>
-                <a:cs typeface="Segoe UI" pitchFamily="34" charset="0"/>
-              </a:endParaRPr>
-            </a:p>
-          </p:txBody>
-        </p:sp>
-        <p:sp>
-          <p:nvSpPr>
-            <p:cNvPr id="14" name="Oval 13" descr="Background" title="Background">
-              <a:extLst>
-                <a:ext uri="{FF2B5EF4-FFF2-40B4-BE49-F238E27FC236}">
-                  <a16:creationId xmlns:a16="http://schemas.microsoft.com/office/drawing/2014/main" id="{FF10AFD0-EE5A-48A7-8A88-113CAE632FA7}"/>
-                </a:ext>
-              </a:extLst>
-            </p:cNvPr>
-            <p:cNvSpPr/>
-            <p:nvPr/>
-          </p:nvSpPr>
-          <p:spPr bwMode="auto">
-            <a:xfrm>
-              <a:off x="9970686" y="4830540"/>
-              <a:ext cx="1737360" cy="1737360"/>
-            </a:xfrm>
-            <a:prstGeom prst="ellipse">
-              <a:avLst/>
-            </a:prstGeom>
-            <a:solidFill>
-              <a:srgbClr val="FFC000"/>
-            </a:solidFill>
-            <a:ln>
-              <a:noFill/>
-              <a:headEnd type="none" w="med" len="med"/>
-              <a:tailEnd type="none" w="med" len="med"/>
-            </a:ln>
-            <a:effectLst/>
-          </p:spPr>
-          <p:style>
-            <a:lnRef idx="1">
-              <a:schemeClr val="accent2"/>
-            </a:lnRef>
-            <a:fillRef idx="3">
-              <a:schemeClr val="accent2"/>
-            </a:fillRef>
-            <a:effectRef idx="2">
-              <a:schemeClr val="accent2"/>
-            </a:effectRef>
-            <a:fontRef idx="minor">
-              <a:schemeClr val="lt1"/>
-            </a:fontRef>
-          </p:style>
-          <p:txBody>
-            <a:bodyPr rot="0" spcFirstLastPara="0" vertOverflow="overflow" horzOverflow="overflow" vert="horz" wrap="square" lIns="182880" tIns="146304" rIns="182880" bIns="146304" numCol="1" spcCol="0" rtlCol="0" fromWordArt="0" anchor="t" anchorCtr="0" forceAA="0" compatLnSpc="1">
-              <a:prstTxWarp prst="textNoShape">
-                <a:avLst/>
-              </a:prstTxWarp>
-              <a:noAutofit/>
-            </a:bodyPr>
-            <a:lstStyle/>
-            <a:p>
-              <a:pPr algn="ctr" defTabSz="932472" fontAlgn="base">
-                <a:lnSpc>
-                  <a:spcPct val="90000"/>
-                </a:lnSpc>
-                <a:spcBef>
-                  <a:spcPct val="0"/>
-                </a:spcBef>
-                <a:spcAft>
-                  <a:spcPct val="0"/>
-                </a:spcAft>
-              </a:pPr>
-              <a:endParaRPr lang="en-US" sz="2400" dirty="0">
-                <a:gradFill>
-                  <a:gsLst>
-                    <a:gs pos="0">
-                      <a:srgbClr val="FFFFFF"/>
-                    </a:gs>
-                    <a:gs pos="100000">
-                      <a:srgbClr val="FFFFFF"/>
-                    </a:gs>
-                  </a:gsLst>
-                  <a:lin ang="5400000" scaled="0"/>
-                </a:gradFill>
-                <a:ea typeface="Segoe UI" pitchFamily="34" charset="0"/>
-                <a:cs typeface="Segoe UI" pitchFamily="34" charset="0"/>
-              </a:endParaRPr>
-            </a:p>
-          </p:txBody>
-        </p:sp>
-        <p:pic>
-          <p:nvPicPr>
-            <p:cNvPr id="5" name="Graphic 4" descr="Azure Functions icon" title="Azure Functions">
-              <a:extLst>
-                <a:ext uri="{FF2B5EF4-FFF2-40B4-BE49-F238E27FC236}">
-                  <a16:creationId xmlns:a16="http://schemas.microsoft.com/office/drawing/2014/main" id="{1519041A-4858-4677-825C-95D9AC91272B}"/>
-                </a:ext>
-              </a:extLst>
-            </p:cNvPr>
-            <p:cNvPicPr>
-              <a:picLocks noChangeAspect="1"/>
-            </p:cNvPicPr>
-            <p:nvPr/>
-          </p:nvPicPr>
-          <p:blipFill>
-            <a:blip r:embed="rId4">
-              <a:extLst>
-                <a:ext uri="{28A0092B-C50C-407E-A947-70E740481C1C}">
-                  <a14:useLocalDpi xmlns:a14="http://schemas.microsoft.com/office/drawing/2010/main" val="0"/>
-                </a:ext>
-                <a:ext uri="{96DAC541-7B7A-43D3-8B79-37D633B846F1}">
-                  <asvg:svgBlip xmlns:asvg="http://schemas.microsoft.com/office/drawing/2016/SVG/main" r:embed="rId5"/>
-                </a:ext>
-              </a:extLst>
-            </a:blip>
-            <a:stretch>
-              <a:fillRect/>
-            </a:stretch>
-          </p:blipFill>
-          <p:spPr>
-            <a:xfrm>
-              <a:off x="10199286" y="5059140"/>
-              <a:ext cx="1280160" cy="1280160"/>
-            </a:xfrm>
-            <a:prstGeom prst="rect">
-              <a:avLst/>
-            </a:prstGeom>
-          </p:spPr>
-        </p:pic>
-        <p:pic>
-          <p:nvPicPr>
-            <p:cNvPr id="7" name="Graphic 6" descr="Service Fabric icon" title="Service Fabric">
-              <a:extLst>
-                <a:ext uri="{FF2B5EF4-FFF2-40B4-BE49-F238E27FC236}">
-                  <a16:creationId xmlns:a16="http://schemas.microsoft.com/office/drawing/2014/main" id="{90C4A24F-A94F-4D30-8189-B1746DA47C4C}"/>
-                </a:ext>
-              </a:extLst>
-            </p:cNvPr>
-            <p:cNvPicPr>
-              <a:picLocks noChangeAspect="1"/>
-            </p:cNvPicPr>
-            <p:nvPr/>
-          </p:nvPicPr>
-          <p:blipFill>
-            <a:blip r:embed="rId6">
-              <a:extLst>
-                <a:ext uri="{28A0092B-C50C-407E-A947-70E740481C1C}">
-                  <a14:useLocalDpi xmlns:a14="http://schemas.microsoft.com/office/drawing/2010/main" val="0"/>
-                </a:ext>
-                <a:ext uri="{96DAC541-7B7A-43D3-8B79-37D633B846F1}">
-                  <asvg:svgBlip xmlns:asvg="http://schemas.microsoft.com/office/drawing/2016/SVG/main" r:embed="rId7"/>
-                </a:ext>
-              </a:extLst>
-            </a:blip>
-            <a:stretch>
-              <a:fillRect/>
-            </a:stretch>
-          </p:blipFill>
-          <p:spPr>
-            <a:xfrm>
-              <a:off x="9985578" y="3070102"/>
-              <a:ext cx="1722468" cy="2468880"/>
-            </a:xfrm>
-            <a:prstGeom prst="rect">
-              <a:avLst/>
-            </a:prstGeom>
-          </p:spPr>
-        </p:pic>
-      </p:grpSp>
-    </p:spTree>
-    <p:extLst>
-      <p:ext uri="{BB962C8B-B14F-4D97-AF65-F5344CB8AC3E}">
-        <p14:creationId xmlns:p14="http://schemas.microsoft.com/office/powerpoint/2010/main" val="3494523527"/>
-      </p:ext>
-    </p:extLst>
-  </p:cSld>
-  <p:clrMapOvr>
-    <a:masterClrMapping/>
-  </p:clrMapOvr>
-  <mc:AlternateContent xmlns:mc="http://schemas.openxmlformats.org/markup-compatibility/2006" xmlns:p14="http://schemas.microsoft.com/office/powerpoint/2010/main">
-    <mc:Choice Requires="p14">
-      <p:transition spd="med" p14:dur="700">
-        <p:fade/>
-      </p:transition>
-    </mc:Choice>
-    <mc:Fallback xmlns="">
-      <p:transition spd="med">
-        <p:fade/>
-      </p:transition>
-    </mc:Fallback>
-  </mc:AlternateContent>
-</p:sld>
-</file>
-
-<file path=ppt/slides/slide26.xml><?xml version="1.0" encoding="utf-8"?>
-<p:sld xmlns:a="http://schemas.openxmlformats.org/drawingml/2006/main" xmlns:r="http://schemas.openxmlformats.org/officeDocument/2006/relationships" xmlns:p="http://schemas.openxmlformats.org/presentationml/2006/main">
-  <p:cSld>
-    <p:spTree>
-      <p:nvGrpSpPr>
-        <p:cNvPr id="1" name=""/>
-        <p:cNvGrpSpPr/>
-        <p:nvPr/>
-      </p:nvGrpSpPr>
-      <p:grpSpPr>
-        <a:xfrm>
-          <a:off x="0" y="0"/>
-          <a:ext cx="0" cy="0"/>
-          <a:chOff x="0" y="0"/>
-          <a:chExt cx="0" cy="0"/>
-        </a:xfrm>
-      </p:grpSpPr>
-      <p:sp>
-        <p:nvSpPr>
-          <p:cNvPr id="2" name="Title 1"/>
-          <p:cNvSpPr>
-            <a:spLocks noGrp="1"/>
-          </p:cNvSpPr>
-          <p:nvPr>
-            <p:ph type="title"/>
-          </p:nvPr>
-        </p:nvSpPr>
-        <p:spPr/>
-        <p:txBody>
-          <a:bodyPr>
-            <a:normAutofit fontScale="90000"/>
-          </a:bodyPr>
-          <a:lstStyle/>
-          <a:p>
-            <a:r>
-              <a:rPr lang="en-US" sz="4900" dirty="0">
-                <a:solidFill>
-                  <a:schemeClr val="tx1"/>
-                </a:solidFill>
-                <a:cs typeface="Segoe UI" panose="020B0502040204020203" pitchFamily="34" charset="0"/>
-              </a:rPr>
-              <a:t>Preferred objections handling</a:t>
-            </a:r>
-            <a:br>
-              <a:rPr lang="en-US" dirty="0">
-                <a:solidFill>
-                  <a:schemeClr val="tx1"/>
-                </a:solidFill>
-                <a:latin typeface="Segoe UI" panose="020B0502040204020203" pitchFamily="34" charset="0"/>
-              </a:rPr>
-            </a:br>
-            <a:endParaRPr lang="en-US" sz="3236" dirty="0">
-              <a:solidFill>
-                <a:schemeClr val="tx1"/>
-              </a:solidFill>
-              <a:latin typeface="Segoe UI" panose="020B0502040204020203" pitchFamily="34" charset="0"/>
-            </a:endParaRPr>
-          </a:p>
-        </p:txBody>
-      </p:sp>
-      <p:sp>
-        <p:nvSpPr>
-          <p:cNvPr id="3" name="Content Placeholder 2"/>
-          <p:cNvSpPr>
-            <a:spLocks noGrp="1"/>
-          </p:cNvSpPr>
-          <p:nvPr>
-            <p:ph type="body" sz="quarter" idx="10"/>
-          </p:nvPr>
-        </p:nvSpPr>
-        <p:spPr>
-          <a:xfrm>
-            <a:off x="269239" y="1189176"/>
-            <a:ext cx="9484413" cy="5351323"/>
-          </a:xfrm>
-        </p:spPr>
-        <p:txBody>
-          <a:bodyPr>
-            <a:normAutofit/>
-          </a:bodyPr>
-          <a:lstStyle/>
-          <a:p>
-            <a:pPr marL="0" indent="0">
-              <a:buNone/>
-            </a:pPr>
-            <a:r>
-              <a:rPr lang="en-US" sz="3600" dirty="0">
-                <a:solidFill>
-                  <a:schemeClr val="tx1"/>
-                </a:solidFill>
-              </a:rPr>
-              <a:t>How and where can stateful services and actors help us?</a:t>
-            </a:r>
-          </a:p>
-          <a:p>
-            <a:pPr marL="407996" lvl="1" indent="-171450"/>
-            <a:r>
-              <a:rPr lang="en-US" sz="2800" dirty="0"/>
-              <a:t>Stateful services make it easy to save and retrieve state, and distribute that state for higher availability by using a partitioning strategy. Each partition has its own replica set for reliability.</a:t>
-            </a:r>
-          </a:p>
-          <a:p>
-            <a:pPr marL="407996" lvl="1" indent="-171450"/>
-            <a:r>
-              <a:rPr lang="en-US" sz="2800" dirty="0"/>
-              <a:t>You can replicate this state to an external store like Cosmos DB to support ad-hoc querying, analytics and disaster recovery.</a:t>
-            </a:r>
-          </a:p>
-          <a:p>
-            <a:pPr lvl="1"/>
-            <a:endParaRPr lang="en-US" sz="2032" dirty="0">
-              <a:solidFill>
-                <a:schemeClr val="tx1"/>
-              </a:solidFill>
-            </a:endParaRPr>
-          </a:p>
-          <a:p>
-            <a:pPr marL="0" indent="0">
-              <a:buNone/>
-            </a:pPr>
-            <a:endParaRPr lang="en-US" sz="3600" dirty="0">
-              <a:solidFill>
-                <a:schemeClr val="tx1"/>
-              </a:solidFill>
-            </a:endParaRPr>
-          </a:p>
-        </p:txBody>
-      </p:sp>
-      <p:grpSp>
-        <p:nvGrpSpPr>
-          <p:cNvPr id="4" name="Group 3" descr="Icons representing bulleted questions." title="Icons">
-            <a:extLst>
-              <a:ext uri="{FF2B5EF4-FFF2-40B4-BE49-F238E27FC236}">
-                <a16:creationId xmlns:a16="http://schemas.microsoft.com/office/drawing/2014/main" id="{C78B7208-B6D0-41AE-83E9-2D82F77F54BB}"/>
-              </a:ext>
-            </a:extLst>
-          </p:cNvPr>
-          <p:cNvGrpSpPr/>
-          <p:nvPr/>
-        </p:nvGrpSpPr>
-        <p:grpSpPr>
-          <a:xfrm>
-            <a:off x="9753652" y="791480"/>
-            <a:ext cx="2171428" cy="5776420"/>
-            <a:chOff x="9753652" y="791480"/>
-            <a:chExt cx="2171428" cy="5776420"/>
-          </a:xfrm>
-        </p:grpSpPr>
-        <p:pic>
-          <p:nvPicPr>
-            <p:cNvPr id="11" name="Picture 10" descr="Customer objections">
-              <a:extLst>
-                <a:ext uri="{FF2B5EF4-FFF2-40B4-BE49-F238E27FC236}">
-                  <a16:creationId xmlns:a16="http://schemas.microsoft.com/office/drawing/2014/main" id="{43752440-B4BA-488D-BC2F-64A9BAB696FE}"/>
-                </a:ext>
-              </a:extLst>
-            </p:cNvPr>
-            <p:cNvPicPr>
-              <a:picLocks noChangeAspect="1"/>
-            </p:cNvPicPr>
-            <p:nvPr/>
-          </p:nvPicPr>
-          <p:blipFill>
-            <a:blip r:embed="rId3"/>
-            <a:stretch>
-              <a:fillRect/>
-            </a:stretch>
-          </p:blipFill>
-          <p:spPr>
-            <a:xfrm>
-              <a:off x="9753652" y="791480"/>
-              <a:ext cx="2171428" cy="2171428"/>
-            </a:xfrm>
-            <a:prstGeom prst="rect">
-              <a:avLst/>
-            </a:prstGeom>
-          </p:spPr>
-        </p:pic>
-        <p:sp>
-          <p:nvSpPr>
-            <p:cNvPr id="12" name="Oval 11" descr="Background" title="Background">
-              <a:extLst>
-                <a:ext uri="{FF2B5EF4-FFF2-40B4-BE49-F238E27FC236}">
-                  <a16:creationId xmlns:a16="http://schemas.microsoft.com/office/drawing/2014/main" id="{B36F925C-1E8A-4471-AD6F-2BC20ECE0093}"/>
-                </a:ext>
-              </a:extLst>
-            </p:cNvPr>
-            <p:cNvSpPr/>
-            <p:nvPr/>
-          </p:nvSpPr>
-          <p:spPr bwMode="auto">
-            <a:xfrm>
-              <a:off x="9970686" y="2903407"/>
-              <a:ext cx="1737360" cy="1737360"/>
-            </a:xfrm>
-            <a:prstGeom prst="ellipse">
-              <a:avLst/>
-            </a:prstGeom>
-            <a:solidFill>
-              <a:srgbClr val="FFC000"/>
-            </a:solidFill>
-            <a:ln>
-              <a:noFill/>
-              <a:headEnd type="none" w="med" len="med"/>
-              <a:tailEnd type="none" w="med" len="med"/>
-            </a:ln>
-            <a:effectLst/>
-          </p:spPr>
-          <p:style>
-            <a:lnRef idx="1">
-              <a:schemeClr val="accent2"/>
-            </a:lnRef>
-            <a:fillRef idx="3">
-              <a:schemeClr val="accent2"/>
-            </a:fillRef>
-            <a:effectRef idx="2">
-              <a:schemeClr val="accent2"/>
-            </a:effectRef>
-            <a:fontRef idx="minor">
-              <a:schemeClr val="lt1"/>
-            </a:fontRef>
-          </p:style>
-          <p:txBody>
-            <a:bodyPr rot="0" spcFirstLastPara="0" vertOverflow="overflow" horzOverflow="overflow" vert="horz" wrap="square" lIns="182880" tIns="146304" rIns="182880" bIns="146304" numCol="1" spcCol="0" rtlCol="0" fromWordArt="0" anchor="t" anchorCtr="0" forceAA="0" compatLnSpc="1">
-              <a:prstTxWarp prst="textNoShape">
-                <a:avLst/>
-              </a:prstTxWarp>
-              <a:noAutofit/>
-            </a:bodyPr>
-            <a:lstStyle/>
-            <a:p>
-              <a:pPr algn="ctr" defTabSz="932472" fontAlgn="base">
-                <a:lnSpc>
-                  <a:spcPct val="90000"/>
-                </a:lnSpc>
-                <a:spcBef>
-                  <a:spcPct val="0"/>
-                </a:spcBef>
-                <a:spcAft>
-                  <a:spcPct val="0"/>
-                </a:spcAft>
-              </a:pPr>
-              <a:endParaRPr lang="en-US" sz="2400" dirty="0">
-                <a:gradFill>
-                  <a:gsLst>
-                    <a:gs pos="0">
-                      <a:srgbClr val="FFFFFF"/>
-                    </a:gs>
-                    <a:gs pos="100000">
-                      <a:srgbClr val="FFFFFF"/>
-                    </a:gs>
-                  </a:gsLst>
-                  <a:lin ang="5400000" scaled="0"/>
-                </a:gradFill>
-                <a:ea typeface="Segoe UI" pitchFamily="34" charset="0"/>
-                <a:cs typeface="Segoe UI" pitchFamily="34" charset="0"/>
-              </a:endParaRPr>
-            </a:p>
-          </p:txBody>
-        </p:sp>
-        <p:sp>
-          <p:nvSpPr>
-            <p:cNvPr id="14" name="Oval 13" descr="Background" title="Background">
-              <a:extLst>
-                <a:ext uri="{FF2B5EF4-FFF2-40B4-BE49-F238E27FC236}">
-                  <a16:creationId xmlns:a16="http://schemas.microsoft.com/office/drawing/2014/main" id="{FF10AFD0-EE5A-48A7-8A88-113CAE632FA7}"/>
-                </a:ext>
-              </a:extLst>
-            </p:cNvPr>
-            <p:cNvSpPr/>
-            <p:nvPr/>
-          </p:nvSpPr>
-          <p:spPr bwMode="auto">
-            <a:xfrm>
-              <a:off x="9970686" y="4830540"/>
-              <a:ext cx="1737360" cy="1737360"/>
-            </a:xfrm>
-            <a:prstGeom prst="ellipse">
-              <a:avLst/>
-            </a:prstGeom>
-            <a:solidFill>
-              <a:srgbClr val="FFC000"/>
-            </a:solidFill>
-            <a:ln>
-              <a:noFill/>
-              <a:headEnd type="none" w="med" len="med"/>
-              <a:tailEnd type="none" w="med" len="med"/>
-            </a:ln>
-            <a:effectLst/>
-          </p:spPr>
-          <p:style>
-            <a:lnRef idx="1">
-              <a:schemeClr val="accent2"/>
-            </a:lnRef>
-            <a:fillRef idx="3">
-              <a:schemeClr val="accent2"/>
-            </a:fillRef>
-            <a:effectRef idx="2">
-              <a:schemeClr val="accent2"/>
-            </a:effectRef>
-            <a:fontRef idx="minor">
-              <a:schemeClr val="lt1"/>
-            </a:fontRef>
-          </p:style>
-          <p:txBody>
-            <a:bodyPr rot="0" spcFirstLastPara="0" vertOverflow="overflow" horzOverflow="overflow" vert="horz" wrap="square" lIns="182880" tIns="146304" rIns="182880" bIns="146304" numCol="1" spcCol="0" rtlCol="0" fromWordArt="0" anchor="t" anchorCtr="0" forceAA="0" compatLnSpc="1">
-              <a:prstTxWarp prst="textNoShape">
-                <a:avLst/>
-              </a:prstTxWarp>
-              <a:noAutofit/>
-            </a:bodyPr>
-            <a:lstStyle/>
-            <a:p>
-              <a:pPr algn="ctr" defTabSz="932472" fontAlgn="base">
-                <a:lnSpc>
-                  <a:spcPct val="90000"/>
-                </a:lnSpc>
-                <a:spcBef>
-                  <a:spcPct val="0"/>
-                </a:spcBef>
-                <a:spcAft>
-                  <a:spcPct val="0"/>
-                </a:spcAft>
-              </a:pPr>
-              <a:endParaRPr lang="en-US" sz="2400" dirty="0">
-                <a:gradFill>
-                  <a:gsLst>
-                    <a:gs pos="0">
-                      <a:srgbClr val="FFFFFF"/>
-                    </a:gs>
-                    <a:gs pos="100000">
-                      <a:srgbClr val="FFFFFF"/>
-                    </a:gs>
-                  </a:gsLst>
-                  <a:lin ang="5400000" scaled="0"/>
-                </a:gradFill>
-                <a:ea typeface="Segoe UI" pitchFamily="34" charset="0"/>
-                <a:cs typeface="Segoe UI" pitchFamily="34" charset="0"/>
-              </a:endParaRPr>
-            </a:p>
-          </p:txBody>
-        </p:sp>
-        <p:pic>
-          <p:nvPicPr>
-            <p:cNvPr id="5" name="Graphic 4" descr="Azure Functions icon" title="Azure Functions">
-              <a:extLst>
-                <a:ext uri="{FF2B5EF4-FFF2-40B4-BE49-F238E27FC236}">
-                  <a16:creationId xmlns:a16="http://schemas.microsoft.com/office/drawing/2014/main" id="{1519041A-4858-4677-825C-95D9AC91272B}"/>
-                </a:ext>
-              </a:extLst>
-            </p:cNvPr>
-            <p:cNvPicPr>
-              <a:picLocks noChangeAspect="1"/>
-            </p:cNvPicPr>
-            <p:nvPr/>
-          </p:nvPicPr>
-          <p:blipFill>
-            <a:blip r:embed="rId4">
-              <a:extLst>
-                <a:ext uri="{28A0092B-C50C-407E-A947-70E740481C1C}">
-                  <a14:useLocalDpi xmlns:a14="http://schemas.microsoft.com/office/drawing/2010/main" val="0"/>
-                </a:ext>
-                <a:ext uri="{96DAC541-7B7A-43D3-8B79-37D633B846F1}">
-                  <asvg:svgBlip xmlns:asvg="http://schemas.microsoft.com/office/drawing/2016/SVG/main" r:embed="rId5"/>
-                </a:ext>
-              </a:extLst>
-            </a:blip>
-            <a:stretch>
-              <a:fillRect/>
-            </a:stretch>
-          </p:blipFill>
-          <p:spPr>
-            <a:xfrm>
-              <a:off x="10199286" y="5059140"/>
-              <a:ext cx="1280160" cy="1280160"/>
-            </a:xfrm>
-            <a:prstGeom prst="rect">
-              <a:avLst/>
-            </a:prstGeom>
-          </p:spPr>
-        </p:pic>
-        <p:pic>
-          <p:nvPicPr>
-            <p:cNvPr id="7" name="Graphic 6" descr="Service Fabric icon" title="Service Fabric">
-              <a:extLst>
-                <a:ext uri="{FF2B5EF4-FFF2-40B4-BE49-F238E27FC236}">
-                  <a16:creationId xmlns:a16="http://schemas.microsoft.com/office/drawing/2014/main" id="{90C4A24F-A94F-4D30-8189-B1746DA47C4C}"/>
-                </a:ext>
-              </a:extLst>
-            </p:cNvPr>
-            <p:cNvPicPr>
-              <a:picLocks noChangeAspect="1"/>
-            </p:cNvPicPr>
-            <p:nvPr/>
-          </p:nvPicPr>
-          <p:blipFill>
-            <a:blip r:embed="rId6">
-              <a:extLst>
-                <a:ext uri="{28A0092B-C50C-407E-A947-70E740481C1C}">
-                  <a14:useLocalDpi xmlns:a14="http://schemas.microsoft.com/office/drawing/2010/main" val="0"/>
-                </a:ext>
-                <a:ext uri="{96DAC541-7B7A-43D3-8B79-37D633B846F1}">
-                  <asvg:svgBlip xmlns:asvg="http://schemas.microsoft.com/office/drawing/2016/SVG/main" r:embed="rId7"/>
-                </a:ext>
-              </a:extLst>
-            </a:blip>
-            <a:stretch>
-              <a:fillRect/>
-            </a:stretch>
-          </p:blipFill>
-          <p:spPr>
-            <a:xfrm>
-              <a:off x="9985578" y="3070102"/>
-              <a:ext cx="1722468" cy="2468880"/>
-            </a:xfrm>
-            <a:prstGeom prst="rect">
-              <a:avLst/>
-            </a:prstGeom>
-          </p:spPr>
-        </p:pic>
-      </p:grpSp>
-    </p:spTree>
-    <p:extLst>
-      <p:ext uri="{BB962C8B-B14F-4D97-AF65-F5344CB8AC3E}">
-        <p14:creationId xmlns:p14="http://schemas.microsoft.com/office/powerpoint/2010/main" val="1364239587"/>
-      </p:ext>
-    </p:extLst>
-  </p:cSld>
-  <p:clrMapOvr>
-    <a:masterClrMapping/>
-  </p:clrMapOvr>
-  <mc:AlternateContent xmlns:mc="http://schemas.openxmlformats.org/markup-compatibility/2006" xmlns:p14="http://schemas.microsoft.com/office/powerpoint/2010/main">
-    <mc:Choice Requires="p14">
-      <p:transition spd="med" p14:dur="700">
-        <p:fade/>
-      </p:transition>
-    </mc:Choice>
-    <mc:Fallback xmlns="">
-      <p:transition spd="med">
-        <p:fade/>
-      </p:transition>
-    </mc:Fallback>
-  </mc:AlternateContent>
-</p:sld>
-</file>
-
-<file path=ppt/slides/slide27.xml><?xml version="1.0" encoding="utf-8"?>
+<file path=ppt/slides/slide23.xml><?xml version="1.0" encoding="utf-8"?>
 <p:sld xmlns:a="http://schemas.openxmlformats.org/drawingml/2006/main" xmlns:r="http://schemas.openxmlformats.org/officeDocument/2006/relationships" xmlns:p="http://schemas.openxmlformats.org/presentationml/2006/main">
   <p:cSld>
     <p:spTree>
@@ -25206,7 +23143,7 @@
 </p:sld>
 </file>
 
-<file path=ppt/slides/slide28.xml><?xml version="1.0" encoding="utf-8"?>
+<file path=ppt/slides/slide24.xml><?xml version="1.0" encoding="utf-8"?>
 <p:sld xmlns:a="http://schemas.openxmlformats.org/drawingml/2006/main" xmlns:r="http://schemas.openxmlformats.org/officeDocument/2006/relationships" xmlns:p="http://schemas.openxmlformats.org/presentationml/2006/main">
   <p:cSld>
     <p:spTree>
@@ -25284,7 +23221,7 @@
         </p:spPr>
         <p:txBody>
           <a:bodyPr>
-            <a:normAutofit fontScale="92500"/>
+            <a:normAutofit fontScale="92500" lnSpcReduction="10000"/>
           </a:bodyPr>
           <a:lstStyle/>
           <a:p>
@@ -25297,7 +23234,7 @@
                   <a:schemeClr val="tx1"/>
                 </a:solidFill>
               </a:rPr>
-              <a:t>“With Service Fabric we are able to move to microservices architecture without the DevOps headache. Service Fabric provides so much to support deployment, compute utilization, health monitoring and recovery – we could leverage the same team while increasing the size of our solution and feature set!”</a:t>
+              <a:t>“Docker is a compelling technology that allow us to build lightweight, autonomous and portable microservices that run on top of Linux or Windows.  In the other hand, Service Fabric provides so much to support deployment, compute utilization, health monitoring and recovery -- we could leverage the same team while increasing the size of our solution and feature set!”</a:t>
             </a:r>
           </a:p>
           <a:p>
@@ -25363,7 +23300,7 @@
 </p:sld>
 </file>
 
-<file path=ppt/slides/slide29.xml><?xml version="1.0" encoding="utf-8"?>
+<file path=ppt/slides/slide25.xml><?xml version="1.0" encoding="utf-8"?>
 <p:sld xmlns:a="http://schemas.openxmlformats.org/drawingml/2006/main" xmlns:r="http://schemas.openxmlformats.org/officeDocument/2006/relationships" xmlns:p="http://schemas.openxmlformats.org/presentationml/2006/main">
   <p:cSld>
     <p:bg>
@@ -25901,7 +23838,7 @@
           <a:p>
             <a:r>
               <a:rPr lang="en-US" sz="3600" dirty="0"/>
-              <a:t>Interested in microservices, Service Fabric, and serverless architectures.</a:t>
+              <a:t>Interested in microservices, Docker, Service Fabric, and serverless architectures</a:t>
             </a:r>
           </a:p>
           <a:p>
@@ -25909,16 +23846,6 @@
               <a:rPr lang="en-US" sz="3600" dirty="0"/>
               <a:t>Looking for strategy for exposing APIs to partners</a:t>
             </a:r>
-          </a:p>
-          <a:p>
-            <a:pPr marL="0" indent="0">
-              <a:buNone/>
-            </a:pPr>
-            <a:endParaRPr lang="en-US" sz="3600" dirty="0">
-              <a:solidFill>
-                <a:schemeClr val="tx1"/>
-              </a:solidFill>
-            </a:endParaRPr>
           </a:p>
         </p:txBody>
       </p:sp>
@@ -26856,27 +24783,7 @@
                   <a:schemeClr val="tx1"/>
                 </a:solidFill>
               </a:rPr>
-              <a:t>Which of our existing skills can be applied to microservices and Service Fabric?</a:t>
-            </a:r>
-          </a:p>
-          <a:p>
-            <a:r>
-              <a:rPr lang="en-US" sz="3600" dirty="0">
-                <a:solidFill>
-                  <a:schemeClr val="tx1"/>
-                </a:solidFill>
-              </a:rPr>
-              <a:t>Can stateful services or actors help us with ticket ordering throughput?</a:t>
-            </a:r>
-          </a:p>
-          <a:p>
-            <a:r>
-              <a:rPr lang="en-US" sz="3600" dirty="0">
-                <a:solidFill>
-                  <a:schemeClr val="tx1"/>
-                </a:solidFill>
-              </a:rPr>
-              <a:t>How and where can stateful services and actors help us?</a:t>
+              <a:t>Which of our existing skills can be applied to microservices, Docker and Service Fabric?</a:t>
             </a:r>
           </a:p>
           <a:p>
@@ -26887,6 +24794,16 @@
                 </a:solidFill>
               </a:rPr>
               <a:t>How can Azure Functions be leveraged?</a:t>
+            </a:r>
+          </a:p>
+          <a:p>
+            <a:r>
+              <a:rPr lang="en-US" sz="3600" dirty="0">
+                <a:solidFill>
+                  <a:schemeClr val="tx1"/>
+                </a:solidFill>
+              </a:rPr>
+              <a:t>We would like to understand more about the benefits of serverless architectures.</a:t>
             </a:r>
           </a:p>
           <a:p>

--- a/Whiteboard design session/WDS trainer presentation - Microservices architecture.pptx
+++ b/Whiteboard design session/WDS trainer presentation - Microservices architecture.pptx
@@ -225,7 +225,7 @@
           <a:p>
             <a:fld id="{52A13B17-C506-4D51-BB37-16B365906619}" type="datetimeFigureOut">
               <a:rPr lang="en-US" smtClean="0"/>
-              <a:t>11-Jun-19</a:t>
+              <a:t>03-Jul-19</a:t>
             </a:fld>
             <a:endParaRPr lang="en-US" dirty="0"/>
           </a:p>
@@ -1623,7 +1623,50 @@
             </a:pPr>
             <a:r>
               <a:rPr lang="en-US" b="1" i="1" dirty="0"/>
-              <a:t>Describe the scalability features of this design, including any partitioning strategies that are applicable. </a:t>
+              <a:t>Describe the scalability features of this design.</a:t>
+            </a:r>
+          </a:p>
+          <a:p>
+            <a:pPr marL="0" marR="0" lvl="0" indent="0" algn="l" defTabSz="914400" rtl="0" eaLnBrk="1" fontAlgn="auto" latinLnBrk="0" hangingPunct="1">
+              <a:lnSpc>
+                <a:spcPct val="100000"/>
+              </a:lnSpc>
+              <a:spcBef>
+                <a:spcPts val="0"/>
+              </a:spcBef>
+              <a:spcAft>
+                <a:spcPts val="0"/>
+              </a:spcAft>
+              <a:buClrTx/>
+              <a:buSzTx/>
+              <a:buFontTx/>
+              <a:buNone/>
+              <a:tabLst/>
+              <a:defRPr/>
+            </a:pPr>
+            <a:endParaRPr lang="en-US" b="1" i="1" dirty="0"/>
+          </a:p>
+          <a:p>
+            <a:pPr marL="0" marR="0" lvl="0" indent="0" algn="l" defTabSz="914400" rtl="0" eaLnBrk="1" fontAlgn="auto" latinLnBrk="0" hangingPunct="1">
+              <a:lnSpc>
+                <a:spcPct val="100000"/>
+              </a:lnSpc>
+              <a:spcBef>
+                <a:spcPts val="0"/>
+              </a:spcBef>
+              <a:spcAft>
+                <a:spcPts val="0"/>
+              </a:spcAft>
+              <a:buClrTx/>
+              <a:buSzTx/>
+              <a:buFontTx/>
+              <a:buNone/>
+              <a:tabLst/>
+              <a:defRPr/>
+            </a:pPr>
+            <a:r>
+              <a:rPr lang="en-US" b="0" i="0" dirty="0"/>
+              <a:t>API Management Premium features support scaling and multi-region topologies to meet demand and high availability requirements.</a:t>
             </a:r>
           </a:p>
           <a:p>
@@ -1646,29 +1689,6 @@
             </a:pPr>
             <a:r>
               <a:rPr lang="en-US" b="0" i="0" dirty="0"/>
-              <a:t>API Management Premium features support scaling and multi-region topologies to meet demand and high availability requirements.</a:t>
-            </a:r>
-          </a:p>
-          <a:p>
-            <a:pPr marL="171450" marR="0" lvl="0" indent="-171450" algn="l" defTabSz="914400" rtl="0" eaLnBrk="1" fontAlgn="auto" latinLnBrk="0" hangingPunct="1">
-              <a:lnSpc>
-                <a:spcPct val="100000"/>
-              </a:lnSpc>
-              <a:spcBef>
-                <a:spcPts val="0"/>
-              </a:spcBef>
-              <a:spcAft>
-                <a:spcPts val="0"/>
-              </a:spcAft>
-              <a:buClrTx/>
-              <a:buSzTx/>
-              <a:buFont typeface="Arial" panose="020B0604020202020204" pitchFamily="34" charset="0"/>
-              <a:buChar char="•"/>
-              <a:tabLst/>
-              <a:defRPr/>
-            </a:pPr>
-            <a:r>
-              <a:rPr lang="en-US" b="0" i="0" dirty="0"/>
               <a:t>The stateless Ticket Order API offloads valid requests to the stateful Ticket Order Queue. This queue is partitioned by instance count so that requests can be distributed by Service Fabric to the appropriate node or service instance according to availability to process the message.</a:t>
             </a:r>
           </a:p>
@@ -1718,75 +1738,6 @@
               <a:t>When the stateless Ticket Order API offloads valid requests to this queue, those requests are randomly distributed by Service Fabric across these partitions, removing the bottleneck of writes to the queue, thanks to parallel distribution.</a:t>
             </a:r>
             <a:endParaRPr lang="en-US" b="0" i="0" dirty="0"/>
-          </a:p>
-          <a:p>
-            <a:pPr marL="171450" marR="0" lvl="0" indent="-171450" algn="l" defTabSz="914400" rtl="0" eaLnBrk="1" fontAlgn="auto" latinLnBrk="0" hangingPunct="1">
-              <a:lnSpc>
-                <a:spcPct val="100000"/>
-              </a:lnSpc>
-              <a:spcBef>
-                <a:spcPts val="0"/>
-              </a:spcBef>
-              <a:spcAft>
-                <a:spcPts val="0"/>
-              </a:spcAft>
-              <a:buClrTx/>
-              <a:buSzTx/>
-              <a:buFont typeface="Arial" panose="020B0604020202020204" pitchFamily="34" charset="0"/>
-              <a:buChar char="•"/>
-              <a:tabLst/>
-              <a:defRPr/>
-            </a:pPr>
-            <a:r>
-              <a:rPr lang="en-US" b="0" i="0" dirty="0"/>
-              <a:t>The stateful Ticket Order Actor handles processing from this queue and given the number of parallel orders helps the solution to scale by maintaining the state of any number of parallel orders. </a:t>
-            </a:r>
-          </a:p>
-          <a:p>
-            <a:pPr marL="628650" marR="0" lvl="1" indent="-171450" algn="l" defTabSz="914400" rtl="0" eaLnBrk="1" fontAlgn="auto" latinLnBrk="0" hangingPunct="1">
-              <a:lnSpc>
-                <a:spcPct val="100000"/>
-              </a:lnSpc>
-              <a:spcBef>
-                <a:spcPts val="0"/>
-              </a:spcBef>
-              <a:spcAft>
-                <a:spcPts val="0"/>
-              </a:spcAft>
-              <a:buClrTx/>
-              <a:buSzTx/>
-              <a:buFont typeface="Arial" panose="020B0604020202020204" pitchFamily="34" charset="0"/>
-              <a:buChar char="•"/>
-              <a:tabLst/>
-              <a:defRPr/>
-            </a:pPr>
-            <a:r>
-              <a:rPr lang="en-US" b="0" i="0" dirty="0"/>
-              <a:t>The actor is partitioned by order id, which allows for very fine-grained distribution of state, per order, across the cluster. </a:t>
-            </a:r>
-          </a:p>
-          <a:p>
-            <a:pPr marL="628650" marR="0" lvl="1" indent="-171450" algn="l" defTabSz="914400" rtl="0" eaLnBrk="1" fontAlgn="auto" latinLnBrk="0" hangingPunct="1">
-              <a:lnSpc>
-                <a:spcPct val="100000"/>
-              </a:lnSpc>
-              <a:spcBef>
-                <a:spcPts val="0"/>
-              </a:spcBef>
-              <a:spcAft>
-                <a:spcPts val="0"/>
-              </a:spcAft>
-              <a:buClrTx/>
-              <a:buSzTx/>
-              <a:buFont typeface="Arial" panose="020B0604020202020204" pitchFamily="34" charset="0"/>
-              <a:buChar char="•"/>
-              <a:tabLst/>
-              <a:defRPr/>
-            </a:pPr>
-            <a:r>
-              <a:rPr lang="en-US" b="0" i="0" dirty="0"/>
-              <a:t>Millions of these can exist and distribute across the cluster and inactive actors are evicted from memory automatically to conserve resources. </a:t>
-            </a:r>
           </a:p>
           <a:p>
             <a:pPr marL="457200" marR="0" lvl="1" indent="0" algn="l" defTabSz="914400" rtl="0" eaLnBrk="1" fontAlgn="auto" latinLnBrk="0" hangingPunct="1">
@@ -1875,29 +1826,6 @@
             <a:r>
               <a:rPr lang="en-US" b="0" i="0" dirty="0"/>
               <a:t>All Web API calls go through API Management, which can be scaled within a region, or deployed to multiple regions. </a:t>
-            </a:r>
-          </a:p>
-          <a:p>
-            <a:pPr marL="171450" marR="0" lvl="0" indent="-171450" algn="l" defTabSz="914400" rtl="0" eaLnBrk="1" fontAlgn="auto" latinLnBrk="0" hangingPunct="1">
-              <a:lnSpc>
-                <a:spcPct val="100000"/>
-              </a:lnSpc>
-              <a:spcBef>
-                <a:spcPts val="0"/>
-              </a:spcBef>
-              <a:spcAft>
-                <a:spcPts val="0"/>
-              </a:spcAft>
-              <a:buClrTx/>
-              <a:buSzTx/>
-              <a:buFont typeface="Arial" panose="020B0604020202020204" pitchFamily="34" charset="0"/>
-              <a:buChar char="•"/>
-              <a:tabLst/>
-              <a:defRPr/>
-            </a:pPr>
-            <a:r>
-              <a:rPr lang="en-US" b="0" i="0" dirty="0"/>
-              <a:t>The Ticket Order Actor does not remove the order from the queue unless it can successfully process its workflow and save to the Order Sync Queue.</a:t>
             </a:r>
           </a:p>
           <a:p>
@@ -4082,91 +4010,6 @@
               <a:buFont typeface="Arial" panose="020B0604020202020204" pitchFamily="34" charset="0"/>
               <a:buChar char="•"/>
             </a:pPr>
-            <a:endParaRPr lang="en-US" b="1" i="1" dirty="0"/>
-          </a:p>
-          <a:p>
-            <a:pPr marL="0" indent="0">
-              <a:buFont typeface="Arial" panose="020B0604020202020204" pitchFamily="34" charset="0"/>
-              <a:buNone/>
-            </a:pPr>
-            <a:r>
-              <a:rPr lang="en-US" b="1" i="1" dirty="0"/>
-              <a:t>We’d like to understand if stateful services or stateful actors will help us with ticket ordering throughput, workflow and state management, and easier rollouts of changes to this process.</a:t>
-            </a:r>
-            <a:endParaRPr lang="en-US" b="0" i="0" dirty="0"/>
-          </a:p>
-          <a:p>
-            <a:pPr marL="171450" indent="-171450">
-              <a:buFont typeface="Arial" panose="020B0604020202020204" pitchFamily="34" charset="0"/>
-              <a:buChar char="•"/>
-            </a:pPr>
-            <a:r>
-              <a:rPr lang="en-US" b="0" i="0" dirty="0"/>
-              <a:t>Stateful services are backed by robust and reliable storage. When data (state) is saved by the service, it is not confirmed (committed) unless a quorum is reached. </a:t>
-            </a:r>
-          </a:p>
-          <a:p>
-            <a:pPr marL="171450" indent="-171450">
-              <a:buFont typeface="Arial" panose="020B0604020202020204" pitchFamily="34" charset="0"/>
-              <a:buChar char="•"/>
-            </a:pPr>
-            <a:r>
-              <a:rPr lang="en-US" b="0" i="0" dirty="0"/>
-              <a:t>By using the stateful actor, not only is the persistence of the actual ticket order handled by the Service Fabric at scale, but the actor can be wholly responsible for the workflow required to complete the order</a:t>
-            </a:r>
-          </a:p>
-          <a:p>
-            <a:pPr marL="171450" indent="-171450">
-              <a:buFont typeface="Arial" panose="020B0604020202020204" pitchFamily="34" charset="0"/>
-              <a:buChar char="•"/>
-            </a:pPr>
-            <a:r>
-              <a:rPr lang="en-US" b="0" i="0" dirty="0"/>
-              <a:t>When updates to this actor are required, the existing state is preserved, any active instances can continue completing their work, and the new actor functionality or state requirements can be rolled out safely across the nodes in the cluster, eventually retiring the previous version.</a:t>
-            </a:r>
-          </a:p>
-          <a:p>
-            <a:pPr marL="171450" indent="-171450">
-              <a:buFont typeface="Arial" panose="020B0604020202020204" pitchFamily="34" charset="0"/>
-              <a:buChar char="•"/>
-            </a:pPr>
-            <a:endParaRPr lang="en-US" b="1" i="1" dirty="0"/>
-          </a:p>
-          <a:p>
-            <a:pPr marL="0" indent="0">
-              <a:buFont typeface="Arial" panose="020B0604020202020204" pitchFamily="34" charset="0"/>
-              <a:buNone/>
-            </a:pPr>
-            <a:r>
-              <a:rPr lang="en-US" b="1" i="1" dirty="0"/>
-              <a:t>We are not clear how and where to incorporate stateful services and actors alongside other storage such as Cosmos DB. We need the ability to support robust ad-hoc queries against our system data such as events, customers, orders and related metrics – but would like to take advantage of the performance and reliability of Service Fabric stateful options as well.</a:t>
-            </a:r>
-          </a:p>
-          <a:p>
-            <a:pPr marL="171450" indent="-171450">
-              <a:buFont typeface="Arial" panose="020B0604020202020204" pitchFamily="34" charset="0"/>
-              <a:buChar char="•"/>
-            </a:pPr>
-            <a:r>
-              <a:rPr lang="en-US" b="0" i="0" dirty="0"/>
-              <a:t>Stateful services make it easy to save and retrieve state, and distribute that state for higher availability by using a partitioning strategy. Each partition has its own replica set for reliability.</a:t>
-            </a:r>
-          </a:p>
-          <a:p>
-            <a:pPr marL="171450" indent="-171450">
-              <a:buFont typeface="Arial" panose="020B0604020202020204" pitchFamily="34" charset="0"/>
-              <a:buChar char="•"/>
-            </a:pPr>
-            <a:r>
-              <a:rPr lang="en-US" b="0" i="0" dirty="0"/>
-              <a:t>You can replicate this state to an external store like Cosmos DB to support ad-hoc querying, analytics and disaster recovery.</a:t>
-            </a:r>
-          </a:p>
-          <a:p>
-            <a:pPr marL="171450" indent="-171450">
-              <a:buFont typeface="Arial" panose="020B0604020202020204" pitchFamily="34" charset="0"/>
-              <a:buChar char="•"/>
-            </a:pPr>
             <a:endParaRPr lang="en-US" b="0" i="0" dirty="0"/>
           </a:p>
           <a:p>
@@ -4437,94 +4280,9 @@
             </a:r>
           </a:p>
           <a:p>
-            <a:pPr marL="171450" indent="-171450">
-              <a:buFont typeface="Arial" panose="020B0604020202020204" pitchFamily="34" charset="0"/>
-              <a:buChar char="•"/>
-            </a:pPr>
-            <a:endParaRPr lang="en-US" b="1" i="1" dirty="0"/>
-          </a:p>
-          <a:p>
             <a:pPr marL="0" indent="0">
               <a:buFont typeface="Arial" panose="020B0604020202020204" pitchFamily="34" charset="0"/>
               <a:buNone/>
-            </a:pPr>
-            <a:r>
-              <a:rPr lang="en-US" b="1" i="1" dirty="0"/>
-              <a:t>We’d like to understand if stateful services or stateful actors will help us with ticket ordering throughput, workflow and state management, and easier rollouts of changes to this process.</a:t>
-            </a:r>
-            <a:endParaRPr lang="en-US" b="0" i="0" dirty="0"/>
-          </a:p>
-          <a:p>
-            <a:pPr marL="171450" indent="-171450">
-              <a:buFont typeface="Arial" panose="020B0604020202020204" pitchFamily="34" charset="0"/>
-              <a:buChar char="•"/>
-            </a:pPr>
-            <a:r>
-              <a:rPr lang="en-US" b="0" i="0" dirty="0"/>
-              <a:t>Stateful services are backed by robust and reliable storage. When data (state) is saved by the service, it is not confirmed (committed) unless a quorum is reached. </a:t>
-            </a:r>
-          </a:p>
-          <a:p>
-            <a:pPr marL="171450" indent="-171450">
-              <a:buFont typeface="Arial" panose="020B0604020202020204" pitchFamily="34" charset="0"/>
-              <a:buChar char="•"/>
-            </a:pPr>
-            <a:r>
-              <a:rPr lang="en-US" b="0" i="0" dirty="0"/>
-              <a:t>By using the stateful actor, not only is the persistence of the actual ticket order handled by the Service Fabric at scale, but the actor can be wholly responsible for the workflow required to complete the order</a:t>
-            </a:r>
-          </a:p>
-          <a:p>
-            <a:pPr marL="171450" indent="-171450">
-              <a:buFont typeface="Arial" panose="020B0604020202020204" pitchFamily="34" charset="0"/>
-              <a:buChar char="•"/>
-            </a:pPr>
-            <a:r>
-              <a:rPr lang="en-US" b="0" i="0" dirty="0"/>
-              <a:t>When updates to this actor are required, the existing state is preserved, any active instances can continue completing their work, and the new actor functionality or state requirements can be rolled out safely across the nodes in the cluster, eventually retiring the previous version.</a:t>
-            </a:r>
-          </a:p>
-          <a:p>
-            <a:pPr marL="171450" indent="-171450">
-              <a:buFont typeface="Arial" panose="020B0604020202020204" pitchFamily="34" charset="0"/>
-              <a:buChar char="•"/>
-            </a:pPr>
-            <a:endParaRPr lang="en-US" b="1" i="1" dirty="0"/>
-          </a:p>
-          <a:p>
-            <a:pPr marL="0" indent="0">
-              <a:buFont typeface="Arial" panose="020B0604020202020204" pitchFamily="34" charset="0"/>
-              <a:buNone/>
-            </a:pPr>
-            <a:r>
-              <a:rPr lang="en-US" b="1" i="1" dirty="0"/>
-              <a:t>We are not clear how and where to incorporate stateful services and actors alongside other storage such as Cosmos DB. We need the ability to support robust ad-hoc queries against our system data such as events, customers, orders and related metrics – but would like to take advantage of the performance and reliability of Service Fabric stateful options as well.</a:t>
-            </a:r>
-          </a:p>
-          <a:p>
-            <a:pPr marL="171450" indent="-171450">
-              <a:buFont typeface="Arial" panose="020B0604020202020204" pitchFamily="34" charset="0"/>
-              <a:buChar char="•"/>
-            </a:pPr>
-            <a:r>
-              <a:rPr lang="en-US" b="0" i="0" dirty="0"/>
-              <a:t>Stateful services make it easy to save and retrieve state, and distribute that state for higher availability by using a partitioning strategy. Each partition has its own replica set for reliability.</a:t>
-            </a:r>
-          </a:p>
-          <a:p>
-            <a:pPr marL="171450" indent="-171450">
-              <a:buFont typeface="Arial" panose="020B0604020202020204" pitchFamily="34" charset="0"/>
-              <a:buChar char="•"/>
-            </a:pPr>
-            <a:r>
-              <a:rPr lang="en-US" b="0" i="0" dirty="0"/>
-              <a:t>You can replicate this state to an external store like Cosmos DB to support ad-hoc querying, analytics and disaster recovery.</a:t>
-            </a:r>
-          </a:p>
-          <a:p>
-            <a:pPr marL="171450" indent="-171450">
-              <a:buFont typeface="Arial" panose="020B0604020202020204" pitchFamily="34" charset="0"/>
-              <a:buChar char="•"/>
             </a:pPr>
             <a:endParaRPr lang="en-US" b="0" i="0" dirty="0"/>
           </a:p>
@@ -4805,7 +4563,7 @@
                   <a:prstClr val="black"/>
                 </a:solidFill>
               </a:rPr>
-              <a:t>11-Jun-19 1:38 AM</a:t>
+              <a:t>03-Jul-19 2:26 PM</a:t>
             </a:fld>
             <a:endParaRPr lang="en-US" dirty="0">
               <a:solidFill>
@@ -19823,10 +19581,10 @@
       </p:sp>
       <p:pic>
         <p:nvPicPr>
-          <p:cNvPr id="4" name="Picture 3">
+          <p:cNvPr id="5" name="Picture 4">
             <a:extLst>
               <a:ext uri="{FF2B5EF4-FFF2-40B4-BE49-F238E27FC236}">
-                <a16:creationId xmlns:a16="http://schemas.microsoft.com/office/drawing/2014/main" id="{A7B75867-9233-479E-A148-03AF8271D7A4}"/>
+                <a16:creationId xmlns:a16="http://schemas.microsoft.com/office/drawing/2014/main" id="{A8194D2A-8B5A-4F03-BBF7-2239E26D9340}"/>
               </a:ext>
             </a:extLst>
           </p:cNvPr>
@@ -19849,8 +19607,8 @@
         </p:blipFill>
         <p:spPr>
           <a:xfrm>
-            <a:off x="1960419" y="1026419"/>
-            <a:ext cx="8271161" cy="5599220"/>
+            <a:off x="2035016" y="1189176"/>
+            <a:ext cx="8121968" cy="5498223"/>
           </a:xfrm>
           <a:prstGeom prst="rect">
             <a:avLst/>
@@ -23234,7 +22992,7 @@
                   <a:schemeClr val="tx1"/>
                 </a:solidFill>
               </a:rPr>
-              <a:t>“Docker is a compelling technology that allow us to build lightweight, autonomous and portable microservices that run on top of Linux or Windows.  In the other hand, Service Fabric provides so much to support deployment, compute utilization, health monitoring and recovery -- we could leverage the same team while increasing the size of our solution and feature set!”</a:t>
+              <a:t>“Docker is a compelling technology that allow us to build lightweight, autonomous and portable microservices that run on top of Linux or Windows.  On the other hand, Service Fabric provides so much to support deployment, compute utilization, health monitoring and recovery -- we could leverage the same team while increasing the size of our solution and feature set!”</a:t>
             </a:r>
           </a:p>
           <a:p>
